--- a/car-sales-prediction-presentation.pptx
+++ b/car-sales-prediction-presentation.pptx
@@ -3,20 +3,22 @@
 <p:presentation xmlns:a="http://schemas.openxmlformats.org/drawingml/2006/main" xmlns:p="http://schemas.openxmlformats.org/presentationml/2006/main" xmlns:r="http://schemas.openxmlformats.org/officeDocument/2006/relationships" xmlns:p14="http://schemas.microsoft.com/office/powerpoint/2010/main" xmlns:p15="http://schemas.microsoft.com/office/powerpoint/2012/main" xmlns:mc="http://schemas.openxmlformats.org/markup-compatibility/2006">
   <p:sldMasterIdLst>
     <p:sldMasterId id="2147483648" r:id="rId2"/>
+    <p:sldMasterId id="2147483661" r:id="rId3"/>
   </p:sldMasterIdLst>
   <p:sldIdLst>
-    <p:sldId id="256" r:id="rId3"/>
-    <p:sldId id="257" r:id="rId4"/>
-    <p:sldId id="258" r:id="rId5"/>
-    <p:sldId id="259" r:id="rId6"/>
-    <p:sldId id="260" r:id="rId7"/>
-    <p:sldId id="261" r:id="rId8"/>
-    <p:sldId id="262" r:id="rId9"/>
-    <p:sldId id="263" r:id="rId10"/>
-    <p:sldId id="264" r:id="rId11"/>
-    <p:sldId id="265" r:id="rId12"/>
-    <p:sldId id="266" r:id="rId13"/>
-    <p:sldId id="267" r:id="rId14"/>
+    <p:sldId id="256" r:id="rId4"/>
+    <p:sldId id="257" r:id="rId5"/>
+    <p:sldId id="258" r:id="rId6"/>
+    <p:sldId id="259" r:id="rId7"/>
+    <p:sldId id="260" r:id="rId8"/>
+    <p:sldId id="261" r:id="rId9"/>
+    <p:sldId id="262" r:id="rId10"/>
+    <p:sldId id="263" r:id="rId11"/>
+    <p:sldId id="264" r:id="rId12"/>
+    <p:sldId id="265" r:id="rId13"/>
+    <p:sldId id="266" r:id="rId14"/>
+    <p:sldId id="267" r:id="rId15"/>
+    <p:sldId id="268" r:id="rId16"/>
   </p:sldIdLst>
   <p:sldSz cx="10080625" cy="7559675"/>
   <p:notesSz cx="7559675" cy="10691812"/>
@@ -64,7 +66,7 @@
       </p:grpSpPr>
       <p:sp>
         <p:nvSpPr>
-          <p:cNvPr id="26" name="PlaceHolder 1"/>
+          <p:cNvPr id="23" name="PlaceHolder 1"/>
           <p:cNvSpPr>
             <a:spLocks noGrp="1"/>
           </p:cNvSpPr>
@@ -75,7 +77,7 @@
         <p:spPr>
           <a:xfrm>
             <a:off x="504000" y="301320"/>
-            <a:ext cx="9071640" cy="1262160"/>
+            <a:ext cx="9071280" cy="1261800"/>
           </a:xfrm>
           <a:prstGeom prst="rect">
             <a:avLst/>
@@ -101,7 +103,7 @@
       </p:sp>
       <p:sp>
         <p:nvSpPr>
-          <p:cNvPr id="27" name="PlaceHolder 2"/>
+          <p:cNvPr id="24" name="PlaceHolder 2"/>
           <p:cNvSpPr>
             <a:spLocks noGrp="1"/>
           </p:cNvSpPr>
@@ -111,8 +113,8 @@
         </p:nvSpPr>
         <p:spPr>
           <a:xfrm>
-            <a:off x="504000" y="1769040"/>
-            <a:ext cx="9071640" cy="2091240"/>
+            <a:off x="504000" y="1768680"/>
+            <a:ext cx="9072000" cy="2090880"/>
           </a:xfrm>
           <a:prstGeom prst="rect">
             <a:avLst/>
@@ -137,7 +139,7 @@
       </p:sp>
       <p:sp>
         <p:nvSpPr>
-          <p:cNvPr id="28" name="PlaceHolder 3"/>
+          <p:cNvPr id="25" name="PlaceHolder 3"/>
           <p:cNvSpPr>
             <a:spLocks noGrp="1"/>
           </p:cNvSpPr>
@@ -147,8 +149,8 @@
         </p:nvSpPr>
         <p:spPr>
           <a:xfrm>
-            <a:off x="504000" y="4059360"/>
-            <a:ext cx="9071640" cy="2091240"/>
+            <a:off x="504000" y="4058640"/>
+            <a:ext cx="9072000" cy="2090880"/>
           </a:xfrm>
           <a:prstGeom prst="rect">
             <a:avLst/>
@@ -195,7 +197,7 @@
       </p:grpSpPr>
       <p:sp>
         <p:nvSpPr>
-          <p:cNvPr id="29" name="PlaceHolder 1"/>
+          <p:cNvPr id="26" name="PlaceHolder 1"/>
           <p:cNvSpPr>
             <a:spLocks noGrp="1"/>
           </p:cNvSpPr>
@@ -206,7 +208,7 @@
         <p:spPr>
           <a:xfrm>
             <a:off x="504000" y="301320"/>
-            <a:ext cx="9071640" cy="1262160"/>
+            <a:ext cx="9071280" cy="1261800"/>
           </a:xfrm>
           <a:prstGeom prst="rect">
             <a:avLst/>
@@ -232,7 +234,7 @@
       </p:sp>
       <p:sp>
         <p:nvSpPr>
-          <p:cNvPr id="30" name="PlaceHolder 2"/>
+          <p:cNvPr id="27" name="PlaceHolder 2"/>
           <p:cNvSpPr>
             <a:spLocks noGrp="1"/>
           </p:cNvSpPr>
@@ -242,8 +244,8 @@
         </p:nvSpPr>
         <p:spPr>
           <a:xfrm>
-            <a:off x="504000" y="1769040"/>
-            <a:ext cx="4426920" cy="2091240"/>
+            <a:off x="504000" y="1768680"/>
+            <a:ext cx="4426920" cy="2090880"/>
           </a:xfrm>
           <a:prstGeom prst="rect">
             <a:avLst/>
@@ -268,7 +270,7 @@
       </p:sp>
       <p:sp>
         <p:nvSpPr>
-          <p:cNvPr id="31" name="PlaceHolder 3"/>
+          <p:cNvPr id="28" name="PlaceHolder 3"/>
           <p:cNvSpPr>
             <a:spLocks noGrp="1"/>
           </p:cNvSpPr>
@@ -278,8 +280,8 @@
         </p:nvSpPr>
         <p:spPr>
           <a:xfrm>
-            <a:off x="5152680" y="1769040"/>
-            <a:ext cx="4426920" cy="2091240"/>
+            <a:off x="5152680" y="1768680"/>
+            <a:ext cx="4426920" cy="2090880"/>
           </a:xfrm>
           <a:prstGeom prst="rect">
             <a:avLst/>
@@ -304,7 +306,7 @@
       </p:sp>
       <p:sp>
         <p:nvSpPr>
-          <p:cNvPr id="32" name="PlaceHolder 4"/>
+          <p:cNvPr id="29" name="PlaceHolder 4"/>
           <p:cNvSpPr>
             <a:spLocks noGrp="1"/>
           </p:cNvSpPr>
@@ -314,8 +316,8 @@
         </p:nvSpPr>
         <p:spPr>
           <a:xfrm>
-            <a:off x="5152680" y="4059360"/>
-            <a:ext cx="4426920" cy="2091240"/>
+            <a:off x="5152680" y="4058640"/>
+            <a:ext cx="4426920" cy="2090880"/>
           </a:xfrm>
           <a:prstGeom prst="rect">
             <a:avLst/>
@@ -340,7 +342,7 @@
       </p:sp>
       <p:sp>
         <p:nvSpPr>
-          <p:cNvPr id="33" name="PlaceHolder 5"/>
+          <p:cNvPr id="30" name="PlaceHolder 5"/>
           <p:cNvSpPr>
             <a:spLocks noGrp="1"/>
           </p:cNvSpPr>
@@ -350,8 +352,8 @@
         </p:nvSpPr>
         <p:spPr>
           <a:xfrm>
-            <a:off x="504000" y="4059360"/>
-            <a:ext cx="4426920" cy="2091240"/>
+            <a:off x="504000" y="4058640"/>
+            <a:ext cx="4426920" cy="2090880"/>
           </a:xfrm>
           <a:prstGeom prst="rect">
             <a:avLst/>
@@ -398,7 +400,7 @@
       </p:grpSpPr>
       <p:sp>
         <p:nvSpPr>
-          <p:cNvPr id="34" name="PlaceHolder 1"/>
+          <p:cNvPr id="31" name="PlaceHolder 1"/>
           <p:cNvSpPr>
             <a:spLocks noGrp="1"/>
           </p:cNvSpPr>
@@ -409,7 +411,7 @@
         <p:spPr>
           <a:xfrm>
             <a:off x="504000" y="301320"/>
-            <a:ext cx="9071640" cy="1262160"/>
+            <a:ext cx="9071280" cy="1261800"/>
           </a:xfrm>
           <a:prstGeom prst="rect">
             <a:avLst/>
@@ -435,7 +437,7 @@
       </p:sp>
       <p:sp>
         <p:nvSpPr>
-          <p:cNvPr id="35" name="PlaceHolder 2"/>
+          <p:cNvPr id="32" name="PlaceHolder 2"/>
           <p:cNvSpPr>
             <a:spLocks noGrp="1"/>
           </p:cNvSpPr>
@@ -445,8 +447,8 @@
         </p:nvSpPr>
         <p:spPr>
           <a:xfrm>
-            <a:off x="504000" y="1769040"/>
-            <a:ext cx="9071640" cy="4384440"/>
+            <a:off x="504000" y="1768680"/>
+            <a:ext cx="9072000" cy="4384080"/>
           </a:xfrm>
           <a:prstGeom prst="rect">
             <a:avLst/>
@@ -471,7 +473,7 @@
       </p:sp>
       <p:sp>
         <p:nvSpPr>
-          <p:cNvPr id="36" name="PlaceHolder 3"/>
+          <p:cNvPr id="33" name="PlaceHolder 3"/>
           <p:cNvSpPr>
             <a:spLocks noGrp="1"/>
           </p:cNvSpPr>
@@ -481,8 +483,8 @@
         </p:nvSpPr>
         <p:spPr>
           <a:xfrm>
-            <a:off x="504000" y="1769040"/>
-            <a:ext cx="9071640" cy="4384440"/>
+            <a:off x="504000" y="1768680"/>
+            <a:ext cx="9072000" cy="4384080"/>
           </a:xfrm>
           <a:prstGeom prst="rect">
             <a:avLst/>
@@ -507,7 +509,7 @@
       </p:sp>
       <p:pic>
         <p:nvPicPr>
-          <p:cNvPr id="37" name="" descr=""/>
+          <p:cNvPr id="34" name="" descr=""/>
           <p:cNvPicPr/>
           <p:nvPr/>
         </p:nvPicPr>
@@ -517,8 +519,8 @@
         </p:blipFill>
         <p:spPr>
           <a:xfrm>
-            <a:off x="2292120" y="1768680"/>
-            <a:ext cx="5495040" cy="4384440"/>
+            <a:off x="2292480" y="1768680"/>
+            <a:ext cx="5494680" cy="4384080"/>
           </a:xfrm>
           <a:prstGeom prst="rect">
             <a:avLst/>
@@ -530,7 +532,7 @@
       </p:pic>
       <p:pic>
         <p:nvPicPr>
-          <p:cNvPr id="38" name="" descr=""/>
+          <p:cNvPr id="35" name="" descr=""/>
           <p:cNvPicPr/>
           <p:nvPr/>
         </p:nvPicPr>
@@ -540,8 +542,8 @@
         </p:blipFill>
         <p:spPr>
           <a:xfrm>
-            <a:off x="2292120" y="1768680"/>
-            <a:ext cx="5495040" cy="4384440"/>
+            <a:off x="2292480" y="1768680"/>
+            <a:ext cx="5494680" cy="4384080"/>
           </a:xfrm>
           <a:prstGeom prst="rect">
             <a:avLst/>
@@ -551,6 +553,635 @@
           </a:ln>
         </p:spPr>
       </p:pic>
+    </p:spTree>
+  </p:cSld>
+</p:sldLayout>
+</file>
+
+<file path=ppt/slideLayouts/slideLayout13.xml><?xml version="1.0" encoding="utf-8"?>
+<p:sldLayout xmlns:a="http://schemas.openxmlformats.org/drawingml/2006/main" xmlns:p="http://schemas.openxmlformats.org/presentationml/2006/main" xmlns:r="http://schemas.openxmlformats.org/officeDocument/2006/relationships" xmlns:p14="http://schemas.microsoft.com/office/powerpoint/2010/main" xmlns:p15="http://schemas.microsoft.com/office/powerpoint/2012/main" xmlns:mc="http://schemas.openxmlformats.org/markup-compatibility/2006" type="blank" preserve="1">
+  <p:cSld name="Blank Slide">
+    <p:spTree>
+      <p:nvGrpSpPr>
+        <p:cNvPr id="1" name=""/>
+        <p:cNvGrpSpPr/>
+        <p:nvPr/>
+      </p:nvGrpSpPr>
+      <p:grpSpPr>
+        <a:xfrm>
+          <a:off x="0" y="0"/>
+          <a:ext cx="0" cy="0"/>
+          <a:chOff x="0" y="0"/>
+          <a:chExt cx="0" cy="0"/>
+        </a:xfrm>
+      </p:grpSpPr>
+    </p:spTree>
+  </p:cSld>
+</p:sldLayout>
+</file>
+
+<file path=ppt/slideLayouts/slideLayout14.xml><?xml version="1.0" encoding="utf-8"?>
+<p:sldLayout xmlns:a="http://schemas.openxmlformats.org/drawingml/2006/main" xmlns:p="http://schemas.openxmlformats.org/presentationml/2006/main" xmlns:r="http://schemas.openxmlformats.org/officeDocument/2006/relationships" xmlns:p14="http://schemas.microsoft.com/office/powerpoint/2010/main" xmlns:p15="http://schemas.microsoft.com/office/powerpoint/2012/main" xmlns:mc="http://schemas.openxmlformats.org/markup-compatibility/2006" type="tx" preserve="1">
+  <p:cSld name="Title Slide">
+    <p:spTree>
+      <p:nvGrpSpPr>
+        <p:cNvPr id="1" name=""/>
+        <p:cNvGrpSpPr/>
+        <p:nvPr/>
+      </p:nvGrpSpPr>
+      <p:grpSpPr>
+        <a:xfrm>
+          <a:off x="0" y="0"/>
+          <a:ext cx="0" cy="0"/>
+          <a:chOff x="0" y="0"/>
+          <a:chExt cx="0" cy="0"/>
+        </a:xfrm>
+      </p:grpSpPr>
+      <p:sp>
+        <p:nvSpPr>
+          <p:cNvPr id="38" name="PlaceHolder 1"/>
+          <p:cNvSpPr>
+            <a:spLocks noGrp="1"/>
+          </p:cNvSpPr>
+          <p:nvPr>
+            <p:ph type="title"/>
+          </p:nvPr>
+        </p:nvSpPr>
+        <p:spPr>
+          <a:xfrm>
+            <a:off x="504000" y="301320"/>
+            <a:ext cx="9071280" cy="1261800"/>
+          </a:xfrm>
+          <a:prstGeom prst="rect">
+            <a:avLst/>
+          </a:prstGeom>
+        </p:spPr>
+        <p:txBody>
+          <a:bodyPr lIns="0" rIns="0" tIns="0" bIns="0" anchor="ctr"/>
+          <a:p>
+            <a:pPr algn="ctr"/>
+            <a:endParaRPr b="0" lang="en-US" sz="4400" spc="-1" strike="noStrike">
+              <a:solidFill>
+                <a:srgbClr val="000000"/>
+              </a:solidFill>
+              <a:uFill>
+                <a:solidFill>
+                  <a:srgbClr val="ffffff"/>
+                </a:solidFill>
+              </a:uFill>
+              <a:latin typeface="Arial"/>
+            </a:endParaRPr>
+          </a:p>
+        </p:txBody>
+      </p:sp>
+      <p:sp>
+        <p:nvSpPr>
+          <p:cNvPr id="39" name="PlaceHolder 2"/>
+          <p:cNvSpPr>
+            <a:spLocks noGrp="1"/>
+          </p:cNvSpPr>
+          <p:nvPr>
+            <p:ph type="subTitle"/>
+          </p:nvPr>
+        </p:nvSpPr>
+        <p:spPr>
+          <a:xfrm>
+            <a:off x="504000" y="1768680"/>
+            <a:ext cx="9072000" cy="4384080"/>
+          </a:xfrm>
+          <a:prstGeom prst="rect">
+            <a:avLst/>
+          </a:prstGeom>
+        </p:spPr>
+        <p:txBody>
+          <a:bodyPr lIns="0" rIns="0" tIns="0" bIns="0" anchor="ctr"/>
+          <a:p>
+            <a:pPr algn="ctr"/>
+            <a:endParaRPr b="0" lang="en-US" sz="3200" spc="-1" strike="noStrike">
+              <a:solidFill>
+                <a:srgbClr val="000000"/>
+              </a:solidFill>
+              <a:uFill>
+                <a:solidFill>
+                  <a:srgbClr val="ffffff"/>
+                </a:solidFill>
+              </a:uFill>
+              <a:latin typeface="Arial"/>
+            </a:endParaRPr>
+          </a:p>
+        </p:txBody>
+      </p:sp>
+    </p:spTree>
+  </p:cSld>
+</p:sldLayout>
+</file>
+
+<file path=ppt/slideLayouts/slideLayout15.xml><?xml version="1.0" encoding="utf-8"?>
+<p:sldLayout xmlns:a="http://schemas.openxmlformats.org/drawingml/2006/main" xmlns:p="http://schemas.openxmlformats.org/presentationml/2006/main" xmlns:r="http://schemas.openxmlformats.org/officeDocument/2006/relationships" xmlns:p14="http://schemas.microsoft.com/office/powerpoint/2010/main" xmlns:p15="http://schemas.microsoft.com/office/powerpoint/2012/main" xmlns:mc="http://schemas.openxmlformats.org/markup-compatibility/2006" type="obj" preserve="1">
+  <p:cSld name="Title, Content">
+    <p:spTree>
+      <p:nvGrpSpPr>
+        <p:cNvPr id="1" name=""/>
+        <p:cNvGrpSpPr/>
+        <p:nvPr/>
+      </p:nvGrpSpPr>
+      <p:grpSpPr>
+        <a:xfrm>
+          <a:off x="0" y="0"/>
+          <a:ext cx="0" cy="0"/>
+          <a:chOff x="0" y="0"/>
+          <a:chExt cx="0" cy="0"/>
+        </a:xfrm>
+      </p:grpSpPr>
+      <p:sp>
+        <p:nvSpPr>
+          <p:cNvPr id="40" name="PlaceHolder 1"/>
+          <p:cNvSpPr>
+            <a:spLocks noGrp="1"/>
+          </p:cNvSpPr>
+          <p:nvPr>
+            <p:ph type="title"/>
+          </p:nvPr>
+        </p:nvSpPr>
+        <p:spPr>
+          <a:xfrm>
+            <a:off x="504000" y="301320"/>
+            <a:ext cx="9071280" cy="1261800"/>
+          </a:xfrm>
+          <a:prstGeom prst="rect">
+            <a:avLst/>
+          </a:prstGeom>
+        </p:spPr>
+        <p:txBody>
+          <a:bodyPr lIns="0" rIns="0" tIns="0" bIns="0" anchor="ctr"/>
+          <a:p>
+            <a:pPr algn="ctr"/>
+            <a:endParaRPr b="0" lang="en-US" sz="4400" spc="-1" strike="noStrike">
+              <a:solidFill>
+                <a:srgbClr val="000000"/>
+              </a:solidFill>
+              <a:uFill>
+                <a:solidFill>
+                  <a:srgbClr val="ffffff"/>
+                </a:solidFill>
+              </a:uFill>
+              <a:latin typeface="Arial"/>
+            </a:endParaRPr>
+          </a:p>
+        </p:txBody>
+      </p:sp>
+      <p:sp>
+        <p:nvSpPr>
+          <p:cNvPr id="41" name="PlaceHolder 2"/>
+          <p:cNvSpPr>
+            <a:spLocks noGrp="1"/>
+          </p:cNvSpPr>
+          <p:nvPr>
+            <p:ph type="body"/>
+          </p:nvPr>
+        </p:nvSpPr>
+        <p:spPr>
+          <a:xfrm>
+            <a:off x="504000" y="1768680"/>
+            <a:ext cx="9072000" cy="4384080"/>
+          </a:xfrm>
+          <a:prstGeom prst="rect">
+            <a:avLst/>
+          </a:prstGeom>
+        </p:spPr>
+        <p:txBody>
+          <a:bodyPr lIns="0" rIns="0" tIns="0" bIns="0"/>
+          <a:p>
+            <a:endParaRPr b="0" lang="en-US" sz="3200" spc="-1" strike="noStrike">
+              <a:solidFill>
+                <a:srgbClr val="000000"/>
+              </a:solidFill>
+              <a:uFill>
+                <a:solidFill>
+                  <a:srgbClr val="ffffff"/>
+                </a:solidFill>
+              </a:uFill>
+              <a:latin typeface="Arial"/>
+            </a:endParaRPr>
+          </a:p>
+        </p:txBody>
+      </p:sp>
+    </p:spTree>
+  </p:cSld>
+</p:sldLayout>
+</file>
+
+<file path=ppt/slideLayouts/slideLayout16.xml><?xml version="1.0" encoding="utf-8"?>
+<p:sldLayout xmlns:a="http://schemas.openxmlformats.org/drawingml/2006/main" xmlns:p="http://schemas.openxmlformats.org/presentationml/2006/main" xmlns:r="http://schemas.openxmlformats.org/officeDocument/2006/relationships" xmlns:p14="http://schemas.microsoft.com/office/powerpoint/2010/main" xmlns:p15="http://schemas.microsoft.com/office/powerpoint/2012/main" xmlns:mc="http://schemas.openxmlformats.org/markup-compatibility/2006" type="twoObj" preserve="1">
+  <p:cSld name="Title, 2 Content">
+    <p:spTree>
+      <p:nvGrpSpPr>
+        <p:cNvPr id="1" name=""/>
+        <p:cNvGrpSpPr/>
+        <p:nvPr/>
+      </p:nvGrpSpPr>
+      <p:grpSpPr>
+        <a:xfrm>
+          <a:off x="0" y="0"/>
+          <a:ext cx="0" cy="0"/>
+          <a:chOff x="0" y="0"/>
+          <a:chExt cx="0" cy="0"/>
+        </a:xfrm>
+      </p:grpSpPr>
+      <p:sp>
+        <p:nvSpPr>
+          <p:cNvPr id="42" name="PlaceHolder 1"/>
+          <p:cNvSpPr>
+            <a:spLocks noGrp="1"/>
+          </p:cNvSpPr>
+          <p:nvPr>
+            <p:ph type="title"/>
+          </p:nvPr>
+        </p:nvSpPr>
+        <p:spPr>
+          <a:xfrm>
+            <a:off x="504000" y="301320"/>
+            <a:ext cx="9071280" cy="1261800"/>
+          </a:xfrm>
+          <a:prstGeom prst="rect">
+            <a:avLst/>
+          </a:prstGeom>
+        </p:spPr>
+        <p:txBody>
+          <a:bodyPr lIns="0" rIns="0" tIns="0" bIns="0" anchor="ctr"/>
+          <a:p>
+            <a:pPr algn="ctr"/>
+            <a:endParaRPr b="0" lang="en-US" sz="4400" spc="-1" strike="noStrike">
+              <a:solidFill>
+                <a:srgbClr val="000000"/>
+              </a:solidFill>
+              <a:uFill>
+                <a:solidFill>
+                  <a:srgbClr val="ffffff"/>
+                </a:solidFill>
+              </a:uFill>
+              <a:latin typeface="Arial"/>
+            </a:endParaRPr>
+          </a:p>
+        </p:txBody>
+      </p:sp>
+      <p:sp>
+        <p:nvSpPr>
+          <p:cNvPr id="43" name="PlaceHolder 2"/>
+          <p:cNvSpPr>
+            <a:spLocks noGrp="1"/>
+          </p:cNvSpPr>
+          <p:nvPr>
+            <p:ph type="body"/>
+          </p:nvPr>
+        </p:nvSpPr>
+        <p:spPr>
+          <a:xfrm>
+            <a:off x="504000" y="1768680"/>
+            <a:ext cx="4426920" cy="4384080"/>
+          </a:xfrm>
+          <a:prstGeom prst="rect">
+            <a:avLst/>
+          </a:prstGeom>
+        </p:spPr>
+        <p:txBody>
+          <a:bodyPr lIns="0" rIns="0" tIns="0" bIns="0"/>
+          <a:p>
+            <a:endParaRPr b="0" lang="en-US" sz="3200" spc="-1" strike="noStrike">
+              <a:solidFill>
+                <a:srgbClr val="000000"/>
+              </a:solidFill>
+              <a:uFill>
+                <a:solidFill>
+                  <a:srgbClr val="ffffff"/>
+                </a:solidFill>
+              </a:uFill>
+              <a:latin typeface="Arial"/>
+            </a:endParaRPr>
+          </a:p>
+        </p:txBody>
+      </p:sp>
+      <p:sp>
+        <p:nvSpPr>
+          <p:cNvPr id="44" name="PlaceHolder 3"/>
+          <p:cNvSpPr>
+            <a:spLocks noGrp="1"/>
+          </p:cNvSpPr>
+          <p:nvPr>
+            <p:ph type="body"/>
+          </p:nvPr>
+        </p:nvSpPr>
+        <p:spPr>
+          <a:xfrm>
+            <a:off x="5152680" y="1768680"/>
+            <a:ext cx="4426920" cy="4384080"/>
+          </a:xfrm>
+          <a:prstGeom prst="rect">
+            <a:avLst/>
+          </a:prstGeom>
+        </p:spPr>
+        <p:txBody>
+          <a:bodyPr lIns="0" rIns="0" tIns="0" bIns="0"/>
+          <a:p>
+            <a:endParaRPr b="0" lang="en-US" sz="3200" spc="-1" strike="noStrike">
+              <a:solidFill>
+                <a:srgbClr val="000000"/>
+              </a:solidFill>
+              <a:uFill>
+                <a:solidFill>
+                  <a:srgbClr val="ffffff"/>
+                </a:solidFill>
+              </a:uFill>
+              <a:latin typeface="Arial"/>
+            </a:endParaRPr>
+          </a:p>
+        </p:txBody>
+      </p:sp>
+    </p:spTree>
+  </p:cSld>
+</p:sldLayout>
+</file>
+
+<file path=ppt/slideLayouts/slideLayout17.xml><?xml version="1.0" encoding="utf-8"?>
+<p:sldLayout xmlns:a="http://schemas.openxmlformats.org/drawingml/2006/main" xmlns:p="http://schemas.openxmlformats.org/presentationml/2006/main" xmlns:r="http://schemas.openxmlformats.org/officeDocument/2006/relationships" xmlns:p14="http://schemas.microsoft.com/office/powerpoint/2010/main" xmlns:p15="http://schemas.microsoft.com/office/powerpoint/2012/main" xmlns:mc="http://schemas.openxmlformats.org/markup-compatibility/2006" type="titleOnly" preserve="1">
+  <p:cSld name="Title Only">
+    <p:spTree>
+      <p:nvGrpSpPr>
+        <p:cNvPr id="1" name=""/>
+        <p:cNvGrpSpPr/>
+        <p:nvPr/>
+      </p:nvGrpSpPr>
+      <p:grpSpPr>
+        <a:xfrm>
+          <a:off x="0" y="0"/>
+          <a:ext cx="0" cy="0"/>
+          <a:chOff x="0" y="0"/>
+          <a:chExt cx="0" cy="0"/>
+        </a:xfrm>
+      </p:grpSpPr>
+      <p:sp>
+        <p:nvSpPr>
+          <p:cNvPr id="45" name="PlaceHolder 1"/>
+          <p:cNvSpPr>
+            <a:spLocks noGrp="1"/>
+          </p:cNvSpPr>
+          <p:nvPr>
+            <p:ph type="title"/>
+          </p:nvPr>
+        </p:nvSpPr>
+        <p:spPr>
+          <a:xfrm>
+            <a:off x="504000" y="301320"/>
+            <a:ext cx="9071280" cy="1261800"/>
+          </a:xfrm>
+          <a:prstGeom prst="rect">
+            <a:avLst/>
+          </a:prstGeom>
+        </p:spPr>
+        <p:txBody>
+          <a:bodyPr lIns="0" rIns="0" tIns="0" bIns="0" anchor="ctr"/>
+          <a:p>
+            <a:pPr algn="ctr"/>
+            <a:endParaRPr b="0" lang="en-US" sz="4400" spc="-1" strike="noStrike">
+              <a:solidFill>
+                <a:srgbClr val="000000"/>
+              </a:solidFill>
+              <a:uFill>
+                <a:solidFill>
+                  <a:srgbClr val="ffffff"/>
+                </a:solidFill>
+              </a:uFill>
+              <a:latin typeface="Arial"/>
+            </a:endParaRPr>
+          </a:p>
+        </p:txBody>
+      </p:sp>
+    </p:spTree>
+  </p:cSld>
+</p:sldLayout>
+</file>
+
+<file path=ppt/slideLayouts/slideLayout18.xml><?xml version="1.0" encoding="utf-8"?>
+<p:sldLayout xmlns:a="http://schemas.openxmlformats.org/drawingml/2006/main" xmlns:p="http://schemas.openxmlformats.org/presentationml/2006/main" xmlns:r="http://schemas.openxmlformats.org/officeDocument/2006/relationships" xmlns:p14="http://schemas.microsoft.com/office/powerpoint/2010/main" xmlns:p15="http://schemas.microsoft.com/office/powerpoint/2012/main" xmlns:mc="http://schemas.openxmlformats.org/markup-compatibility/2006" type="objOnly" preserve="1">
+  <p:cSld name="Centered Text">
+    <p:spTree>
+      <p:nvGrpSpPr>
+        <p:cNvPr id="1" name=""/>
+        <p:cNvGrpSpPr/>
+        <p:nvPr/>
+      </p:nvGrpSpPr>
+      <p:grpSpPr>
+        <a:xfrm>
+          <a:off x="0" y="0"/>
+          <a:ext cx="0" cy="0"/>
+          <a:chOff x="0" y="0"/>
+          <a:chExt cx="0" cy="0"/>
+        </a:xfrm>
+      </p:grpSpPr>
+      <p:sp>
+        <p:nvSpPr>
+          <p:cNvPr id="46" name="PlaceHolder 1"/>
+          <p:cNvSpPr>
+            <a:spLocks noGrp="1"/>
+          </p:cNvSpPr>
+          <p:nvPr>
+            <p:ph type="subTitle"/>
+          </p:nvPr>
+        </p:nvSpPr>
+        <p:spPr>
+          <a:xfrm>
+            <a:off x="504000" y="301320"/>
+            <a:ext cx="9071280" cy="5850360"/>
+          </a:xfrm>
+          <a:prstGeom prst="rect">
+            <a:avLst/>
+          </a:prstGeom>
+        </p:spPr>
+        <p:txBody>
+          <a:bodyPr lIns="0" rIns="0" tIns="0" bIns="0" anchor="ctr"/>
+          <a:p>
+            <a:pPr algn="ctr"/>
+            <a:endParaRPr b="0" lang="en-US" sz="3200" spc="-1" strike="noStrike">
+              <a:solidFill>
+                <a:srgbClr val="000000"/>
+              </a:solidFill>
+              <a:uFill>
+                <a:solidFill>
+                  <a:srgbClr val="ffffff"/>
+                </a:solidFill>
+              </a:uFill>
+              <a:latin typeface="Arial"/>
+            </a:endParaRPr>
+          </a:p>
+        </p:txBody>
+      </p:sp>
+    </p:spTree>
+  </p:cSld>
+</p:sldLayout>
+</file>
+
+<file path=ppt/slideLayouts/slideLayout19.xml><?xml version="1.0" encoding="utf-8"?>
+<p:sldLayout xmlns:a="http://schemas.openxmlformats.org/drawingml/2006/main" xmlns:p="http://schemas.openxmlformats.org/presentationml/2006/main" xmlns:r="http://schemas.openxmlformats.org/officeDocument/2006/relationships" xmlns:p14="http://schemas.microsoft.com/office/powerpoint/2010/main" xmlns:p15="http://schemas.microsoft.com/office/powerpoint/2012/main" xmlns:mc="http://schemas.openxmlformats.org/markup-compatibility/2006" type="twoObjAndObj" preserve="1">
+  <p:cSld name="Title, 2 Content and Content">
+    <p:spTree>
+      <p:nvGrpSpPr>
+        <p:cNvPr id="1" name=""/>
+        <p:cNvGrpSpPr/>
+        <p:nvPr/>
+      </p:nvGrpSpPr>
+      <p:grpSpPr>
+        <a:xfrm>
+          <a:off x="0" y="0"/>
+          <a:ext cx="0" cy="0"/>
+          <a:chOff x="0" y="0"/>
+          <a:chExt cx="0" cy="0"/>
+        </a:xfrm>
+      </p:grpSpPr>
+      <p:sp>
+        <p:nvSpPr>
+          <p:cNvPr id="47" name="PlaceHolder 1"/>
+          <p:cNvSpPr>
+            <a:spLocks noGrp="1"/>
+          </p:cNvSpPr>
+          <p:nvPr>
+            <p:ph type="title"/>
+          </p:nvPr>
+        </p:nvSpPr>
+        <p:spPr>
+          <a:xfrm>
+            <a:off x="504000" y="301320"/>
+            <a:ext cx="9071280" cy="1261800"/>
+          </a:xfrm>
+          <a:prstGeom prst="rect">
+            <a:avLst/>
+          </a:prstGeom>
+        </p:spPr>
+        <p:txBody>
+          <a:bodyPr lIns="0" rIns="0" tIns="0" bIns="0" anchor="ctr"/>
+          <a:p>
+            <a:pPr algn="ctr"/>
+            <a:endParaRPr b="0" lang="en-US" sz="4400" spc="-1" strike="noStrike">
+              <a:solidFill>
+                <a:srgbClr val="000000"/>
+              </a:solidFill>
+              <a:uFill>
+                <a:solidFill>
+                  <a:srgbClr val="ffffff"/>
+                </a:solidFill>
+              </a:uFill>
+              <a:latin typeface="Arial"/>
+            </a:endParaRPr>
+          </a:p>
+        </p:txBody>
+      </p:sp>
+      <p:sp>
+        <p:nvSpPr>
+          <p:cNvPr id="48" name="PlaceHolder 2"/>
+          <p:cNvSpPr>
+            <a:spLocks noGrp="1"/>
+          </p:cNvSpPr>
+          <p:nvPr>
+            <p:ph type="body"/>
+          </p:nvPr>
+        </p:nvSpPr>
+        <p:spPr>
+          <a:xfrm>
+            <a:off x="504000" y="1768680"/>
+            <a:ext cx="4426920" cy="2090880"/>
+          </a:xfrm>
+          <a:prstGeom prst="rect">
+            <a:avLst/>
+          </a:prstGeom>
+        </p:spPr>
+        <p:txBody>
+          <a:bodyPr lIns="0" rIns="0" tIns="0" bIns="0"/>
+          <a:p>
+            <a:endParaRPr b="0" lang="en-US" sz="3200" spc="-1" strike="noStrike">
+              <a:solidFill>
+                <a:srgbClr val="000000"/>
+              </a:solidFill>
+              <a:uFill>
+                <a:solidFill>
+                  <a:srgbClr val="ffffff"/>
+                </a:solidFill>
+              </a:uFill>
+              <a:latin typeface="Arial"/>
+            </a:endParaRPr>
+          </a:p>
+        </p:txBody>
+      </p:sp>
+      <p:sp>
+        <p:nvSpPr>
+          <p:cNvPr id="49" name="PlaceHolder 3"/>
+          <p:cNvSpPr>
+            <a:spLocks noGrp="1"/>
+          </p:cNvSpPr>
+          <p:nvPr>
+            <p:ph type="body"/>
+          </p:nvPr>
+        </p:nvSpPr>
+        <p:spPr>
+          <a:xfrm>
+            <a:off x="504000" y="4058640"/>
+            <a:ext cx="4426920" cy="2090880"/>
+          </a:xfrm>
+          <a:prstGeom prst="rect">
+            <a:avLst/>
+          </a:prstGeom>
+        </p:spPr>
+        <p:txBody>
+          <a:bodyPr lIns="0" rIns="0" tIns="0" bIns="0"/>
+          <a:p>
+            <a:endParaRPr b="0" lang="en-US" sz="3200" spc="-1" strike="noStrike">
+              <a:solidFill>
+                <a:srgbClr val="000000"/>
+              </a:solidFill>
+              <a:uFill>
+                <a:solidFill>
+                  <a:srgbClr val="ffffff"/>
+                </a:solidFill>
+              </a:uFill>
+              <a:latin typeface="Arial"/>
+            </a:endParaRPr>
+          </a:p>
+        </p:txBody>
+      </p:sp>
+      <p:sp>
+        <p:nvSpPr>
+          <p:cNvPr id="50" name="PlaceHolder 4"/>
+          <p:cNvSpPr>
+            <a:spLocks noGrp="1"/>
+          </p:cNvSpPr>
+          <p:nvPr>
+            <p:ph type="body"/>
+          </p:nvPr>
+        </p:nvSpPr>
+        <p:spPr>
+          <a:xfrm>
+            <a:off x="5152680" y="1768680"/>
+            <a:ext cx="4426920" cy="4384080"/>
+          </a:xfrm>
+          <a:prstGeom prst="rect">
+            <a:avLst/>
+          </a:prstGeom>
+        </p:spPr>
+        <p:txBody>
+          <a:bodyPr lIns="0" rIns="0" tIns="0" bIns="0"/>
+          <a:p>
+            <a:endParaRPr b="0" lang="en-US" sz="3200" spc="-1" strike="noStrike">
+              <a:solidFill>
+                <a:srgbClr val="000000"/>
+              </a:solidFill>
+              <a:uFill>
+                <a:solidFill>
+                  <a:srgbClr val="ffffff"/>
+                </a:solidFill>
+              </a:uFill>
+              <a:latin typeface="Arial"/>
+            </a:endParaRPr>
+          </a:p>
+        </p:txBody>
+      </p:sp>
     </p:spTree>
   </p:cSld>
 </p:sldLayout>
@@ -575,7 +1206,7 @@
       </p:grpSpPr>
       <p:sp>
         <p:nvSpPr>
-          <p:cNvPr id="5" name="PlaceHolder 1"/>
+          <p:cNvPr id="2" name="PlaceHolder 1"/>
           <p:cNvSpPr>
             <a:spLocks noGrp="1"/>
           </p:cNvSpPr>
@@ -586,7 +1217,7 @@
         <p:spPr>
           <a:xfrm>
             <a:off x="504000" y="301320"/>
-            <a:ext cx="9071640" cy="1262160"/>
+            <a:ext cx="9071280" cy="1261800"/>
           </a:xfrm>
           <a:prstGeom prst="rect">
             <a:avLst/>
@@ -612,7 +1243,7 @@
       </p:sp>
       <p:sp>
         <p:nvSpPr>
-          <p:cNvPr id="6" name="PlaceHolder 2"/>
+          <p:cNvPr id="3" name="PlaceHolder 2"/>
           <p:cNvSpPr>
             <a:spLocks noGrp="1"/>
           </p:cNvSpPr>
@@ -622,8 +1253,8 @@
         </p:nvSpPr>
         <p:spPr>
           <a:xfrm>
-            <a:off x="504000" y="1769040"/>
-            <a:ext cx="9071640" cy="4384440"/>
+            <a:off x="504000" y="1768680"/>
+            <a:ext cx="9072000" cy="4384080"/>
           </a:xfrm>
           <a:prstGeom prst="rect">
             <a:avLst/>
@@ -647,6 +1278,851 @@
           </a:p>
         </p:txBody>
       </p:sp>
+    </p:spTree>
+  </p:cSld>
+</p:sldLayout>
+</file>
+
+<file path=ppt/slideLayouts/slideLayout20.xml><?xml version="1.0" encoding="utf-8"?>
+<p:sldLayout xmlns:a="http://schemas.openxmlformats.org/drawingml/2006/main" xmlns:p="http://schemas.openxmlformats.org/presentationml/2006/main" xmlns:r="http://schemas.openxmlformats.org/officeDocument/2006/relationships" xmlns:p14="http://schemas.microsoft.com/office/powerpoint/2010/main" xmlns:p15="http://schemas.microsoft.com/office/powerpoint/2012/main" xmlns:mc="http://schemas.openxmlformats.org/markup-compatibility/2006" type="objAndTwoObj" preserve="1">
+  <p:cSld name="Title Content and 2 Content">
+    <p:spTree>
+      <p:nvGrpSpPr>
+        <p:cNvPr id="1" name=""/>
+        <p:cNvGrpSpPr/>
+        <p:nvPr/>
+      </p:nvGrpSpPr>
+      <p:grpSpPr>
+        <a:xfrm>
+          <a:off x="0" y="0"/>
+          <a:ext cx="0" cy="0"/>
+          <a:chOff x="0" y="0"/>
+          <a:chExt cx="0" cy="0"/>
+        </a:xfrm>
+      </p:grpSpPr>
+      <p:sp>
+        <p:nvSpPr>
+          <p:cNvPr id="51" name="PlaceHolder 1"/>
+          <p:cNvSpPr>
+            <a:spLocks noGrp="1"/>
+          </p:cNvSpPr>
+          <p:nvPr>
+            <p:ph type="title"/>
+          </p:nvPr>
+        </p:nvSpPr>
+        <p:spPr>
+          <a:xfrm>
+            <a:off x="504000" y="301320"/>
+            <a:ext cx="9071280" cy="1261800"/>
+          </a:xfrm>
+          <a:prstGeom prst="rect">
+            <a:avLst/>
+          </a:prstGeom>
+        </p:spPr>
+        <p:txBody>
+          <a:bodyPr lIns="0" rIns="0" tIns="0" bIns="0" anchor="ctr"/>
+          <a:p>
+            <a:pPr algn="ctr"/>
+            <a:endParaRPr b="0" lang="en-US" sz="4400" spc="-1" strike="noStrike">
+              <a:solidFill>
+                <a:srgbClr val="000000"/>
+              </a:solidFill>
+              <a:uFill>
+                <a:solidFill>
+                  <a:srgbClr val="ffffff"/>
+                </a:solidFill>
+              </a:uFill>
+              <a:latin typeface="Arial"/>
+            </a:endParaRPr>
+          </a:p>
+        </p:txBody>
+      </p:sp>
+      <p:sp>
+        <p:nvSpPr>
+          <p:cNvPr id="52" name="PlaceHolder 2"/>
+          <p:cNvSpPr>
+            <a:spLocks noGrp="1"/>
+          </p:cNvSpPr>
+          <p:nvPr>
+            <p:ph type="body"/>
+          </p:nvPr>
+        </p:nvSpPr>
+        <p:spPr>
+          <a:xfrm>
+            <a:off x="504000" y="1768680"/>
+            <a:ext cx="4426920" cy="4384080"/>
+          </a:xfrm>
+          <a:prstGeom prst="rect">
+            <a:avLst/>
+          </a:prstGeom>
+        </p:spPr>
+        <p:txBody>
+          <a:bodyPr lIns="0" rIns="0" tIns="0" bIns="0"/>
+          <a:p>
+            <a:endParaRPr b="0" lang="en-US" sz="3200" spc="-1" strike="noStrike">
+              <a:solidFill>
+                <a:srgbClr val="000000"/>
+              </a:solidFill>
+              <a:uFill>
+                <a:solidFill>
+                  <a:srgbClr val="ffffff"/>
+                </a:solidFill>
+              </a:uFill>
+              <a:latin typeface="Arial"/>
+            </a:endParaRPr>
+          </a:p>
+        </p:txBody>
+      </p:sp>
+      <p:sp>
+        <p:nvSpPr>
+          <p:cNvPr id="53" name="PlaceHolder 3"/>
+          <p:cNvSpPr>
+            <a:spLocks noGrp="1"/>
+          </p:cNvSpPr>
+          <p:nvPr>
+            <p:ph type="body"/>
+          </p:nvPr>
+        </p:nvSpPr>
+        <p:spPr>
+          <a:xfrm>
+            <a:off x="5152680" y="1768680"/>
+            <a:ext cx="4426920" cy="2090880"/>
+          </a:xfrm>
+          <a:prstGeom prst="rect">
+            <a:avLst/>
+          </a:prstGeom>
+        </p:spPr>
+        <p:txBody>
+          <a:bodyPr lIns="0" rIns="0" tIns="0" bIns="0"/>
+          <a:p>
+            <a:endParaRPr b="0" lang="en-US" sz="3200" spc="-1" strike="noStrike">
+              <a:solidFill>
+                <a:srgbClr val="000000"/>
+              </a:solidFill>
+              <a:uFill>
+                <a:solidFill>
+                  <a:srgbClr val="ffffff"/>
+                </a:solidFill>
+              </a:uFill>
+              <a:latin typeface="Arial"/>
+            </a:endParaRPr>
+          </a:p>
+        </p:txBody>
+      </p:sp>
+      <p:sp>
+        <p:nvSpPr>
+          <p:cNvPr id="54" name="PlaceHolder 4"/>
+          <p:cNvSpPr>
+            <a:spLocks noGrp="1"/>
+          </p:cNvSpPr>
+          <p:nvPr>
+            <p:ph type="body"/>
+          </p:nvPr>
+        </p:nvSpPr>
+        <p:spPr>
+          <a:xfrm>
+            <a:off x="5152680" y="4058640"/>
+            <a:ext cx="4426920" cy="2090880"/>
+          </a:xfrm>
+          <a:prstGeom prst="rect">
+            <a:avLst/>
+          </a:prstGeom>
+        </p:spPr>
+        <p:txBody>
+          <a:bodyPr lIns="0" rIns="0" tIns="0" bIns="0"/>
+          <a:p>
+            <a:endParaRPr b="0" lang="en-US" sz="3200" spc="-1" strike="noStrike">
+              <a:solidFill>
+                <a:srgbClr val="000000"/>
+              </a:solidFill>
+              <a:uFill>
+                <a:solidFill>
+                  <a:srgbClr val="ffffff"/>
+                </a:solidFill>
+              </a:uFill>
+              <a:latin typeface="Arial"/>
+            </a:endParaRPr>
+          </a:p>
+        </p:txBody>
+      </p:sp>
+    </p:spTree>
+  </p:cSld>
+</p:sldLayout>
+</file>
+
+<file path=ppt/slideLayouts/slideLayout21.xml><?xml version="1.0" encoding="utf-8"?>
+<p:sldLayout xmlns:a="http://schemas.openxmlformats.org/drawingml/2006/main" xmlns:p="http://schemas.openxmlformats.org/presentationml/2006/main" xmlns:r="http://schemas.openxmlformats.org/officeDocument/2006/relationships" xmlns:p14="http://schemas.microsoft.com/office/powerpoint/2010/main" xmlns:p15="http://schemas.microsoft.com/office/powerpoint/2012/main" xmlns:mc="http://schemas.openxmlformats.org/markup-compatibility/2006" type="twoObjOverTx" preserve="1">
+  <p:cSld name="Title, 2 Content over Content">
+    <p:spTree>
+      <p:nvGrpSpPr>
+        <p:cNvPr id="1" name=""/>
+        <p:cNvGrpSpPr/>
+        <p:nvPr/>
+      </p:nvGrpSpPr>
+      <p:grpSpPr>
+        <a:xfrm>
+          <a:off x="0" y="0"/>
+          <a:ext cx="0" cy="0"/>
+          <a:chOff x="0" y="0"/>
+          <a:chExt cx="0" cy="0"/>
+        </a:xfrm>
+      </p:grpSpPr>
+      <p:sp>
+        <p:nvSpPr>
+          <p:cNvPr id="55" name="PlaceHolder 1"/>
+          <p:cNvSpPr>
+            <a:spLocks noGrp="1"/>
+          </p:cNvSpPr>
+          <p:nvPr>
+            <p:ph type="title"/>
+          </p:nvPr>
+        </p:nvSpPr>
+        <p:spPr>
+          <a:xfrm>
+            <a:off x="504000" y="301320"/>
+            <a:ext cx="9071280" cy="1261800"/>
+          </a:xfrm>
+          <a:prstGeom prst="rect">
+            <a:avLst/>
+          </a:prstGeom>
+        </p:spPr>
+        <p:txBody>
+          <a:bodyPr lIns="0" rIns="0" tIns="0" bIns="0" anchor="ctr"/>
+          <a:p>
+            <a:pPr algn="ctr"/>
+            <a:endParaRPr b="0" lang="en-US" sz="4400" spc="-1" strike="noStrike">
+              <a:solidFill>
+                <a:srgbClr val="000000"/>
+              </a:solidFill>
+              <a:uFill>
+                <a:solidFill>
+                  <a:srgbClr val="ffffff"/>
+                </a:solidFill>
+              </a:uFill>
+              <a:latin typeface="Arial"/>
+            </a:endParaRPr>
+          </a:p>
+        </p:txBody>
+      </p:sp>
+      <p:sp>
+        <p:nvSpPr>
+          <p:cNvPr id="56" name="PlaceHolder 2"/>
+          <p:cNvSpPr>
+            <a:spLocks noGrp="1"/>
+          </p:cNvSpPr>
+          <p:nvPr>
+            <p:ph type="body"/>
+          </p:nvPr>
+        </p:nvSpPr>
+        <p:spPr>
+          <a:xfrm>
+            <a:off x="504000" y="1768680"/>
+            <a:ext cx="4426920" cy="2090880"/>
+          </a:xfrm>
+          <a:prstGeom prst="rect">
+            <a:avLst/>
+          </a:prstGeom>
+        </p:spPr>
+        <p:txBody>
+          <a:bodyPr lIns="0" rIns="0" tIns="0" bIns="0"/>
+          <a:p>
+            <a:endParaRPr b="0" lang="en-US" sz="3200" spc="-1" strike="noStrike">
+              <a:solidFill>
+                <a:srgbClr val="000000"/>
+              </a:solidFill>
+              <a:uFill>
+                <a:solidFill>
+                  <a:srgbClr val="ffffff"/>
+                </a:solidFill>
+              </a:uFill>
+              <a:latin typeface="Arial"/>
+            </a:endParaRPr>
+          </a:p>
+        </p:txBody>
+      </p:sp>
+      <p:sp>
+        <p:nvSpPr>
+          <p:cNvPr id="57" name="PlaceHolder 3"/>
+          <p:cNvSpPr>
+            <a:spLocks noGrp="1"/>
+          </p:cNvSpPr>
+          <p:nvPr>
+            <p:ph type="body"/>
+          </p:nvPr>
+        </p:nvSpPr>
+        <p:spPr>
+          <a:xfrm>
+            <a:off x="5152680" y="1768680"/>
+            <a:ext cx="4426920" cy="2090880"/>
+          </a:xfrm>
+          <a:prstGeom prst="rect">
+            <a:avLst/>
+          </a:prstGeom>
+        </p:spPr>
+        <p:txBody>
+          <a:bodyPr lIns="0" rIns="0" tIns="0" bIns="0"/>
+          <a:p>
+            <a:endParaRPr b="0" lang="en-US" sz="3200" spc="-1" strike="noStrike">
+              <a:solidFill>
+                <a:srgbClr val="000000"/>
+              </a:solidFill>
+              <a:uFill>
+                <a:solidFill>
+                  <a:srgbClr val="ffffff"/>
+                </a:solidFill>
+              </a:uFill>
+              <a:latin typeface="Arial"/>
+            </a:endParaRPr>
+          </a:p>
+        </p:txBody>
+      </p:sp>
+      <p:sp>
+        <p:nvSpPr>
+          <p:cNvPr id="58" name="PlaceHolder 4"/>
+          <p:cNvSpPr>
+            <a:spLocks noGrp="1"/>
+          </p:cNvSpPr>
+          <p:nvPr>
+            <p:ph type="body"/>
+          </p:nvPr>
+        </p:nvSpPr>
+        <p:spPr>
+          <a:xfrm>
+            <a:off x="504000" y="4058640"/>
+            <a:ext cx="9072000" cy="2090880"/>
+          </a:xfrm>
+          <a:prstGeom prst="rect">
+            <a:avLst/>
+          </a:prstGeom>
+        </p:spPr>
+        <p:txBody>
+          <a:bodyPr lIns="0" rIns="0" tIns="0" bIns="0"/>
+          <a:p>
+            <a:endParaRPr b="0" lang="en-US" sz="3200" spc="-1" strike="noStrike">
+              <a:solidFill>
+                <a:srgbClr val="000000"/>
+              </a:solidFill>
+              <a:uFill>
+                <a:solidFill>
+                  <a:srgbClr val="ffffff"/>
+                </a:solidFill>
+              </a:uFill>
+              <a:latin typeface="Arial"/>
+            </a:endParaRPr>
+          </a:p>
+        </p:txBody>
+      </p:sp>
+    </p:spTree>
+  </p:cSld>
+</p:sldLayout>
+</file>
+
+<file path=ppt/slideLayouts/slideLayout22.xml><?xml version="1.0" encoding="utf-8"?>
+<p:sldLayout xmlns:a="http://schemas.openxmlformats.org/drawingml/2006/main" xmlns:p="http://schemas.openxmlformats.org/presentationml/2006/main" xmlns:r="http://schemas.openxmlformats.org/officeDocument/2006/relationships" xmlns:p14="http://schemas.microsoft.com/office/powerpoint/2010/main" xmlns:p15="http://schemas.microsoft.com/office/powerpoint/2012/main" xmlns:mc="http://schemas.openxmlformats.org/markup-compatibility/2006" type="objOverTx" preserve="1">
+  <p:cSld name="Title, Content over Content">
+    <p:spTree>
+      <p:nvGrpSpPr>
+        <p:cNvPr id="1" name=""/>
+        <p:cNvGrpSpPr/>
+        <p:nvPr/>
+      </p:nvGrpSpPr>
+      <p:grpSpPr>
+        <a:xfrm>
+          <a:off x="0" y="0"/>
+          <a:ext cx="0" cy="0"/>
+          <a:chOff x="0" y="0"/>
+          <a:chExt cx="0" cy="0"/>
+        </a:xfrm>
+      </p:grpSpPr>
+      <p:sp>
+        <p:nvSpPr>
+          <p:cNvPr id="59" name="PlaceHolder 1"/>
+          <p:cNvSpPr>
+            <a:spLocks noGrp="1"/>
+          </p:cNvSpPr>
+          <p:nvPr>
+            <p:ph type="title"/>
+          </p:nvPr>
+        </p:nvSpPr>
+        <p:spPr>
+          <a:xfrm>
+            <a:off x="504000" y="301320"/>
+            <a:ext cx="9071280" cy="1261800"/>
+          </a:xfrm>
+          <a:prstGeom prst="rect">
+            <a:avLst/>
+          </a:prstGeom>
+        </p:spPr>
+        <p:txBody>
+          <a:bodyPr lIns="0" rIns="0" tIns="0" bIns="0" anchor="ctr"/>
+          <a:p>
+            <a:pPr algn="ctr"/>
+            <a:endParaRPr b="0" lang="en-US" sz="4400" spc="-1" strike="noStrike">
+              <a:solidFill>
+                <a:srgbClr val="000000"/>
+              </a:solidFill>
+              <a:uFill>
+                <a:solidFill>
+                  <a:srgbClr val="ffffff"/>
+                </a:solidFill>
+              </a:uFill>
+              <a:latin typeface="Arial"/>
+            </a:endParaRPr>
+          </a:p>
+        </p:txBody>
+      </p:sp>
+      <p:sp>
+        <p:nvSpPr>
+          <p:cNvPr id="60" name="PlaceHolder 2"/>
+          <p:cNvSpPr>
+            <a:spLocks noGrp="1"/>
+          </p:cNvSpPr>
+          <p:nvPr>
+            <p:ph type="body"/>
+          </p:nvPr>
+        </p:nvSpPr>
+        <p:spPr>
+          <a:xfrm>
+            <a:off x="504000" y="1768680"/>
+            <a:ext cx="9072000" cy="2090880"/>
+          </a:xfrm>
+          <a:prstGeom prst="rect">
+            <a:avLst/>
+          </a:prstGeom>
+        </p:spPr>
+        <p:txBody>
+          <a:bodyPr lIns="0" rIns="0" tIns="0" bIns="0"/>
+          <a:p>
+            <a:endParaRPr b="0" lang="en-US" sz="3200" spc="-1" strike="noStrike">
+              <a:solidFill>
+                <a:srgbClr val="000000"/>
+              </a:solidFill>
+              <a:uFill>
+                <a:solidFill>
+                  <a:srgbClr val="ffffff"/>
+                </a:solidFill>
+              </a:uFill>
+              <a:latin typeface="Arial"/>
+            </a:endParaRPr>
+          </a:p>
+        </p:txBody>
+      </p:sp>
+      <p:sp>
+        <p:nvSpPr>
+          <p:cNvPr id="61" name="PlaceHolder 3"/>
+          <p:cNvSpPr>
+            <a:spLocks noGrp="1"/>
+          </p:cNvSpPr>
+          <p:nvPr>
+            <p:ph type="body"/>
+          </p:nvPr>
+        </p:nvSpPr>
+        <p:spPr>
+          <a:xfrm>
+            <a:off x="504000" y="4058640"/>
+            <a:ext cx="9072000" cy="2090880"/>
+          </a:xfrm>
+          <a:prstGeom prst="rect">
+            <a:avLst/>
+          </a:prstGeom>
+        </p:spPr>
+        <p:txBody>
+          <a:bodyPr lIns="0" rIns="0" tIns="0" bIns="0"/>
+          <a:p>
+            <a:endParaRPr b="0" lang="en-US" sz="3200" spc="-1" strike="noStrike">
+              <a:solidFill>
+                <a:srgbClr val="000000"/>
+              </a:solidFill>
+              <a:uFill>
+                <a:solidFill>
+                  <a:srgbClr val="ffffff"/>
+                </a:solidFill>
+              </a:uFill>
+              <a:latin typeface="Arial"/>
+            </a:endParaRPr>
+          </a:p>
+        </p:txBody>
+      </p:sp>
+    </p:spTree>
+  </p:cSld>
+</p:sldLayout>
+</file>
+
+<file path=ppt/slideLayouts/slideLayout23.xml><?xml version="1.0" encoding="utf-8"?>
+<p:sldLayout xmlns:a="http://schemas.openxmlformats.org/drawingml/2006/main" xmlns:p="http://schemas.openxmlformats.org/presentationml/2006/main" xmlns:r="http://schemas.openxmlformats.org/officeDocument/2006/relationships" xmlns:p14="http://schemas.microsoft.com/office/powerpoint/2010/main" xmlns:p15="http://schemas.microsoft.com/office/powerpoint/2012/main" xmlns:mc="http://schemas.openxmlformats.org/markup-compatibility/2006" type="fourObj" preserve="1">
+  <p:cSld name="Title, 4 Content">
+    <p:spTree>
+      <p:nvGrpSpPr>
+        <p:cNvPr id="1" name=""/>
+        <p:cNvGrpSpPr/>
+        <p:nvPr/>
+      </p:nvGrpSpPr>
+      <p:grpSpPr>
+        <a:xfrm>
+          <a:off x="0" y="0"/>
+          <a:ext cx="0" cy="0"/>
+          <a:chOff x="0" y="0"/>
+          <a:chExt cx="0" cy="0"/>
+        </a:xfrm>
+      </p:grpSpPr>
+      <p:sp>
+        <p:nvSpPr>
+          <p:cNvPr id="62" name="PlaceHolder 1"/>
+          <p:cNvSpPr>
+            <a:spLocks noGrp="1"/>
+          </p:cNvSpPr>
+          <p:nvPr>
+            <p:ph type="title"/>
+          </p:nvPr>
+        </p:nvSpPr>
+        <p:spPr>
+          <a:xfrm>
+            <a:off x="504000" y="301320"/>
+            <a:ext cx="9071280" cy="1261800"/>
+          </a:xfrm>
+          <a:prstGeom prst="rect">
+            <a:avLst/>
+          </a:prstGeom>
+        </p:spPr>
+        <p:txBody>
+          <a:bodyPr lIns="0" rIns="0" tIns="0" bIns="0" anchor="ctr"/>
+          <a:p>
+            <a:pPr algn="ctr"/>
+            <a:endParaRPr b="0" lang="en-US" sz="4400" spc="-1" strike="noStrike">
+              <a:solidFill>
+                <a:srgbClr val="000000"/>
+              </a:solidFill>
+              <a:uFill>
+                <a:solidFill>
+                  <a:srgbClr val="ffffff"/>
+                </a:solidFill>
+              </a:uFill>
+              <a:latin typeface="Arial"/>
+            </a:endParaRPr>
+          </a:p>
+        </p:txBody>
+      </p:sp>
+      <p:sp>
+        <p:nvSpPr>
+          <p:cNvPr id="63" name="PlaceHolder 2"/>
+          <p:cNvSpPr>
+            <a:spLocks noGrp="1"/>
+          </p:cNvSpPr>
+          <p:nvPr>
+            <p:ph type="body"/>
+          </p:nvPr>
+        </p:nvSpPr>
+        <p:spPr>
+          <a:xfrm>
+            <a:off x="504000" y="1768680"/>
+            <a:ext cx="4426920" cy="2090880"/>
+          </a:xfrm>
+          <a:prstGeom prst="rect">
+            <a:avLst/>
+          </a:prstGeom>
+        </p:spPr>
+        <p:txBody>
+          <a:bodyPr lIns="0" rIns="0" tIns="0" bIns="0"/>
+          <a:p>
+            <a:endParaRPr b="0" lang="en-US" sz="3200" spc="-1" strike="noStrike">
+              <a:solidFill>
+                <a:srgbClr val="000000"/>
+              </a:solidFill>
+              <a:uFill>
+                <a:solidFill>
+                  <a:srgbClr val="ffffff"/>
+                </a:solidFill>
+              </a:uFill>
+              <a:latin typeface="Arial"/>
+            </a:endParaRPr>
+          </a:p>
+        </p:txBody>
+      </p:sp>
+      <p:sp>
+        <p:nvSpPr>
+          <p:cNvPr id="64" name="PlaceHolder 3"/>
+          <p:cNvSpPr>
+            <a:spLocks noGrp="1"/>
+          </p:cNvSpPr>
+          <p:nvPr>
+            <p:ph type="body"/>
+          </p:nvPr>
+        </p:nvSpPr>
+        <p:spPr>
+          <a:xfrm>
+            <a:off x="5152680" y="1768680"/>
+            <a:ext cx="4426920" cy="2090880"/>
+          </a:xfrm>
+          <a:prstGeom prst="rect">
+            <a:avLst/>
+          </a:prstGeom>
+        </p:spPr>
+        <p:txBody>
+          <a:bodyPr lIns="0" rIns="0" tIns="0" bIns="0"/>
+          <a:p>
+            <a:endParaRPr b="0" lang="en-US" sz="3200" spc="-1" strike="noStrike">
+              <a:solidFill>
+                <a:srgbClr val="000000"/>
+              </a:solidFill>
+              <a:uFill>
+                <a:solidFill>
+                  <a:srgbClr val="ffffff"/>
+                </a:solidFill>
+              </a:uFill>
+              <a:latin typeface="Arial"/>
+            </a:endParaRPr>
+          </a:p>
+        </p:txBody>
+      </p:sp>
+      <p:sp>
+        <p:nvSpPr>
+          <p:cNvPr id="65" name="PlaceHolder 4"/>
+          <p:cNvSpPr>
+            <a:spLocks noGrp="1"/>
+          </p:cNvSpPr>
+          <p:nvPr>
+            <p:ph type="body"/>
+          </p:nvPr>
+        </p:nvSpPr>
+        <p:spPr>
+          <a:xfrm>
+            <a:off x="5152680" y="4058640"/>
+            <a:ext cx="4426920" cy="2090880"/>
+          </a:xfrm>
+          <a:prstGeom prst="rect">
+            <a:avLst/>
+          </a:prstGeom>
+        </p:spPr>
+        <p:txBody>
+          <a:bodyPr lIns="0" rIns="0" tIns="0" bIns="0"/>
+          <a:p>
+            <a:endParaRPr b="0" lang="en-US" sz="3200" spc="-1" strike="noStrike">
+              <a:solidFill>
+                <a:srgbClr val="000000"/>
+              </a:solidFill>
+              <a:uFill>
+                <a:solidFill>
+                  <a:srgbClr val="ffffff"/>
+                </a:solidFill>
+              </a:uFill>
+              <a:latin typeface="Arial"/>
+            </a:endParaRPr>
+          </a:p>
+        </p:txBody>
+      </p:sp>
+      <p:sp>
+        <p:nvSpPr>
+          <p:cNvPr id="66" name="PlaceHolder 5"/>
+          <p:cNvSpPr>
+            <a:spLocks noGrp="1"/>
+          </p:cNvSpPr>
+          <p:nvPr>
+            <p:ph type="body"/>
+          </p:nvPr>
+        </p:nvSpPr>
+        <p:spPr>
+          <a:xfrm>
+            <a:off x="504000" y="4058640"/>
+            <a:ext cx="4426920" cy="2090880"/>
+          </a:xfrm>
+          <a:prstGeom prst="rect">
+            <a:avLst/>
+          </a:prstGeom>
+        </p:spPr>
+        <p:txBody>
+          <a:bodyPr lIns="0" rIns="0" tIns="0" bIns="0"/>
+          <a:p>
+            <a:endParaRPr b="0" lang="en-US" sz="3200" spc="-1" strike="noStrike">
+              <a:solidFill>
+                <a:srgbClr val="000000"/>
+              </a:solidFill>
+              <a:uFill>
+                <a:solidFill>
+                  <a:srgbClr val="ffffff"/>
+                </a:solidFill>
+              </a:uFill>
+              <a:latin typeface="Arial"/>
+            </a:endParaRPr>
+          </a:p>
+        </p:txBody>
+      </p:sp>
+    </p:spTree>
+  </p:cSld>
+</p:sldLayout>
+</file>
+
+<file path=ppt/slideLayouts/slideLayout24.xml><?xml version="1.0" encoding="utf-8"?>
+<p:sldLayout xmlns:a="http://schemas.openxmlformats.org/drawingml/2006/main" xmlns:p="http://schemas.openxmlformats.org/presentationml/2006/main" xmlns:r="http://schemas.openxmlformats.org/officeDocument/2006/relationships" xmlns:p14="http://schemas.microsoft.com/office/powerpoint/2010/main" xmlns:p15="http://schemas.microsoft.com/office/powerpoint/2012/main" xmlns:mc="http://schemas.openxmlformats.org/markup-compatibility/2006" type="blank" preserve="1">
+  <p:cSld name="Title, 6 Content">
+    <p:spTree>
+      <p:nvGrpSpPr>
+        <p:cNvPr id="1" name=""/>
+        <p:cNvGrpSpPr/>
+        <p:nvPr/>
+      </p:nvGrpSpPr>
+      <p:grpSpPr>
+        <a:xfrm>
+          <a:off x="0" y="0"/>
+          <a:ext cx="0" cy="0"/>
+          <a:chOff x="0" y="0"/>
+          <a:chExt cx="0" cy="0"/>
+        </a:xfrm>
+      </p:grpSpPr>
+      <p:sp>
+        <p:nvSpPr>
+          <p:cNvPr id="67" name="PlaceHolder 1"/>
+          <p:cNvSpPr>
+            <a:spLocks noGrp="1"/>
+          </p:cNvSpPr>
+          <p:nvPr>
+            <p:ph type="title"/>
+          </p:nvPr>
+        </p:nvSpPr>
+        <p:spPr>
+          <a:xfrm>
+            <a:off x="504000" y="301320"/>
+            <a:ext cx="9071280" cy="1261800"/>
+          </a:xfrm>
+          <a:prstGeom prst="rect">
+            <a:avLst/>
+          </a:prstGeom>
+        </p:spPr>
+        <p:txBody>
+          <a:bodyPr lIns="0" rIns="0" tIns="0" bIns="0" anchor="ctr"/>
+          <a:p>
+            <a:pPr algn="ctr"/>
+            <a:endParaRPr b="0" lang="en-US" sz="4400" spc="-1" strike="noStrike">
+              <a:solidFill>
+                <a:srgbClr val="000000"/>
+              </a:solidFill>
+              <a:uFill>
+                <a:solidFill>
+                  <a:srgbClr val="ffffff"/>
+                </a:solidFill>
+              </a:uFill>
+              <a:latin typeface="Arial"/>
+            </a:endParaRPr>
+          </a:p>
+        </p:txBody>
+      </p:sp>
+      <p:sp>
+        <p:nvSpPr>
+          <p:cNvPr id="68" name="PlaceHolder 2"/>
+          <p:cNvSpPr>
+            <a:spLocks noGrp="1"/>
+          </p:cNvSpPr>
+          <p:nvPr>
+            <p:ph type="body"/>
+          </p:nvPr>
+        </p:nvSpPr>
+        <p:spPr>
+          <a:xfrm>
+            <a:off x="504000" y="1768680"/>
+            <a:ext cx="9072000" cy="4384080"/>
+          </a:xfrm>
+          <a:prstGeom prst="rect">
+            <a:avLst/>
+          </a:prstGeom>
+        </p:spPr>
+        <p:txBody>
+          <a:bodyPr lIns="0" rIns="0" tIns="0" bIns="0"/>
+          <a:p>
+            <a:endParaRPr b="0" lang="en-US" sz="3200" spc="-1" strike="noStrike">
+              <a:solidFill>
+                <a:srgbClr val="000000"/>
+              </a:solidFill>
+              <a:uFill>
+                <a:solidFill>
+                  <a:srgbClr val="ffffff"/>
+                </a:solidFill>
+              </a:uFill>
+              <a:latin typeface="Arial"/>
+            </a:endParaRPr>
+          </a:p>
+        </p:txBody>
+      </p:sp>
+      <p:sp>
+        <p:nvSpPr>
+          <p:cNvPr id="69" name="PlaceHolder 3"/>
+          <p:cNvSpPr>
+            <a:spLocks noGrp="1"/>
+          </p:cNvSpPr>
+          <p:nvPr>
+            <p:ph type="body"/>
+          </p:nvPr>
+        </p:nvSpPr>
+        <p:spPr>
+          <a:xfrm>
+            <a:off x="504000" y="1768680"/>
+            <a:ext cx="9072000" cy="4384080"/>
+          </a:xfrm>
+          <a:prstGeom prst="rect">
+            <a:avLst/>
+          </a:prstGeom>
+        </p:spPr>
+        <p:txBody>
+          <a:bodyPr lIns="0" rIns="0" tIns="0" bIns="0"/>
+          <a:p>
+            <a:endParaRPr b="0" lang="en-US" sz="3200" spc="-1" strike="noStrike">
+              <a:solidFill>
+                <a:srgbClr val="000000"/>
+              </a:solidFill>
+              <a:uFill>
+                <a:solidFill>
+                  <a:srgbClr val="ffffff"/>
+                </a:solidFill>
+              </a:uFill>
+              <a:latin typeface="Arial"/>
+            </a:endParaRPr>
+          </a:p>
+        </p:txBody>
+      </p:sp>
+      <p:pic>
+        <p:nvPicPr>
+          <p:cNvPr id="70" name="" descr=""/>
+          <p:cNvPicPr/>
+          <p:nvPr/>
+        </p:nvPicPr>
+        <p:blipFill>
+          <a:blip r:embed="rId2"/>
+          <a:stretch/>
+        </p:blipFill>
+        <p:spPr>
+          <a:xfrm>
+            <a:off x="2292480" y="1768680"/>
+            <a:ext cx="5494680" cy="4384080"/>
+          </a:xfrm>
+          <a:prstGeom prst="rect">
+            <a:avLst/>
+          </a:prstGeom>
+          <a:ln>
+            <a:noFill/>
+          </a:ln>
+        </p:spPr>
+      </p:pic>
+      <p:pic>
+        <p:nvPicPr>
+          <p:cNvPr id="71" name="" descr=""/>
+          <p:cNvPicPr/>
+          <p:nvPr/>
+        </p:nvPicPr>
+        <p:blipFill>
+          <a:blip r:embed="rId3"/>
+          <a:stretch/>
+        </p:blipFill>
+        <p:spPr>
+          <a:xfrm>
+            <a:off x="2292480" y="1768680"/>
+            <a:ext cx="5494680" cy="4384080"/>
+          </a:xfrm>
+          <a:prstGeom prst="rect">
+            <a:avLst/>
+          </a:prstGeom>
+          <a:ln>
+            <a:noFill/>
+          </a:ln>
+        </p:spPr>
+      </p:pic>
     </p:spTree>
   </p:cSld>
 </p:sldLayout>
@@ -671,7 +2147,7 @@
       </p:grpSpPr>
       <p:sp>
         <p:nvSpPr>
-          <p:cNvPr id="7" name="PlaceHolder 1"/>
+          <p:cNvPr id="4" name="PlaceHolder 1"/>
           <p:cNvSpPr>
             <a:spLocks noGrp="1"/>
           </p:cNvSpPr>
@@ -682,7 +2158,7 @@
         <p:spPr>
           <a:xfrm>
             <a:off x="504000" y="301320"/>
-            <a:ext cx="9071640" cy="1262160"/>
+            <a:ext cx="9071280" cy="1261800"/>
           </a:xfrm>
           <a:prstGeom prst="rect">
             <a:avLst/>
@@ -708,7 +2184,7 @@
       </p:sp>
       <p:sp>
         <p:nvSpPr>
-          <p:cNvPr id="8" name="PlaceHolder 2"/>
+          <p:cNvPr id="5" name="PlaceHolder 2"/>
           <p:cNvSpPr>
             <a:spLocks noGrp="1"/>
           </p:cNvSpPr>
@@ -718,8 +2194,8 @@
         </p:nvSpPr>
         <p:spPr>
           <a:xfrm>
-            <a:off x="504000" y="1769040"/>
-            <a:ext cx="9071640" cy="4384440"/>
+            <a:off x="504000" y="1768680"/>
+            <a:ext cx="9072000" cy="4384080"/>
           </a:xfrm>
           <a:prstGeom prst="rect">
             <a:avLst/>
@@ -766,7 +2242,7 @@
       </p:grpSpPr>
       <p:sp>
         <p:nvSpPr>
-          <p:cNvPr id="9" name="PlaceHolder 1"/>
+          <p:cNvPr id="6" name="PlaceHolder 1"/>
           <p:cNvSpPr>
             <a:spLocks noGrp="1"/>
           </p:cNvSpPr>
@@ -777,7 +2253,7 @@
         <p:spPr>
           <a:xfrm>
             <a:off x="504000" y="301320"/>
-            <a:ext cx="9071640" cy="1262160"/>
+            <a:ext cx="9071280" cy="1261800"/>
           </a:xfrm>
           <a:prstGeom prst="rect">
             <a:avLst/>
@@ -803,7 +2279,7 @@
       </p:sp>
       <p:sp>
         <p:nvSpPr>
-          <p:cNvPr id="10" name="PlaceHolder 2"/>
+          <p:cNvPr id="7" name="PlaceHolder 2"/>
           <p:cNvSpPr>
             <a:spLocks noGrp="1"/>
           </p:cNvSpPr>
@@ -813,8 +2289,8 @@
         </p:nvSpPr>
         <p:spPr>
           <a:xfrm>
-            <a:off x="504000" y="1769040"/>
-            <a:ext cx="4426920" cy="4384440"/>
+            <a:off x="504000" y="1768680"/>
+            <a:ext cx="4426920" cy="4384080"/>
           </a:xfrm>
           <a:prstGeom prst="rect">
             <a:avLst/>
@@ -839,7 +2315,7 @@
       </p:sp>
       <p:sp>
         <p:nvSpPr>
-          <p:cNvPr id="11" name="PlaceHolder 3"/>
+          <p:cNvPr id="8" name="PlaceHolder 3"/>
           <p:cNvSpPr>
             <a:spLocks noGrp="1"/>
           </p:cNvSpPr>
@@ -849,8 +2325,8 @@
         </p:nvSpPr>
         <p:spPr>
           <a:xfrm>
-            <a:off x="5152680" y="1769040"/>
-            <a:ext cx="4426920" cy="4384440"/>
+            <a:off x="5152680" y="1768680"/>
+            <a:ext cx="4426920" cy="4384080"/>
           </a:xfrm>
           <a:prstGeom prst="rect">
             <a:avLst/>
@@ -897,7 +2373,7 @@
       </p:grpSpPr>
       <p:sp>
         <p:nvSpPr>
-          <p:cNvPr id="12" name="PlaceHolder 1"/>
+          <p:cNvPr id="9" name="PlaceHolder 1"/>
           <p:cNvSpPr>
             <a:spLocks noGrp="1"/>
           </p:cNvSpPr>
@@ -908,7 +2384,7 @@
         <p:spPr>
           <a:xfrm>
             <a:off x="504000" y="301320"/>
-            <a:ext cx="9071640" cy="1262160"/>
+            <a:ext cx="9071280" cy="1261800"/>
           </a:xfrm>
           <a:prstGeom prst="rect">
             <a:avLst/>
@@ -956,7 +2432,7 @@
       </p:grpSpPr>
       <p:sp>
         <p:nvSpPr>
-          <p:cNvPr id="13" name="PlaceHolder 1"/>
+          <p:cNvPr id="10" name="PlaceHolder 1"/>
           <p:cNvSpPr>
             <a:spLocks noGrp="1"/>
           </p:cNvSpPr>
@@ -967,7 +2443,7 @@
         <p:spPr>
           <a:xfrm>
             <a:off x="504000" y="301320"/>
-            <a:ext cx="9071640" cy="5851800"/>
+            <a:ext cx="9071280" cy="5850360"/>
           </a:xfrm>
           <a:prstGeom prst="rect">
             <a:avLst/>
@@ -1015,7 +2491,7 @@
       </p:grpSpPr>
       <p:sp>
         <p:nvSpPr>
-          <p:cNvPr id="14" name="PlaceHolder 1"/>
+          <p:cNvPr id="11" name="PlaceHolder 1"/>
           <p:cNvSpPr>
             <a:spLocks noGrp="1"/>
           </p:cNvSpPr>
@@ -1026,7 +2502,7 @@
         <p:spPr>
           <a:xfrm>
             <a:off x="504000" y="301320"/>
-            <a:ext cx="9071640" cy="1262160"/>
+            <a:ext cx="9071280" cy="1261800"/>
           </a:xfrm>
           <a:prstGeom prst="rect">
             <a:avLst/>
@@ -1052,7 +2528,7 @@
       </p:sp>
       <p:sp>
         <p:nvSpPr>
-          <p:cNvPr id="15" name="PlaceHolder 2"/>
+          <p:cNvPr id="12" name="PlaceHolder 2"/>
           <p:cNvSpPr>
             <a:spLocks noGrp="1"/>
           </p:cNvSpPr>
@@ -1062,8 +2538,8 @@
         </p:nvSpPr>
         <p:spPr>
           <a:xfrm>
-            <a:off x="504000" y="1769040"/>
-            <a:ext cx="4426920" cy="2091240"/>
+            <a:off x="504000" y="1768680"/>
+            <a:ext cx="4426920" cy="2090880"/>
           </a:xfrm>
           <a:prstGeom prst="rect">
             <a:avLst/>
@@ -1088,7 +2564,7 @@
       </p:sp>
       <p:sp>
         <p:nvSpPr>
-          <p:cNvPr id="16" name="PlaceHolder 3"/>
+          <p:cNvPr id="13" name="PlaceHolder 3"/>
           <p:cNvSpPr>
             <a:spLocks noGrp="1"/>
           </p:cNvSpPr>
@@ -1098,8 +2574,8 @@
         </p:nvSpPr>
         <p:spPr>
           <a:xfrm>
-            <a:off x="504000" y="4059360"/>
-            <a:ext cx="4426920" cy="2091240"/>
+            <a:off x="504000" y="4058640"/>
+            <a:ext cx="4426920" cy="2090880"/>
           </a:xfrm>
           <a:prstGeom prst="rect">
             <a:avLst/>
@@ -1124,7 +2600,7 @@
       </p:sp>
       <p:sp>
         <p:nvSpPr>
-          <p:cNvPr id="17" name="PlaceHolder 4"/>
+          <p:cNvPr id="14" name="PlaceHolder 4"/>
           <p:cNvSpPr>
             <a:spLocks noGrp="1"/>
           </p:cNvSpPr>
@@ -1134,8 +2610,8 @@
         </p:nvSpPr>
         <p:spPr>
           <a:xfrm>
-            <a:off x="5152680" y="1769040"/>
-            <a:ext cx="4426920" cy="4384440"/>
+            <a:off x="5152680" y="1768680"/>
+            <a:ext cx="4426920" cy="4384080"/>
           </a:xfrm>
           <a:prstGeom prst="rect">
             <a:avLst/>
@@ -1182,7 +2658,7 @@
       </p:grpSpPr>
       <p:sp>
         <p:nvSpPr>
-          <p:cNvPr id="18" name="PlaceHolder 1"/>
+          <p:cNvPr id="15" name="PlaceHolder 1"/>
           <p:cNvSpPr>
             <a:spLocks noGrp="1"/>
           </p:cNvSpPr>
@@ -1193,7 +2669,7 @@
         <p:spPr>
           <a:xfrm>
             <a:off x="504000" y="301320"/>
-            <a:ext cx="9071640" cy="1262160"/>
+            <a:ext cx="9071280" cy="1261800"/>
           </a:xfrm>
           <a:prstGeom prst="rect">
             <a:avLst/>
@@ -1219,7 +2695,7 @@
       </p:sp>
       <p:sp>
         <p:nvSpPr>
-          <p:cNvPr id="19" name="PlaceHolder 2"/>
+          <p:cNvPr id="16" name="PlaceHolder 2"/>
           <p:cNvSpPr>
             <a:spLocks noGrp="1"/>
           </p:cNvSpPr>
@@ -1229,8 +2705,8 @@
         </p:nvSpPr>
         <p:spPr>
           <a:xfrm>
-            <a:off x="504000" y="1769040"/>
-            <a:ext cx="4426920" cy="4384440"/>
+            <a:off x="504000" y="1768680"/>
+            <a:ext cx="4426920" cy="4384080"/>
           </a:xfrm>
           <a:prstGeom prst="rect">
             <a:avLst/>
@@ -1255,7 +2731,7 @@
       </p:sp>
       <p:sp>
         <p:nvSpPr>
-          <p:cNvPr id="20" name="PlaceHolder 3"/>
+          <p:cNvPr id="17" name="PlaceHolder 3"/>
           <p:cNvSpPr>
             <a:spLocks noGrp="1"/>
           </p:cNvSpPr>
@@ -1265,8 +2741,8 @@
         </p:nvSpPr>
         <p:spPr>
           <a:xfrm>
-            <a:off x="5152680" y="1769040"/>
-            <a:ext cx="4426920" cy="2091240"/>
+            <a:off x="5152680" y="1768680"/>
+            <a:ext cx="4426920" cy="2090880"/>
           </a:xfrm>
           <a:prstGeom prst="rect">
             <a:avLst/>
@@ -1291,7 +2767,7 @@
       </p:sp>
       <p:sp>
         <p:nvSpPr>
-          <p:cNvPr id="21" name="PlaceHolder 4"/>
+          <p:cNvPr id="18" name="PlaceHolder 4"/>
           <p:cNvSpPr>
             <a:spLocks noGrp="1"/>
           </p:cNvSpPr>
@@ -1301,8 +2777,8 @@
         </p:nvSpPr>
         <p:spPr>
           <a:xfrm>
-            <a:off x="5152680" y="4059360"/>
-            <a:ext cx="4426920" cy="2091240"/>
+            <a:off x="5152680" y="4058640"/>
+            <a:ext cx="4426920" cy="2090880"/>
           </a:xfrm>
           <a:prstGeom prst="rect">
             <a:avLst/>
@@ -1349,7 +2825,7 @@
       </p:grpSpPr>
       <p:sp>
         <p:nvSpPr>
-          <p:cNvPr id="22" name="PlaceHolder 1"/>
+          <p:cNvPr id="19" name="PlaceHolder 1"/>
           <p:cNvSpPr>
             <a:spLocks noGrp="1"/>
           </p:cNvSpPr>
@@ -1360,7 +2836,7 @@
         <p:spPr>
           <a:xfrm>
             <a:off x="504000" y="301320"/>
-            <a:ext cx="9071640" cy="1262160"/>
+            <a:ext cx="9071280" cy="1261800"/>
           </a:xfrm>
           <a:prstGeom prst="rect">
             <a:avLst/>
@@ -1386,7 +2862,7 @@
       </p:sp>
       <p:sp>
         <p:nvSpPr>
-          <p:cNvPr id="23" name="PlaceHolder 2"/>
+          <p:cNvPr id="20" name="PlaceHolder 2"/>
           <p:cNvSpPr>
             <a:spLocks noGrp="1"/>
           </p:cNvSpPr>
@@ -1396,8 +2872,8 @@
         </p:nvSpPr>
         <p:spPr>
           <a:xfrm>
-            <a:off x="504000" y="1769040"/>
-            <a:ext cx="4426920" cy="2091240"/>
+            <a:off x="504000" y="1768680"/>
+            <a:ext cx="4426920" cy="2090880"/>
           </a:xfrm>
           <a:prstGeom prst="rect">
             <a:avLst/>
@@ -1422,7 +2898,7 @@
       </p:sp>
       <p:sp>
         <p:nvSpPr>
-          <p:cNvPr id="24" name="PlaceHolder 3"/>
+          <p:cNvPr id="21" name="PlaceHolder 3"/>
           <p:cNvSpPr>
             <a:spLocks noGrp="1"/>
           </p:cNvSpPr>
@@ -1432,8 +2908,8 @@
         </p:nvSpPr>
         <p:spPr>
           <a:xfrm>
-            <a:off x="5152680" y="1769040"/>
-            <a:ext cx="4426920" cy="2091240"/>
+            <a:off x="5152680" y="1768680"/>
+            <a:ext cx="4426920" cy="2090880"/>
           </a:xfrm>
           <a:prstGeom prst="rect">
             <a:avLst/>
@@ -1458,7 +2934,7 @@
       </p:sp>
       <p:sp>
         <p:nvSpPr>
-          <p:cNvPr id="25" name="PlaceHolder 4"/>
+          <p:cNvPr id="22" name="PlaceHolder 4"/>
           <p:cNvSpPr>
             <a:spLocks noGrp="1"/>
           </p:cNvSpPr>
@@ -1468,8 +2944,8 @@
         </p:nvSpPr>
         <p:spPr>
           <a:xfrm>
-            <a:off x="504000" y="4059360"/>
-            <a:ext cx="9071640" cy="2091240"/>
+            <a:off x="504000" y="4058640"/>
+            <a:ext cx="9072000" cy="2090880"/>
           </a:xfrm>
           <a:prstGeom prst="rect">
             <a:avLst/>
@@ -1527,7 +3003,7 @@
         <p:spPr>
           <a:xfrm>
             <a:off x="504000" y="301320"/>
-            <a:ext cx="9071640" cy="1262160"/>
+            <a:ext cx="9072000" cy="1261800"/>
           </a:xfrm>
           <a:prstGeom prst="rect">
             <a:avLst/>
@@ -1577,8 +3053,8 @@
         </p:nvSpPr>
         <p:spPr>
           <a:xfrm>
-            <a:off x="504000" y="1769040"/>
-            <a:ext cx="9071640" cy="4384440"/>
+            <a:off x="504000" y="1768680"/>
+            <a:ext cx="9072000" cy="4384080"/>
           </a:xfrm>
           <a:prstGeom prst="rect">
             <a:avLst/>
@@ -1829,158 +3305,6 @@
                 </a:solidFill>
               </a:uFill>
               <a:latin typeface="Arial"/>
-            </a:endParaRPr>
-          </a:p>
-        </p:txBody>
-      </p:sp>
-      <p:sp>
-        <p:nvSpPr>
-          <p:cNvPr id="2" name="PlaceHolder 3"/>
-          <p:cNvSpPr>
-            <a:spLocks noGrp="1"/>
-          </p:cNvSpPr>
-          <p:nvPr>
-            <p:ph type="dt"/>
-          </p:nvPr>
-        </p:nvSpPr>
-        <p:spPr>
-          <a:xfrm>
-            <a:off x="504000" y="6887160"/>
-            <a:ext cx="2348280" cy="521280"/>
-          </a:xfrm>
-          <a:prstGeom prst="rect">
-            <a:avLst/>
-          </a:prstGeom>
-        </p:spPr>
-        <p:txBody>
-          <a:bodyPr lIns="0" rIns="0" tIns="0" bIns="0"/>
-          <a:p>
-            <a:r>
-              <a:rPr b="0" lang="en-US" sz="1400" spc="-1" strike="noStrike">
-                <a:solidFill>
-                  <a:srgbClr val="000000"/>
-                </a:solidFill>
-                <a:uFill>
-                  <a:solidFill>
-                    <a:srgbClr val="ffffff"/>
-                  </a:solidFill>
-                </a:uFill>
-                <a:latin typeface="Times New Roman"/>
-              </a:rPr>
-              <a:t>&lt;date/time&gt;</a:t>
-            </a:r>
-            <a:endParaRPr b="0" lang="en-US" sz="1400" spc="-1" strike="noStrike">
-              <a:solidFill>
-                <a:srgbClr val="000000"/>
-              </a:solidFill>
-              <a:uFill>
-                <a:solidFill>
-                  <a:srgbClr val="ffffff"/>
-                </a:solidFill>
-              </a:uFill>
-              <a:latin typeface="Times New Roman"/>
-            </a:endParaRPr>
-          </a:p>
-        </p:txBody>
-      </p:sp>
-      <p:sp>
-        <p:nvSpPr>
-          <p:cNvPr id="3" name="PlaceHolder 4"/>
-          <p:cNvSpPr>
-            <a:spLocks noGrp="1"/>
-          </p:cNvSpPr>
-          <p:nvPr>
-            <p:ph type="ftr"/>
-          </p:nvPr>
-        </p:nvSpPr>
-        <p:spPr>
-          <a:xfrm>
-            <a:off x="3447360" y="6887160"/>
-            <a:ext cx="3195000" cy="521280"/>
-          </a:xfrm>
-          <a:prstGeom prst="rect">
-            <a:avLst/>
-          </a:prstGeom>
-        </p:spPr>
-        <p:txBody>
-          <a:bodyPr lIns="0" rIns="0" tIns="0" bIns="0"/>
-          <a:p>
-            <a:pPr algn="ctr"/>
-            <a:r>
-              <a:rPr b="0" lang="en-US" sz="1400" spc="-1" strike="noStrike">
-                <a:solidFill>
-                  <a:srgbClr val="000000"/>
-                </a:solidFill>
-                <a:uFill>
-                  <a:solidFill>
-                    <a:srgbClr val="ffffff"/>
-                  </a:solidFill>
-                </a:uFill>
-                <a:latin typeface="Times New Roman"/>
-              </a:rPr>
-              <a:t>&lt;footer&gt;</a:t>
-            </a:r>
-            <a:endParaRPr b="0" lang="en-US" sz="1400" spc="-1" strike="noStrike">
-              <a:solidFill>
-                <a:srgbClr val="000000"/>
-              </a:solidFill>
-              <a:uFill>
-                <a:solidFill>
-                  <a:srgbClr val="ffffff"/>
-                </a:solidFill>
-              </a:uFill>
-              <a:latin typeface="Times New Roman"/>
-            </a:endParaRPr>
-          </a:p>
-        </p:txBody>
-      </p:sp>
-      <p:sp>
-        <p:nvSpPr>
-          <p:cNvPr id="4" name="PlaceHolder 5"/>
-          <p:cNvSpPr>
-            <a:spLocks noGrp="1"/>
-          </p:cNvSpPr>
-          <p:nvPr>
-            <p:ph type="sldNum"/>
-          </p:nvPr>
-        </p:nvSpPr>
-        <p:spPr>
-          <a:xfrm>
-            <a:off x="7227360" y="6887160"/>
-            <a:ext cx="2348280" cy="521280"/>
-          </a:xfrm>
-          <a:prstGeom prst="rect">
-            <a:avLst/>
-          </a:prstGeom>
-        </p:spPr>
-        <p:txBody>
-          <a:bodyPr lIns="0" rIns="0" tIns="0" bIns="0"/>
-          <a:p>
-            <a:pPr algn="r"/>
-            <a:fld id="{5FB3F2FA-EA51-4792-9197-010CA41C98BE}" type="slidenum">
-              <a:rPr b="0" lang="en-US" sz="1400" spc="-1" strike="noStrike">
-                <a:solidFill>
-                  <a:srgbClr val="000000"/>
-                </a:solidFill>
-                <a:uFill>
-                  <a:solidFill>
-                    <a:srgbClr val="ffffff"/>
-                  </a:solidFill>
-                </a:uFill>
-                <a:latin typeface="Times New Roman"/>
-              </a:rPr>
-              <a:t>&lt;number&gt;</a:t>
-            </a:fld>
-            <a:endParaRPr b="0" lang="en-US" sz="1400" spc="-1" strike="noStrike">
-              <a:solidFill>
-                <a:srgbClr val="000000"/>
-              </a:solidFill>
-              <a:uFill>
-                <a:solidFill>
-                  <a:srgbClr val="ffffff"/>
-                </a:solidFill>
-              </a:uFill>
-              <a:latin typeface="Times New Roman"/>
             </a:endParaRPr>
           </a:p>
         </p:txBody>
@@ -2001,6 +3325,348 @@
     <p:sldLayoutId id="2147483658" r:id="rId11"/>
     <p:sldLayoutId id="2147483659" r:id="rId12"/>
     <p:sldLayoutId id="2147483660" r:id="rId13"/>
+  </p:sldLayoutIdLst>
+</p:sldMaster>
+</file>
+
+<file path=ppt/slideMasters/slideMaster2.xml><?xml version="1.0" encoding="utf-8"?>
+<p:sldMaster xmlns:a="http://schemas.openxmlformats.org/drawingml/2006/main" xmlns:p="http://schemas.openxmlformats.org/presentationml/2006/main" xmlns:r="http://schemas.openxmlformats.org/officeDocument/2006/relationships" xmlns:p14="http://schemas.microsoft.com/office/powerpoint/2010/main" xmlns:p15="http://schemas.microsoft.com/office/powerpoint/2012/main" xmlns:mc="http://schemas.openxmlformats.org/markup-compatibility/2006">
+  <p:cSld>
+    <p:spTree>
+      <p:nvGrpSpPr>
+        <p:cNvPr id="1" name=""/>
+        <p:cNvGrpSpPr/>
+        <p:nvPr/>
+      </p:nvGrpSpPr>
+      <p:grpSpPr>
+        <a:xfrm>
+          <a:off x="0" y="0"/>
+          <a:ext cx="0" cy="0"/>
+          <a:chOff x="0" y="0"/>
+          <a:chExt cx="0" cy="0"/>
+        </a:xfrm>
+      </p:grpSpPr>
+      <p:sp>
+        <p:nvSpPr>
+          <p:cNvPr id="36" name="PlaceHolder 1"/>
+          <p:cNvSpPr>
+            <a:spLocks noGrp="1"/>
+          </p:cNvSpPr>
+          <p:nvPr>
+            <p:ph type="title"/>
+          </p:nvPr>
+        </p:nvSpPr>
+        <p:spPr>
+          <a:xfrm>
+            <a:off x="504000" y="301320"/>
+            <a:ext cx="9071280" cy="1261800"/>
+          </a:xfrm>
+          <a:prstGeom prst="rect">
+            <a:avLst/>
+          </a:prstGeom>
+        </p:spPr>
+        <p:txBody>
+          <a:bodyPr lIns="0" rIns="0" tIns="0" bIns="0" anchor="ctr"/>
+          <a:p>
+            <a:pPr algn="ctr"/>
+            <a:endParaRPr b="0" lang="en-US" sz="4400" spc="-1" strike="noStrike">
+              <a:solidFill>
+                <a:srgbClr val="000000"/>
+              </a:solidFill>
+              <a:uFill>
+                <a:solidFill>
+                  <a:srgbClr val="ffffff"/>
+                </a:solidFill>
+              </a:uFill>
+              <a:latin typeface="Arial"/>
+            </a:endParaRPr>
+          </a:p>
+        </p:txBody>
+      </p:sp>
+      <p:sp>
+        <p:nvSpPr>
+          <p:cNvPr id="37" name="PlaceHolder 2"/>
+          <p:cNvSpPr>
+            <a:spLocks noGrp="1"/>
+          </p:cNvSpPr>
+          <p:nvPr>
+            <p:ph type="body"/>
+          </p:nvPr>
+        </p:nvSpPr>
+        <p:spPr>
+          <a:xfrm>
+            <a:off x="504000" y="1768680"/>
+            <a:ext cx="9072000" cy="4384080"/>
+          </a:xfrm>
+          <a:prstGeom prst="rect">
+            <a:avLst/>
+          </a:prstGeom>
+        </p:spPr>
+        <p:txBody>
+          <a:bodyPr lIns="0" rIns="0" tIns="0" bIns="0"/>
+          <a:p>
+            <a:pPr marL="432000" indent="-324000">
+              <a:buClr>
+                <a:srgbClr val="000000"/>
+              </a:buClr>
+              <a:buSzPct val="45000"/>
+              <a:buFont typeface="Wingdings" charset="2"/>
+              <a:buChar char=""/>
+            </a:pPr>
+            <a:r>
+              <a:rPr b="0" lang="en-US" sz="3200" spc="-1" strike="noStrike">
+                <a:solidFill>
+                  <a:srgbClr val="000000"/>
+                </a:solidFill>
+                <a:uFill>
+                  <a:solidFill>
+                    <a:srgbClr val="ffffff"/>
+                  </a:solidFill>
+                </a:uFill>
+                <a:latin typeface="Arial"/>
+              </a:rPr>
+              <a:t>Click to edit the outline text format</a:t>
+            </a:r>
+            <a:endParaRPr b="0" lang="en-US" sz="3200" spc="-1" strike="noStrike">
+              <a:solidFill>
+                <a:srgbClr val="000000"/>
+              </a:solidFill>
+              <a:uFill>
+                <a:solidFill>
+                  <a:srgbClr val="ffffff"/>
+                </a:solidFill>
+              </a:uFill>
+              <a:latin typeface="Arial"/>
+            </a:endParaRPr>
+          </a:p>
+          <a:p>
+            <a:pPr lvl="1" marL="864000" indent="-324000">
+              <a:buClr>
+                <a:srgbClr val="000000"/>
+              </a:buClr>
+              <a:buSzPct val="75000"/>
+              <a:buFont typeface="Symbol" charset="2"/>
+              <a:buChar char=""/>
+            </a:pPr>
+            <a:r>
+              <a:rPr b="0" lang="en-US" sz="2800" spc="-1" strike="noStrike">
+                <a:solidFill>
+                  <a:srgbClr val="000000"/>
+                </a:solidFill>
+                <a:uFill>
+                  <a:solidFill>
+                    <a:srgbClr val="ffffff"/>
+                  </a:solidFill>
+                </a:uFill>
+                <a:latin typeface="Arial"/>
+              </a:rPr>
+              <a:t>Second Outline Level</a:t>
+            </a:r>
+            <a:endParaRPr b="0" lang="en-US" sz="2800" spc="-1" strike="noStrike">
+              <a:solidFill>
+                <a:srgbClr val="000000"/>
+              </a:solidFill>
+              <a:uFill>
+                <a:solidFill>
+                  <a:srgbClr val="ffffff"/>
+                </a:solidFill>
+              </a:uFill>
+              <a:latin typeface="Arial"/>
+            </a:endParaRPr>
+          </a:p>
+          <a:p>
+            <a:pPr lvl="2" marL="1296000" indent="-288000">
+              <a:buClr>
+                <a:srgbClr val="000000"/>
+              </a:buClr>
+              <a:buSzPct val="45000"/>
+              <a:buFont typeface="Wingdings" charset="2"/>
+              <a:buChar char=""/>
+            </a:pPr>
+            <a:r>
+              <a:rPr b="0" lang="en-US" sz="2400" spc="-1" strike="noStrike">
+                <a:solidFill>
+                  <a:srgbClr val="000000"/>
+                </a:solidFill>
+                <a:uFill>
+                  <a:solidFill>
+                    <a:srgbClr val="ffffff"/>
+                  </a:solidFill>
+                </a:uFill>
+                <a:latin typeface="Arial"/>
+              </a:rPr>
+              <a:t>Third Outline Level</a:t>
+            </a:r>
+            <a:endParaRPr b="0" lang="en-US" sz="2400" spc="-1" strike="noStrike">
+              <a:solidFill>
+                <a:srgbClr val="000000"/>
+              </a:solidFill>
+              <a:uFill>
+                <a:solidFill>
+                  <a:srgbClr val="ffffff"/>
+                </a:solidFill>
+              </a:uFill>
+              <a:latin typeface="Arial"/>
+            </a:endParaRPr>
+          </a:p>
+          <a:p>
+            <a:pPr lvl="3" marL="1728000" indent="-216000">
+              <a:buClr>
+                <a:srgbClr val="000000"/>
+              </a:buClr>
+              <a:buSzPct val="75000"/>
+              <a:buFont typeface="Symbol" charset="2"/>
+              <a:buChar char=""/>
+            </a:pPr>
+            <a:r>
+              <a:rPr b="0" lang="en-US" sz="2000" spc="-1" strike="noStrike">
+                <a:solidFill>
+                  <a:srgbClr val="000000"/>
+                </a:solidFill>
+                <a:uFill>
+                  <a:solidFill>
+                    <a:srgbClr val="ffffff"/>
+                  </a:solidFill>
+                </a:uFill>
+                <a:latin typeface="Arial"/>
+              </a:rPr>
+              <a:t>Fourth Outline Level</a:t>
+            </a:r>
+            <a:endParaRPr b="0" lang="en-US" sz="2000" spc="-1" strike="noStrike">
+              <a:solidFill>
+                <a:srgbClr val="000000"/>
+              </a:solidFill>
+              <a:uFill>
+                <a:solidFill>
+                  <a:srgbClr val="ffffff"/>
+                </a:solidFill>
+              </a:uFill>
+              <a:latin typeface="Arial"/>
+            </a:endParaRPr>
+          </a:p>
+          <a:p>
+            <a:pPr lvl="4" marL="2160000" indent="-216000">
+              <a:buClr>
+                <a:srgbClr val="000000"/>
+              </a:buClr>
+              <a:buSzPct val="45000"/>
+              <a:buFont typeface="Wingdings" charset="2"/>
+              <a:buChar char=""/>
+            </a:pPr>
+            <a:r>
+              <a:rPr b="0" lang="en-US" sz="2000" spc="-1" strike="noStrike">
+                <a:solidFill>
+                  <a:srgbClr val="000000"/>
+                </a:solidFill>
+                <a:uFill>
+                  <a:solidFill>
+                    <a:srgbClr val="ffffff"/>
+                  </a:solidFill>
+                </a:uFill>
+                <a:latin typeface="Arial"/>
+              </a:rPr>
+              <a:t>Fifth Outline Level</a:t>
+            </a:r>
+            <a:endParaRPr b="0" lang="en-US" sz="2000" spc="-1" strike="noStrike">
+              <a:solidFill>
+                <a:srgbClr val="000000"/>
+              </a:solidFill>
+              <a:uFill>
+                <a:solidFill>
+                  <a:srgbClr val="ffffff"/>
+                </a:solidFill>
+              </a:uFill>
+              <a:latin typeface="Arial"/>
+            </a:endParaRPr>
+          </a:p>
+          <a:p>
+            <a:pPr lvl="5" marL="2592000" indent="-216000">
+              <a:buClr>
+                <a:srgbClr val="000000"/>
+              </a:buClr>
+              <a:buSzPct val="45000"/>
+              <a:buFont typeface="Wingdings" charset="2"/>
+              <a:buChar char=""/>
+            </a:pPr>
+            <a:r>
+              <a:rPr b="0" lang="en-US" sz="2000" spc="-1" strike="noStrike">
+                <a:solidFill>
+                  <a:srgbClr val="000000"/>
+                </a:solidFill>
+                <a:uFill>
+                  <a:solidFill>
+                    <a:srgbClr val="ffffff"/>
+                  </a:solidFill>
+                </a:uFill>
+                <a:latin typeface="Arial"/>
+              </a:rPr>
+              <a:t>Sixth Outline Level</a:t>
+            </a:r>
+            <a:endParaRPr b="0" lang="en-US" sz="2000" spc="-1" strike="noStrike">
+              <a:solidFill>
+                <a:srgbClr val="000000"/>
+              </a:solidFill>
+              <a:uFill>
+                <a:solidFill>
+                  <a:srgbClr val="ffffff"/>
+                </a:solidFill>
+              </a:uFill>
+              <a:latin typeface="Arial"/>
+            </a:endParaRPr>
+          </a:p>
+          <a:p>
+            <a:pPr lvl="6" marL="3024000" indent="-216000">
+              <a:buClr>
+                <a:srgbClr val="000000"/>
+              </a:buClr>
+              <a:buSzPct val="45000"/>
+              <a:buFont typeface="Wingdings" charset="2"/>
+              <a:buChar char=""/>
+            </a:pPr>
+            <a:r>
+              <a:rPr b="0" lang="en-US" sz="2000" spc="-1" strike="noStrike">
+                <a:solidFill>
+                  <a:srgbClr val="000000"/>
+                </a:solidFill>
+                <a:uFill>
+                  <a:solidFill>
+                    <a:srgbClr val="ffffff"/>
+                  </a:solidFill>
+                </a:uFill>
+                <a:latin typeface="Arial"/>
+              </a:rPr>
+              <a:t>Seventh Outline Level</a:t>
+            </a:r>
+            <a:endParaRPr b="0" lang="en-US" sz="2000" spc="-1" strike="noStrike">
+              <a:solidFill>
+                <a:srgbClr val="000000"/>
+              </a:solidFill>
+              <a:uFill>
+                <a:solidFill>
+                  <a:srgbClr val="ffffff"/>
+                </a:solidFill>
+              </a:uFill>
+              <a:latin typeface="Arial"/>
+            </a:endParaRPr>
+          </a:p>
+        </p:txBody>
+      </p:sp>
+    </p:spTree>
+  </p:cSld>
+  <p:clrMap bg1="lt1" bg2="lt2" tx1="dk1" tx2="dk2" accent1="accent1" accent2="accent2" accent3="accent3" accent4="accent4" accent5="accent5" accent6="accent6" hlink="hlink" folHlink="folHlink"/>
+  <p:sldLayoutIdLst>
+    <p:sldLayoutId id="2147483662" r:id="rId2"/>
+    <p:sldLayoutId id="2147483663" r:id="rId3"/>
+    <p:sldLayoutId id="2147483664" r:id="rId4"/>
+    <p:sldLayoutId id="2147483665" r:id="rId5"/>
+    <p:sldLayoutId id="2147483666" r:id="rId6"/>
+    <p:sldLayoutId id="2147483667" r:id="rId7"/>
+    <p:sldLayoutId id="2147483668" r:id="rId8"/>
+    <p:sldLayoutId id="2147483669" r:id="rId9"/>
+    <p:sldLayoutId id="2147483670" r:id="rId10"/>
+    <p:sldLayoutId id="2147483671" r:id="rId11"/>
+    <p:sldLayoutId id="2147483672" r:id="rId12"/>
+    <p:sldLayoutId id="2147483673" r:id="rId13"/>
   </p:sldLayoutIdLst>
 </p:sldMaster>
 </file>
@@ -2024,14 +3690,14 @@
       </p:grpSpPr>
       <p:sp>
         <p:nvSpPr>
-          <p:cNvPr id="39" name="TextShape 1"/>
-          <p:cNvSpPr txBox="1"/>
+          <p:cNvPr id="72" name="CustomShape 1"/>
+          <p:cNvSpPr/>
           <p:nvPr/>
         </p:nvSpPr>
         <p:spPr>
           <a:xfrm>
             <a:off x="504000" y="301320"/>
-            <a:ext cx="9071640" cy="5851800"/>
+            <a:ext cx="9071280" cy="5851440"/>
           </a:xfrm>
           <a:prstGeom prst="rect">
             <a:avLst/>
@@ -2041,10 +3707,19 @@
             <a:noFill/>
           </a:ln>
         </p:spPr>
+        <p:style>
+          <a:lnRef idx="0"/>
+          <a:fillRef idx="0"/>
+          <a:effectRef idx="0"/>
+          <a:fontRef idx="minor"/>
+        </p:style>
         <p:txBody>
           <a:bodyPr lIns="0" rIns="0" tIns="0" bIns="0" anchor="ctr"/>
           <a:p>
-            <a:pPr marL="216000" indent="-216000" algn="ctr">
+            <a:pPr marL="216000" indent="-215640" algn="ctr">
+              <a:lnSpc>
+                <a:spcPct val="100000"/>
+              </a:lnSpc>
               <a:buClr>
                 <a:srgbClr val="000000"/>
               </a:buClr>
@@ -2067,20 +3742,23 @@
               </a:rPr>
               <a:t>New Car Sales Prediction at Dealership Level</a:t>
             </a:r>
-            <a:endParaRPr b="0" lang="en-US" sz="3200" spc="-1" strike="noStrike">
-              <a:solidFill>
-                <a:srgbClr val="000000"/>
-              </a:solidFill>
-              <a:uFill>
-                <a:solidFill>
-                  <a:srgbClr val="ffffff"/>
-                </a:solidFill>
-              </a:uFill>
-              <a:latin typeface="Arial"/>
-            </a:endParaRPr>
-          </a:p>
-          <a:p>
-            <a:pPr marL="216000" indent="-216000" algn="ctr">
+            <a:endParaRPr b="0" lang="en-US" sz="1800" spc="-1" strike="noStrike">
+              <a:solidFill>
+                <a:srgbClr val="000000"/>
+              </a:solidFill>
+              <a:uFill>
+                <a:solidFill>
+                  <a:srgbClr val="ffffff"/>
+                </a:solidFill>
+              </a:uFill>
+              <a:latin typeface="Arial"/>
+            </a:endParaRPr>
+          </a:p>
+          <a:p>
+            <a:pPr marL="216000" indent="-215640" algn="ctr">
+              <a:lnSpc>
+                <a:spcPct val="100000"/>
+              </a:lnSpc>
               <a:buClr>
                 <a:srgbClr val="000000"/>
               </a:buClr>
@@ -2103,20 +3781,24 @@
               </a:rPr>
               <a:t> </a:t>
             </a:r>
-            <a:endParaRPr b="0" lang="en-US" sz="3200" spc="-1" strike="noStrike">
-              <a:solidFill>
-                <a:srgbClr val="000000"/>
-              </a:solidFill>
-              <a:uFill>
-                <a:solidFill>
-                  <a:srgbClr val="ffffff"/>
-                </a:solidFill>
-              </a:uFill>
-              <a:latin typeface="Arial"/>
-            </a:endParaRPr>
-          </a:p>
-          <a:p>
-            <a:pPr algn="ctr"/>
+            <a:endParaRPr b="0" lang="en-US" sz="1800" spc="-1" strike="noStrike">
+              <a:solidFill>
+                <a:srgbClr val="000000"/>
+              </a:solidFill>
+              <a:uFill>
+                <a:solidFill>
+                  <a:srgbClr val="ffffff"/>
+                </a:solidFill>
+              </a:uFill>
+              <a:latin typeface="Arial"/>
+            </a:endParaRPr>
+          </a:p>
+          <a:p>
+            <a:pPr algn="ctr">
+              <a:lnSpc>
+                <a:spcPct val="100000"/>
+              </a:lnSpc>
+            </a:pPr>
             <a:r>
               <a:rPr b="0" lang="en-US" sz="3200" spc="-1" strike="noStrike">
                 <a:solidFill>
@@ -2132,20 +3814,23 @@
               </a:rPr>
               <a:t>Sebastian Montero</a:t>
             </a:r>
-            <a:endParaRPr b="0" lang="en-US" sz="3200" spc="-1" strike="noStrike">
-              <a:solidFill>
-                <a:srgbClr val="000000"/>
-              </a:solidFill>
-              <a:uFill>
-                <a:solidFill>
-                  <a:srgbClr val="ffffff"/>
-                </a:solidFill>
-              </a:uFill>
-              <a:latin typeface="Arial"/>
-            </a:endParaRPr>
-          </a:p>
-          <a:p>
-            <a:pPr marL="216000" indent="-216000" algn="ctr">
+            <a:endParaRPr b="0" lang="en-US" sz="1800" spc="-1" strike="noStrike">
+              <a:solidFill>
+                <a:srgbClr val="000000"/>
+              </a:solidFill>
+              <a:uFill>
+                <a:solidFill>
+                  <a:srgbClr val="ffffff"/>
+                </a:solidFill>
+              </a:uFill>
+              <a:latin typeface="Arial"/>
+            </a:endParaRPr>
+          </a:p>
+          <a:p>
+            <a:pPr marL="216000" indent="-215640" algn="ctr">
+              <a:lnSpc>
+                <a:spcPct val="100000"/>
+              </a:lnSpc>
               <a:buClr>
                 <a:srgbClr val="000000"/>
               </a:buClr>
@@ -2168,7 +3853,7 @@
               </a:rPr>
               <a:t> </a:t>
             </a:r>
-            <a:endParaRPr b="0" lang="en-US" sz="3200" spc="-1" strike="noStrike">
+            <a:endParaRPr b="0" lang="en-US" sz="1800" spc="-1" strike="noStrike">
               <a:solidFill>
                 <a:srgbClr val="000000"/>
               </a:solidFill>
@@ -2233,14 +3918,14 @@
       </p:grpSpPr>
       <p:sp>
         <p:nvSpPr>
-          <p:cNvPr id="56" name="TextShape 1"/>
-          <p:cNvSpPr txBox="1"/>
+          <p:cNvPr id="89" name="CustomShape 1"/>
+          <p:cNvSpPr/>
           <p:nvPr/>
         </p:nvSpPr>
         <p:spPr>
           <a:xfrm>
             <a:off x="504000" y="301320"/>
-            <a:ext cx="9071640" cy="1262160"/>
+            <a:ext cx="9071280" cy="1261800"/>
           </a:xfrm>
           <a:prstGeom prst="rect">
             <a:avLst/>
@@ -2250,10 +3935,20 @@
             <a:noFill/>
           </a:ln>
         </p:spPr>
+        <p:style>
+          <a:lnRef idx="0"/>
+          <a:fillRef idx="0"/>
+          <a:effectRef idx="0"/>
+          <a:fontRef idx="minor"/>
+        </p:style>
         <p:txBody>
           <a:bodyPr lIns="0" rIns="0" tIns="0" bIns="0" anchor="ctr"/>
           <a:p>
-            <a:pPr algn="ctr"/>
+            <a:pPr algn="ctr">
+              <a:lnSpc>
+                <a:spcPct val="100000"/>
+              </a:lnSpc>
+            </a:pPr>
             <a:r>
               <a:rPr b="0" lang="en-US" sz="3200" spc="-1" strike="noStrike">
                 <a:solidFill>
@@ -2269,30 +3964,30 @@
               </a:rPr>
               <a:t>Input Preprocessing (Reader)</a:t>
             </a:r>
-            <a:endParaRPr b="0" lang="en-US" sz="4400" spc="-1" strike="noStrike">
-              <a:solidFill>
-                <a:srgbClr val="000000"/>
-              </a:solidFill>
-              <a:uFill>
-                <a:solidFill>
-                  <a:srgbClr val="ffffff"/>
-                </a:solidFill>
-              </a:uFill>
-              <a:latin typeface="Arial"/>
-            </a:endParaRPr>
-          </a:p>
-        </p:txBody>
-      </p:sp>
-      <p:sp>
-        <p:nvSpPr>
-          <p:cNvPr id="57" name="TextShape 2"/>
-          <p:cNvSpPr txBox="1"/>
+            <a:endParaRPr b="0" lang="en-US" sz="1800" spc="-1" strike="noStrike">
+              <a:solidFill>
+                <a:srgbClr val="000000"/>
+              </a:solidFill>
+              <a:uFill>
+                <a:solidFill>
+                  <a:srgbClr val="ffffff"/>
+                </a:solidFill>
+              </a:uFill>
+              <a:latin typeface="Arial"/>
+            </a:endParaRPr>
+          </a:p>
+        </p:txBody>
+      </p:sp>
+      <p:sp>
+        <p:nvSpPr>
+          <p:cNvPr id="90" name="CustomShape 2"/>
+          <p:cNvSpPr/>
           <p:nvPr/>
         </p:nvSpPr>
         <p:spPr>
           <a:xfrm>
             <a:off x="504000" y="1769040"/>
-            <a:ext cx="9071640" cy="5925240"/>
+            <a:ext cx="9071280" cy="5924880"/>
           </a:xfrm>
           <a:prstGeom prst="rect">
             <a:avLst/>
@@ -2302,10 +3997,19 @@
             <a:noFill/>
           </a:ln>
         </p:spPr>
+        <p:style>
+          <a:lnRef idx="0"/>
+          <a:fillRef idx="0"/>
+          <a:effectRef idx="0"/>
+          <a:fontRef idx="minor"/>
+        </p:style>
         <p:txBody>
           <a:bodyPr lIns="0" rIns="0" tIns="0" bIns="0"/>
           <a:p>
-            <a:pPr marL="216000" indent="-216000">
+            <a:pPr marL="216000" indent="-215640">
+              <a:lnSpc>
+                <a:spcPct val="100000"/>
+              </a:lnSpc>
               <a:buClr>
                 <a:srgbClr val="000000"/>
               </a:buClr>
@@ -2343,20 +4047,23 @@
               </a:rPr>
               <a:t>Sine and cosine functions are applied to the month(1-12), in order to express its cyclical nature.</a:t>
             </a:r>
-            <a:endParaRPr b="1" lang="en-US" sz="3200" spc="-1" strike="noStrike">
-              <a:solidFill>
-                <a:srgbClr val="000000"/>
-              </a:solidFill>
-              <a:uFill>
-                <a:solidFill>
-                  <a:srgbClr val="ffffff"/>
-                </a:solidFill>
-              </a:uFill>
-              <a:latin typeface="Arial"/>
-            </a:endParaRPr>
-          </a:p>
-          <a:p>
-            <a:pPr marL="216000" indent="-216000">
+            <a:endParaRPr b="0" lang="en-US" sz="1800" spc="-1" strike="noStrike">
+              <a:solidFill>
+                <a:srgbClr val="000000"/>
+              </a:solidFill>
+              <a:uFill>
+                <a:solidFill>
+                  <a:srgbClr val="ffffff"/>
+                </a:solidFill>
+              </a:uFill>
+              <a:latin typeface="Arial"/>
+            </a:endParaRPr>
+          </a:p>
+          <a:p>
+            <a:pPr marL="216000" indent="-215640">
+              <a:lnSpc>
+                <a:spcPct val="100000"/>
+              </a:lnSpc>
               <a:buClr>
                 <a:srgbClr val="000000"/>
               </a:buClr>
@@ -2379,20 +4086,23 @@
               </a:rPr>
               <a:t> </a:t>
             </a:r>
-            <a:endParaRPr b="1" lang="en-US" sz="3200" spc="-1" strike="noStrike">
-              <a:solidFill>
-                <a:srgbClr val="000000"/>
-              </a:solidFill>
-              <a:uFill>
-                <a:solidFill>
-                  <a:srgbClr val="ffffff"/>
-                </a:solidFill>
-              </a:uFill>
-              <a:latin typeface="Arial"/>
-            </a:endParaRPr>
-          </a:p>
-          <a:p>
-            <a:pPr marL="216000" indent="-216000">
+            <a:endParaRPr b="0" lang="en-US" sz="1800" spc="-1" strike="noStrike">
+              <a:solidFill>
+                <a:srgbClr val="000000"/>
+              </a:solidFill>
+              <a:uFill>
+                <a:solidFill>
+                  <a:srgbClr val="ffffff"/>
+                </a:solidFill>
+              </a:uFill>
+              <a:latin typeface="Arial"/>
+            </a:endParaRPr>
+          </a:p>
+          <a:p>
+            <a:pPr marL="216000" indent="-215640">
+              <a:lnSpc>
+                <a:spcPct val="100000"/>
+              </a:lnSpc>
               <a:buClr>
                 <a:srgbClr val="000000"/>
               </a:buClr>
@@ -2430,20 +4140,23 @@
               </a:rPr>
               <a:t>Rate of change vs previous month and start of year. Interested in steepness of increase, decrease more than absolute value.</a:t>
             </a:r>
-            <a:endParaRPr b="1" lang="en-US" sz="3200" spc="-1" strike="noStrike">
-              <a:solidFill>
-                <a:srgbClr val="000000"/>
-              </a:solidFill>
-              <a:uFill>
-                <a:solidFill>
-                  <a:srgbClr val="ffffff"/>
-                </a:solidFill>
-              </a:uFill>
-              <a:latin typeface="Arial"/>
-            </a:endParaRPr>
-          </a:p>
-          <a:p>
-            <a:pPr marL="216000" indent="-216000">
+            <a:endParaRPr b="0" lang="en-US" sz="1800" spc="-1" strike="noStrike">
+              <a:solidFill>
+                <a:srgbClr val="000000"/>
+              </a:solidFill>
+              <a:uFill>
+                <a:solidFill>
+                  <a:srgbClr val="ffffff"/>
+                </a:solidFill>
+              </a:uFill>
+              <a:latin typeface="Arial"/>
+            </a:endParaRPr>
+          </a:p>
+          <a:p>
+            <a:pPr marL="216000" indent="-215640">
+              <a:lnSpc>
+                <a:spcPct val="100000"/>
+              </a:lnSpc>
               <a:buClr>
                 <a:srgbClr val="000000"/>
               </a:buClr>
@@ -2466,20 +4179,23 @@
               </a:rPr>
               <a:t> </a:t>
             </a:r>
-            <a:endParaRPr b="1" lang="en-US" sz="3200" spc="-1" strike="noStrike">
-              <a:solidFill>
-                <a:srgbClr val="000000"/>
-              </a:solidFill>
-              <a:uFill>
-                <a:solidFill>
-                  <a:srgbClr val="ffffff"/>
-                </a:solidFill>
-              </a:uFill>
-              <a:latin typeface="Arial"/>
-            </a:endParaRPr>
-          </a:p>
-          <a:p>
-            <a:pPr marL="216000" indent="-216000">
+            <a:endParaRPr b="0" lang="en-US" sz="1800" spc="-1" strike="noStrike">
+              <a:solidFill>
+                <a:srgbClr val="000000"/>
+              </a:solidFill>
+              <a:uFill>
+                <a:solidFill>
+                  <a:srgbClr val="ffffff"/>
+                </a:solidFill>
+              </a:uFill>
+              <a:latin typeface="Arial"/>
+            </a:endParaRPr>
+          </a:p>
+          <a:p>
+            <a:pPr marL="216000" indent="-215640">
+              <a:lnSpc>
+                <a:spcPct val="100000"/>
+              </a:lnSpc>
               <a:buClr>
                 <a:srgbClr val="000000"/>
               </a:buClr>
@@ -2517,20 +4233,23 @@
               </a:rPr>
               <a:t>Scaled between [-1, 1], so that all the features values are within the same range.</a:t>
             </a:r>
-            <a:endParaRPr b="1" lang="en-US" sz="3200" spc="-1" strike="noStrike">
-              <a:solidFill>
-                <a:srgbClr val="000000"/>
-              </a:solidFill>
-              <a:uFill>
-                <a:solidFill>
-                  <a:srgbClr val="ffffff"/>
-                </a:solidFill>
-              </a:uFill>
-              <a:latin typeface="Arial"/>
-            </a:endParaRPr>
-          </a:p>
-          <a:p>
-            <a:pPr marL="448200">
+            <a:endParaRPr b="0" lang="en-US" sz="1800" spc="-1" strike="noStrike">
+              <a:solidFill>
+                <a:srgbClr val="000000"/>
+              </a:solidFill>
+              <a:uFill>
+                <a:solidFill>
+                  <a:srgbClr val="ffffff"/>
+                </a:solidFill>
+              </a:uFill>
+              <a:latin typeface="Arial"/>
+            </a:endParaRPr>
+          </a:p>
+          <a:p>
+            <a:pPr marL="448200" indent="-215640">
+              <a:lnSpc>
+                <a:spcPct val="100000"/>
+              </a:lnSpc>
               <a:buClr>
                 <a:srgbClr val="000000"/>
               </a:buClr>
@@ -2553,7 +4272,7 @@
               </a:rPr>
               <a:t> </a:t>
             </a:r>
-            <a:endParaRPr b="1" lang="en-US" sz="3200" spc="-1" strike="noStrike">
+            <a:endParaRPr b="0" lang="en-US" sz="1800" spc="-1" strike="noStrike">
               <a:solidFill>
                 <a:srgbClr val="000000"/>
               </a:solidFill>
@@ -2618,14 +4337,14 @@
       </p:grpSpPr>
       <p:sp>
         <p:nvSpPr>
-          <p:cNvPr id="58" name="TextShape 1"/>
-          <p:cNvSpPr txBox="1"/>
+          <p:cNvPr id="91" name="CustomShape 1"/>
+          <p:cNvSpPr/>
           <p:nvPr/>
         </p:nvSpPr>
         <p:spPr>
           <a:xfrm>
             <a:off x="504000" y="301320"/>
-            <a:ext cx="9071640" cy="1262160"/>
+            <a:ext cx="9071280" cy="1261800"/>
           </a:xfrm>
           <a:prstGeom prst="rect">
             <a:avLst/>
@@ -2635,10 +4354,20 @@
             <a:noFill/>
           </a:ln>
         </p:spPr>
+        <p:style>
+          <a:lnRef idx="0"/>
+          <a:fillRef idx="0"/>
+          <a:effectRef idx="0"/>
+          <a:fontRef idx="minor"/>
+        </p:style>
         <p:txBody>
           <a:bodyPr lIns="0" rIns="0" tIns="0" bIns="0" anchor="ctr"/>
           <a:p>
-            <a:pPr algn="ctr"/>
+            <a:pPr algn="ctr">
+              <a:lnSpc>
+                <a:spcPct val="100000"/>
+              </a:lnSpc>
+            </a:pPr>
             <a:r>
               <a:rPr b="0" lang="en-US" sz="3200" spc="-1" strike="noStrike">
                 <a:solidFill>
@@ -2654,30 +4383,30 @@
               </a:rPr>
               <a:t>Input Feature Selection (InputFeatureSelector)</a:t>
             </a:r>
-            <a:endParaRPr b="0" lang="en-US" sz="4400" spc="-1" strike="noStrike">
-              <a:solidFill>
-                <a:srgbClr val="000000"/>
-              </a:solidFill>
-              <a:uFill>
-                <a:solidFill>
-                  <a:srgbClr val="ffffff"/>
-                </a:solidFill>
-              </a:uFill>
-              <a:latin typeface="Arial"/>
-            </a:endParaRPr>
-          </a:p>
-        </p:txBody>
-      </p:sp>
-      <p:sp>
-        <p:nvSpPr>
-          <p:cNvPr id="59" name="TextShape 2"/>
-          <p:cNvSpPr txBox="1"/>
+            <a:endParaRPr b="0" lang="en-US" sz="1800" spc="-1" strike="noStrike">
+              <a:solidFill>
+                <a:srgbClr val="000000"/>
+              </a:solidFill>
+              <a:uFill>
+                <a:solidFill>
+                  <a:srgbClr val="ffffff"/>
+                </a:solidFill>
+              </a:uFill>
+              <a:latin typeface="Arial"/>
+            </a:endParaRPr>
+          </a:p>
+        </p:txBody>
+      </p:sp>
+      <p:sp>
+        <p:nvSpPr>
+          <p:cNvPr id="92" name="CustomShape 2"/>
+          <p:cNvSpPr/>
           <p:nvPr/>
         </p:nvSpPr>
         <p:spPr>
           <a:xfrm>
             <a:off x="504000" y="1769040"/>
-            <a:ext cx="9071640" cy="5469480"/>
+            <a:ext cx="9071280" cy="5469120"/>
           </a:xfrm>
           <a:prstGeom prst="rect">
             <a:avLst/>
@@ -2687,10 +4416,19 @@
             <a:noFill/>
           </a:ln>
         </p:spPr>
+        <p:style>
+          <a:lnRef idx="0"/>
+          <a:fillRef idx="0"/>
+          <a:effectRef idx="0"/>
+          <a:fontRef idx="minor"/>
+        </p:style>
         <p:txBody>
           <a:bodyPr lIns="0" rIns="0" tIns="0" bIns="0"/>
           <a:p>
-            <a:pPr marL="216000" indent="-216000">
+            <a:pPr marL="216000" indent="-215640">
+              <a:lnSpc>
+                <a:spcPct val="100000"/>
+              </a:lnSpc>
               <a:buClr>
                 <a:srgbClr val="000000"/>
               </a:buClr>
@@ -2713,20 +4451,23 @@
               </a:rPr>
               <a:t>The algorithm used to select the input features was “Forward Selection Algorithm”:</a:t>
             </a:r>
-            <a:endParaRPr b="1" lang="en-US" sz="3200" spc="-1" strike="noStrike">
-              <a:solidFill>
-                <a:srgbClr val="000000"/>
-              </a:solidFill>
-              <a:uFill>
-                <a:solidFill>
-                  <a:srgbClr val="ffffff"/>
-                </a:solidFill>
-              </a:uFill>
-              <a:latin typeface="Arial"/>
-            </a:endParaRPr>
-          </a:p>
-          <a:p>
-            <a:pPr marL="448200">
+            <a:endParaRPr b="0" lang="en-US" sz="1800" spc="-1" strike="noStrike">
+              <a:solidFill>
+                <a:srgbClr val="000000"/>
+              </a:solidFill>
+              <a:uFill>
+                <a:solidFill>
+                  <a:srgbClr val="ffffff"/>
+                </a:solidFill>
+              </a:uFill>
+              <a:latin typeface="Arial"/>
+            </a:endParaRPr>
+          </a:p>
+          <a:p>
+            <a:pPr marL="448200" indent="-215640">
+              <a:lnSpc>
+                <a:spcPct val="100000"/>
+              </a:lnSpc>
               <a:buClr>
                 <a:srgbClr val="000000"/>
               </a:buClr>
@@ -2749,20 +4490,23 @@
               </a:rPr>
               <a:t>First evaluate all features subsets that consist of one input feature, to find the best individual feature.</a:t>
             </a:r>
-            <a:endParaRPr b="1" lang="en-US" sz="3200" spc="-1" strike="noStrike">
-              <a:solidFill>
-                <a:srgbClr val="000000"/>
-              </a:solidFill>
-              <a:uFill>
-                <a:solidFill>
-                  <a:srgbClr val="ffffff"/>
-                </a:solidFill>
-              </a:uFill>
-              <a:latin typeface="Arial"/>
-            </a:endParaRPr>
-          </a:p>
-          <a:p>
-            <a:pPr marL="448200">
+            <a:endParaRPr b="0" lang="en-US" sz="1800" spc="-1" strike="noStrike">
+              <a:solidFill>
+                <a:srgbClr val="000000"/>
+              </a:solidFill>
+              <a:uFill>
+                <a:solidFill>
+                  <a:srgbClr val="ffffff"/>
+                </a:solidFill>
+              </a:uFill>
+              <a:latin typeface="Arial"/>
+            </a:endParaRPr>
+          </a:p>
+          <a:p>
+            <a:pPr marL="448200" indent="-215640">
+              <a:lnSpc>
+                <a:spcPct val="100000"/>
+              </a:lnSpc>
               <a:buClr>
                 <a:srgbClr val="000000"/>
               </a:buClr>
@@ -2785,20 +4529,23 @@
               </a:rPr>
               <a:t> </a:t>
             </a:r>
-            <a:endParaRPr b="1" lang="en-US" sz="3200" spc="-1" strike="noStrike">
-              <a:solidFill>
-                <a:srgbClr val="000000"/>
-              </a:solidFill>
-              <a:uFill>
-                <a:solidFill>
-                  <a:srgbClr val="ffffff"/>
-                </a:solidFill>
-              </a:uFill>
-              <a:latin typeface="Arial"/>
-            </a:endParaRPr>
-          </a:p>
-          <a:p>
-            <a:pPr marL="448200">
+            <a:endParaRPr b="0" lang="en-US" sz="1800" spc="-1" strike="noStrike">
+              <a:solidFill>
+                <a:srgbClr val="000000"/>
+              </a:solidFill>
+              <a:uFill>
+                <a:solidFill>
+                  <a:srgbClr val="ffffff"/>
+                </a:solidFill>
+              </a:uFill>
+              <a:latin typeface="Arial"/>
+            </a:endParaRPr>
+          </a:p>
+          <a:p>
+            <a:pPr marL="448200" indent="-215640">
+              <a:lnSpc>
+                <a:spcPct val="100000"/>
+              </a:lnSpc>
               <a:buClr>
                 <a:srgbClr val="000000"/>
               </a:buClr>
@@ -2821,20 +4568,23 @@
               </a:rPr>
               <a:t>Next find the best subset of two components, using the one chosen on the first step and one of the remaining features.</a:t>
             </a:r>
-            <a:endParaRPr b="1" lang="en-US" sz="3200" spc="-1" strike="noStrike">
-              <a:solidFill>
-                <a:srgbClr val="000000"/>
-              </a:solidFill>
-              <a:uFill>
-                <a:solidFill>
-                  <a:srgbClr val="ffffff"/>
-                </a:solidFill>
-              </a:uFill>
-              <a:latin typeface="Arial"/>
-            </a:endParaRPr>
-          </a:p>
-          <a:p>
-            <a:pPr marL="448200">
+            <a:endParaRPr b="0" lang="en-US" sz="1800" spc="-1" strike="noStrike">
+              <a:solidFill>
+                <a:srgbClr val="000000"/>
+              </a:solidFill>
+              <a:uFill>
+                <a:solidFill>
+                  <a:srgbClr val="ffffff"/>
+                </a:solidFill>
+              </a:uFill>
+              <a:latin typeface="Arial"/>
+            </a:endParaRPr>
+          </a:p>
+          <a:p>
+            <a:pPr marL="448200" indent="-215640">
+              <a:lnSpc>
+                <a:spcPct val="100000"/>
+              </a:lnSpc>
               <a:buClr>
                 <a:srgbClr val="000000"/>
               </a:buClr>
@@ -2857,20 +4607,23 @@
               </a:rPr>
               <a:t> </a:t>
             </a:r>
-            <a:endParaRPr b="1" lang="en-US" sz="3200" spc="-1" strike="noStrike">
-              <a:solidFill>
-                <a:srgbClr val="000000"/>
-              </a:solidFill>
-              <a:uFill>
-                <a:solidFill>
-                  <a:srgbClr val="ffffff"/>
-                </a:solidFill>
-              </a:uFill>
-              <a:latin typeface="Arial"/>
-            </a:endParaRPr>
-          </a:p>
-          <a:p>
-            <a:pPr marL="448200">
+            <a:endParaRPr b="0" lang="en-US" sz="1800" spc="-1" strike="noStrike">
+              <a:solidFill>
+                <a:srgbClr val="000000"/>
+              </a:solidFill>
+              <a:uFill>
+                <a:solidFill>
+                  <a:srgbClr val="ffffff"/>
+                </a:solidFill>
+              </a:uFill>
+              <a:latin typeface="Arial"/>
+            </a:endParaRPr>
+          </a:p>
+          <a:p>
+            <a:pPr marL="448200" indent="-215640">
+              <a:lnSpc>
+                <a:spcPct val="100000"/>
+              </a:lnSpc>
               <a:buClr>
                 <a:srgbClr val="000000"/>
               </a:buClr>
@@ -2893,7 +4646,7 @@
               </a:rPr>
               <a:t>Continue this procedure adding one feature at time.</a:t>
             </a:r>
-            <a:endParaRPr b="1" lang="en-US" sz="3200" spc="-1" strike="noStrike">
+            <a:endParaRPr b="0" lang="en-US" sz="1800" spc="-1" strike="noStrike">
               <a:solidFill>
                 <a:srgbClr val="000000"/>
               </a:solidFill>
@@ -2958,14 +4711,14 @@
       </p:grpSpPr>
       <p:sp>
         <p:nvSpPr>
-          <p:cNvPr id="60" name="TextShape 1"/>
-          <p:cNvSpPr txBox="1"/>
+          <p:cNvPr id="93" name="CustomShape 1"/>
+          <p:cNvSpPr/>
           <p:nvPr/>
         </p:nvSpPr>
         <p:spPr>
           <a:xfrm>
             <a:off x="504000" y="301320"/>
-            <a:ext cx="9071640" cy="1262160"/>
+            <a:ext cx="9071280" cy="1261800"/>
           </a:xfrm>
           <a:prstGeom prst="rect">
             <a:avLst/>
@@ -2975,10 +4728,20 @@
             <a:noFill/>
           </a:ln>
         </p:spPr>
+        <p:style>
+          <a:lnRef idx="0"/>
+          <a:fillRef idx="0"/>
+          <a:effectRef idx="0"/>
+          <a:fontRef idx="minor"/>
+        </p:style>
         <p:txBody>
           <a:bodyPr lIns="0" rIns="0" tIns="0" bIns="0" anchor="ctr"/>
           <a:p>
-            <a:pPr algn="ctr"/>
+            <a:pPr algn="ctr">
+              <a:lnSpc>
+                <a:spcPct val="100000"/>
+              </a:lnSpc>
+            </a:pPr>
             <a:r>
               <a:rPr b="0" lang="en-US" sz="3200" spc="-1" strike="noStrike">
                 <a:solidFill>
@@ -2994,30 +4757,30 @@
               </a:rPr>
               <a:t>Input Feature Selection Results</a:t>
             </a:r>
-            <a:endParaRPr b="0" lang="en-US" sz="4400" spc="-1" strike="noStrike">
-              <a:solidFill>
-                <a:srgbClr val="000000"/>
-              </a:solidFill>
-              <a:uFill>
-                <a:solidFill>
-                  <a:srgbClr val="ffffff"/>
-                </a:solidFill>
-              </a:uFill>
-              <a:latin typeface="Arial"/>
-            </a:endParaRPr>
-          </a:p>
-        </p:txBody>
-      </p:sp>
-      <p:sp>
-        <p:nvSpPr>
-          <p:cNvPr id="61" name="TextShape 2"/>
-          <p:cNvSpPr txBox="1"/>
+            <a:endParaRPr b="0" lang="en-US" sz="1800" spc="-1" strike="noStrike">
+              <a:solidFill>
+                <a:srgbClr val="000000"/>
+              </a:solidFill>
+              <a:uFill>
+                <a:solidFill>
+                  <a:srgbClr val="ffffff"/>
+                </a:solidFill>
+              </a:uFill>
+              <a:latin typeface="Arial"/>
+            </a:endParaRPr>
+          </a:p>
+        </p:txBody>
+      </p:sp>
+      <p:sp>
+        <p:nvSpPr>
+          <p:cNvPr id="94" name="CustomShape 2"/>
+          <p:cNvSpPr/>
           <p:nvPr/>
         </p:nvSpPr>
         <p:spPr>
           <a:xfrm>
             <a:off x="504000" y="1769040"/>
-            <a:ext cx="9071640" cy="4384440"/>
+            <a:ext cx="9071280" cy="4384080"/>
           </a:xfrm>
           <a:prstGeom prst="rect">
             <a:avLst/>
@@ -3027,10 +4790,19 @@
             <a:noFill/>
           </a:ln>
         </p:spPr>
+        <p:style>
+          <a:lnRef idx="0"/>
+          <a:fillRef idx="0"/>
+          <a:effectRef idx="0"/>
+          <a:fontRef idx="minor"/>
+        </p:style>
         <p:txBody>
           <a:bodyPr lIns="0" rIns="0" tIns="0" bIns="0"/>
           <a:p>
-            <a:pPr marL="216000" indent="-216000">
+            <a:pPr marL="216000" indent="-215640">
+              <a:lnSpc>
+                <a:spcPct val="100000"/>
+              </a:lnSpc>
               <a:buClr>
                 <a:srgbClr val="000000"/>
               </a:buClr>
@@ -3053,20 +4825,23 @@
               </a:rPr>
               <a:t>The metric used to evaluate the different models was the sales absolute mean error, after evaluating all the test windows.</a:t>
             </a:r>
-            <a:endParaRPr b="1" lang="en-US" sz="3200" spc="-1" strike="noStrike">
-              <a:solidFill>
-                <a:srgbClr val="000000"/>
-              </a:solidFill>
-              <a:uFill>
-                <a:solidFill>
-                  <a:srgbClr val="ffffff"/>
-                </a:solidFill>
-              </a:uFill>
-              <a:latin typeface="Arial"/>
-            </a:endParaRPr>
-          </a:p>
-          <a:p>
-            <a:pPr marL="216000" indent="-216000">
+            <a:endParaRPr b="0" lang="en-US" sz="1800" spc="-1" strike="noStrike">
+              <a:solidFill>
+                <a:srgbClr val="000000"/>
+              </a:solidFill>
+              <a:uFill>
+                <a:solidFill>
+                  <a:srgbClr val="ffffff"/>
+                </a:solidFill>
+              </a:uFill>
+              <a:latin typeface="Arial"/>
+            </a:endParaRPr>
+          </a:p>
+          <a:p>
+            <a:pPr marL="216000" indent="-215640">
+              <a:lnSpc>
+                <a:spcPct val="100000"/>
+              </a:lnSpc>
               <a:buClr>
                 <a:srgbClr val="000000"/>
               </a:buClr>
@@ -3089,20 +4864,23 @@
               </a:rPr>
               <a:t> </a:t>
             </a:r>
-            <a:endParaRPr b="1" lang="en-US" sz="3200" spc="-1" strike="noStrike">
-              <a:solidFill>
-                <a:srgbClr val="000000"/>
-              </a:solidFill>
-              <a:uFill>
-                <a:solidFill>
-                  <a:srgbClr val="ffffff"/>
-                </a:solidFill>
-              </a:uFill>
-              <a:latin typeface="Arial"/>
-            </a:endParaRPr>
-          </a:p>
-          <a:p>
-            <a:pPr marL="216000" indent="-216000">
+            <a:endParaRPr b="0" lang="en-US" sz="1800" spc="-1" strike="noStrike">
+              <a:solidFill>
+                <a:srgbClr val="000000"/>
+              </a:solidFill>
+              <a:uFill>
+                <a:solidFill>
+                  <a:srgbClr val="ffffff"/>
+                </a:solidFill>
+              </a:uFill>
+              <a:latin typeface="Arial"/>
+            </a:endParaRPr>
+          </a:p>
+          <a:p>
+            <a:pPr marL="216000" indent="-215640">
+              <a:lnSpc>
+                <a:spcPct val="100000"/>
+              </a:lnSpc>
               <a:buClr>
                 <a:srgbClr val="000000"/>
               </a:buClr>
@@ -3123,9 +4901,9 @@
                 <a:latin typeface="Arial"/>
                 <a:ea typeface="Noto Sans CJK SC Regular"/>
               </a:rPr>
-              <a:t>The selection process determined that the best input features were: </a:t>
-            </a:r>
-            <a:endParaRPr b="1" lang="en-US" sz="3200" spc="-1" strike="noStrike">
+              <a:t>The selection process determined that the best subset of input features are: </a:t>
+            </a:r>
+            <a:endParaRPr b="0" lang="en-US" sz="1800" spc="-1" strike="noStrike">
               <a:solidFill>
                 <a:srgbClr val="000000"/>
               </a:solidFill>
@@ -3148,6 +4926,263 @@
           <p:childTnLst>
             <p:seq>
               <p:cTn id="24" nodeType="mainSeq"/>
+              <p:prevCondLst>
+                <p:cond delay="0" evt="onPrev">
+                  <p:tgtEl>
+                    <p:sldTgt/>
+                  </p:tgtEl>
+                </p:cond>
+              </p:prevCondLst>
+              <p:nextCondLst>
+                <p:cond delay="0" evt="onNext">
+                  <p:tgtEl>
+                    <p:sldTgt/>
+                  </p:tgtEl>
+                </p:cond>
+              </p:nextCondLst>
+            </p:seq>
+          </p:childTnLst>
+        </p:cTn>
+      </p:par>
+    </p:tnLst>
+  </p:timing>
+</p:sld>
+</file>
+
+<file path=ppt/slides/slide13.xml><?xml version="1.0" encoding="utf-8"?>
+<p:sld xmlns:a="http://schemas.openxmlformats.org/drawingml/2006/main" xmlns:p="http://schemas.openxmlformats.org/presentationml/2006/main" xmlns:r="http://schemas.openxmlformats.org/officeDocument/2006/relationships" xmlns:p14="http://schemas.microsoft.com/office/powerpoint/2010/main" xmlns:p15="http://schemas.microsoft.com/office/powerpoint/2012/main" xmlns:mc="http://schemas.openxmlformats.org/markup-compatibility/2006">
+  <p:cSld>
+    <p:spTree>
+      <p:nvGrpSpPr>
+        <p:cNvPr id="1" name=""/>
+        <p:cNvGrpSpPr/>
+        <p:nvPr/>
+      </p:nvGrpSpPr>
+      <p:grpSpPr>
+        <a:xfrm>
+          <a:off x="0" y="0"/>
+          <a:ext cx="0" cy="0"/>
+          <a:chOff x="0" y="0"/>
+          <a:chExt cx="0" cy="0"/>
+        </a:xfrm>
+      </p:grpSpPr>
+      <p:sp>
+        <p:nvSpPr>
+          <p:cNvPr id="95" name="CustomShape 1"/>
+          <p:cNvSpPr/>
+          <p:nvPr/>
+        </p:nvSpPr>
+        <p:spPr>
+          <a:xfrm>
+            <a:off x="504000" y="301320"/>
+            <a:ext cx="9071280" cy="1261800"/>
+          </a:xfrm>
+          <a:prstGeom prst="rect">
+            <a:avLst/>
+          </a:prstGeom>
+          <a:noFill/>
+          <a:ln>
+            <a:noFill/>
+          </a:ln>
+        </p:spPr>
+        <p:style>
+          <a:lnRef idx="0"/>
+          <a:fillRef idx="0"/>
+          <a:effectRef idx="0"/>
+          <a:fontRef idx="minor"/>
+        </p:style>
+        <p:txBody>
+          <a:bodyPr lIns="0" rIns="0" tIns="0" bIns="0" anchor="ctr"/>
+          <a:p>
+            <a:pPr algn="ctr">
+              <a:lnSpc>
+                <a:spcPct val="100000"/>
+              </a:lnSpc>
+            </a:pPr>
+            <a:r>
+              <a:rPr b="0" lang="en-US" sz="3200" spc="-1" strike="noStrike">
+                <a:solidFill>
+                  <a:srgbClr val="000000"/>
+                </a:solidFill>
+                <a:uFill>
+                  <a:solidFill>
+                    <a:srgbClr val="ffffff"/>
+                  </a:solidFill>
+                </a:uFill>
+                <a:latin typeface="Arial"/>
+                <a:ea typeface="Noto Sans CJK SC Regular"/>
+              </a:rPr>
+              <a:t>Overfitting Prevention Techniques</a:t>
+            </a:r>
+            <a:endParaRPr b="0" lang="en-US" sz="1800" spc="-1" strike="noStrike">
+              <a:solidFill>
+                <a:srgbClr val="000000"/>
+              </a:solidFill>
+              <a:uFill>
+                <a:solidFill>
+                  <a:srgbClr val="ffffff"/>
+                </a:solidFill>
+              </a:uFill>
+              <a:latin typeface="Arial"/>
+            </a:endParaRPr>
+          </a:p>
+        </p:txBody>
+      </p:sp>
+      <p:sp>
+        <p:nvSpPr>
+          <p:cNvPr id="96" name="CustomShape 2"/>
+          <p:cNvSpPr/>
+          <p:nvPr/>
+        </p:nvSpPr>
+        <p:spPr>
+          <a:xfrm>
+            <a:off x="504000" y="1769040"/>
+            <a:ext cx="9071280" cy="4384080"/>
+          </a:xfrm>
+          <a:prstGeom prst="rect">
+            <a:avLst/>
+          </a:prstGeom>
+          <a:noFill/>
+          <a:ln>
+            <a:noFill/>
+          </a:ln>
+        </p:spPr>
+        <p:style>
+          <a:lnRef idx="0"/>
+          <a:fillRef idx="0"/>
+          <a:effectRef idx="0"/>
+          <a:fontRef idx="minor"/>
+        </p:style>
+        <p:txBody>
+          <a:bodyPr lIns="0" rIns="0" tIns="0" bIns="0"/>
+          <a:p>
+            <a:pPr marL="216000" indent="-215640">
+              <a:lnSpc>
+                <a:spcPct val="100000"/>
+              </a:lnSpc>
+              <a:buClr>
+                <a:srgbClr val="000000"/>
+              </a:buClr>
+              <a:buSzPct val="45000"/>
+              <a:buFont typeface="Wingdings" charset="2"/>
+              <a:buChar char=""/>
+            </a:pPr>
+            <a:r>
+              <a:rPr b="0" lang="en-US" sz="3200" spc="-1" strike="noStrike">
+                <a:solidFill>
+                  <a:srgbClr val="000000"/>
+                </a:solidFill>
+                <a:uFill>
+                  <a:solidFill>
+                    <a:srgbClr val="ffffff"/>
+                  </a:solidFill>
+                </a:uFill>
+                <a:latin typeface="Arial"/>
+                <a:ea typeface="Noto Sans CJK SC Regular"/>
+              </a:rPr>
+              <a:t>The metric used to evaluate the different models was the sales absolute mean error, after evaluating all the test windows.</a:t>
+            </a:r>
+            <a:endParaRPr b="0" lang="en-US" sz="1800" spc="-1" strike="noStrike">
+              <a:solidFill>
+                <a:srgbClr val="000000"/>
+              </a:solidFill>
+              <a:uFill>
+                <a:solidFill>
+                  <a:srgbClr val="ffffff"/>
+                </a:solidFill>
+              </a:uFill>
+              <a:latin typeface="Arial"/>
+            </a:endParaRPr>
+          </a:p>
+          <a:p>
+            <a:pPr marL="216000" indent="-215640">
+              <a:lnSpc>
+                <a:spcPct val="100000"/>
+              </a:lnSpc>
+              <a:buClr>
+                <a:srgbClr val="000000"/>
+              </a:buClr>
+              <a:buSzPct val="45000"/>
+              <a:buFont typeface="Wingdings" charset="2"/>
+              <a:buChar char=""/>
+            </a:pPr>
+            <a:r>
+              <a:rPr b="0" lang="en-US" sz="3200" spc="-1" strike="noStrike">
+                <a:solidFill>
+                  <a:srgbClr val="000000"/>
+                </a:solidFill>
+                <a:uFill>
+                  <a:solidFill>
+                    <a:srgbClr val="ffffff"/>
+                  </a:solidFill>
+                </a:uFill>
+                <a:latin typeface="Arial"/>
+                <a:ea typeface="Noto Sans CJK SC Regular"/>
+              </a:rPr>
+              <a:t> </a:t>
+            </a:r>
+            <a:endParaRPr b="0" lang="en-US" sz="1800" spc="-1" strike="noStrike">
+              <a:solidFill>
+                <a:srgbClr val="000000"/>
+              </a:solidFill>
+              <a:uFill>
+                <a:solidFill>
+                  <a:srgbClr val="ffffff"/>
+                </a:solidFill>
+              </a:uFill>
+              <a:latin typeface="Arial"/>
+            </a:endParaRPr>
+          </a:p>
+          <a:p>
+            <a:pPr marL="216000" indent="-215640">
+              <a:lnSpc>
+                <a:spcPct val="100000"/>
+              </a:lnSpc>
+              <a:buClr>
+                <a:srgbClr val="000000"/>
+              </a:buClr>
+              <a:buSzPct val="45000"/>
+              <a:buFont typeface="Wingdings" charset="2"/>
+              <a:buChar char=""/>
+            </a:pPr>
+            <a:r>
+              <a:rPr b="0" lang="en-US" sz="3200" spc="-1" strike="noStrike">
+                <a:solidFill>
+                  <a:srgbClr val="000000"/>
+                </a:solidFill>
+                <a:uFill>
+                  <a:solidFill>
+                    <a:srgbClr val="ffffff"/>
+                  </a:solidFill>
+                </a:uFill>
+                <a:latin typeface="Arial"/>
+                <a:ea typeface="Noto Sans CJK SC Regular"/>
+              </a:rPr>
+              <a:t>The selection process determined that the best subset of input features are: </a:t>
+            </a:r>
+            <a:endParaRPr b="0" lang="en-US" sz="1800" spc="-1" strike="noStrike">
+              <a:solidFill>
+                <a:srgbClr val="000000"/>
+              </a:solidFill>
+              <a:uFill>
+                <a:solidFill>
+                  <a:srgbClr val="ffffff"/>
+                </a:solidFill>
+              </a:uFill>
+              <a:latin typeface="Arial"/>
+            </a:endParaRPr>
+          </a:p>
+        </p:txBody>
+      </p:sp>
+    </p:spTree>
+  </p:cSld>
+  <p:timing>
+    <p:tnLst>
+      <p:par>
+        <p:cTn id="25" dur="indefinite" restart="never" nodeType="tmRoot">
+          <p:childTnLst>
+            <p:seq>
+              <p:cTn id="26" nodeType="mainSeq"/>
               <p:prevCondLst>
                 <p:cond delay="0" evt="onPrev">
                   <p:tgtEl>
@@ -3190,14 +5225,14 @@
       </p:grpSpPr>
       <p:sp>
         <p:nvSpPr>
-          <p:cNvPr id="40" name="TextShape 1"/>
-          <p:cNvSpPr txBox="1"/>
+          <p:cNvPr id="73" name="CustomShape 1"/>
+          <p:cNvSpPr/>
           <p:nvPr/>
         </p:nvSpPr>
         <p:spPr>
           <a:xfrm>
             <a:off x="504000" y="337320"/>
-            <a:ext cx="9071640" cy="1262160"/>
+            <a:ext cx="9071280" cy="1261800"/>
           </a:xfrm>
           <a:prstGeom prst="rect">
             <a:avLst/>
@@ -3207,10 +5242,19 @@
             <a:noFill/>
           </a:ln>
         </p:spPr>
+        <p:style>
+          <a:lnRef idx="0"/>
+          <a:fillRef idx="0"/>
+          <a:effectRef idx="0"/>
+          <a:fontRef idx="minor"/>
+        </p:style>
         <p:txBody>
           <a:bodyPr lIns="0" rIns="0" tIns="0" bIns="0" anchor="ctr"/>
           <a:p>
-            <a:pPr marL="216000" indent="-216000" algn="ctr">
+            <a:pPr marL="216000" indent="-215640" algn="ctr">
+              <a:lnSpc>
+                <a:spcPct val="100000"/>
+              </a:lnSpc>
               <a:buClr>
                 <a:srgbClr val="000000"/>
               </a:buClr>
@@ -3233,30 +5277,30 @@
               </a:rPr>
               <a:t>Concept Definitions</a:t>
             </a:r>
-            <a:endParaRPr b="0" lang="en-US" sz="4400" spc="-1" strike="noStrike">
-              <a:solidFill>
-                <a:srgbClr val="000000"/>
-              </a:solidFill>
-              <a:uFill>
-                <a:solidFill>
-                  <a:srgbClr val="ffffff"/>
-                </a:solidFill>
-              </a:uFill>
-              <a:latin typeface="Arial"/>
-            </a:endParaRPr>
-          </a:p>
-        </p:txBody>
-      </p:sp>
-      <p:sp>
-        <p:nvSpPr>
-          <p:cNvPr id="41" name="TextShape 2"/>
-          <p:cNvSpPr txBox="1"/>
+            <a:endParaRPr b="0" lang="en-US" sz="1800" spc="-1" strike="noStrike">
+              <a:solidFill>
+                <a:srgbClr val="000000"/>
+              </a:solidFill>
+              <a:uFill>
+                <a:solidFill>
+                  <a:srgbClr val="ffffff"/>
+                </a:solidFill>
+              </a:uFill>
+              <a:latin typeface="Arial"/>
+            </a:endParaRPr>
+          </a:p>
+        </p:txBody>
+      </p:sp>
+      <p:sp>
+        <p:nvSpPr>
+          <p:cNvPr id="74" name="CustomShape 2"/>
+          <p:cNvSpPr/>
           <p:nvPr/>
         </p:nvSpPr>
         <p:spPr>
           <a:xfrm>
             <a:off x="504000" y="1769040"/>
-            <a:ext cx="9071640" cy="4384440"/>
+            <a:ext cx="9071280" cy="4384080"/>
           </a:xfrm>
           <a:prstGeom prst="rect">
             <a:avLst/>
@@ -3266,10 +5310,19 @@
             <a:noFill/>
           </a:ln>
         </p:spPr>
+        <p:style>
+          <a:lnRef idx="0"/>
+          <a:fillRef idx="0"/>
+          <a:effectRef idx="0"/>
+          <a:fontRef idx="minor"/>
+        </p:style>
         <p:txBody>
           <a:bodyPr lIns="0" rIns="0" tIns="0" bIns="0"/>
           <a:p>
-            <a:pPr marL="448200">
+            <a:pPr marL="448200" indent="-216000">
+              <a:lnSpc>
+                <a:spcPct val="100000"/>
+              </a:lnSpc>
               <a:buClr>
                 <a:srgbClr val="000000"/>
               </a:buClr>
@@ -3307,20 +5360,23 @@
               </a:rPr>
               <a:t> Entity that sells cars at the retail level.</a:t>
             </a:r>
-            <a:endParaRPr b="0" lang="en-US" sz="3200" spc="-1" strike="noStrike">
-              <a:solidFill>
-                <a:srgbClr val="000000"/>
-              </a:solidFill>
-              <a:uFill>
-                <a:solidFill>
-                  <a:srgbClr val="ffffff"/>
-                </a:solidFill>
-              </a:uFill>
-              <a:latin typeface="Arial"/>
-            </a:endParaRPr>
-          </a:p>
-          <a:p>
-            <a:pPr marL="448200">
+            <a:endParaRPr b="0" lang="en-US" sz="1800" spc="-1" strike="noStrike">
+              <a:solidFill>
+                <a:srgbClr val="000000"/>
+              </a:solidFill>
+              <a:uFill>
+                <a:solidFill>
+                  <a:srgbClr val="ffffff"/>
+                </a:solidFill>
+              </a:uFill>
+              <a:latin typeface="Arial"/>
+            </a:endParaRPr>
+          </a:p>
+          <a:p>
+            <a:pPr marL="448200" indent="-216000">
+              <a:lnSpc>
+                <a:spcPct val="100000"/>
+              </a:lnSpc>
               <a:buClr>
                 <a:srgbClr val="000000"/>
               </a:buClr>
@@ -3343,20 +5399,23 @@
               </a:rPr>
               <a:t> </a:t>
             </a:r>
-            <a:endParaRPr b="0" lang="en-US" sz="3200" spc="-1" strike="noStrike">
-              <a:solidFill>
-                <a:srgbClr val="000000"/>
-              </a:solidFill>
-              <a:uFill>
-                <a:solidFill>
-                  <a:srgbClr val="ffffff"/>
-                </a:solidFill>
-              </a:uFill>
-              <a:latin typeface="Arial"/>
-            </a:endParaRPr>
-          </a:p>
-          <a:p>
-            <a:pPr marL="448200">
+            <a:endParaRPr b="0" lang="en-US" sz="1800" spc="-1" strike="noStrike">
+              <a:solidFill>
+                <a:srgbClr val="000000"/>
+              </a:solidFill>
+              <a:uFill>
+                <a:solidFill>
+                  <a:srgbClr val="ffffff"/>
+                </a:solidFill>
+              </a:uFill>
+              <a:latin typeface="Arial"/>
+            </a:endParaRPr>
+          </a:p>
+          <a:p>
+            <a:pPr marL="448200" indent="-216000">
+              <a:lnSpc>
+                <a:spcPct val="100000"/>
+              </a:lnSpc>
               <a:buClr>
                 <a:srgbClr val="000000"/>
               </a:buClr>
@@ -3394,20 +5453,23 @@
               </a:rPr>
               <a:t>Entity that manufactures cars, and sells them to dealerships.</a:t>
             </a:r>
-            <a:endParaRPr b="0" lang="en-US" sz="3200" spc="-1" strike="noStrike">
-              <a:solidFill>
-                <a:srgbClr val="000000"/>
-              </a:solidFill>
-              <a:uFill>
-                <a:solidFill>
-                  <a:srgbClr val="ffffff"/>
-                </a:solidFill>
-              </a:uFill>
-              <a:latin typeface="Arial"/>
-            </a:endParaRPr>
-          </a:p>
-          <a:p>
-            <a:pPr marL="448200">
+            <a:endParaRPr b="0" lang="en-US" sz="1800" spc="-1" strike="noStrike">
+              <a:solidFill>
+                <a:srgbClr val="000000"/>
+              </a:solidFill>
+              <a:uFill>
+                <a:solidFill>
+                  <a:srgbClr val="ffffff"/>
+                </a:solidFill>
+              </a:uFill>
+              <a:latin typeface="Arial"/>
+            </a:endParaRPr>
+          </a:p>
+          <a:p>
+            <a:pPr marL="448200" indent="-216000">
+              <a:lnSpc>
+                <a:spcPct val="100000"/>
+              </a:lnSpc>
               <a:buClr>
                 <a:srgbClr val="000000"/>
               </a:buClr>
@@ -3430,20 +5492,23 @@
               </a:rPr>
               <a:t> </a:t>
             </a:r>
-            <a:endParaRPr b="0" lang="en-US" sz="3200" spc="-1" strike="noStrike">
-              <a:solidFill>
-                <a:srgbClr val="000000"/>
-              </a:solidFill>
-              <a:uFill>
-                <a:solidFill>
-                  <a:srgbClr val="ffffff"/>
-                </a:solidFill>
-              </a:uFill>
-              <a:latin typeface="Arial"/>
-            </a:endParaRPr>
-          </a:p>
-          <a:p>
-            <a:pPr marL="448200">
+            <a:endParaRPr b="0" lang="en-US" sz="1800" spc="-1" strike="noStrike">
+              <a:solidFill>
+                <a:srgbClr val="000000"/>
+              </a:solidFill>
+              <a:uFill>
+                <a:solidFill>
+                  <a:srgbClr val="ffffff"/>
+                </a:solidFill>
+              </a:uFill>
+              <a:latin typeface="Arial"/>
+            </a:endParaRPr>
+          </a:p>
+          <a:p>
+            <a:pPr marL="448200" indent="-216000">
+              <a:lnSpc>
+                <a:spcPct val="100000"/>
+              </a:lnSpc>
               <a:buClr>
                 <a:srgbClr val="000000"/>
               </a:buClr>
@@ -3481,7 +5546,7 @@
               </a:rPr>
               <a:t>An inventory that does not match the consumer demand.  </a:t>
             </a:r>
-            <a:endParaRPr b="0" lang="en-US" sz="3200" spc="-1" strike="noStrike">
+            <a:endParaRPr b="0" lang="en-US" sz="1800" spc="-1" strike="noStrike">
               <a:solidFill>
                 <a:srgbClr val="000000"/>
               </a:solidFill>
@@ -3546,14 +5611,14 @@
       </p:grpSpPr>
       <p:sp>
         <p:nvSpPr>
-          <p:cNvPr id="42" name="TextShape 1"/>
-          <p:cNvSpPr txBox="1"/>
+          <p:cNvPr id="75" name="CustomShape 1"/>
+          <p:cNvSpPr/>
           <p:nvPr/>
         </p:nvSpPr>
         <p:spPr>
           <a:xfrm>
             <a:off x="504000" y="337320"/>
-            <a:ext cx="9071640" cy="1262160"/>
+            <a:ext cx="9071280" cy="1261800"/>
           </a:xfrm>
           <a:prstGeom prst="rect">
             <a:avLst/>
@@ -3563,10 +5628,19 @@
             <a:noFill/>
           </a:ln>
         </p:spPr>
+        <p:style>
+          <a:lnRef idx="0"/>
+          <a:fillRef idx="0"/>
+          <a:effectRef idx="0"/>
+          <a:fontRef idx="minor"/>
+        </p:style>
         <p:txBody>
           <a:bodyPr lIns="0" rIns="0" tIns="0" bIns="0" anchor="ctr"/>
           <a:p>
-            <a:pPr marL="216000" indent="-216000" algn="ctr">
+            <a:pPr marL="216000" indent="-215640" algn="ctr">
+              <a:lnSpc>
+                <a:spcPct val="100000"/>
+              </a:lnSpc>
               <a:buClr>
                 <a:srgbClr val="000000"/>
               </a:buClr>
@@ -3589,30 +5663,30 @@
               </a:rPr>
               <a:t>Problem Description</a:t>
             </a:r>
-            <a:endParaRPr b="0" lang="en-US" sz="4400" spc="-1" strike="noStrike">
-              <a:solidFill>
-                <a:srgbClr val="000000"/>
-              </a:solidFill>
-              <a:uFill>
-                <a:solidFill>
-                  <a:srgbClr val="ffffff"/>
-                </a:solidFill>
-              </a:uFill>
-              <a:latin typeface="Arial"/>
-            </a:endParaRPr>
-          </a:p>
-        </p:txBody>
-      </p:sp>
-      <p:sp>
-        <p:nvSpPr>
-          <p:cNvPr id="43" name="TextShape 2"/>
-          <p:cNvSpPr txBox="1"/>
+            <a:endParaRPr b="0" lang="en-US" sz="1800" spc="-1" strike="noStrike">
+              <a:solidFill>
+                <a:srgbClr val="000000"/>
+              </a:solidFill>
+              <a:uFill>
+                <a:solidFill>
+                  <a:srgbClr val="ffffff"/>
+                </a:solidFill>
+              </a:uFill>
+              <a:latin typeface="Arial"/>
+            </a:endParaRPr>
+          </a:p>
+        </p:txBody>
+      </p:sp>
+      <p:sp>
+        <p:nvSpPr>
+          <p:cNvPr id="76" name="CustomShape 2"/>
+          <p:cNvSpPr/>
           <p:nvPr/>
         </p:nvSpPr>
         <p:spPr>
           <a:xfrm>
             <a:off x="504000" y="1769040"/>
-            <a:ext cx="9071640" cy="4557960"/>
+            <a:ext cx="9071280" cy="4557600"/>
           </a:xfrm>
           <a:prstGeom prst="rect">
             <a:avLst/>
@@ -3622,10 +5696,19 @@
             <a:noFill/>
           </a:ln>
         </p:spPr>
+        <p:style>
+          <a:lnRef idx="0"/>
+          <a:fillRef idx="0"/>
+          <a:effectRef idx="0"/>
+          <a:fontRef idx="minor"/>
+        </p:style>
         <p:txBody>
           <a:bodyPr lIns="0" rIns="0" tIns="0" bIns="0"/>
           <a:p>
-            <a:pPr marL="216000" indent="-216000">
+            <a:pPr marL="216000" indent="-215640">
+              <a:lnSpc>
+                <a:spcPct val="100000"/>
+              </a:lnSpc>
               <a:buClr>
                 <a:srgbClr val="000000"/>
               </a:buClr>
@@ -3648,20 +5731,23 @@
               </a:rPr>
               <a:t>The car dealership buys cars from the car manufacturer to build their inventory.</a:t>
             </a:r>
-            <a:endParaRPr b="0" lang="en-US" sz="3200" spc="-1" strike="noStrike">
-              <a:solidFill>
-                <a:srgbClr val="000000"/>
-              </a:solidFill>
-              <a:uFill>
-                <a:solidFill>
-                  <a:srgbClr val="ffffff"/>
-                </a:solidFill>
-              </a:uFill>
-              <a:latin typeface="Arial"/>
-            </a:endParaRPr>
-          </a:p>
-          <a:p>
-            <a:pPr marL="216000" indent="-216000">
+            <a:endParaRPr b="0" lang="en-US" sz="1800" spc="-1" strike="noStrike">
+              <a:solidFill>
+                <a:srgbClr val="000000"/>
+              </a:solidFill>
+              <a:uFill>
+                <a:solidFill>
+                  <a:srgbClr val="ffffff"/>
+                </a:solidFill>
+              </a:uFill>
+              <a:latin typeface="Arial"/>
+            </a:endParaRPr>
+          </a:p>
+          <a:p>
+            <a:pPr marL="216000" indent="-215640">
+              <a:lnSpc>
+                <a:spcPct val="100000"/>
+              </a:lnSpc>
               <a:buClr>
                 <a:srgbClr val="000000"/>
               </a:buClr>
@@ -3684,20 +5770,23 @@
               </a:rPr>
               <a:t> </a:t>
             </a:r>
-            <a:endParaRPr b="0" lang="en-US" sz="3200" spc="-1" strike="noStrike">
-              <a:solidFill>
-                <a:srgbClr val="000000"/>
-              </a:solidFill>
-              <a:uFill>
-                <a:solidFill>
-                  <a:srgbClr val="ffffff"/>
-                </a:solidFill>
-              </a:uFill>
-              <a:latin typeface="Arial"/>
-            </a:endParaRPr>
-          </a:p>
-          <a:p>
-            <a:pPr marL="216000" indent="-216000">
+            <a:endParaRPr b="0" lang="en-US" sz="1800" spc="-1" strike="noStrike">
+              <a:solidFill>
+                <a:srgbClr val="000000"/>
+              </a:solidFill>
+              <a:uFill>
+                <a:solidFill>
+                  <a:srgbClr val="ffffff"/>
+                </a:solidFill>
+              </a:uFill>
+              <a:latin typeface="Arial"/>
+            </a:endParaRPr>
+          </a:p>
+          <a:p>
+            <a:pPr marL="216000" indent="-215640">
+              <a:lnSpc>
+                <a:spcPct val="100000"/>
+              </a:lnSpc>
               <a:buClr>
                 <a:srgbClr val="000000"/>
               </a:buClr>
@@ -3720,20 +5809,23 @@
               </a:rPr>
               <a:t>Financing is required to support this operation, obtained from a bank or the car manufacturer.</a:t>
             </a:r>
-            <a:endParaRPr b="0" lang="en-US" sz="3200" spc="-1" strike="noStrike">
-              <a:solidFill>
-                <a:srgbClr val="000000"/>
-              </a:solidFill>
-              <a:uFill>
-                <a:solidFill>
-                  <a:srgbClr val="ffffff"/>
-                </a:solidFill>
-              </a:uFill>
-              <a:latin typeface="Arial"/>
-            </a:endParaRPr>
-          </a:p>
-          <a:p>
-            <a:pPr marL="216000" indent="-216000">
+            <a:endParaRPr b="0" lang="en-US" sz="1800" spc="-1" strike="noStrike">
+              <a:solidFill>
+                <a:srgbClr val="000000"/>
+              </a:solidFill>
+              <a:uFill>
+                <a:solidFill>
+                  <a:srgbClr val="ffffff"/>
+                </a:solidFill>
+              </a:uFill>
+              <a:latin typeface="Arial"/>
+            </a:endParaRPr>
+          </a:p>
+          <a:p>
+            <a:pPr marL="216000" indent="-215640">
+              <a:lnSpc>
+                <a:spcPct val="100000"/>
+              </a:lnSpc>
               <a:buClr>
                 <a:srgbClr val="000000"/>
               </a:buClr>
@@ -3756,20 +5848,23 @@
               </a:rPr>
               <a:t> </a:t>
             </a:r>
-            <a:endParaRPr b="0" lang="en-US" sz="3200" spc="-1" strike="noStrike">
-              <a:solidFill>
-                <a:srgbClr val="000000"/>
-              </a:solidFill>
-              <a:uFill>
-                <a:solidFill>
-                  <a:srgbClr val="ffffff"/>
-                </a:solidFill>
-              </a:uFill>
-              <a:latin typeface="Arial"/>
-            </a:endParaRPr>
-          </a:p>
-          <a:p>
-            <a:pPr marL="216000" indent="-216000">
+            <a:endParaRPr b="0" lang="en-US" sz="1800" spc="-1" strike="noStrike">
+              <a:solidFill>
+                <a:srgbClr val="000000"/>
+              </a:solidFill>
+              <a:uFill>
+                <a:solidFill>
+                  <a:srgbClr val="ffffff"/>
+                </a:solidFill>
+              </a:uFill>
+              <a:latin typeface="Arial"/>
+            </a:endParaRPr>
+          </a:p>
+          <a:p>
+            <a:pPr marL="216000" indent="-215640">
+              <a:lnSpc>
+                <a:spcPct val="100000"/>
+              </a:lnSpc>
               <a:buClr>
                 <a:srgbClr val="000000"/>
               </a:buClr>
@@ -3792,7 +5887,7 @@
               </a:rPr>
               <a:t>Everyday that a car is on the floor of the dealership without being sold represents a cost to the dealership in the form of interest payments.</a:t>
             </a:r>
-            <a:endParaRPr b="0" lang="en-US" sz="3200" spc="-1" strike="noStrike">
+            <a:endParaRPr b="0" lang="en-US" sz="1800" spc="-1" strike="noStrike">
               <a:solidFill>
                 <a:srgbClr val="000000"/>
               </a:solidFill>
@@ -3857,14 +5952,14 @@
       </p:grpSpPr>
       <p:sp>
         <p:nvSpPr>
-          <p:cNvPr id="44" name="TextShape 1"/>
-          <p:cNvSpPr txBox="1"/>
+          <p:cNvPr id="77" name="CustomShape 1"/>
+          <p:cNvSpPr/>
           <p:nvPr/>
         </p:nvSpPr>
         <p:spPr>
           <a:xfrm>
             <a:off x="504000" y="337320"/>
-            <a:ext cx="9071640" cy="1262160"/>
+            <a:ext cx="9071280" cy="1261800"/>
           </a:xfrm>
           <a:prstGeom prst="rect">
             <a:avLst/>
@@ -3874,10 +5969,19 @@
             <a:noFill/>
           </a:ln>
         </p:spPr>
+        <p:style>
+          <a:lnRef idx="0"/>
+          <a:fillRef idx="0"/>
+          <a:effectRef idx="0"/>
+          <a:fontRef idx="minor"/>
+        </p:style>
         <p:txBody>
           <a:bodyPr lIns="0" rIns="0" tIns="0" bIns="0" anchor="ctr"/>
           <a:p>
-            <a:pPr marL="216000" indent="-216000" algn="ctr">
+            <a:pPr marL="216000" indent="-215640" algn="ctr">
+              <a:lnSpc>
+                <a:spcPct val="100000"/>
+              </a:lnSpc>
               <a:buClr>
                 <a:srgbClr val="000000"/>
               </a:buClr>
@@ -3900,30 +6004,30 @@
               </a:rPr>
               <a:t>Problem Description(Continuation)</a:t>
             </a:r>
-            <a:endParaRPr b="0" lang="en-US" sz="4400" spc="-1" strike="noStrike">
-              <a:solidFill>
-                <a:srgbClr val="000000"/>
-              </a:solidFill>
-              <a:uFill>
-                <a:solidFill>
-                  <a:srgbClr val="ffffff"/>
-                </a:solidFill>
-              </a:uFill>
-              <a:latin typeface="Arial"/>
-            </a:endParaRPr>
-          </a:p>
-        </p:txBody>
-      </p:sp>
-      <p:sp>
-        <p:nvSpPr>
-          <p:cNvPr id="45" name="TextShape 2"/>
-          <p:cNvSpPr txBox="1"/>
+            <a:endParaRPr b="0" lang="en-US" sz="1800" spc="-1" strike="noStrike">
+              <a:solidFill>
+                <a:srgbClr val="000000"/>
+              </a:solidFill>
+              <a:uFill>
+                <a:solidFill>
+                  <a:srgbClr val="ffffff"/>
+                </a:solidFill>
+              </a:uFill>
+              <a:latin typeface="Arial"/>
+            </a:endParaRPr>
+          </a:p>
+        </p:txBody>
+      </p:sp>
+      <p:sp>
+        <p:nvSpPr>
+          <p:cNvPr id="78" name="CustomShape 2"/>
+          <p:cNvSpPr/>
           <p:nvPr/>
         </p:nvSpPr>
         <p:spPr>
           <a:xfrm>
             <a:off x="504000" y="1769040"/>
-            <a:ext cx="9071640" cy="4557960"/>
+            <a:ext cx="9071280" cy="4557600"/>
           </a:xfrm>
           <a:prstGeom prst="rect">
             <a:avLst/>
@@ -3933,10 +6037,19 @@
             <a:noFill/>
           </a:ln>
         </p:spPr>
+        <p:style>
+          <a:lnRef idx="0"/>
+          <a:fillRef idx="0"/>
+          <a:effectRef idx="0"/>
+          <a:fontRef idx="minor"/>
+        </p:style>
         <p:txBody>
           <a:bodyPr lIns="0" rIns="0" tIns="0" bIns="0"/>
           <a:p>
-            <a:pPr marL="216000" indent="-216000">
+            <a:pPr marL="216000" indent="-215640">
+              <a:lnSpc>
+                <a:spcPct val="100000"/>
+              </a:lnSpc>
               <a:buClr>
                 <a:srgbClr val="000000"/>
               </a:buClr>
@@ -3974,20 +6087,23 @@
               </a:rPr>
               <a:t>A badly balanced inventory or an excess in inventory represents a big hit to the car dealership earnings and liquidity.</a:t>
             </a:r>
-            <a:endParaRPr b="0" lang="en-US" sz="3200" spc="-1" strike="noStrike">
-              <a:solidFill>
-                <a:srgbClr val="000000"/>
-              </a:solidFill>
-              <a:uFill>
-                <a:solidFill>
-                  <a:srgbClr val="ffffff"/>
-                </a:solidFill>
-              </a:uFill>
-              <a:latin typeface="Arial"/>
-            </a:endParaRPr>
-          </a:p>
-          <a:p>
-            <a:pPr marL="216000" indent="-216000">
+            <a:endParaRPr b="0" lang="en-US" sz="1800" spc="-1" strike="noStrike">
+              <a:solidFill>
+                <a:srgbClr val="000000"/>
+              </a:solidFill>
+              <a:uFill>
+                <a:solidFill>
+                  <a:srgbClr val="ffffff"/>
+                </a:solidFill>
+              </a:uFill>
+              <a:latin typeface="Arial"/>
+            </a:endParaRPr>
+          </a:p>
+          <a:p>
+            <a:pPr marL="216000" indent="-215640">
+              <a:lnSpc>
+                <a:spcPct val="100000"/>
+              </a:lnSpc>
               <a:buClr>
                 <a:srgbClr val="000000"/>
               </a:buClr>
@@ -4010,20 +6126,23 @@
               </a:rPr>
               <a:t> </a:t>
             </a:r>
-            <a:endParaRPr b="0" lang="en-US" sz="3200" spc="-1" strike="noStrike">
-              <a:solidFill>
-                <a:srgbClr val="000000"/>
-              </a:solidFill>
-              <a:uFill>
-                <a:solidFill>
-                  <a:srgbClr val="ffffff"/>
-                </a:solidFill>
-              </a:uFill>
-              <a:latin typeface="Arial"/>
-            </a:endParaRPr>
-          </a:p>
-          <a:p>
-            <a:pPr marL="216000" indent="-216000">
+            <a:endParaRPr b="0" lang="en-US" sz="1800" spc="-1" strike="noStrike">
+              <a:solidFill>
+                <a:srgbClr val="000000"/>
+              </a:solidFill>
+              <a:uFill>
+                <a:solidFill>
+                  <a:srgbClr val="ffffff"/>
+                </a:solidFill>
+              </a:uFill>
+              <a:latin typeface="Arial"/>
+            </a:endParaRPr>
+          </a:p>
+          <a:p>
+            <a:pPr marL="216000" indent="-215640">
+              <a:lnSpc>
+                <a:spcPct val="100000"/>
+              </a:lnSpc>
               <a:buClr>
                 <a:srgbClr val="000000"/>
               </a:buClr>
@@ -4046,20 +6165,23 @@
               </a:rPr>
               <a:t>Not having enough inventory is also a problem in the form of lost sales and low costumer satisfaction.</a:t>
             </a:r>
-            <a:endParaRPr b="0" lang="en-US" sz="3200" spc="-1" strike="noStrike">
-              <a:solidFill>
-                <a:srgbClr val="000000"/>
-              </a:solidFill>
-              <a:uFill>
-                <a:solidFill>
-                  <a:srgbClr val="ffffff"/>
-                </a:solidFill>
-              </a:uFill>
-              <a:latin typeface="Arial"/>
-            </a:endParaRPr>
-          </a:p>
-          <a:p>
-            <a:pPr marL="216000" indent="-216000">
+            <a:endParaRPr b="0" lang="en-US" sz="1800" spc="-1" strike="noStrike">
+              <a:solidFill>
+                <a:srgbClr val="000000"/>
+              </a:solidFill>
+              <a:uFill>
+                <a:solidFill>
+                  <a:srgbClr val="ffffff"/>
+                </a:solidFill>
+              </a:uFill>
+              <a:latin typeface="Arial"/>
+            </a:endParaRPr>
+          </a:p>
+          <a:p>
+            <a:pPr marL="216000" indent="-215640">
+              <a:lnSpc>
+                <a:spcPct val="100000"/>
+              </a:lnSpc>
               <a:buClr>
                 <a:srgbClr val="000000"/>
               </a:buClr>
@@ -4082,20 +6204,23 @@
               </a:rPr>
               <a:t> </a:t>
             </a:r>
-            <a:endParaRPr b="0" lang="en-US" sz="3200" spc="-1" strike="noStrike">
-              <a:solidFill>
-                <a:srgbClr val="000000"/>
-              </a:solidFill>
-              <a:uFill>
-                <a:solidFill>
-                  <a:srgbClr val="ffffff"/>
-                </a:solidFill>
-              </a:uFill>
-              <a:latin typeface="Arial"/>
-            </a:endParaRPr>
-          </a:p>
-          <a:p>
-            <a:pPr marL="216000" indent="-216000">
+            <a:endParaRPr b="0" lang="en-US" sz="1800" spc="-1" strike="noStrike">
+              <a:solidFill>
+                <a:srgbClr val="000000"/>
+              </a:solidFill>
+              <a:uFill>
+                <a:solidFill>
+                  <a:srgbClr val="ffffff"/>
+                </a:solidFill>
+              </a:uFill>
+              <a:latin typeface="Arial"/>
+            </a:endParaRPr>
+          </a:p>
+          <a:p>
+            <a:pPr marL="216000" indent="-215640">
+              <a:lnSpc>
+                <a:spcPct val="100000"/>
+              </a:lnSpc>
               <a:buClr>
                 <a:srgbClr val="000000"/>
               </a:buClr>
@@ -4118,7 +6243,7 @@
               </a:rPr>
               <a:t>Thus the importance of an inventory that closely matches the consumer demand. </a:t>
             </a:r>
-            <a:endParaRPr b="0" lang="en-US" sz="3200" spc="-1" strike="noStrike">
+            <a:endParaRPr b="0" lang="en-US" sz="1800" spc="-1" strike="noStrike">
               <a:solidFill>
                 <a:srgbClr val="000000"/>
               </a:solidFill>
@@ -4183,14 +6308,14 @@
       </p:grpSpPr>
       <p:sp>
         <p:nvSpPr>
-          <p:cNvPr id="46" name="TextShape 1"/>
-          <p:cNvSpPr txBox="1"/>
+          <p:cNvPr id="79" name="CustomShape 1"/>
+          <p:cNvSpPr/>
           <p:nvPr/>
         </p:nvSpPr>
         <p:spPr>
           <a:xfrm>
             <a:off x="504000" y="337320"/>
-            <a:ext cx="9071640" cy="1262160"/>
+            <a:ext cx="9071280" cy="1261800"/>
           </a:xfrm>
           <a:prstGeom prst="rect">
             <a:avLst/>
@@ -4200,10 +6325,19 @@
             <a:noFill/>
           </a:ln>
         </p:spPr>
+        <p:style>
+          <a:lnRef idx="0"/>
+          <a:fillRef idx="0"/>
+          <a:effectRef idx="0"/>
+          <a:fontRef idx="minor"/>
+        </p:style>
         <p:txBody>
           <a:bodyPr lIns="0" rIns="0" tIns="0" bIns="0" anchor="ctr"/>
           <a:p>
-            <a:pPr marL="216000" indent="-216000" algn="ctr">
+            <a:pPr marL="216000" indent="-215640" algn="ctr">
+              <a:lnSpc>
+                <a:spcPct val="100000"/>
+              </a:lnSpc>
               <a:buClr>
                 <a:srgbClr val="000000"/>
               </a:buClr>
@@ -4226,30 +6360,30 @@
               </a:rPr>
               <a:t>Proposed Solution</a:t>
             </a:r>
-            <a:endParaRPr b="0" lang="en-US" sz="4400" spc="-1" strike="noStrike">
-              <a:solidFill>
-                <a:srgbClr val="000000"/>
-              </a:solidFill>
-              <a:uFill>
-                <a:solidFill>
-                  <a:srgbClr val="ffffff"/>
-                </a:solidFill>
-              </a:uFill>
-              <a:latin typeface="Arial"/>
-            </a:endParaRPr>
-          </a:p>
-        </p:txBody>
-      </p:sp>
-      <p:sp>
-        <p:nvSpPr>
-          <p:cNvPr id="47" name="TextShape 2"/>
-          <p:cNvSpPr txBox="1"/>
+            <a:endParaRPr b="0" lang="en-US" sz="1800" spc="-1" strike="noStrike">
+              <a:solidFill>
+                <a:srgbClr val="000000"/>
+              </a:solidFill>
+              <a:uFill>
+                <a:solidFill>
+                  <a:srgbClr val="ffffff"/>
+                </a:solidFill>
+              </a:uFill>
+              <a:latin typeface="Arial"/>
+            </a:endParaRPr>
+          </a:p>
+        </p:txBody>
+      </p:sp>
+      <p:sp>
+        <p:nvSpPr>
+          <p:cNvPr id="80" name="CustomShape 2"/>
+          <p:cNvSpPr/>
           <p:nvPr/>
         </p:nvSpPr>
         <p:spPr>
           <a:xfrm>
             <a:off x="504000" y="1769040"/>
-            <a:ext cx="9071640" cy="5013720"/>
+            <a:ext cx="9071280" cy="5013360"/>
           </a:xfrm>
           <a:prstGeom prst="rect">
             <a:avLst/>
@@ -4259,10 +6393,19 @@
             <a:noFill/>
           </a:ln>
         </p:spPr>
+        <p:style>
+          <a:lnRef idx="0"/>
+          <a:fillRef idx="0"/>
+          <a:effectRef idx="0"/>
+          <a:fontRef idx="minor"/>
+        </p:style>
         <p:txBody>
           <a:bodyPr lIns="0" rIns="0" tIns="0" bIns="0"/>
           <a:p>
-            <a:pPr marL="216000" indent="-216000">
+            <a:pPr marL="216000" indent="-215640">
+              <a:lnSpc>
+                <a:spcPct val="100000"/>
+              </a:lnSpc>
               <a:buClr>
                 <a:srgbClr val="000000"/>
               </a:buClr>
@@ -4285,20 +6428,23 @@
               </a:rPr>
               <a:t>Develop and train a Long Short Term Memory (LSTM) Neural Network to predict car sales demand. </a:t>
             </a:r>
-            <a:endParaRPr b="0" lang="en-US" sz="3200" spc="-1" strike="noStrike">
-              <a:solidFill>
-                <a:srgbClr val="000000"/>
-              </a:solidFill>
-              <a:uFill>
-                <a:solidFill>
-                  <a:srgbClr val="ffffff"/>
-                </a:solidFill>
-              </a:uFill>
-              <a:latin typeface="Arial"/>
-            </a:endParaRPr>
-          </a:p>
-          <a:p>
-            <a:pPr marL="448200">
+            <a:endParaRPr b="0" lang="en-US" sz="1800" spc="-1" strike="noStrike">
+              <a:solidFill>
+                <a:srgbClr val="000000"/>
+              </a:solidFill>
+              <a:uFill>
+                <a:solidFill>
+                  <a:srgbClr val="ffffff"/>
+                </a:solidFill>
+              </a:uFill>
+              <a:latin typeface="Arial"/>
+            </a:endParaRPr>
+          </a:p>
+          <a:p>
+            <a:pPr marL="448200" indent="-215640">
+              <a:lnSpc>
+                <a:spcPct val="100000"/>
+              </a:lnSpc>
               <a:buClr>
                 <a:srgbClr val="000000"/>
               </a:buClr>
@@ -4321,20 +6467,23 @@
               </a:rPr>
               <a:t>Neural Network: Model non linear relationships between inputs and outputs.</a:t>
             </a:r>
-            <a:endParaRPr b="0" lang="en-US" sz="3200" spc="-1" strike="noStrike">
-              <a:solidFill>
-                <a:srgbClr val="000000"/>
-              </a:solidFill>
-              <a:uFill>
-                <a:solidFill>
-                  <a:srgbClr val="ffffff"/>
-                </a:solidFill>
-              </a:uFill>
-              <a:latin typeface="Arial"/>
-            </a:endParaRPr>
-          </a:p>
-          <a:p>
-            <a:pPr marL="448200">
+            <a:endParaRPr b="0" lang="en-US" sz="1800" spc="-1" strike="noStrike">
+              <a:solidFill>
+                <a:srgbClr val="000000"/>
+              </a:solidFill>
+              <a:uFill>
+                <a:solidFill>
+                  <a:srgbClr val="ffffff"/>
+                </a:solidFill>
+              </a:uFill>
+              <a:latin typeface="Arial"/>
+            </a:endParaRPr>
+          </a:p>
+          <a:p>
+            <a:pPr marL="448200" indent="-215640">
+              <a:lnSpc>
+                <a:spcPct val="100000"/>
+              </a:lnSpc>
               <a:buClr>
                 <a:srgbClr val="000000"/>
               </a:buClr>
@@ -4357,20 +6506,23 @@
               </a:rPr>
               <a:t> </a:t>
             </a:r>
-            <a:endParaRPr b="0" lang="en-US" sz="3200" spc="-1" strike="noStrike">
-              <a:solidFill>
-                <a:srgbClr val="000000"/>
-              </a:solidFill>
-              <a:uFill>
-                <a:solidFill>
-                  <a:srgbClr val="ffffff"/>
-                </a:solidFill>
-              </a:uFill>
-              <a:latin typeface="Arial"/>
-            </a:endParaRPr>
-          </a:p>
-          <a:p>
-            <a:pPr marL="448200">
+            <a:endParaRPr b="0" lang="en-US" sz="1800" spc="-1" strike="noStrike">
+              <a:solidFill>
+                <a:srgbClr val="000000"/>
+              </a:solidFill>
+              <a:uFill>
+                <a:solidFill>
+                  <a:srgbClr val="ffffff"/>
+                </a:solidFill>
+              </a:uFill>
+              <a:latin typeface="Arial"/>
+            </a:endParaRPr>
+          </a:p>
+          <a:p>
+            <a:pPr marL="448200" indent="-215640">
+              <a:lnSpc>
+                <a:spcPct val="100000"/>
+              </a:lnSpc>
               <a:buClr>
                 <a:srgbClr val="000000"/>
               </a:buClr>
@@ -4393,20 +6545,23 @@
               </a:rPr>
               <a:t>Recurrent NN: Able to use previous information to the present task.</a:t>
             </a:r>
-            <a:endParaRPr b="0" lang="en-US" sz="3200" spc="-1" strike="noStrike">
-              <a:solidFill>
-                <a:srgbClr val="000000"/>
-              </a:solidFill>
-              <a:uFill>
-                <a:solidFill>
-                  <a:srgbClr val="ffffff"/>
-                </a:solidFill>
-              </a:uFill>
-              <a:latin typeface="Arial"/>
-            </a:endParaRPr>
-          </a:p>
-          <a:p>
-            <a:pPr marL="448200">
+            <a:endParaRPr b="0" lang="en-US" sz="1800" spc="-1" strike="noStrike">
+              <a:solidFill>
+                <a:srgbClr val="000000"/>
+              </a:solidFill>
+              <a:uFill>
+                <a:solidFill>
+                  <a:srgbClr val="ffffff"/>
+                </a:solidFill>
+              </a:uFill>
+              <a:latin typeface="Arial"/>
+            </a:endParaRPr>
+          </a:p>
+          <a:p>
+            <a:pPr marL="448200" indent="-215640">
+              <a:lnSpc>
+                <a:spcPct val="100000"/>
+              </a:lnSpc>
               <a:buClr>
                 <a:srgbClr val="000000"/>
               </a:buClr>
@@ -4429,20 +6584,23 @@
               </a:rPr>
               <a:t> </a:t>
             </a:r>
-            <a:endParaRPr b="0" lang="en-US" sz="3200" spc="-1" strike="noStrike">
-              <a:solidFill>
-                <a:srgbClr val="000000"/>
-              </a:solidFill>
-              <a:uFill>
-                <a:solidFill>
-                  <a:srgbClr val="ffffff"/>
-                </a:solidFill>
-              </a:uFill>
-              <a:latin typeface="Arial"/>
-            </a:endParaRPr>
-          </a:p>
-          <a:p>
-            <a:pPr marL="448200">
+            <a:endParaRPr b="0" lang="en-US" sz="1800" spc="-1" strike="noStrike">
+              <a:solidFill>
+                <a:srgbClr val="000000"/>
+              </a:solidFill>
+              <a:uFill>
+                <a:solidFill>
+                  <a:srgbClr val="ffffff"/>
+                </a:solidFill>
+              </a:uFill>
+              <a:latin typeface="Arial"/>
+            </a:endParaRPr>
+          </a:p>
+          <a:p>
+            <a:pPr marL="448200" indent="-215640">
+              <a:lnSpc>
+                <a:spcPct val="100000"/>
+              </a:lnSpc>
               <a:buClr>
                 <a:srgbClr val="000000"/>
               </a:buClr>
@@ -4465,7 +6623,7 @@
               </a:rPr>
               <a:t>LSTM NN: Capable of handling long term dependencies.</a:t>
             </a:r>
-            <a:endParaRPr b="0" lang="en-US" sz="3200" spc="-1" strike="noStrike">
+            <a:endParaRPr b="0" lang="en-US" sz="1800" spc="-1" strike="noStrike">
               <a:solidFill>
                 <a:srgbClr val="000000"/>
               </a:solidFill>
@@ -4530,14 +6688,14 @@
       </p:grpSpPr>
       <p:sp>
         <p:nvSpPr>
-          <p:cNvPr id="48" name="TextShape 1"/>
-          <p:cNvSpPr txBox="1"/>
+          <p:cNvPr id="81" name="CustomShape 1"/>
+          <p:cNvSpPr/>
           <p:nvPr/>
         </p:nvSpPr>
         <p:spPr>
           <a:xfrm>
             <a:off x="504000" y="301320"/>
-            <a:ext cx="9071640" cy="1262160"/>
+            <a:ext cx="9071280" cy="1261800"/>
           </a:xfrm>
           <a:prstGeom prst="rect">
             <a:avLst/>
@@ -4547,10 +6705,20 @@
             <a:noFill/>
           </a:ln>
         </p:spPr>
+        <p:style>
+          <a:lnRef idx="0"/>
+          <a:fillRef idx="0"/>
+          <a:effectRef idx="0"/>
+          <a:fontRef idx="minor"/>
+        </p:style>
         <p:txBody>
           <a:bodyPr lIns="0" rIns="0" tIns="0" bIns="0" anchor="ctr"/>
           <a:p>
-            <a:pPr algn="ctr"/>
+            <a:pPr algn="ctr">
+              <a:lnSpc>
+                <a:spcPct val="100000"/>
+              </a:lnSpc>
+            </a:pPr>
             <a:r>
               <a:rPr b="0" lang="en-US" sz="3200" spc="-1" strike="noStrike">
                 <a:solidFill>
@@ -4566,30 +6734,30 @@
               </a:rPr>
               <a:t>Main Design Considerations</a:t>
             </a:r>
-            <a:endParaRPr b="0" lang="en-US" sz="4400" spc="-1" strike="noStrike">
-              <a:solidFill>
-                <a:srgbClr val="000000"/>
-              </a:solidFill>
-              <a:uFill>
-                <a:solidFill>
-                  <a:srgbClr val="ffffff"/>
-                </a:solidFill>
-              </a:uFill>
-              <a:latin typeface="Arial"/>
-            </a:endParaRPr>
-          </a:p>
-        </p:txBody>
-      </p:sp>
-      <p:sp>
-        <p:nvSpPr>
-          <p:cNvPr id="49" name="TextShape 2"/>
-          <p:cNvSpPr txBox="1"/>
+            <a:endParaRPr b="0" lang="en-US" sz="1800" spc="-1" strike="noStrike">
+              <a:solidFill>
+                <a:srgbClr val="000000"/>
+              </a:solidFill>
+              <a:uFill>
+                <a:solidFill>
+                  <a:srgbClr val="ffffff"/>
+                </a:solidFill>
+              </a:uFill>
+              <a:latin typeface="Arial"/>
+            </a:endParaRPr>
+          </a:p>
+        </p:txBody>
+      </p:sp>
+      <p:sp>
+        <p:nvSpPr>
+          <p:cNvPr id="82" name="CustomShape 2"/>
+          <p:cNvSpPr/>
           <p:nvPr/>
         </p:nvSpPr>
         <p:spPr>
           <a:xfrm>
             <a:off x="504000" y="1769040"/>
-            <a:ext cx="9071640" cy="4384440"/>
+            <a:ext cx="9071280" cy="4384080"/>
           </a:xfrm>
           <a:prstGeom prst="rect">
             <a:avLst/>
@@ -4599,10 +6767,19 @@
             <a:noFill/>
           </a:ln>
         </p:spPr>
+        <p:style>
+          <a:lnRef idx="0"/>
+          <a:fillRef idx="0"/>
+          <a:effectRef idx="0"/>
+          <a:fontRef idx="minor"/>
+        </p:style>
         <p:txBody>
           <a:bodyPr lIns="0" rIns="0" tIns="0" bIns="0"/>
           <a:p>
-            <a:pPr marL="216000" indent="-216000">
+            <a:pPr marL="216000" indent="-215640">
+              <a:lnSpc>
+                <a:spcPct val="100000"/>
+              </a:lnSpc>
               <a:buClr>
                 <a:srgbClr val="000000"/>
               </a:buClr>
@@ -4625,20 +6802,23 @@
               </a:rPr>
               <a:t> </a:t>
             </a:r>
-            <a:endParaRPr b="0" lang="en-US" sz="3200" spc="-1" strike="noStrike">
-              <a:solidFill>
-                <a:srgbClr val="000000"/>
-              </a:solidFill>
-              <a:uFill>
-                <a:solidFill>
-                  <a:srgbClr val="ffffff"/>
-                </a:solidFill>
-              </a:uFill>
-              <a:latin typeface="Arial"/>
-            </a:endParaRPr>
-          </a:p>
-          <a:p>
-            <a:pPr marL="216000" indent="-216000">
+            <a:endParaRPr b="0" lang="en-US" sz="1800" spc="-1" strike="noStrike">
+              <a:solidFill>
+                <a:srgbClr val="000000"/>
+              </a:solidFill>
+              <a:uFill>
+                <a:solidFill>
+                  <a:srgbClr val="ffffff"/>
+                </a:solidFill>
+              </a:uFill>
+              <a:latin typeface="Arial"/>
+            </a:endParaRPr>
+          </a:p>
+          <a:p>
+            <a:pPr marL="216000" indent="-215640">
+              <a:lnSpc>
+                <a:spcPct val="100000"/>
+              </a:lnSpc>
               <a:buClr>
                 <a:srgbClr val="000000"/>
               </a:buClr>
@@ -4674,8 +6854,32 @@
                 <a:latin typeface="Arial"/>
                 <a:ea typeface="Noto Sans CJK SC Regular"/>
               </a:rPr>
-              <a:t>Easily change m</a:t>
-            </a:r>
+              <a:t>Easily change model parameters (number of layers, hidden size, input features, etc) in order to facilitate the testing of different configurations and find the best one.</a:t>
+            </a:r>
+            <a:endParaRPr b="0" lang="en-US" sz="1800" spc="-1" strike="noStrike">
+              <a:solidFill>
+                <a:srgbClr val="000000"/>
+              </a:solidFill>
+              <a:uFill>
+                <a:solidFill>
+                  <a:srgbClr val="ffffff"/>
+                </a:solidFill>
+              </a:uFill>
+              <a:latin typeface="Arial"/>
+            </a:endParaRPr>
+          </a:p>
+          <a:p>
+            <a:pPr marL="216000" indent="-215640">
+              <a:lnSpc>
+                <a:spcPct val="100000"/>
+              </a:lnSpc>
+              <a:buClr>
+                <a:srgbClr val="000000"/>
+              </a:buClr>
+              <a:buSzPct val="45000"/>
+              <a:buFont typeface="Wingdings" charset="2"/>
+              <a:buChar char=""/>
+            </a:pPr>
             <a:r>
               <a:rPr b="0" lang="en-US" sz="3200" spc="-1" strike="noStrike">
                 <a:solidFill>
@@ -4689,29 +6893,47 @@
                 <a:latin typeface="Arial"/>
                 <a:ea typeface="Noto Sans CJK SC Regular"/>
               </a:rPr>
-              <a:t>odel parameters (number of layers, hidden size, input features, etc) in order to facilitate the testing of different configurations and find the best one.</a:t>
-            </a:r>
-            <a:endParaRPr b="0" lang="en-US" sz="3200" spc="-1" strike="noStrike">
-              <a:solidFill>
-                <a:srgbClr val="000000"/>
-              </a:solidFill>
-              <a:uFill>
-                <a:solidFill>
-                  <a:srgbClr val="ffffff"/>
-                </a:solidFill>
-              </a:uFill>
-              <a:latin typeface="Arial"/>
-            </a:endParaRPr>
-          </a:p>
-          <a:p>
-            <a:pPr marL="216000" indent="-216000">
-              <a:buClr>
-                <a:srgbClr val="000000"/>
-              </a:buClr>
-              <a:buSzPct val="45000"/>
-              <a:buFont typeface="Wingdings" charset="2"/>
-              <a:buChar char=""/>
-            </a:pPr>
+              <a:t> </a:t>
+            </a:r>
+            <a:endParaRPr b="0" lang="en-US" sz="1800" spc="-1" strike="noStrike">
+              <a:solidFill>
+                <a:srgbClr val="000000"/>
+              </a:solidFill>
+              <a:uFill>
+                <a:solidFill>
+                  <a:srgbClr val="ffffff"/>
+                </a:solidFill>
+              </a:uFill>
+              <a:latin typeface="Arial"/>
+            </a:endParaRPr>
+          </a:p>
+          <a:p>
+            <a:pPr marL="216000" indent="-215640">
+              <a:lnSpc>
+                <a:spcPct val="100000"/>
+              </a:lnSpc>
+              <a:buClr>
+                <a:srgbClr val="000000"/>
+              </a:buClr>
+              <a:buSzPct val="45000"/>
+              <a:buFont typeface="Wingdings" charset="2"/>
+              <a:buChar char=""/>
+            </a:pPr>
+            <a:r>
+              <a:rPr b="1" lang="en-US" sz="3200" spc="-1" strike="noStrike">
+                <a:solidFill>
+                  <a:srgbClr val="000000"/>
+                </a:solidFill>
+                <a:uFill>
+                  <a:solidFill>
+                    <a:srgbClr val="ffffff"/>
+                  </a:solidFill>
+                </a:uFill>
+                <a:latin typeface="Arial"/>
+                <a:ea typeface="Noto Sans CJK SC Regular"/>
+              </a:rPr>
+              <a:t>Easy to evaluate: </a:t>
+            </a:r>
             <a:r>
               <a:rPr b="0" lang="en-US" sz="3200" spc="-1" strike="noStrike">
                 <a:solidFill>
@@ -4725,75 +6947,24 @@
                 <a:latin typeface="Arial"/>
                 <a:ea typeface="Noto Sans CJK SC Regular"/>
               </a:rPr>
+              <a:t>Provide the tools to analyze the results of each tested model and determine the best one.</a:t>
+            </a:r>
+            <a:r>
+              <a:rPr b="1" lang="en-US" sz="3200" spc="-1" strike="noStrike">
+                <a:solidFill>
+                  <a:srgbClr val="000000"/>
+                </a:solidFill>
+                <a:uFill>
+                  <a:solidFill>
+                    <a:srgbClr val="ffffff"/>
+                  </a:solidFill>
+                </a:uFill>
+                <a:latin typeface="Arial"/>
+                <a:ea typeface="Noto Sans CJK SC Regular"/>
+              </a:rPr>
               <a:t> </a:t>
             </a:r>
-            <a:endParaRPr b="0" lang="en-US" sz="3200" spc="-1" strike="noStrike">
-              <a:solidFill>
-                <a:srgbClr val="000000"/>
-              </a:solidFill>
-              <a:uFill>
-                <a:solidFill>
-                  <a:srgbClr val="ffffff"/>
-                </a:solidFill>
-              </a:uFill>
-              <a:latin typeface="Arial"/>
-            </a:endParaRPr>
-          </a:p>
-          <a:p>
-            <a:pPr marL="216000" indent="-216000">
-              <a:buClr>
-                <a:srgbClr val="000000"/>
-              </a:buClr>
-              <a:buSzPct val="45000"/>
-              <a:buFont typeface="Wingdings" charset="2"/>
-              <a:buChar char=""/>
-            </a:pPr>
-            <a:r>
-              <a:rPr b="1" lang="en-US" sz="3200" spc="-1" strike="noStrike">
-                <a:solidFill>
-                  <a:srgbClr val="000000"/>
-                </a:solidFill>
-                <a:uFill>
-                  <a:solidFill>
-                    <a:srgbClr val="ffffff"/>
-                  </a:solidFill>
-                </a:uFill>
-                <a:latin typeface="Arial"/>
-                <a:ea typeface="Noto Sans CJK SC Regular"/>
-              </a:rPr>
-              <a:t>Easy to evaluate: </a:t>
-            </a:r>
-            <a:r>
-              <a:rPr b="0" lang="en-US" sz="3200" spc="-1" strike="noStrike">
-                <a:solidFill>
-                  <a:srgbClr val="000000"/>
-                </a:solidFill>
-                <a:uFill>
-                  <a:solidFill>
-                    <a:srgbClr val="ffffff"/>
-                  </a:solidFill>
-                </a:uFill>
-                <a:latin typeface="Arial"/>
-                <a:ea typeface="Noto Sans CJK SC Regular"/>
-              </a:rPr>
-              <a:t>Provide the tools to analyze the results of each tested model and determine the best one.</a:t>
-            </a:r>
-            <a:r>
-              <a:rPr b="1" lang="en-US" sz="3200" spc="-1" strike="noStrike">
-                <a:solidFill>
-                  <a:srgbClr val="000000"/>
-                </a:solidFill>
-                <a:uFill>
-                  <a:solidFill>
-                    <a:srgbClr val="ffffff"/>
-                  </a:solidFill>
-                </a:uFill>
-                <a:latin typeface="Arial"/>
-                <a:ea typeface="Noto Sans CJK SC Regular"/>
-              </a:rPr>
-              <a:t> </a:t>
-            </a:r>
-            <a:endParaRPr b="0" lang="en-US" sz="3200" spc="-1" strike="noStrike">
+            <a:endParaRPr b="0" lang="en-US" sz="1800" spc="-1" strike="noStrike">
               <a:solidFill>
                 <a:srgbClr val="000000"/>
               </a:solidFill>
@@ -4858,14 +7029,14 @@
       </p:grpSpPr>
       <p:sp>
         <p:nvSpPr>
-          <p:cNvPr id="50" name="TextShape 1"/>
-          <p:cNvSpPr txBox="1"/>
+          <p:cNvPr id="83" name="CustomShape 1"/>
+          <p:cNvSpPr/>
           <p:nvPr/>
         </p:nvSpPr>
         <p:spPr>
           <a:xfrm>
             <a:off x="504000" y="301320"/>
-            <a:ext cx="9071640" cy="1262160"/>
+            <a:ext cx="9071280" cy="1261800"/>
           </a:xfrm>
           <a:prstGeom prst="rect">
             <a:avLst/>
@@ -4875,10 +7046,20 @@
             <a:noFill/>
           </a:ln>
         </p:spPr>
+        <p:style>
+          <a:lnRef idx="0"/>
+          <a:fillRef idx="0"/>
+          <a:effectRef idx="0"/>
+          <a:fontRef idx="minor"/>
+        </p:style>
         <p:txBody>
           <a:bodyPr lIns="0" rIns="0" tIns="0" bIns="0" anchor="ctr"/>
           <a:p>
-            <a:pPr algn="ctr"/>
+            <a:pPr algn="ctr">
+              <a:lnSpc>
+                <a:spcPct val="100000"/>
+              </a:lnSpc>
+            </a:pPr>
             <a:r>
               <a:rPr b="0" lang="en-US" sz="3200" spc="-1" strike="noStrike">
                 <a:solidFill>
@@ -4894,30 +7075,30 @@
               </a:rPr>
               <a:t>Model Inputs</a:t>
             </a:r>
-            <a:endParaRPr b="0" lang="en-US" sz="4400" spc="-1" strike="noStrike">
-              <a:solidFill>
-                <a:srgbClr val="000000"/>
-              </a:solidFill>
-              <a:uFill>
-                <a:solidFill>
-                  <a:srgbClr val="ffffff"/>
-                </a:solidFill>
-              </a:uFill>
-              <a:latin typeface="Arial"/>
-            </a:endParaRPr>
-          </a:p>
-        </p:txBody>
-      </p:sp>
-      <p:sp>
-        <p:nvSpPr>
-          <p:cNvPr id="51" name="TextShape 2"/>
-          <p:cNvSpPr txBox="1"/>
+            <a:endParaRPr b="0" lang="en-US" sz="1800" spc="-1" strike="noStrike">
+              <a:solidFill>
+                <a:srgbClr val="000000"/>
+              </a:solidFill>
+              <a:uFill>
+                <a:solidFill>
+                  <a:srgbClr val="ffffff"/>
+                </a:solidFill>
+              </a:uFill>
+              <a:latin typeface="Arial"/>
+            </a:endParaRPr>
+          </a:p>
+        </p:txBody>
+      </p:sp>
+      <p:sp>
+        <p:nvSpPr>
+          <p:cNvPr id="84" name="CustomShape 2"/>
+          <p:cNvSpPr/>
           <p:nvPr/>
         </p:nvSpPr>
         <p:spPr>
           <a:xfrm>
             <a:off x="504000" y="1769040"/>
-            <a:ext cx="9071640" cy="5925240"/>
+            <a:ext cx="9071280" cy="5924880"/>
           </a:xfrm>
           <a:prstGeom prst="rect">
             <a:avLst/>
@@ -4927,10 +7108,19 @@
             <a:noFill/>
           </a:ln>
         </p:spPr>
+        <p:style>
+          <a:lnRef idx="0"/>
+          <a:fillRef idx="0"/>
+          <a:effectRef idx="0"/>
+          <a:fontRef idx="minor"/>
+        </p:style>
         <p:txBody>
           <a:bodyPr lIns="0" rIns="0" tIns="0" bIns="0"/>
           <a:p>
-            <a:pPr marL="216000" indent="-216000">
+            <a:pPr marL="216000" indent="-215640">
+              <a:lnSpc>
+                <a:spcPct val="100000"/>
+              </a:lnSpc>
               <a:buClr>
                 <a:srgbClr val="000000"/>
               </a:buClr>
@@ -4953,20 +7143,23 @@
               </a:rPr>
               <a:t>Base features:</a:t>
             </a:r>
-            <a:endParaRPr b="1" lang="en-US" sz="3200" spc="-1" strike="noStrike">
-              <a:solidFill>
-                <a:srgbClr val="000000"/>
-              </a:solidFill>
-              <a:uFill>
-                <a:solidFill>
-                  <a:srgbClr val="ffffff"/>
-                </a:solidFill>
-              </a:uFill>
-              <a:latin typeface="Arial"/>
-            </a:endParaRPr>
-          </a:p>
-          <a:p>
-            <a:pPr marL="448200">
+            <a:endParaRPr b="0" lang="en-US" sz="1800" spc="-1" strike="noStrike">
+              <a:solidFill>
+                <a:srgbClr val="000000"/>
+              </a:solidFill>
+              <a:uFill>
+                <a:solidFill>
+                  <a:srgbClr val="ffffff"/>
+                </a:solidFill>
+              </a:uFill>
+              <a:latin typeface="Arial"/>
+            </a:endParaRPr>
+          </a:p>
+          <a:p>
+            <a:pPr marL="448200" indent="-215640">
+              <a:lnSpc>
+                <a:spcPct val="100000"/>
+              </a:lnSpc>
               <a:buClr>
                 <a:srgbClr val="000000"/>
               </a:buClr>
@@ -4989,20 +7182,23 @@
               </a:rPr>
               <a:t>Month</a:t>
             </a:r>
-            <a:endParaRPr b="1" lang="en-US" sz="3200" spc="-1" strike="noStrike">
-              <a:solidFill>
-                <a:srgbClr val="000000"/>
-              </a:solidFill>
-              <a:uFill>
-                <a:solidFill>
-                  <a:srgbClr val="ffffff"/>
-                </a:solidFill>
-              </a:uFill>
-              <a:latin typeface="Arial"/>
-            </a:endParaRPr>
-          </a:p>
-          <a:p>
-            <a:pPr marL="448200">
+            <a:endParaRPr b="0" lang="en-US" sz="1800" spc="-1" strike="noStrike">
+              <a:solidFill>
+                <a:srgbClr val="000000"/>
+              </a:solidFill>
+              <a:uFill>
+                <a:solidFill>
+                  <a:srgbClr val="ffffff"/>
+                </a:solidFill>
+              </a:uFill>
+              <a:latin typeface="Arial"/>
+            </a:endParaRPr>
+          </a:p>
+          <a:p>
+            <a:pPr marL="448200" indent="-215640">
+              <a:lnSpc>
+                <a:spcPct val="100000"/>
+              </a:lnSpc>
               <a:buClr>
                 <a:srgbClr val="000000"/>
               </a:buClr>
@@ -5025,20 +7221,23 @@
               </a:rPr>
               <a:t>Monthly historical sales</a:t>
             </a:r>
-            <a:endParaRPr b="1" lang="en-US" sz="3200" spc="-1" strike="noStrike">
-              <a:solidFill>
-                <a:srgbClr val="000000"/>
-              </a:solidFill>
-              <a:uFill>
-                <a:solidFill>
-                  <a:srgbClr val="ffffff"/>
-                </a:solidFill>
-              </a:uFill>
-              <a:latin typeface="Arial"/>
-            </a:endParaRPr>
-          </a:p>
-          <a:p>
-            <a:pPr marL="448200">
+            <a:endParaRPr b="0" lang="en-US" sz="1800" spc="-1" strike="noStrike">
+              <a:solidFill>
+                <a:srgbClr val="000000"/>
+              </a:solidFill>
+              <a:uFill>
+                <a:solidFill>
+                  <a:srgbClr val="ffffff"/>
+                </a:solidFill>
+              </a:uFill>
+              <a:latin typeface="Arial"/>
+            </a:endParaRPr>
+          </a:p>
+          <a:p>
+            <a:pPr marL="448200" indent="-215640">
+              <a:lnSpc>
+                <a:spcPct val="100000"/>
+              </a:lnSpc>
               <a:buClr>
                 <a:srgbClr val="000000"/>
               </a:buClr>
@@ -5061,20 +7260,23 @@
               </a:rPr>
               <a:t> </a:t>
             </a:r>
-            <a:endParaRPr b="1" lang="en-US" sz="3200" spc="-1" strike="noStrike">
-              <a:solidFill>
-                <a:srgbClr val="000000"/>
-              </a:solidFill>
-              <a:uFill>
-                <a:solidFill>
-                  <a:srgbClr val="ffffff"/>
-                </a:solidFill>
-              </a:uFill>
-              <a:latin typeface="Arial"/>
-            </a:endParaRPr>
-          </a:p>
-          <a:p>
-            <a:pPr marL="216000" indent="-216000">
+            <a:endParaRPr b="0" lang="en-US" sz="1800" spc="-1" strike="noStrike">
+              <a:solidFill>
+                <a:srgbClr val="000000"/>
+              </a:solidFill>
+              <a:uFill>
+                <a:solidFill>
+                  <a:srgbClr val="ffffff"/>
+                </a:solidFill>
+              </a:uFill>
+              <a:latin typeface="Arial"/>
+            </a:endParaRPr>
+          </a:p>
+          <a:p>
+            <a:pPr marL="216000" indent="-215640">
+              <a:lnSpc>
+                <a:spcPct val="100000"/>
+              </a:lnSpc>
               <a:buClr>
                 <a:srgbClr val="000000"/>
               </a:buClr>
@@ -5097,20 +7299,23 @@
               </a:rPr>
               <a:t>Additional features in consideration:</a:t>
             </a:r>
-            <a:endParaRPr b="1" lang="en-US" sz="3200" spc="-1" strike="noStrike">
-              <a:solidFill>
-                <a:srgbClr val="000000"/>
-              </a:solidFill>
-              <a:uFill>
-                <a:solidFill>
-                  <a:srgbClr val="ffffff"/>
-                </a:solidFill>
-              </a:uFill>
-              <a:latin typeface="Arial"/>
-            </a:endParaRPr>
-          </a:p>
-          <a:p>
-            <a:pPr marL="448200">
+            <a:endParaRPr b="0" lang="en-US" sz="1800" spc="-1" strike="noStrike">
+              <a:solidFill>
+                <a:srgbClr val="000000"/>
+              </a:solidFill>
+              <a:uFill>
+                <a:solidFill>
+                  <a:srgbClr val="ffffff"/>
+                </a:solidFill>
+              </a:uFill>
+              <a:latin typeface="Arial"/>
+            </a:endParaRPr>
+          </a:p>
+          <a:p>
+            <a:pPr marL="448200" indent="-215640">
+              <a:lnSpc>
+                <a:spcPct val="100000"/>
+              </a:lnSpc>
               <a:buClr>
                 <a:srgbClr val="000000"/>
               </a:buClr>
@@ -5133,20 +7338,23 @@
               </a:rPr>
               <a:t>Interest rates</a:t>
             </a:r>
-            <a:endParaRPr b="1" lang="en-US" sz="3200" spc="-1" strike="noStrike">
-              <a:solidFill>
-                <a:srgbClr val="000000"/>
-              </a:solidFill>
-              <a:uFill>
-                <a:solidFill>
-                  <a:srgbClr val="ffffff"/>
-                </a:solidFill>
-              </a:uFill>
-              <a:latin typeface="Arial"/>
-            </a:endParaRPr>
-          </a:p>
-          <a:p>
-            <a:pPr marL="448200">
+            <a:endParaRPr b="0" lang="en-US" sz="1800" spc="-1" strike="noStrike">
+              <a:solidFill>
+                <a:srgbClr val="000000"/>
+              </a:solidFill>
+              <a:uFill>
+                <a:solidFill>
+                  <a:srgbClr val="ffffff"/>
+                </a:solidFill>
+              </a:uFill>
+              <a:latin typeface="Arial"/>
+            </a:endParaRPr>
+          </a:p>
+          <a:p>
+            <a:pPr marL="448200" indent="-215640">
+              <a:lnSpc>
+                <a:spcPct val="100000"/>
+              </a:lnSpc>
               <a:buClr>
                 <a:srgbClr val="000000"/>
               </a:buClr>
@@ -5169,20 +7377,23 @@
               </a:rPr>
               <a:t>Exchange rates</a:t>
             </a:r>
-            <a:endParaRPr b="1" lang="en-US" sz="3200" spc="-1" strike="noStrike">
-              <a:solidFill>
-                <a:srgbClr val="000000"/>
-              </a:solidFill>
-              <a:uFill>
-                <a:solidFill>
-                  <a:srgbClr val="ffffff"/>
-                </a:solidFill>
-              </a:uFill>
-              <a:latin typeface="Arial"/>
-            </a:endParaRPr>
-          </a:p>
-          <a:p>
-            <a:pPr marL="448200">
+            <a:endParaRPr b="0" lang="en-US" sz="1800" spc="-1" strike="noStrike">
+              <a:solidFill>
+                <a:srgbClr val="000000"/>
+              </a:solidFill>
+              <a:uFill>
+                <a:solidFill>
+                  <a:srgbClr val="ffffff"/>
+                </a:solidFill>
+              </a:uFill>
+              <a:latin typeface="Arial"/>
+            </a:endParaRPr>
+          </a:p>
+          <a:p>
+            <a:pPr marL="448200" indent="-215640">
+              <a:lnSpc>
+                <a:spcPct val="100000"/>
+              </a:lnSpc>
               <a:buClr>
                 <a:srgbClr val="000000"/>
               </a:buClr>
@@ -5205,20 +7416,23 @@
               </a:rPr>
               <a:t>Consumer confidence</a:t>
             </a:r>
-            <a:endParaRPr b="1" lang="en-US" sz="3200" spc="-1" strike="noStrike">
-              <a:solidFill>
-                <a:srgbClr val="000000"/>
-              </a:solidFill>
-              <a:uFill>
-                <a:solidFill>
-                  <a:srgbClr val="ffffff"/>
-                </a:solidFill>
-              </a:uFill>
-              <a:latin typeface="Arial"/>
-            </a:endParaRPr>
-          </a:p>
-          <a:p>
-            <a:pPr marL="448200">
+            <a:endParaRPr b="0" lang="en-US" sz="1800" spc="-1" strike="noStrike">
+              <a:solidFill>
+                <a:srgbClr val="000000"/>
+              </a:solidFill>
+              <a:uFill>
+                <a:solidFill>
+                  <a:srgbClr val="ffffff"/>
+                </a:solidFill>
+              </a:uFill>
+              <a:latin typeface="Arial"/>
+            </a:endParaRPr>
+          </a:p>
+          <a:p>
+            <a:pPr marL="448200" indent="-215640">
+              <a:lnSpc>
+                <a:spcPct val="100000"/>
+              </a:lnSpc>
               <a:buClr>
                 <a:srgbClr val="000000"/>
               </a:buClr>
@@ -5241,20 +7455,23 @@
               </a:rPr>
               <a:t>Manufacturing confidence index</a:t>
             </a:r>
-            <a:endParaRPr b="1" lang="en-US" sz="3200" spc="-1" strike="noStrike">
-              <a:solidFill>
-                <a:srgbClr val="000000"/>
-              </a:solidFill>
-              <a:uFill>
-                <a:solidFill>
-                  <a:srgbClr val="ffffff"/>
-                </a:solidFill>
-              </a:uFill>
-              <a:latin typeface="Arial"/>
-            </a:endParaRPr>
-          </a:p>
-          <a:p>
-            <a:pPr marL="448200">
+            <a:endParaRPr b="0" lang="en-US" sz="1800" spc="-1" strike="noStrike">
+              <a:solidFill>
+                <a:srgbClr val="000000"/>
+              </a:solidFill>
+              <a:uFill>
+                <a:solidFill>
+                  <a:srgbClr val="ffffff"/>
+                </a:solidFill>
+              </a:uFill>
+              <a:latin typeface="Arial"/>
+            </a:endParaRPr>
+          </a:p>
+          <a:p>
+            <a:pPr marL="448200" indent="-215640">
+              <a:lnSpc>
+                <a:spcPct val="100000"/>
+              </a:lnSpc>
               <a:buClr>
                 <a:srgbClr val="000000"/>
               </a:buClr>
@@ -5277,20 +7494,23 @@
               </a:rPr>
               <a:t>Economic activity index</a:t>
             </a:r>
-            <a:endParaRPr b="1" lang="en-US" sz="3200" spc="-1" strike="noStrike">
-              <a:solidFill>
-                <a:srgbClr val="000000"/>
-              </a:solidFill>
-              <a:uFill>
-                <a:solidFill>
-                  <a:srgbClr val="ffffff"/>
-                </a:solidFill>
-              </a:uFill>
-              <a:latin typeface="Arial"/>
-            </a:endParaRPr>
-          </a:p>
-          <a:p>
-            <a:pPr marL="448200">
+            <a:endParaRPr b="0" lang="en-US" sz="1800" spc="-1" strike="noStrike">
+              <a:solidFill>
+                <a:srgbClr val="000000"/>
+              </a:solidFill>
+              <a:uFill>
+                <a:solidFill>
+                  <a:srgbClr val="ffffff"/>
+                </a:solidFill>
+              </a:uFill>
+              <a:latin typeface="Arial"/>
+            </a:endParaRPr>
+          </a:p>
+          <a:p>
+            <a:pPr marL="448200" indent="-215640">
+              <a:lnSpc>
+                <a:spcPct val="100000"/>
+              </a:lnSpc>
               <a:buClr>
                 <a:srgbClr val="000000"/>
               </a:buClr>
@@ -5313,20 +7533,23 @@
               </a:rPr>
               <a:t>Energy price index</a:t>
             </a:r>
-            <a:endParaRPr b="1" lang="en-US" sz="3200" spc="-1" strike="noStrike">
-              <a:solidFill>
-                <a:srgbClr val="000000"/>
-              </a:solidFill>
-              <a:uFill>
-                <a:solidFill>
-                  <a:srgbClr val="ffffff"/>
-                </a:solidFill>
-              </a:uFill>
-              <a:latin typeface="Arial"/>
-            </a:endParaRPr>
-          </a:p>
-          <a:p>
-            <a:pPr marL="448200">
+            <a:endParaRPr b="0" lang="en-US" sz="1800" spc="-1" strike="noStrike">
+              <a:solidFill>
+                <a:srgbClr val="000000"/>
+              </a:solidFill>
+              <a:uFill>
+                <a:solidFill>
+                  <a:srgbClr val="ffffff"/>
+                </a:solidFill>
+              </a:uFill>
+              <a:latin typeface="Arial"/>
+            </a:endParaRPr>
+          </a:p>
+          <a:p>
+            <a:pPr marL="448200" indent="-215640">
+              <a:lnSpc>
+                <a:spcPct val="100000"/>
+              </a:lnSpc>
               <a:buClr>
                 <a:srgbClr val="000000"/>
               </a:buClr>
@@ -5349,20 +7572,23 @@
               </a:rPr>
               <a:t>Consumer price index</a:t>
             </a:r>
-            <a:endParaRPr b="1" lang="en-US" sz="3200" spc="-1" strike="noStrike">
-              <a:solidFill>
-                <a:srgbClr val="000000"/>
-              </a:solidFill>
-              <a:uFill>
-                <a:solidFill>
-                  <a:srgbClr val="ffffff"/>
-                </a:solidFill>
-              </a:uFill>
-              <a:latin typeface="Arial"/>
-            </a:endParaRPr>
-          </a:p>
-          <a:p>
-            <a:pPr marL="448200">
+            <a:endParaRPr b="0" lang="en-US" sz="1800" spc="-1" strike="noStrike">
+              <a:solidFill>
+                <a:srgbClr val="000000"/>
+              </a:solidFill>
+              <a:uFill>
+                <a:solidFill>
+                  <a:srgbClr val="ffffff"/>
+                </a:solidFill>
+              </a:uFill>
+              <a:latin typeface="Arial"/>
+            </a:endParaRPr>
+          </a:p>
+          <a:p>
+            <a:pPr marL="448200" indent="-215640">
+              <a:lnSpc>
+                <a:spcPct val="100000"/>
+              </a:lnSpc>
               <a:buClr>
                 <a:srgbClr val="000000"/>
               </a:buClr>
@@ -5385,7 +7611,7 @@
               </a:rPr>
               <a:t> </a:t>
             </a:r>
-            <a:endParaRPr b="1" lang="en-US" sz="3200" spc="-1" strike="noStrike">
+            <a:endParaRPr b="0" lang="en-US" sz="1800" spc="-1" strike="noStrike">
               <a:solidFill>
                 <a:srgbClr val="000000"/>
               </a:solidFill>
@@ -5450,14 +7676,14 @@
       </p:grpSpPr>
       <p:sp>
         <p:nvSpPr>
-          <p:cNvPr id="52" name="TextShape 1"/>
-          <p:cNvSpPr txBox="1"/>
+          <p:cNvPr id="85" name="CustomShape 1"/>
+          <p:cNvSpPr/>
           <p:nvPr/>
         </p:nvSpPr>
         <p:spPr>
           <a:xfrm>
             <a:off x="504000" y="301320"/>
-            <a:ext cx="9071640" cy="1262160"/>
+            <a:ext cx="9071280" cy="1261800"/>
           </a:xfrm>
           <a:prstGeom prst="rect">
             <a:avLst/>
@@ -5467,10 +7693,20 @@
             <a:noFill/>
           </a:ln>
         </p:spPr>
+        <p:style>
+          <a:lnRef idx="0"/>
+          <a:fillRef idx="0"/>
+          <a:effectRef idx="0"/>
+          <a:fontRef idx="minor"/>
+        </p:style>
         <p:txBody>
           <a:bodyPr lIns="0" rIns="0" tIns="0" bIns="0" anchor="ctr"/>
           <a:p>
-            <a:pPr algn="ctr"/>
+            <a:pPr algn="ctr">
+              <a:lnSpc>
+                <a:spcPct val="100000"/>
+              </a:lnSpc>
+            </a:pPr>
             <a:r>
               <a:rPr b="0" lang="en-US" sz="3200" spc="-1" strike="noStrike">
                 <a:solidFill>
@@ -5486,30 +7722,30 @@
               </a:rPr>
               <a:t>Model Outputs</a:t>
             </a:r>
-            <a:endParaRPr b="0" lang="en-US" sz="4400" spc="-1" strike="noStrike">
-              <a:solidFill>
-                <a:srgbClr val="000000"/>
-              </a:solidFill>
-              <a:uFill>
-                <a:solidFill>
-                  <a:srgbClr val="ffffff"/>
-                </a:solidFill>
-              </a:uFill>
-              <a:latin typeface="Arial"/>
-            </a:endParaRPr>
-          </a:p>
-        </p:txBody>
-      </p:sp>
-      <p:sp>
-        <p:nvSpPr>
-          <p:cNvPr id="53" name="TextShape 2"/>
-          <p:cNvSpPr txBox="1"/>
+            <a:endParaRPr b="0" lang="en-US" sz="1800" spc="-1" strike="noStrike">
+              <a:solidFill>
+                <a:srgbClr val="000000"/>
+              </a:solidFill>
+              <a:uFill>
+                <a:solidFill>
+                  <a:srgbClr val="ffffff"/>
+                </a:solidFill>
+              </a:uFill>
+              <a:latin typeface="Arial"/>
+            </a:endParaRPr>
+          </a:p>
+        </p:txBody>
+      </p:sp>
+      <p:sp>
+        <p:nvSpPr>
+          <p:cNvPr id="86" name="CustomShape 2"/>
+          <p:cNvSpPr/>
           <p:nvPr/>
         </p:nvSpPr>
         <p:spPr>
           <a:xfrm>
             <a:off x="504000" y="1769040"/>
-            <a:ext cx="9071640" cy="5013720"/>
+            <a:ext cx="9071280" cy="5013360"/>
           </a:xfrm>
           <a:prstGeom prst="rect">
             <a:avLst/>
@@ -5519,10 +7755,19 @@
             <a:noFill/>
           </a:ln>
         </p:spPr>
+        <p:style>
+          <a:lnRef idx="0"/>
+          <a:fillRef idx="0"/>
+          <a:effectRef idx="0"/>
+          <a:fontRef idx="minor"/>
+        </p:style>
         <p:txBody>
           <a:bodyPr lIns="0" rIns="0" tIns="0" bIns="0"/>
           <a:p>
-            <a:pPr marL="216000" indent="-216000">
+            <a:pPr marL="216000" indent="-215640">
+              <a:lnSpc>
+                <a:spcPct val="100000"/>
+              </a:lnSpc>
               <a:buClr>
                 <a:srgbClr val="000000"/>
               </a:buClr>
@@ -5545,20 +7790,23 @@
               </a:rPr>
               <a:t> </a:t>
             </a:r>
-            <a:endParaRPr b="1" lang="en-US" sz="3200" spc="-1" strike="noStrike">
-              <a:solidFill>
-                <a:srgbClr val="000000"/>
-              </a:solidFill>
-              <a:uFill>
-                <a:solidFill>
-                  <a:srgbClr val="ffffff"/>
-                </a:solidFill>
-              </a:uFill>
-              <a:latin typeface="Arial"/>
-            </a:endParaRPr>
-          </a:p>
-          <a:p>
-            <a:pPr marL="216000" indent="-216000">
+            <a:endParaRPr b="0" lang="en-US" sz="1800" spc="-1" strike="noStrike">
+              <a:solidFill>
+                <a:srgbClr val="000000"/>
+              </a:solidFill>
+              <a:uFill>
+                <a:solidFill>
+                  <a:srgbClr val="ffffff"/>
+                </a:solidFill>
+              </a:uFill>
+              <a:latin typeface="Arial"/>
+            </a:endParaRPr>
+          </a:p>
+          <a:p>
+            <a:pPr marL="216000" indent="-215640">
+              <a:lnSpc>
+                <a:spcPct val="100000"/>
+              </a:lnSpc>
               <a:buClr>
                 <a:srgbClr val="000000"/>
               </a:buClr>
@@ -5581,20 +7829,23 @@
               </a:rPr>
               <a:t>Monthly sales predictions N (1,2 or 3) months ahead</a:t>
             </a:r>
-            <a:endParaRPr b="1" lang="en-US" sz="3200" spc="-1" strike="noStrike">
-              <a:solidFill>
-                <a:srgbClr val="000000"/>
-              </a:solidFill>
-              <a:uFill>
-                <a:solidFill>
-                  <a:srgbClr val="ffffff"/>
-                </a:solidFill>
-              </a:uFill>
-              <a:latin typeface="Arial"/>
-            </a:endParaRPr>
-          </a:p>
-          <a:p>
-            <a:pPr marL="216000" indent="-216000">
+            <a:endParaRPr b="0" lang="en-US" sz="1800" spc="-1" strike="noStrike">
+              <a:solidFill>
+                <a:srgbClr val="000000"/>
+              </a:solidFill>
+              <a:uFill>
+                <a:solidFill>
+                  <a:srgbClr val="ffffff"/>
+                </a:solidFill>
+              </a:uFill>
+              <a:latin typeface="Arial"/>
+            </a:endParaRPr>
+          </a:p>
+          <a:p>
+            <a:pPr marL="216000" indent="-215640">
+              <a:lnSpc>
+                <a:spcPct val="100000"/>
+              </a:lnSpc>
               <a:buClr>
                 <a:srgbClr val="000000"/>
               </a:buClr>
@@ -5617,20 +7868,23 @@
               </a:rPr>
               <a:t> </a:t>
             </a:r>
-            <a:endParaRPr b="1" lang="en-US" sz="3200" spc="-1" strike="noStrike">
-              <a:solidFill>
-                <a:srgbClr val="000000"/>
-              </a:solidFill>
-              <a:uFill>
-                <a:solidFill>
-                  <a:srgbClr val="ffffff"/>
-                </a:solidFill>
-              </a:uFill>
-              <a:latin typeface="Arial"/>
-            </a:endParaRPr>
-          </a:p>
-          <a:p>
-            <a:pPr marL="448200">
+            <a:endParaRPr b="0" lang="en-US" sz="1800" spc="-1" strike="noStrike">
+              <a:solidFill>
+                <a:srgbClr val="000000"/>
+              </a:solidFill>
+              <a:uFill>
+                <a:solidFill>
+                  <a:srgbClr val="ffffff"/>
+                </a:solidFill>
+              </a:uFill>
+              <a:latin typeface="Arial"/>
+            </a:endParaRPr>
+          </a:p>
+          <a:p>
+            <a:pPr marL="448200" indent="-215640">
+              <a:lnSpc>
+                <a:spcPct val="100000"/>
+              </a:lnSpc>
               <a:buClr>
                 <a:srgbClr val="000000"/>
               </a:buClr>
@@ -5653,20 +7907,23 @@
               </a:rPr>
               <a:t>Level of prediction:</a:t>
             </a:r>
-            <a:endParaRPr b="1" lang="en-US" sz="3200" spc="-1" strike="noStrike">
-              <a:solidFill>
-                <a:srgbClr val="000000"/>
-              </a:solidFill>
-              <a:uFill>
-                <a:solidFill>
-                  <a:srgbClr val="ffffff"/>
-                </a:solidFill>
-              </a:uFill>
-              <a:latin typeface="Arial"/>
-            </a:endParaRPr>
-          </a:p>
-          <a:p>
-            <a:pPr marL="896760">
+            <a:endParaRPr b="0" lang="en-US" sz="1800" spc="-1" strike="noStrike">
+              <a:solidFill>
+                <a:srgbClr val="000000"/>
+              </a:solidFill>
+              <a:uFill>
+                <a:solidFill>
+                  <a:srgbClr val="ffffff"/>
+                </a:solidFill>
+              </a:uFill>
+              <a:latin typeface="Arial"/>
+            </a:endParaRPr>
+          </a:p>
+          <a:p>
+            <a:pPr marL="896760" indent="-215640">
+              <a:lnSpc>
+                <a:spcPct val="100000"/>
+              </a:lnSpc>
               <a:buClr>
                 <a:srgbClr val="000000"/>
               </a:buClr>
@@ -5689,20 +7946,23 @@
               </a:rPr>
               <a:t>Car model level</a:t>
             </a:r>
-            <a:endParaRPr b="1" lang="en-US" sz="3200" spc="-1" strike="noStrike">
-              <a:solidFill>
-                <a:srgbClr val="000000"/>
-              </a:solidFill>
-              <a:uFill>
-                <a:solidFill>
-                  <a:srgbClr val="ffffff"/>
-                </a:solidFill>
-              </a:uFill>
-              <a:latin typeface="Arial"/>
-            </a:endParaRPr>
-          </a:p>
-          <a:p>
-            <a:pPr marL="896760">
+            <a:endParaRPr b="0" lang="en-US" sz="1800" spc="-1" strike="noStrike">
+              <a:solidFill>
+                <a:srgbClr val="000000"/>
+              </a:solidFill>
+              <a:uFill>
+                <a:solidFill>
+                  <a:srgbClr val="ffffff"/>
+                </a:solidFill>
+              </a:uFill>
+              <a:latin typeface="Arial"/>
+            </a:endParaRPr>
+          </a:p>
+          <a:p>
+            <a:pPr marL="896760" indent="-215640">
+              <a:lnSpc>
+                <a:spcPct val="100000"/>
+              </a:lnSpc>
               <a:buClr>
                 <a:srgbClr val="000000"/>
               </a:buClr>
@@ -5725,20 +7985,23 @@
               </a:rPr>
               <a:t> </a:t>
             </a:r>
-            <a:endParaRPr b="1" lang="en-US" sz="3200" spc="-1" strike="noStrike">
-              <a:solidFill>
-                <a:srgbClr val="000000"/>
-              </a:solidFill>
-              <a:uFill>
-                <a:solidFill>
-                  <a:srgbClr val="ffffff"/>
-                </a:solidFill>
-              </a:uFill>
-              <a:latin typeface="Arial"/>
-            </a:endParaRPr>
-          </a:p>
-          <a:p>
-            <a:pPr marL="896760">
+            <a:endParaRPr b="0" lang="en-US" sz="1800" spc="-1" strike="noStrike">
+              <a:solidFill>
+                <a:srgbClr val="000000"/>
+              </a:solidFill>
+              <a:uFill>
+                <a:solidFill>
+                  <a:srgbClr val="ffffff"/>
+                </a:solidFill>
+              </a:uFill>
+              <a:latin typeface="Arial"/>
+            </a:endParaRPr>
+          </a:p>
+          <a:p>
+            <a:pPr marL="896760" indent="-215640">
+              <a:lnSpc>
+                <a:spcPct val="100000"/>
+              </a:lnSpc>
               <a:buClr>
                 <a:srgbClr val="000000"/>
               </a:buClr>
@@ -5761,20 +8024,23 @@
               </a:rPr>
               <a:t>Compared against:</a:t>
             </a:r>
-            <a:endParaRPr b="1" lang="en-US" sz="3200" spc="-1" strike="noStrike">
-              <a:solidFill>
-                <a:srgbClr val="000000"/>
-              </a:solidFill>
-              <a:uFill>
-                <a:solidFill>
-                  <a:srgbClr val="ffffff"/>
-                </a:solidFill>
-              </a:uFill>
-              <a:latin typeface="Arial"/>
-            </a:endParaRPr>
-          </a:p>
-          <a:p>
-            <a:pPr marL="1344960">
+            <a:endParaRPr b="0" lang="en-US" sz="1800" spc="-1" strike="noStrike">
+              <a:solidFill>
+                <a:srgbClr val="000000"/>
+              </a:solidFill>
+              <a:uFill>
+                <a:solidFill>
+                  <a:srgbClr val="ffffff"/>
+                </a:solidFill>
+              </a:uFill>
+              <a:latin typeface="Arial"/>
+            </a:endParaRPr>
+          </a:p>
+          <a:p>
+            <a:pPr marL="1344960" indent="-215640">
+              <a:lnSpc>
+                <a:spcPct val="100000"/>
+              </a:lnSpc>
               <a:buClr>
                 <a:srgbClr val="000000"/>
               </a:buClr>
@@ -5797,20 +8063,23 @@
               </a:rPr>
               <a:t>Platform level</a:t>
             </a:r>
-            <a:endParaRPr b="1" lang="en-US" sz="3200" spc="-1" strike="noStrike">
-              <a:solidFill>
-                <a:srgbClr val="000000"/>
-              </a:solidFill>
-              <a:uFill>
-                <a:solidFill>
-                  <a:srgbClr val="ffffff"/>
-                </a:solidFill>
-              </a:uFill>
-              <a:latin typeface="Arial"/>
-            </a:endParaRPr>
-          </a:p>
-          <a:p>
-            <a:pPr marL="1344960">
+            <a:endParaRPr b="0" lang="en-US" sz="1800" spc="-1" strike="noStrike">
+              <a:solidFill>
+                <a:srgbClr val="000000"/>
+              </a:solidFill>
+              <a:uFill>
+                <a:solidFill>
+                  <a:srgbClr val="ffffff"/>
+                </a:solidFill>
+              </a:uFill>
+              <a:latin typeface="Arial"/>
+            </a:endParaRPr>
+          </a:p>
+          <a:p>
+            <a:pPr marL="1344960" indent="-215640">
+              <a:lnSpc>
+                <a:spcPct val="100000"/>
+              </a:lnSpc>
               <a:buClr>
                 <a:srgbClr val="000000"/>
               </a:buClr>
@@ -5833,20 +8102,23 @@
               </a:rPr>
               <a:t>Nationwide level</a:t>
             </a:r>
-            <a:endParaRPr b="1" lang="en-US" sz="3200" spc="-1" strike="noStrike">
-              <a:solidFill>
-                <a:srgbClr val="000000"/>
-              </a:solidFill>
-              <a:uFill>
-                <a:solidFill>
-                  <a:srgbClr val="ffffff"/>
-                </a:solidFill>
-              </a:uFill>
-              <a:latin typeface="Arial"/>
-            </a:endParaRPr>
-          </a:p>
-          <a:p>
-            <a:pPr marL="448200">
+            <a:endParaRPr b="0" lang="en-US" sz="1800" spc="-1" strike="noStrike">
+              <a:solidFill>
+                <a:srgbClr val="000000"/>
+              </a:solidFill>
+              <a:uFill>
+                <a:solidFill>
+                  <a:srgbClr val="ffffff"/>
+                </a:solidFill>
+              </a:uFill>
+              <a:latin typeface="Arial"/>
+            </a:endParaRPr>
+          </a:p>
+          <a:p>
+            <a:pPr marL="448200" indent="-215640">
+              <a:lnSpc>
+                <a:spcPct val="100000"/>
+              </a:lnSpc>
               <a:buClr>
                 <a:srgbClr val="000000"/>
               </a:buClr>
@@ -5869,7 +8141,7 @@
               </a:rPr>
               <a:t> </a:t>
             </a:r>
-            <a:endParaRPr b="1" lang="en-US" sz="3200" spc="-1" strike="noStrike">
+            <a:endParaRPr b="0" lang="en-US" sz="1800" spc="-1" strike="noStrike">
               <a:solidFill>
                 <a:srgbClr val="000000"/>
               </a:solidFill>
@@ -5934,14 +8206,14 @@
       </p:grpSpPr>
       <p:sp>
         <p:nvSpPr>
-          <p:cNvPr id="54" name="TextShape 1"/>
-          <p:cNvSpPr txBox="1"/>
+          <p:cNvPr id="87" name="CustomShape 1"/>
+          <p:cNvSpPr/>
           <p:nvPr/>
         </p:nvSpPr>
         <p:spPr>
           <a:xfrm>
             <a:off x="504000" y="301320"/>
-            <a:ext cx="9071640" cy="1262160"/>
+            <a:ext cx="9071280" cy="1261800"/>
           </a:xfrm>
           <a:prstGeom prst="rect">
             <a:avLst/>
@@ -5951,10 +8223,20 @@
             <a:noFill/>
           </a:ln>
         </p:spPr>
+        <p:style>
+          <a:lnRef idx="0"/>
+          <a:fillRef idx="0"/>
+          <a:effectRef idx="0"/>
+          <a:fontRef idx="minor"/>
+        </p:style>
         <p:txBody>
           <a:bodyPr lIns="0" rIns="0" tIns="0" bIns="0" anchor="ctr"/>
           <a:p>
-            <a:pPr algn="ctr"/>
+            <a:pPr algn="ctr">
+              <a:lnSpc>
+                <a:spcPct val="100000"/>
+              </a:lnSpc>
+            </a:pPr>
             <a:r>
               <a:rPr b="0" lang="en-US" sz="3200" spc="-1" strike="noStrike">
                 <a:solidFill>
@@ -5970,30 +8252,30 @@
               </a:rPr>
               <a:t>Solution Architecture</a:t>
             </a:r>
-            <a:endParaRPr b="0" lang="en-US" sz="4400" spc="-1" strike="noStrike">
-              <a:solidFill>
-                <a:srgbClr val="000000"/>
-              </a:solidFill>
-              <a:uFill>
-                <a:solidFill>
-                  <a:srgbClr val="ffffff"/>
-                </a:solidFill>
-              </a:uFill>
-              <a:latin typeface="Arial"/>
-            </a:endParaRPr>
-          </a:p>
-        </p:txBody>
-      </p:sp>
-      <p:sp>
-        <p:nvSpPr>
-          <p:cNvPr id="55" name="TextShape 2"/>
-          <p:cNvSpPr txBox="1"/>
+            <a:endParaRPr b="0" lang="en-US" sz="1800" spc="-1" strike="noStrike">
+              <a:solidFill>
+                <a:srgbClr val="000000"/>
+              </a:solidFill>
+              <a:uFill>
+                <a:solidFill>
+                  <a:srgbClr val="ffffff"/>
+                </a:solidFill>
+              </a:uFill>
+              <a:latin typeface="Arial"/>
+            </a:endParaRPr>
+          </a:p>
+        </p:txBody>
+      </p:sp>
+      <p:sp>
+        <p:nvSpPr>
+          <p:cNvPr id="88" name="CustomShape 2"/>
+          <p:cNvSpPr/>
           <p:nvPr/>
         </p:nvSpPr>
         <p:spPr>
           <a:xfrm>
             <a:off x="504000" y="1769040"/>
-            <a:ext cx="9071640" cy="5013720"/>
+            <a:ext cx="9071280" cy="5013360"/>
           </a:xfrm>
           <a:prstGeom prst="rect">
             <a:avLst/>
@@ -6003,10 +8285,19 @@
             <a:noFill/>
           </a:ln>
         </p:spPr>
+        <p:style>
+          <a:lnRef idx="0"/>
+          <a:fillRef idx="0"/>
+          <a:effectRef idx="0"/>
+          <a:fontRef idx="minor"/>
+        </p:style>
         <p:txBody>
           <a:bodyPr lIns="0" rIns="0" tIns="0" bIns="0"/>
           <a:p>
-            <a:pPr marL="216000" indent="-216000">
+            <a:pPr marL="216000" indent="-215640">
+              <a:lnSpc>
+                <a:spcPct val="100000"/>
+              </a:lnSpc>
               <a:buClr>
                 <a:srgbClr val="000000"/>
               </a:buClr>
@@ -6029,20 +8320,23 @@
               </a:rPr>
               <a:t> </a:t>
             </a:r>
-            <a:endParaRPr b="1" lang="en-US" sz="3200" spc="-1" strike="noStrike">
-              <a:solidFill>
-                <a:srgbClr val="000000"/>
-              </a:solidFill>
-              <a:uFill>
-                <a:solidFill>
-                  <a:srgbClr val="ffffff"/>
-                </a:solidFill>
-              </a:uFill>
-              <a:latin typeface="Arial"/>
-            </a:endParaRPr>
-          </a:p>
-          <a:p>
-            <a:pPr marL="216000" indent="-216000">
+            <a:endParaRPr b="0" lang="en-US" sz="1800" spc="-1" strike="noStrike">
+              <a:solidFill>
+                <a:srgbClr val="000000"/>
+              </a:solidFill>
+              <a:uFill>
+                <a:solidFill>
+                  <a:srgbClr val="ffffff"/>
+                </a:solidFill>
+              </a:uFill>
+              <a:latin typeface="Arial"/>
+            </a:endParaRPr>
+          </a:p>
+          <a:p>
+            <a:pPr marL="216000" indent="-215640">
+              <a:lnSpc>
+                <a:spcPct val="100000"/>
+              </a:lnSpc>
               <a:buClr>
                 <a:srgbClr val="000000"/>
               </a:buClr>
@@ -6065,20 +8359,23 @@
               </a:rPr>
               <a:t>Monthly sales predictions N (1,2 or 3) months ahead</a:t>
             </a:r>
-            <a:endParaRPr b="1" lang="en-US" sz="3200" spc="-1" strike="noStrike">
-              <a:solidFill>
-                <a:srgbClr val="000000"/>
-              </a:solidFill>
-              <a:uFill>
-                <a:solidFill>
-                  <a:srgbClr val="ffffff"/>
-                </a:solidFill>
-              </a:uFill>
-              <a:latin typeface="Arial"/>
-            </a:endParaRPr>
-          </a:p>
-          <a:p>
-            <a:pPr marL="216000" indent="-216000">
+            <a:endParaRPr b="0" lang="en-US" sz="1800" spc="-1" strike="noStrike">
+              <a:solidFill>
+                <a:srgbClr val="000000"/>
+              </a:solidFill>
+              <a:uFill>
+                <a:solidFill>
+                  <a:srgbClr val="ffffff"/>
+                </a:solidFill>
+              </a:uFill>
+              <a:latin typeface="Arial"/>
+            </a:endParaRPr>
+          </a:p>
+          <a:p>
+            <a:pPr marL="216000" indent="-215640">
+              <a:lnSpc>
+                <a:spcPct val="100000"/>
+              </a:lnSpc>
               <a:buClr>
                 <a:srgbClr val="000000"/>
               </a:buClr>
@@ -6101,20 +8398,23 @@
               </a:rPr>
               <a:t> </a:t>
             </a:r>
-            <a:endParaRPr b="1" lang="en-US" sz="3200" spc="-1" strike="noStrike">
-              <a:solidFill>
-                <a:srgbClr val="000000"/>
-              </a:solidFill>
-              <a:uFill>
-                <a:solidFill>
-                  <a:srgbClr val="ffffff"/>
-                </a:solidFill>
-              </a:uFill>
-              <a:latin typeface="Arial"/>
-            </a:endParaRPr>
-          </a:p>
-          <a:p>
-            <a:pPr marL="448200">
+            <a:endParaRPr b="0" lang="en-US" sz="1800" spc="-1" strike="noStrike">
+              <a:solidFill>
+                <a:srgbClr val="000000"/>
+              </a:solidFill>
+              <a:uFill>
+                <a:solidFill>
+                  <a:srgbClr val="ffffff"/>
+                </a:solidFill>
+              </a:uFill>
+              <a:latin typeface="Arial"/>
+            </a:endParaRPr>
+          </a:p>
+          <a:p>
+            <a:pPr marL="448200" indent="-215640">
+              <a:lnSpc>
+                <a:spcPct val="100000"/>
+              </a:lnSpc>
               <a:buClr>
                 <a:srgbClr val="000000"/>
               </a:buClr>
@@ -6137,20 +8437,23 @@
               </a:rPr>
               <a:t>Level of prediction:</a:t>
             </a:r>
-            <a:endParaRPr b="1" lang="en-US" sz="3200" spc="-1" strike="noStrike">
-              <a:solidFill>
-                <a:srgbClr val="000000"/>
-              </a:solidFill>
-              <a:uFill>
-                <a:solidFill>
-                  <a:srgbClr val="ffffff"/>
-                </a:solidFill>
-              </a:uFill>
-              <a:latin typeface="Arial"/>
-            </a:endParaRPr>
-          </a:p>
-          <a:p>
-            <a:pPr marL="896760">
+            <a:endParaRPr b="0" lang="en-US" sz="1800" spc="-1" strike="noStrike">
+              <a:solidFill>
+                <a:srgbClr val="000000"/>
+              </a:solidFill>
+              <a:uFill>
+                <a:solidFill>
+                  <a:srgbClr val="ffffff"/>
+                </a:solidFill>
+              </a:uFill>
+              <a:latin typeface="Arial"/>
+            </a:endParaRPr>
+          </a:p>
+          <a:p>
+            <a:pPr marL="896760" indent="-215640">
+              <a:lnSpc>
+                <a:spcPct val="100000"/>
+              </a:lnSpc>
               <a:buClr>
                 <a:srgbClr val="000000"/>
               </a:buClr>
@@ -6173,20 +8476,23 @@
               </a:rPr>
               <a:t>Car model level</a:t>
             </a:r>
-            <a:endParaRPr b="1" lang="en-US" sz="3200" spc="-1" strike="noStrike">
-              <a:solidFill>
-                <a:srgbClr val="000000"/>
-              </a:solidFill>
-              <a:uFill>
-                <a:solidFill>
-                  <a:srgbClr val="ffffff"/>
-                </a:solidFill>
-              </a:uFill>
-              <a:latin typeface="Arial"/>
-            </a:endParaRPr>
-          </a:p>
-          <a:p>
-            <a:pPr marL="896760">
+            <a:endParaRPr b="0" lang="en-US" sz="1800" spc="-1" strike="noStrike">
+              <a:solidFill>
+                <a:srgbClr val="000000"/>
+              </a:solidFill>
+              <a:uFill>
+                <a:solidFill>
+                  <a:srgbClr val="ffffff"/>
+                </a:solidFill>
+              </a:uFill>
+              <a:latin typeface="Arial"/>
+            </a:endParaRPr>
+          </a:p>
+          <a:p>
+            <a:pPr marL="896760" indent="-215640">
+              <a:lnSpc>
+                <a:spcPct val="100000"/>
+              </a:lnSpc>
               <a:buClr>
                 <a:srgbClr val="000000"/>
               </a:buClr>
@@ -6209,20 +8515,23 @@
               </a:rPr>
               <a:t> </a:t>
             </a:r>
-            <a:endParaRPr b="1" lang="en-US" sz="3200" spc="-1" strike="noStrike">
-              <a:solidFill>
-                <a:srgbClr val="000000"/>
-              </a:solidFill>
-              <a:uFill>
-                <a:solidFill>
-                  <a:srgbClr val="ffffff"/>
-                </a:solidFill>
-              </a:uFill>
-              <a:latin typeface="Arial"/>
-            </a:endParaRPr>
-          </a:p>
-          <a:p>
-            <a:pPr marL="896760">
+            <a:endParaRPr b="0" lang="en-US" sz="1800" spc="-1" strike="noStrike">
+              <a:solidFill>
+                <a:srgbClr val="000000"/>
+              </a:solidFill>
+              <a:uFill>
+                <a:solidFill>
+                  <a:srgbClr val="ffffff"/>
+                </a:solidFill>
+              </a:uFill>
+              <a:latin typeface="Arial"/>
+            </a:endParaRPr>
+          </a:p>
+          <a:p>
+            <a:pPr marL="896760" indent="-215640">
+              <a:lnSpc>
+                <a:spcPct val="100000"/>
+              </a:lnSpc>
               <a:buClr>
                 <a:srgbClr val="000000"/>
               </a:buClr>
@@ -6245,20 +8554,23 @@
               </a:rPr>
               <a:t>Compared against:</a:t>
             </a:r>
-            <a:endParaRPr b="1" lang="en-US" sz="3200" spc="-1" strike="noStrike">
-              <a:solidFill>
-                <a:srgbClr val="000000"/>
-              </a:solidFill>
-              <a:uFill>
-                <a:solidFill>
-                  <a:srgbClr val="ffffff"/>
-                </a:solidFill>
-              </a:uFill>
-              <a:latin typeface="Arial"/>
-            </a:endParaRPr>
-          </a:p>
-          <a:p>
-            <a:pPr marL="1344960">
+            <a:endParaRPr b="0" lang="en-US" sz="1800" spc="-1" strike="noStrike">
+              <a:solidFill>
+                <a:srgbClr val="000000"/>
+              </a:solidFill>
+              <a:uFill>
+                <a:solidFill>
+                  <a:srgbClr val="ffffff"/>
+                </a:solidFill>
+              </a:uFill>
+              <a:latin typeface="Arial"/>
+            </a:endParaRPr>
+          </a:p>
+          <a:p>
+            <a:pPr marL="1344960" indent="-215640">
+              <a:lnSpc>
+                <a:spcPct val="100000"/>
+              </a:lnSpc>
               <a:buClr>
                 <a:srgbClr val="000000"/>
               </a:buClr>
@@ -6281,20 +8593,23 @@
               </a:rPr>
               <a:t>Platform level</a:t>
             </a:r>
-            <a:endParaRPr b="1" lang="en-US" sz="3200" spc="-1" strike="noStrike">
-              <a:solidFill>
-                <a:srgbClr val="000000"/>
-              </a:solidFill>
-              <a:uFill>
-                <a:solidFill>
-                  <a:srgbClr val="ffffff"/>
-                </a:solidFill>
-              </a:uFill>
-              <a:latin typeface="Arial"/>
-            </a:endParaRPr>
-          </a:p>
-          <a:p>
-            <a:pPr marL="1344960">
+            <a:endParaRPr b="0" lang="en-US" sz="1800" spc="-1" strike="noStrike">
+              <a:solidFill>
+                <a:srgbClr val="000000"/>
+              </a:solidFill>
+              <a:uFill>
+                <a:solidFill>
+                  <a:srgbClr val="ffffff"/>
+                </a:solidFill>
+              </a:uFill>
+              <a:latin typeface="Arial"/>
+            </a:endParaRPr>
+          </a:p>
+          <a:p>
+            <a:pPr marL="1344960" indent="-215640">
+              <a:lnSpc>
+                <a:spcPct val="100000"/>
+              </a:lnSpc>
               <a:buClr>
                 <a:srgbClr val="000000"/>
               </a:buClr>
@@ -6317,20 +8632,23 @@
               </a:rPr>
               <a:t>Nationwide level</a:t>
             </a:r>
-            <a:endParaRPr b="1" lang="en-US" sz="3200" spc="-1" strike="noStrike">
-              <a:solidFill>
-                <a:srgbClr val="000000"/>
-              </a:solidFill>
-              <a:uFill>
-                <a:solidFill>
-                  <a:srgbClr val="ffffff"/>
-                </a:solidFill>
-              </a:uFill>
-              <a:latin typeface="Arial"/>
-            </a:endParaRPr>
-          </a:p>
-          <a:p>
-            <a:pPr marL="448200">
+            <a:endParaRPr b="0" lang="en-US" sz="1800" spc="-1" strike="noStrike">
+              <a:solidFill>
+                <a:srgbClr val="000000"/>
+              </a:solidFill>
+              <a:uFill>
+                <a:solidFill>
+                  <a:srgbClr val="ffffff"/>
+                </a:solidFill>
+              </a:uFill>
+              <a:latin typeface="Arial"/>
+            </a:endParaRPr>
+          </a:p>
+          <a:p>
+            <a:pPr marL="448200" indent="-215640">
+              <a:lnSpc>
+                <a:spcPct val="100000"/>
+              </a:lnSpc>
               <a:buClr>
                 <a:srgbClr val="000000"/>
               </a:buClr>
@@ -6353,7 +8671,7 @@
               </a:rPr>
               <a:t> </a:t>
             </a:r>
-            <a:endParaRPr b="1" lang="en-US" sz="3200" spc="-1" strike="noStrike">
+            <a:endParaRPr b="0" lang="en-US" sz="1800" spc="-1" strike="noStrike">
               <a:solidFill>
                 <a:srgbClr val="000000"/>
               </a:solidFill>
@@ -6620,4 +8938,227 @@
     </a:fmtScheme>
   </a:themeElements>
 </a:theme>
+</file>
+
+<file path=ppt/theme/theme2.xml><?xml version="1.0" encoding="utf-8"?>
+<a:theme xmlns:a="http://schemas.openxmlformats.org/drawingml/2006/main" name="Office Theme">
+  <a:themeElements>
+    <a:clrScheme name="Office">
+      <a:dk1>
+        <a:sysClr val="windowText" lastClr="000000"/>
+      </a:dk1>
+      <a:lt1>
+        <a:sysClr val="window" lastClr="FFFFFF"/>
+      </a:lt1>
+      <a:dk2>
+        <a:srgbClr val="1F497D"/>
+      </a:dk2>
+      <a:lt2>
+        <a:srgbClr val="EEECE1"/>
+      </a:lt2>
+      <a:accent1>
+        <a:srgbClr val="4F81BD"/>
+      </a:accent1>
+      <a:accent2>
+        <a:srgbClr val="C0504D"/>
+      </a:accent2>
+      <a:accent3>
+        <a:srgbClr val="9BBB59"/>
+      </a:accent3>
+      <a:accent4>
+        <a:srgbClr val="8064A2"/>
+      </a:accent4>
+      <a:accent5>
+        <a:srgbClr val="4BACC6"/>
+      </a:accent5>
+      <a:accent6>
+        <a:srgbClr val="F79646"/>
+      </a:accent6>
+      <a:hlink>
+        <a:srgbClr val="0000FF"/>
+      </a:hlink>
+      <a:folHlink>
+        <a:srgbClr val="800080"/>
+      </a:folHlink>
+    </a:clrScheme>
+    <a:fontScheme name="Office">
+      <a:majorFont>
+        <a:latin typeface="Arial"/>
+        <a:ea typeface="DejaVu Sans"/>
+        <a:cs typeface="DejaVu Sans"/>
+      </a:majorFont>
+      <a:minorFont>
+        <a:latin typeface="Arial"/>
+        <a:ea typeface="DejaVu Sans"/>
+        <a:cs typeface="DejaVu Sans"/>
+      </a:minorFont>
+    </a:fontScheme>
+    <a:fmtScheme name="Office">
+      <a:fillStyleLst>
+        <a:solidFill>
+          <a:schemeClr val="phClr"/>
+        </a:solidFill>
+        <a:gradFill rotWithShape="1">
+          <a:gsLst>
+            <a:gs pos="0">
+              <a:schemeClr val="phClr">
+                <a:tint val="50000"/>
+                <a:satMod val="300000"/>
+              </a:schemeClr>
+            </a:gs>
+            <a:gs pos="35000">
+              <a:schemeClr val="phClr">
+                <a:tint val="37000"/>
+                <a:satMod val="300000"/>
+              </a:schemeClr>
+            </a:gs>
+            <a:gs pos="100000">
+              <a:schemeClr val="phClr">
+                <a:tint val="15000"/>
+                <a:satMod val="350000"/>
+              </a:schemeClr>
+            </a:gs>
+          </a:gsLst>
+          <a:lin ang="16200000" scaled="1"/>
+        </a:gradFill>
+        <a:gradFill rotWithShape="1">
+          <a:gsLst>
+            <a:gs pos="0">
+              <a:schemeClr val="phClr">
+                <a:shade val="51000"/>
+                <a:satMod val="130000"/>
+              </a:schemeClr>
+            </a:gs>
+            <a:gs pos="80000">
+              <a:schemeClr val="phClr">
+                <a:shade val="93000"/>
+                <a:satMod val="130000"/>
+              </a:schemeClr>
+            </a:gs>
+            <a:gs pos="100000">
+              <a:schemeClr val="phClr">
+                <a:shade val="94000"/>
+                <a:satMod val="135000"/>
+              </a:schemeClr>
+            </a:gs>
+          </a:gsLst>
+          <a:lin ang="16200000" scaled="0"/>
+        </a:gradFill>
+      </a:fillStyleLst>
+      <a:lnStyleLst>
+        <a:ln w="9525" cap="flat" cmpd="sng" algn="ctr">
+          <a:solidFill>
+            <a:schemeClr val="phClr">
+              <a:shade val="95000"/>
+              <a:satMod val="105000"/>
+            </a:schemeClr>
+          </a:solidFill>
+          <a:prstDash val="solid"/>
+        </a:ln>
+        <a:ln w="25400" cap="flat" cmpd="sng" algn="ctr">
+          <a:solidFill>
+            <a:schemeClr val="phClr"/>
+          </a:solidFill>
+          <a:prstDash val="solid"/>
+        </a:ln>
+        <a:ln w="38100" cap="flat" cmpd="sng" algn="ctr">
+          <a:solidFill>
+            <a:schemeClr val="phClr"/>
+          </a:solidFill>
+          <a:prstDash val="solid"/>
+        </a:ln>
+      </a:lnStyleLst>
+      <a:effectStyleLst>
+        <a:effectStyle>
+          <a:effectLst>
+            <a:outerShdw blurRad="40000" dist="20000" dir="5400000" rotWithShape="0">
+              <a:srgbClr val="000000">
+                <a:alpha val="38000"/>
+              </a:srgbClr>
+            </a:outerShdw>
+          </a:effectLst>
+        </a:effectStyle>
+        <a:effectStyle>
+          <a:effectLst>
+            <a:outerShdw blurRad="40000" dist="23000" dir="5400000" rotWithShape="0">
+              <a:srgbClr val="000000">
+                <a:alpha val="35000"/>
+              </a:srgbClr>
+            </a:outerShdw>
+          </a:effectLst>
+        </a:effectStyle>
+        <a:effectStyle>
+          <a:effectLst>
+            <a:outerShdw blurRad="40000" dist="23000" dir="5400000" rotWithShape="0">
+              <a:srgbClr val="000000">
+                <a:alpha val="35000"/>
+              </a:srgbClr>
+            </a:outerShdw>
+          </a:effectLst>
+          <a:scene3d>
+            <a:camera prst="orthographicFront">
+              <a:rot lat="0" lon="0" rev="0"/>
+            </a:camera>
+            <a:lightRig rig="threePt" dir="t">
+              <a:rot lat="0" lon="0" rev="1200000"/>
+            </a:lightRig>
+          </a:scene3d>
+          <a:sp3d>
+            <a:bevelT w="63500" h="25400"/>
+          </a:sp3d>
+        </a:effectStyle>
+      </a:effectStyleLst>
+      <a:bgFillStyleLst>
+        <a:solidFill>
+          <a:schemeClr val="phClr"/>
+        </a:solidFill>
+        <a:gradFill rotWithShape="1">
+          <a:gsLst>
+            <a:gs pos="0">
+              <a:schemeClr val="phClr">
+                <a:tint val="40000"/>
+                <a:satMod val="350000"/>
+              </a:schemeClr>
+            </a:gs>
+            <a:gs pos="40000">
+              <a:schemeClr val="phClr">
+                <a:tint val="45000"/>
+                <a:shade val="99000"/>
+                <a:satMod val="350000"/>
+              </a:schemeClr>
+            </a:gs>
+            <a:gs pos="100000">
+              <a:schemeClr val="phClr">
+                <a:shade val="20000"/>
+                <a:satMod val="255000"/>
+              </a:schemeClr>
+            </a:gs>
+          </a:gsLst>
+          <a:path path="circle">
+            <a:fillToRect l="50000" t="-80000" r="50000" b="180000"/>
+          </a:path>
+        </a:gradFill>
+        <a:gradFill rotWithShape="1">
+          <a:gsLst>
+            <a:gs pos="0">
+              <a:schemeClr val="phClr">
+                <a:tint val="80000"/>
+                <a:satMod val="300000"/>
+              </a:schemeClr>
+            </a:gs>
+            <a:gs pos="100000">
+              <a:schemeClr val="phClr">
+                <a:shade val="30000"/>
+                <a:satMod val="200000"/>
+              </a:schemeClr>
+            </a:gs>
+          </a:gsLst>
+          <a:path path="circle">
+            <a:fillToRect l="50000" t="50000" r="50000" b="50000"/>
+          </a:path>
+        </a:gradFill>
+      </a:bgFillStyleLst>
+    </a:fmtScheme>
+  </a:themeElements>
+</a:theme>
 </file>
--- a/car-sales-prediction-presentation.pptx
+++ b/car-sales-prediction-presentation.pptx
@@ -5,24 +5,1660 @@
     <p:sldMasterId id="2147483648" r:id="rId2"/>
     <p:sldMasterId id="2147483661" r:id="rId3"/>
   </p:sldMasterIdLst>
+  <p:notesMasterIdLst>
+    <p:notesMasterId r:id="rId4"/>
+  </p:notesMasterIdLst>
   <p:sldIdLst>
-    <p:sldId id="256" r:id="rId4"/>
-    <p:sldId id="257" r:id="rId5"/>
-    <p:sldId id="258" r:id="rId6"/>
-    <p:sldId id="259" r:id="rId7"/>
-    <p:sldId id="260" r:id="rId8"/>
-    <p:sldId id="261" r:id="rId9"/>
-    <p:sldId id="262" r:id="rId10"/>
-    <p:sldId id="263" r:id="rId11"/>
-    <p:sldId id="264" r:id="rId12"/>
-    <p:sldId id="265" r:id="rId13"/>
-    <p:sldId id="266" r:id="rId14"/>
-    <p:sldId id="267" r:id="rId15"/>
-    <p:sldId id="268" r:id="rId16"/>
+    <p:sldId id="256" r:id="rId5"/>
+    <p:sldId id="257" r:id="rId6"/>
+    <p:sldId id="258" r:id="rId7"/>
+    <p:sldId id="259" r:id="rId8"/>
+    <p:sldId id="260" r:id="rId9"/>
+    <p:sldId id="261" r:id="rId10"/>
+    <p:sldId id="262" r:id="rId11"/>
+    <p:sldId id="263" r:id="rId12"/>
+    <p:sldId id="264" r:id="rId13"/>
+    <p:sldId id="265" r:id="rId14"/>
+    <p:sldId id="266" r:id="rId15"/>
+    <p:sldId id="267" r:id="rId16"/>
+    <p:sldId id="268" r:id="rId17"/>
+    <p:sldId id="269" r:id="rId18"/>
+    <p:sldId id="270" r:id="rId19"/>
+    <p:sldId id="271" r:id="rId20"/>
+    <p:sldId id="272" r:id="rId21"/>
+    <p:sldId id="273" r:id="rId22"/>
+    <p:sldId id="274" r:id="rId23"/>
+    <p:sldId id="275" r:id="rId24"/>
   </p:sldIdLst>
   <p:sldSz cx="10080625" cy="7559675"/>
   <p:notesSz cx="7559675" cy="10691812"/>
 </p:presentation>
+</file>
+
+<file path=ppt/notesMasters/notesMaster1.xml><?xml version="1.0" encoding="utf-8"?>
+<p:notesMaster xmlns:a="http://schemas.openxmlformats.org/drawingml/2006/main" xmlns:p="http://schemas.openxmlformats.org/presentationml/2006/main" xmlns:r="http://schemas.openxmlformats.org/officeDocument/2006/relationships" xmlns:p14="http://schemas.microsoft.com/office/powerpoint/2010/main" xmlns:p15="http://schemas.microsoft.com/office/powerpoint/2012/main" xmlns:mc="http://schemas.openxmlformats.org/markup-compatibility/2006">
+  <p:cSld>
+    <p:spTree>
+      <p:nvGrpSpPr>
+        <p:cNvPr id="1" name=""/>
+        <p:cNvGrpSpPr/>
+        <p:nvPr/>
+      </p:nvGrpSpPr>
+      <p:grpSpPr>
+        <a:xfrm>
+          <a:off x="0" y="0"/>
+          <a:ext cx="0" cy="0"/>
+          <a:chOff x="0" y="0"/>
+          <a:chExt cx="0" cy="0"/>
+        </a:xfrm>
+      </p:grpSpPr>
+      <p:sp>
+        <p:nvSpPr>
+          <p:cNvPr id="72" name="PlaceHolder 1"/>
+          <p:cNvSpPr>
+            <a:spLocks noGrp="1"/>
+          </p:cNvSpPr>
+          <p:nvPr>
+            <p:ph type="body"/>
+          </p:nvPr>
+        </p:nvSpPr>
+        <p:spPr>
+          <a:xfrm>
+            <a:off x="756000" y="5078520"/>
+            <a:ext cx="6047640" cy="4811040"/>
+          </a:xfrm>
+          <a:prstGeom prst="rect">
+            <a:avLst/>
+          </a:prstGeom>
+        </p:spPr>
+        <p:txBody>
+          <a:bodyPr lIns="0" rIns="0" tIns="0" bIns="0"/>
+          <a:p>
+            <a:r>
+              <a:rPr b="0" lang="en-US" sz="2000" spc="-1" strike="noStrike">
+                <a:solidFill>
+                  <a:srgbClr val="000000"/>
+                </a:solidFill>
+                <a:uFill>
+                  <a:solidFill>
+                    <a:srgbClr val="ffffff"/>
+                  </a:solidFill>
+                </a:uFill>
+                <a:latin typeface="Arial"/>
+              </a:rPr>
+              <a:t>Click to edit the notes format</a:t>
+            </a:r>
+            <a:endParaRPr b="0" lang="en-US" sz="2000" spc="-1" strike="noStrike">
+              <a:solidFill>
+                <a:srgbClr val="000000"/>
+              </a:solidFill>
+              <a:uFill>
+                <a:solidFill>
+                  <a:srgbClr val="ffffff"/>
+                </a:solidFill>
+              </a:uFill>
+              <a:latin typeface="Arial"/>
+            </a:endParaRPr>
+          </a:p>
+        </p:txBody>
+      </p:sp>
+      <p:sp>
+        <p:nvSpPr>
+          <p:cNvPr id="73" name="PlaceHolder 2"/>
+          <p:cNvSpPr>
+            <a:spLocks noGrp="1"/>
+          </p:cNvSpPr>
+          <p:nvPr>
+            <p:ph type="hdr"/>
+          </p:nvPr>
+        </p:nvSpPr>
+        <p:spPr>
+          <a:xfrm>
+            <a:off x="0" y="0"/>
+            <a:ext cx="3280680" cy="534240"/>
+          </a:xfrm>
+          <a:prstGeom prst="rect">
+            <a:avLst/>
+          </a:prstGeom>
+        </p:spPr>
+        <p:txBody>
+          <a:bodyPr lIns="0" rIns="0" tIns="0" bIns="0"/>
+          <a:p>
+            <a:r>
+              <a:rPr b="0" lang="en-US" sz="1400" spc="-1" strike="noStrike">
+                <a:solidFill>
+                  <a:srgbClr val="000000"/>
+                </a:solidFill>
+                <a:uFill>
+                  <a:solidFill>
+                    <a:srgbClr val="ffffff"/>
+                  </a:solidFill>
+                </a:uFill>
+                <a:latin typeface="Times New Roman"/>
+              </a:rPr>
+              <a:t>&lt;header&gt;</a:t>
+            </a:r>
+            <a:endParaRPr b="0" lang="en-US" sz="1400" spc="-1" strike="noStrike">
+              <a:solidFill>
+                <a:srgbClr val="000000"/>
+              </a:solidFill>
+              <a:uFill>
+                <a:solidFill>
+                  <a:srgbClr val="ffffff"/>
+                </a:solidFill>
+              </a:uFill>
+              <a:latin typeface="Times New Roman"/>
+            </a:endParaRPr>
+          </a:p>
+        </p:txBody>
+      </p:sp>
+      <p:sp>
+        <p:nvSpPr>
+          <p:cNvPr id="74" name="PlaceHolder 3"/>
+          <p:cNvSpPr>
+            <a:spLocks noGrp="1"/>
+          </p:cNvSpPr>
+          <p:nvPr>
+            <p:ph type="dt"/>
+          </p:nvPr>
+        </p:nvSpPr>
+        <p:spPr>
+          <a:xfrm>
+            <a:off x="4278960" y="0"/>
+            <a:ext cx="3280680" cy="534240"/>
+          </a:xfrm>
+          <a:prstGeom prst="rect">
+            <a:avLst/>
+          </a:prstGeom>
+        </p:spPr>
+        <p:txBody>
+          <a:bodyPr lIns="0" rIns="0" tIns="0" bIns="0"/>
+          <a:p>
+            <a:pPr algn="r"/>
+            <a:r>
+              <a:rPr b="0" lang="en-US" sz="1400" spc="-1" strike="noStrike">
+                <a:solidFill>
+                  <a:srgbClr val="000000"/>
+                </a:solidFill>
+                <a:uFill>
+                  <a:solidFill>
+                    <a:srgbClr val="ffffff"/>
+                  </a:solidFill>
+                </a:uFill>
+                <a:latin typeface="Times New Roman"/>
+              </a:rPr>
+              <a:t>&lt;date/time&gt;</a:t>
+            </a:r>
+            <a:endParaRPr b="0" lang="en-US" sz="1400" spc="-1" strike="noStrike">
+              <a:solidFill>
+                <a:srgbClr val="000000"/>
+              </a:solidFill>
+              <a:uFill>
+                <a:solidFill>
+                  <a:srgbClr val="ffffff"/>
+                </a:solidFill>
+              </a:uFill>
+              <a:latin typeface="Times New Roman"/>
+            </a:endParaRPr>
+          </a:p>
+        </p:txBody>
+      </p:sp>
+      <p:sp>
+        <p:nvSpPr>
+          <p:cNvPr id="75" name="PlaceHolder 4"/>
+          <p:cNvSpPr>
+            <a:spLocks noGrp="1"/>
+          </p:cNvSpPr>
+          <p:nvPr>
+            <p:ph type="ftr"/>
+          </p:nvPr>
+        </p:nvSpPr>
+        <p:spPr>
+          <a:xfrm>
+            <a:off x="0" y="10157400"/>
+            <a:ext cx="3280680" cy="534240"/>
+          </a:xfrm>
+          <a:prstGeom prst="rect">
+            <a:avLst/>
+          </a:prstGeom>
+        </p:spPr>
+        <p:txBody>
+          <a:bodyPr lIns="0" rIns="0" tIns="0" bIns="0" anchor="b"/>
+          <a:p>
+            <a:r>
+              <a:rPr b="0" lang="en-US" sz="1400" spc="-1" strike="noStrike">
+                <a:solidFill>
+                  <a:srgbClr val="000000"/>
+                </a:solidFill>
+                <a:uFill>
+                  <a:solidFill>
+                    <a:srgbClr val="ffffff"/>
+                  </a:solidFill>
+                </a:uFill>
+                <a:latin typeface="Times New Roman"/>
+              </a:rPr>
+              <a:t>&lt;footer&gt;</a:t>
+            </a:r>
+            <a:endParaRPr b="0" lang="en-US" sz="1400" spc="-1" strike="noStrike">
+              <a:solidFill>
+                <a:srgbClr val="000000"/>
+              </a:solidFill>
+              <a:uFill>
+                <a:solidFill>
+                  <a:srgbClr val="ffffff"/>
+                </a:solidFill>
+              </a:uFill>
+              <a:latin typeface="Times New Roman"/>
+            </a:endParaRPr>
+          </a:p>
+        </p:txBody>
+      </p:sp>
+      <p:sp>
+        <p:nvSpPr>
+          <p:cNvPr id="76" name="PlaceHolder 5"/>
+          <p:cNvSpPr>
+            <a:spLocks noGrp="1"/>
+          </p:cNvSpPr>
+          <p:nvPr>
+            <p:ph type="sldNum"/>
+          </p:nvPr>
+        </p:nvSpPr>
+        <p:spPr>
+          <a:xfrm>
+            <a:off x="4278960" y="10157400"/>
+            <a:ext cx="3280680" cy="534240"/>
+          </a:xfrm>
+          <a:prstGeom prst="rect">
+            <a:avLst/>
+          </a:prstGeom>
+        </p:spPr>
+        <p:txBody>
+          <a:bodyPr lIns="0" rIns="0" tIns="0" bIns="0" anchor="b"/>
+          <a:p>
+            <a:pPr algn="r"/>
+            <a:fld id="{ED53B746-07E6-4F23-8D59-BB45D75D8F46}" type="slidenum">
+              <a:rPr b="0" lang="en-US" sz="1400" spc="-1" strike="noStrike">
+                <a:solidFill>
+                  <a:srgbClr val="000000"/>
+                </a:solidFill>
+                <a:uFill>
+                  <a:solidFill>
+                    <a:srgbClr val="ffffff"/>
+                  </a:solidFill>
+                </a:uFill>
+                <a:latin typeface="Times New Roman"/>
+              </a:rPr>
+              <a:t>&lt;number&gt;</a:t>
+            </a:fld>
+            <a:endParaRPr b="0" lang="en-US" sz="1400" spc="-1" strike="noStrike">
+              <a:solidFill>
+                <a:srgbClr val="000000"/>
+              </a:solidFill>
+              <a:uFill>
+                <a:solidFill>
+                  <a:srgbClr val="ffffff"/>
+                </a:solidFill>
+              </a:uFill>
+              <a:latin typeface="Times New Roman"/>
+            </a:endParaRPr>
+          </a:p>
+        </p:txBody>
+      </p:sp>
+    </p:spTree>
+  </p:cSld>
+  <p:clrMap bg1="lt1" bg2="lt2" tx1="dk1" tx2="dk2" accent1="accent1" accent2="accent2" accent3="accent3" accent4="accent4" accent5="accent5" accent6="accent6" hlink="hlink" folHlink="folHlink"/>
+</p:notesMaster>
+</file>
+
+<file path=ppt/notesSlides/notesSlide10.xml><?xml version="1.0" encoding="utf-8"?>
+<p:notes xmlns:a="http://schemas.openxmlformats.org/drawingml/2006/main" xmlns:p="http://schemas.openxmlformats.org/presentationml/2006/main" xmlns:r="http://schemas.openxmlformats.org/officeDocument/2006/relationships" xmlns:p14="http://schemas.microsoft.com/office/powerpoint/2010/main" xmlns:p15="http://schemas.microsoft.com/office/powerpoint/2012/main" xmlns:mc="http://schemas.openxmlformats.org/markup-compatibility/2006">
+  <p:cSld>
+    <p:spTree>
+      <p:nvGrpSpPr>
+        <p:cNvPr id="1" name=""/>
+        <p:cNvGrpSpPr/>
+        <p:nvPr/>
+      </p:nvGrpSpPr>
+      <p:grpSpPr>
+        <a:xfrm>
+          <a:off x="0" y="0"/>
+          <a:ext cx="0" cy="0"/>
+          <a:chOff x="0" y="0"/>
+          <a:chExt cx="0" cy="0"/>
+        </a:xfrm>
+      </p:grpSpPr>
+      <p:sp>
+        <p:nvSpPr>
+          <p:cNvPr id="116" name="PlaceHolder 1"/>
+          <p:cNvSpPr>
+            <a:spLocks noGrp="1"/>
+          </p:cNvSpPr>
+          <p:nvPr>
+            <p:ph type="body"/>
+          </p:nvPr>
+        </p:nvSpPr>
+        <p:spPr>
+          <a:xfrm>
+            <a:off x="7236000" y="204480"/>
+            <a:ext cx="6047640" cy="14449680"/>
+          </a:xfrm>
+          <a:prstGeom prst="rect">
+            <a:avLst/>
+          </a:prstGeom>
+        </p:spPr>
+        <p:txBody>
+          <a:bodyPr lIns="0" rIns="0" tIns="0" bIns="0"/>
+          <a:p>
+            <a:r>
+              <a:rPr b="1" lang="en-US" sz="2000" spc="-1" strike="noStrike">
+                <a:solidFill>
+                  <a:srgbClr val="000000"/>
+                </a:solidFill>
+                <a:uFill>
+                  <a:solidFill>
+                    <a:srgbClr val="ffffff"/>
+                  </a:solidFill>
+                </a:uFill>
+                <a:latin typeface="Arial"/>
+              </a:rPr>
+              <a:t>Datasource:</a:t>
+            </a:r>
+            <a:r>
+              <a:rPr b="0" lang="en-US" sz="2000" spc="-1" strike="noStrike">
+                <a:solidFill>
+                  <a:srgbClr val="000000"/>
+                </a:solidFill>
+                <a:uFill>
+                  <a:solidFill>
+                    <a:srgbClr val="ffffff"/>
+                  </a:solidFill>
+                </a:uFill>
+                <a:latin typeface="Arial"/>
+              </a:rPr>
+              <a:t> A database was chosen to act as the datasource, to provide flexibility when generating the inputs to the model, and make it easy to choose the input features to use.</a:t>
+            </a:r>
+            <a:endParaRPr b="0" lang="en-US" sz="2000" spc="-1" strike="noStrike">
+              <a:solidFill>
+                <a:srgbClr val="000000"/>
+              </a:solidFill>
+              <a:uFill>
+                <a:solidFill>
+                  <a:srgbClr val="ffffff"/>
+                </a:solidFill>
+              </a:uFill>
+              <a:latin typeface="Arial"/>
+            </a:endParaRPr>
+          </a:p>
+          <a:p>
+            <a:r>
+              <a:rPr b="1" lang="en-US" sz="2000" spc="-1" strike="noStrike">
+                <a:solidFill>
+                  <a:srgbClr val="000000"/>
+                </a:solidFill>
+                <a:uFill>
+                  <a:solidFill>
+                    <a:srgbClr val="ffffff"/>
+                  </a:solidFill>
+                </a:uFill>
+                <a:latin typeface="Arial"/>
+              </a:rPr>
+              <a:t>Reader: </a:t>
+            </a:r>
+            <a:r>
+              <a:rPr b="0" lang="en-US" sz="2000" spc="-1" strike="noStrike">
+                <a:solidFill>
+                  <a:srgbClr val="000000"/>
+                </a:solidFill>
+                <a:uFill>
+                  <a:solidFill>
+                    <a:srgbClr val="ffffff"/>
+                  </a:solidFill>
+                </a:uFill>
+                <a:latin typeface="Arial"/>
+              </a:rPr>
+              <a:t>Queries the database to retrieve the data used to train and test the model, performs all the preprocessing(normalizations and transformations) of the data and divides the data in windows to enable the rolling window analysis. It’s easily configurable in terms of input features to retrieve and the window size to use.</a:t>
+            </a:r>
+            <a:endParaRPr b="0" lang="en-US" sz="2000" spc="-1" strike="noStrike">
+              <a:solidFill>
+                <a:srgbClr val="000000"/>
+              </a:solidFill>
+              <a:uFill>
+                <a:solidFill>
+                  <a:srgbClr val="ffffff"/>
+                </a:solidFill>
+              </a:uFill>
+              <a:latin typeface="Arial"/>
+            </a:endParaRPr>
+          </a:p>
+          <a:p>
+            <a:r>
+              <a:rPr b="1" lang="en-US" sz="2000" spc="-1" strike="noStrike">
+                <a:solidFill>
+                  <a:srgbClr val="000000"/>
+                </a:solidFill>
+                <a:uFill>
+                  <a:solidFill>
+                    <a:srgbClr val="ffffff"/>
+                  </a:solidFill>
+                </a:uFill>
+                <a:latin typeface="Arial"/>
+              </a:rPr>
+              <a:t>Model: </a:t>
+            </a:r>
+            <a:r>
+              <a:rPr b="0" lang="en-US" sz="2000" spc="-1" strike="noStrike">
+                <a:solidFill>
+                  <a:srgbClr val="000000"/>
+                </a:solidFill>
+                <a:uFill>
+                  <a:solidFill>
+                    <a:srgbClr val="ffffff"/>
+                  </a:solidFill>
+                </a:uFill>
+                <a:latin typeface="Arial"/>
+              </a:rPr>
+              <a:t>Creates the model to be trained, which I’ll explain in more detail later. An object which details the specifics of the model(number of layers, size of layers, optimizer, etc) to be created is used to facilitate its configuration.</a:t>
+            </a:r>
+            <a:endParaRPr b="0" lang="en-US" sz="2000" spc="-1" strike="noStrike">
+              <a:solidFill>
+                <a:srgbClr val="000000"/>
+              </a:solidFill>
+              <a:uFill>
+                <a:solidFill>
+                  <a:srgbClr val="ffffff"/>
+                </a:solidFill>
+              </a:uFill>
+              <a:latin typeface="Arial"/>
+            </a:endParaRPr>
+          </a:p>
+          <a:p>
+            <a:r>
+              <a:rPr b="1" lang="en-US" sz="2000" spc="-1" strike="noStrike">
+                <a:solidFill>
+                  <a:srgbClr val="000000"/>
+                </a:solidFill>
+                <a:uFill>
+                  <a:solidFill>
+                    <a:srgbClr val="ffffff"/>
+                  </a:solidFill>
+                </a:uFill>
+                <a:latin typeface="Arial"/>
+              </a:rPr>
+              <a:t>Model Trainer: </a:t>
+            </a:r>
+            <a:r>
+              <a:rPr b="0" lang="en-US" sz="2000" spc="-1" strike="noStrike">
+                <a:solidFill>
+                  <a:srgbClr val="000000"/>
+                </a:solidFill>
+                <a:uFill>
+                  <a:solidFill>
+                    <a:srgbClr val="ffffff"/>
+                  </a:solidFill>
+                </a:uFill>
+                <a:latin typeface="Arial"/>
+              </a:rPr>
+              <a:t>The main responsabilites of the Model Trainer class are training and testing the model, and storing the results for later evaluation. It  performs these tasks by creating the model, using the Reader object to retrieve the data for each window, training it and testing it on this data, and then moving to the next window. For each window the Reader object returns a </a:t>
+            </a:r>
+            <a:r>
+              <a:rPr b="1" lang="en-US" sz="2000" spc="-1" strike="noStrike">
+                <a:solidFill>
+                  <a:srgbClr val="000000"/>
+                </a:solidFill>
+                <a:uFill>
+                  <a:solidFill>
+                    <a:srgbClr val="ffffff"/>
+                  </a:solidFill>
+                </a:uFill>
+                <a:latin typeface="Arial"/>
+              </a:rPr>
+              <a:t>Generator</a:t>
+            </a:r>
+            <a:r>
+              <a:rPr b="0" lang="en-US" sz="2000" spc="-1" strike="noStrike">
+                <a:solidFill>
+                  <a:srgbClr val="000000"/>
+                </a:solidFill>
+                <a:uFill>
+                  <a:solidFill>
+                    <a:srgbClr val="ffffff"/>
+                  </a:solidFill>
+                </a:uFill>
+                <a:latin typeface="Arial"/>
+              </a:rPr>
+              <a:t> object, which basically creates a tensorflow datasource that the model can use as input. It makes use of the </a:t>
+            </a:r>
+            <a:r>
+              <a:rPr b="1" lang="en-US" sz="2000" spc="-1" strike="noStrike">
+                <a:solidFill>
+                  <a:srgbClr val="000000"/>
+                </a:solidFill>
+                <a:uFill>
+                  <a:solidFill>
+                    <a:srgbClr val="ffffff"/>
+                  </a:solidFill>
+                </a:uFill>
+                <a:latin typeface="Arial"/>
+              </a:rPr>
+              <a:t>Storage Manager </a:t>
+            </a:r>
+            <a:r>
+              <a:rPr b="0" lang="en-US" sz="2000" spc="-1" strike="noStrike">
+                <a:solidFill>
+                  <a:srgbClr val="000000"/>
+                </a:solidFill>
+                <a:uFill>
+                  <a:solidFill>
+                    <a:srgbClr val="ffffff"/>
+                  </a:solidFill>
+                </a:uFill>
+                <a:latin typeface="Arial"/>
+              </a:rPr>
+              <a:t>class to persist the results.</a:t>
+            </a:r>
+            <a:endParaRPr b="0" lang="en-US" sz="2000" spc="-1" strike="noStrike">
+              <a:solidFill>
+                <a:srgbClr val="000000"/>
+              </a:solidFill>
+              <a:uFill>
+                <a:solidFill>
+                  <a:srgbClr val="ffffff"/>
+                </a:solidFill>
+              </a:uFill>
+              <a:latin typeface="Arial"/>
+            </a:endParaRPr>
+          </a:p>
+          <a:p>
+            <a:r>
+              <a:rPr b="1" lang="en-US" sz="2000" spc="-1" strike="noStrike">
+                <a:solidFill>
+                  <a:srgbClr val="000000"/>
+                </a:solidFill>
+                <a:uFill>
+                  <a:solidFill>
+                    <a:srgbClr val="ffffff"/>
+                  </a:solidFill>
+                </a:uFill>
+                <a:latin typeface="Arial"/>
+              </a:rPr>
+              <a:t>Model Trainable: </a:t>
+            </a:r>
+            <a:r>
+              <a:rPr b="0" lang="en-US" sz="2000" spc="-1" strike="noStrike">
+                <a:solidFill>
+                  <a:srgbClr val="000000"/>
+                </a:solidFill>
+                <a:uFill>
+                  <a:solidFill>
+                    <a:srgbClr val="ffffff"/>
+                  </a:solidFill>
+                </a:uFill>
+                <a:latin typeface="Arial"/>
+              </a:rPr>
+              <a:t>This class enables the Model Trainer class to be used in hyperparameter optimization experiments which will be explained in more detail later.</a:t>
+            </a:r>
+            <a:endParaRPr b="0" lang="en-US" sz="2000" spc="-1" strike="noStrike">
+              <a:solidFill>
+                <a:srgbClr val="000000"/>
+              </a:solidFill>
+              <a:uFill>
+                <a:solidFill>
+                  <a:srgbClr val="ffffff"/>
+                </a:solidFill>
+              </a:uFill>
+              <a:latin typeface="Arial"/>
+            </a:endParaRPr>
+          </a:p>
+          <a:p>
+            <a:r>
+              <a:rPr b="1" lang="en-US" sz="2000" spc="-1" strike="noStrike">
+                <a:solidFill>
+                  <a:srgbClr val="000000"/>
+                </a:solidFill>
+                <a:uFill>
+                  <a:solidFill>
+                    <a:srgbClr val="ffffff"/>
+                  </a:solidFill>
+                </a:uFill>
+                <a:latin typeface="Arial"/>
+              </a:rPr>
+              <a:t>Experiment Runner: </a:t>
+            </a:r>
+            <a:r>
+              <a:rPr b="0" lang="en-US" sz="2000" spc="-1" strike="noStrike">
+                <a:solidFill>
+                  <a:srgbClr val="000000"/>
+                </a:solidFill>
+                <a:uFill>
+                  <a:solidFill>
+                    <a:srgbClr val="ffffff"/>
+                  </a:solidFill>
+                </a:uFill>
+                <a:latin typeface="Arial"/>
+              </a:rPr>
+              <a:t>Enables the configuration and running of hyperparameter optimization experiments, more details later.</a:t>
+            </a:r>
+            <a:endParaRPr b="0" lang="en-US" sz="2000" spc="-1" strike="noStrike">
+              <a:solidFill>
+                <a:srgbClr val="000000"/>
+              </a:solidFill>
+              <a:uFill>
+                <a:solidFill>
+                  <a:srgbClr val="ffffff"/>
+                </a:solidFill>
+              </a:uFill>
+              <a:latin typeface="Arial"/>
+            </a:endParaRPr>
+          </a:p>
+          <a:p>
+            <a:r>
+              <a:rPr b="1" lang="en-US" sz="2000" spc="-1" strike="noStrike">
+                <a:solidFill>
+                  <a:srgbClr val="000000"/>
+                </a:solidFill>
+                <a:uFill>
+                  <a:solidFill>
+                    <a:srgbClr val="ffffff"/>
+                  </a:solidFill>
+                </a:uFill>
+                <a:latin typeface="Arial"/>
+              </a:rPr>
+              <a:t>Feature Selector: </a:t>
+            </a:r>
+            <a:r>
+              <a:rPr b="0" lang="en-US" sz="2000" spc="-1" strike="noStrike">
+                <a:solidFill>
+                  <a:srgbClr val="000000"/>
+                </a:solidFill>
+                <a:uFill>
+                  <a:solidFill>
+                    <a:srgbClr val="ffffff"/>
+                  </a:solidFill>
+                </a:uFill>
+                <a:latin typeface="Arial"/>
+              </a:rPr>
+              <a:t>Automates the process of feature selection using the Forward Selection</a:t>
+            </a:r>
+            <a:r>
+              <a:rPr b="1" lang="en-US" sz="2000" spc="-1" strike="noStrike">
+                <a:solidFill>
+                  <a:srgbClr val="000000"/>
+                </a:solidFill>
+                <a:uFill>
+                  <a:solidFill>
+                    <a:srgbClr val="ffffff"/>
+                  </a:solidFill>
+                </a:uFill>
+                <a:latin typeface="Arial"/>
+              </a:rPr>
+              <a:t> </a:t>
+            </a:r>
+            <a:r>
+              <a:rPr b="0" lang="en-US" sz="2000" spc="-1" strike="noStrike">
+                <a:solidFill>
+                  <a:srgbClr val="000000"/>
+                </a:solidFill>
+                <a:uFill>
+                  <a:solidFill>
+                    <a:srgbClr val="ffffff"/>
+                  </a:solidFill>
+                </a:uFill>
+                <a:latin typeface="Arial"/>
+              </a:rPr>
+              <a:t>Algorithm, more details to come.</a:t>
+            </a:r>
+            <a:endParaRPr b="0" lang="en-US" sz="2000" spc="-1" strike="noStrike">
+              <a:solidFill>
+                <a:srgbClr val="000000"/>
+              </a:solidFill>
+              <a:uFill>
+                <a:solidFill>
+                  <a:srgbClr val="ffffff"/>
+                </a:solidFill>
+              </a:uFill>
+              <a:latin typeface="Arial"/>
+            </a:endParaRPr>
+          </a:p>
+          <a:p>
+            <a:r>
+              <a:rPr b="1" lang="en-US" sz="2000" spc="-1" strike="noStrike">
+                <a:solidFill>
+                  <a:srgbClr val="000000"/>
+                </a:solidFill>
+                <a:uFill>
+                  <a:solidFill>
+                    <a:srgbClr val="ffffff"/>
+                  </a:solidFill>
+                </a:uFill>
+                <a:latin typeface="Arial"/>
+              </a:rPr>
+              <a:t>Evaluator: </a:t>
+            </a:r>
+            <a:r>
+              <a:rPr b="0" lang="en-US" sz="2000" spc="-1" strike="noStrike">
+                <a:solidFill>
+                  <a:srgbClr val="000000"/>
+                </a:solidFill>
+                <a:uFill>
+                  <a:solidFill>
+                    <a:srgbClr val="ffffff"/>
+                  </a:solidFill>
+                </a:uFill>
+                <a:latin typeface="Arial"/>
+              </a:rPr>
+              <a:t>Provides functionality to evaluate the results produced by a model. It enables to plot predictions vs real values, plot absolute and relative errors, calculate mean absolute and relative errors, etc.</a:t>
+            </a:r>
+            <a:endParaRPr b="0" lang="en-US" sz="2000" spc="-1" strike="noStrike">
+              <a:solidFill>
+                <a:srgbClr val="000000"/>
+              </a:solidFill>
+              <a:uFill>
+                <a:solidFill>
+                  <a:srgbClr val="ffffff"/>
+                </a:solidFill>
+              </a:uFill>
+              <a:latin typeface="Arial"/>
+            </a:endParaRPr>
+          </a:p>
+          <a:p>
+            <a:r>
+              <a:rPr b="1" lang="en-US" sz="2000" spc="-1" strike="noStrike">
+                <a:solidFill>
+                  <a:srgbClr val="000000"/>
+                </a:solidFill>
+                <a:uFill>
+                  <a:solidFill>
+                    <a:srgbClr val="ffffff"/>
+                  </a:solidFill>
+                </a:uFill>
+                <a:latin typeface="Arial"/>
+              </a:rPr>
+              <a:t>Feature Selector Reporter: </a:t>
+            </a:r>
+            <a:r>
+              <a:rPr b="0" lang="en-US" sz="2000" spc="-1" strike="noStrike">
+                <a:solidFill>
+                  <a:srgbClr val="000000"/>
+                </a:solidFill>
+                <a:uFill>
+                  <a:solidFill>
+                    <a:srgbClr val="ffffff"/>
+                  </a:solidFill>
+                </a:uFill>
+                <a:latin typeface="Arial"/>
+              </a:rPr>
+              <a:t>Enables the retrieval and display of feature selector run results, facilitating their analysis. </a:t>
+            </a:r>
+            <a:endParaRPr b="0" lang="en-US" sz="2000" spc="-1" strike="noStrike">
+              <a:solidFill>
+                <a:srgbClr val="000000"/>
+              </a:solidFill>
+              <a:uFill>
+                <a:solidFill>
+                  <a:srgbClr val="ffffff"/>
+                </a:solidFill>
+              </a:uFill>
+              <a:latin typeface="Arial"/>
+            </a:endParaRPr>
+          </a:p>
+          <a:p>
+            <a:r>
+              <a:rPr b="1" lang="en-US" sz="2000" spc="-1" strike="noStrike">
+                <a:solidFill>
+                  <a:srgbClr val="000000"/>
+                </a:solidFill>
+                <a:uFill>
+                  <a:solidFill>
+                    <a:srgbClr val="ffffff"/>
+                  </a:solidFill>
+                </a:uFill>
+                <a:latin typeface="Arial"/>
+              </a:rPr>
+              <a:t>ConsoleApp: </a:t>
+            </a:r>
+            <a:r>
+              <a:rPr b="0" lang="en-US" sz="2000" spc="-1" strike="noStrike">
+                <a:solidFill>
+                  <a:srgbClr val="000000"/>
+                </a:solidFill>
+                <a:uFill>
+                  <a:solidFill>
+                    <a:srgbClr val="ffffff"/>
+                  </a:solidFill>
+                </a:uFill>
+                <a:latin typeface="Arial"/>
+              </a:rPr>
+              <a:t>It’s a console application that makes it easier to search for and view the results of experiments  and feature selector runs.  It uses the Storage Manager class to perform the search, and leverages the Evaluator and Feature Selector Reporter class to display the results.  </a:t>
+            </a:r>
+            <a:endParaRPr b="0" lang="en-US" sz="2000" spc="-1" strike="noStrike">
+              <a:solidFill>
+                <a:srgbClr val="000000"/>
+              </a:solidFill>
+              <a:uFill>
+                <a:solidFill>
+                  <a:srgbClr val="ffffff"/>
+                </a:solidFill>
+              </a:uFill>
+              <a:latin typeface="Arial"/>
+            </a:endParaRPr>
+          </a:p>
+        </p:txBody>
+      </p:sp>
+    </p:spTree>
+  </p:cSld>
+</p:notes>
+</file>
+
+<file path=ppt/notesSlides/notesSlide11.xml><?xml version="1.0" encoding="utf-8"?>
+<p:notes xmlns:a="http://schemas.openxmlformats.org/drawingml/2006/main" xmlns:p="http://schemas.openxmlformats.org/presentationml/2006/main" xmlns:r="http://schemas.openxmlformats.org/officeDocument/2006/relationships" xmlns:p14="http://schemas.microsoft.com/office/powerpoint/2010/main" xmlns:p15="http://schemas.microsoft.com/office/powerpoint/2012/main" xmlns:mc="http://schemas.openxmlformats.org/markup-compatibility/2006">
+  <p:cSld>
+    <p:spTree>
+      <p:nvGrpSpPr>
+        <p:cNvPr id="1" name=""/>
+        <p:cNvGrpSpPr/>
+        <p:nvPr/>
+      </p:nvGrpSpPr>
+      <p:grpSpPr>
+        <a:xfrm>
+          <a:off x="0" y="0"/>
+          <a:ext cx="0" cy="0"/>
+          <a:chOff x="0" y="0"/>
+          <a:chExt cx="0" cy="0"/>
+        </a:xfrm>
+      </p:grpSpPr>
+      <p:sp>
+        <p:nvSpPr>
+          <p:cNvPr id="117" name="PlaceHolder 1"/>
+          <p:cNvSpPr>
+            <a:spLocks noGrp="1"/>
+          </p:cNvSpPr>
+          <p:nvPr>
+            <p:ph type="body"/>
+          </p:nvPr>
+        </p:nvSpPr>
+        <p:spPr>
+          <a:xfrm>
+            <a:off x="7236000" y="204480"/>
+            <a:ext cx="6047640" cy="7933320"/>
+          </a:xfrm>
+          <a:prstGeom prst="rect">
+            <a:avLst/>
+          </a:prstGeom>
+        </p:spPr>
+        <p:txBody>
+          <a:bodyPr lIns="0" rIns="0" tIns="0" bIns="0"/>
+          <a:p>
+            <a:r>
+              <a:rPr b="1" lang="en-US" sz="2000" spc="-1" strike="noStrike">
+                <a:solidFill>
+                  <a:srgbClr val="000000"/>
+                </a:solidFill>
+                <a:uFill>
+                  <a:solidFill>
+                    <a:srgbClr val="ffffff"/>
+                  </a:solidFill>
+                </a:uFill>
+                <a:latin typeface="Arial"/>
+              </a:rPr>
+              <a:t>Size: </a:t>
+            </a:r>
+            <a:r>
+              <a:rPr b="0" lang="en-US" sz="2000" spc="-1" strike="noStrike">
+                <a:solidFill>
+                  <a:srgbClr val="000000"/>
+                </a:solidFill>
+                <a:uFill>
+                  <a:solidFill>
+                    <a:srgbClr val="ffffff"/>
+                  </a:solidFill>
+                </a:uFill>
+                <a:latin typeface="Arial"/>
+              </a:rPr>
+              <a:t>Size of the hidden state. Tensorflow’s num_units is the size of the LSTM’s hidden state (which is also the size of the output if no projection is used). To make the name num_units more intuitive, you can think of it as the number of hidden units in the LSTM cell, or the number of memory units in the cell.</a:t>
+            </a:r>
+            <a:endParaRPr b="0" lang="en-US" sz="2000" spc="-1" strike="noStrike">
+              <a:solidFill>
+                <a:srgbClr val="000000"/>
+              </a:solidFill>
+              <a:uFill>
+                <a:solidFill>
+                  <a:srgbClr val="ffffff"/>
+                </a:solidFill>
+              </a:uFill>
+              <a:latin typeface="Arial"/>
+            </a:endParaRPr>
+          </a:p>
+          <a:p>
+            <a:endParaRPr b="0" lang="en-US" sz="2000" spc="-1" strike="noStrike">
+              <a:solidFill>
+                <a:srgbClr val="000000"/>
+              </a:solidFill>
+              <a:uFill>
+                <a:solidFill>
+                  <a:srgbClr val="ffffff"/>
+                </a:solidFill>
+              </a:uFill>
+              <a:latin typeface="Arial"/>
+            </a:endParaRPr>
+          </a:p>
+          <a:p>
+            <a:r>
+              <a:rPr b="1" lang="en-US" sz="2000" spc="-1" strike="noStrike">
+                <a:solidFill>
+                  <a:srgbClr val="000000"/>
+                </a:solidFill>
+                <a:uFill>
+                  <a:solidFill>
+                    <a:srgbClr val="ffffff"/>
+                  </a:solidFill>
+                </a:uFill>
+                <a:latin typeface="Arial"/>
+              </a:rPr>
+              <a:t>Time steps: </a:t>
+            </a:r>
+            <a:r>
+              <a:rPr b="0" lang="en-US" sz="2000" spc="-1" strike="noStrike">
+                <a:solidFill>
+                  <a:srgbClr val="000000"/>
+                </a:solidFill>
+                <a:uFill>
+                  <a:solidFill>
+                    <a:srgbClr val="ffffff"/>
+                  </a:solidFill>
+                </a:uFill>
+                <a:latin typeface="Arial"/>
+              </a:rPr>
+              <a:t>number of steps through which network is unrolled i.e. each element of this list corresponds to the input at respective time step of our unrolled network. This denotes how many continuous time steps are considered for a single optimization step.</a:t>
+            </a:r>
+            <a:endParaRPr b="0" lang="en-US" sz="2000" spc="-1" strike="noStrike">
+              <a:solidFill>
+                <a:srgbClr val="000000"/>
+              </a:solidFill>
+              <a:uFill>
+                <a:solidFill>
+                  <a:srgbClr val="ffffff"/>
+                </a:solidFill>
+              </a:uFill>
+              <a:latin typeface="Arial"/>
+            </a:endParaRPr>
+          </a:p>
+          <a:p>
+            <a:endParaRPr b="0" lang="en-US" sz="2000" spc="-1" strike="noStrike">
+              <a:solidFill>
+                <a:srgbClr val="000000"/>
+              </a:solidFill>
+              <a:uFill>
+                <a:solidFill>
+                  <a:srgbClr val="ffffff"/>
+                </a:solidFill>
+              </a:uFill>
+              <a:latin typeface="Arial"/>
+            </a:endParaRPr>
+          </a:p>
+          <a:p>
+            <a:r>
+              <a:rPr b="1" lang="en-US" sz="2000" spc="-1" strike="noStrike">
+                <a:solidFill>
+                  <a:srgbClr val="000000"/>
+                </a:solidFill>
+                <a:uFill>
+                  <a:solidFill>
+                    <a:srgbClr val="ffffff"/>
+                  </a:solidFill>
+                </a:uFill>
+                <a:latin typeface="Arial"/>
+              </a:rPr>
+              <a:t>Linear Regression Layer: </a:t>
+            </a:r>
+            <a:r>
+              <a:rPr b="0" lang="en-US" sz="2000" spc="-1" strike="noStrike">
+                <a:solidFill>
+                  <a:srgbClr val="000000"/>
+                </a:solidFill>
+                <a:uFill>
+                  <a:solidFill>
+                    <a:srgbClr val="ffffff"/>
+                  </a:solidFill>
+                </a:uFill>
+                <a:latin typeface="Arial"/>
+              </a:rPr>
+              <a:t>The output of the LSTM Network is passed through to a linear regression layer to generate the sales prediction value.</a:t>
+            </a:r>
+            <a:endParaRPr b="0" lang="en-US" sz="2000" spc="-1" strike="noStrike">
+              <a:solidFill>
+                <a:srgbClr val="000000"/>
+              </a:solidFill>
+              <a:uFill>
+                <a:solidFill>
+                  <a:srgbClr val="ffffff"/>
+                </a:solidFill>
+              </a:uFill>
+              <a:latin typeface="Arial"/>
+            </a:endParaRPr>
+          </a:p>
+          <a:p>
+            <a:endParaRPr b="0" lang="en-US" sz="2000" spc="-1" strike="noStrike">
+              <a:solidFill>
+                <a:srgbClr val="000000"/>
+              </a:solidFill>
+              <a:uFill>
+                <a:solidFill>
+                  <a:srgbClr val="ffffff"/>
+                </a:solidFill>
+              </a:uFill>
+              <a:latin typeface="Arial"/>
+            </a:endParaRPr>
+          </a:p>
+          <a:p>
+            <a:r>
+              <a:rPr b="1" lang="en-US" sz="2000" spc="-1" strike="noStrike">
+                <a:solidFill>
+                  <a:srgbClr val="000000"/>
+                </a:solidFill>
+                <a:uFill>
+                  <a:solidFill>
+                    <a:srgbClr val="ffffff"/>
+                  </a:solidFill>
+                </a:uFill>
+                <a:latin typeface="Arial"/>
+              </a:rPr>
+              <a:t>Mean Squared Error: </a:t>
+            </a:r>
+            <a:r>
+              <a:rPr b="0" lang="en-US" sz="2000" spc="-1" strike="noStrike">
+                <a:solidFill>
+                  <a:srgbClr val="000000"/>
+                </a:solidFill>
+                <a:uFill>
+                  <a:solidFill>
+                    <a:srgbClr val="ffffff"/>
+                  </a:solidFill>
+                </a:uFill>
+                <a:latin typeface="Arial"/>
+              </a:rPr>
+              <a:t>The mean squared error function takes in the predictions and the real sales to calculate the loss to be optimized. </a:t>
+            </a:r>
+            <a:endParaRPr b="0" lang="en-US" sz="2000" spc="-1" strike="noStrike">
+              <a:solidFill>
+                <a:srgbClr val="000000"/>
+              </a:solidFill>
+              <a:uFill>
+                <a:solidFill>
+                  <a:srgbClr val="ffffff"/>
+                </a:solidFill>
+              </a:uFill>
+              <a:latin typeface="Arial"/>
+            </a:endParaRPr>
+          </a:p>
+          <a:p>
+            <a:endParaRPr b="0" lang="en-US" sz="2000" spc="-1" strike="noStrike">
+              <a:solidFill>
+                <a:srgbClr val="000000"/>
+              </a:solidFill>
+              <a:uFill>
+                <a:solidFill>
+                  <a:srgbClr val="ffffff"/>
+                </a:solidFill>
+              </a:uFill>
+              <a:latin typeface="Arial"/>
+            </a:endParaRPr>
+          </a:p>
+          <a:p>
+            <a:r>
+              <a:rPr b="0" lang="en-US" sz="2000" spc="-1" strike="noStrike">
+                <a:solidFill>
+                  <a:srgbClr val="000000"/>
+                </a:solidFill>
+                <a:uFill>
+                  <a:solidFill>
+                    <a:srgbClr val="ffffff"/>
+                  </a:solidFill>
+                </a:uFill>
+                <a:latin typeface="Arial"/>
+              </a:rPr>
+              <a:t>The optimizer being used is the </a:t>
+            </a:r>
+            <a:r>
+              <a:rPr b="1" lang="en-US" sz="2000" spc="-1" strike="noStrike">
+                <a:solidFill>
+                  <a:srgbClr val="000000"/>
+                </a:solidFill>
+                <a:uFill>
+                  <a:solidFill>
+                    <a:srgbClr val="ffffff"/>
+                  </a:solidFill>
+                </a:uFill>
+                <a:latin typeface="Arial"/>
+              </a:rPr>
+              <a:t>Adagrad Optimizer</a:t>
+            </a:r>
+            <a:r>
+              <a:rPr b="0" lang="en-US" sz="2000" spc="-1" strike="noStrike">
+                <a:solidFill>
+                  <a:srgbClr val="000000"/>
+                </a:solidFill>
+                <a:uFill>
+                  <a:solidFill>
+                    <a:srgbClr val="ffffff"/>
+                  </a:solidFill>
+                </a:uFill>
+                <a:latin typeface="Arial"/>
+              </a:rPr>
+              <a:t>, the gradients are clipped to avoid the gradient explosion problem.  </a:t>
+            </a:r>
+            <a:endParaRPr b="0" lang="en-US" sz="2000" spc="-1" strike="noStrike">
+              <a:solidFill>
+                <a:srgbClr val="000000"/>
+              </a:solidFill>
+              <a:uFill>
+                <a:solidFill>
+                  <a:srgbClr val="ffffff"/>
+                </a:solidFill>
+              </a:uFill>
+              <a:latin typeface="Arial"/>
+            </a:endParaRPr>
+          </a:p>
+          <a:p>
+            <a:endParaRPr b="0" lang="en-US" sz="2000" spc="-1" strike="noStrike">
+              <a:solidFill>
+                <a:srgbClr val="000000"/>
+              </a:solidFill>
+              <a:uFill>
+                <a:solidFill>
+                  <a:srgbClr val="ffffff"/>
+                </a:solidFill>
+              </a:uFill>
+              <a:latin typeface="Arial"/>
+            </a:endParaRPr>
+          </a:p>
+          <a:p>
+            <a:r>
+              <a:rPr b="1" lang="en-US" sz="2000" spc="-1" strike="noStrike">
+                <a:solidFill>
+                  <a:srgbClr val="000000"/>
+                </a:solidFill>
+                <a:uFill>
+                  <a:solidFill>
+                    <a:srgbClr val="ffffff"/>
+                  </a:solidFill>
+                </a:uFill>
+                <a:latin typeface="Arial"/>
+              </a:rPr>
+              <a:t>End: </a:t>
+            </a:r>
+            <a:r>
+              <a:rPr b="0" lang="en-US" sz="2000" spc="-1" strike="noStrike">
+                <a:solidFill>
+                  <a:srgbClr val="000000"/>
+                </a:solidFill>
+                <a:uFill>
+                  <a:solidFill>
+                    <a:srgbClr val="ffffff"/>
+                  </a:solidFill>
+                </a:uFill>
+                <a:latin typeface="Arial"/>
+              </a:rPr>
+              <a:t>Now lets talk about the practical considerations regarding the training of the model.</a:t>
+            </a:r>
+            <a:endParaRPr b="0" lang="en-US" sz="2000" spc="-1" strike="noStrike">
+              <a:solidFill>
+                <a:srgbClr val="000000"/>
+              </a:solidFill>
+              <a:uFill>
+                <a:solidFill>
+                  <a:srgbClr val="ffffff"/>
+                </a:solidFill>
+              </a:uFill>
+              <a:latin typeface="Arial"/>
+            </a:endParaRPr>
+          </a:p>
+        </p:txBody>
+      </p:sp>
+    </p:spTree>
+  </p:cSld>
+</p:notes>
+</file>
+
+<file path=ppt/notesSlides/notesSlide12.xml><?xml version="1.0" encoding="utf-8"?>
+<p:notes xmlns:a="http://schemas.openxmlformats.org/drawingml/2006/main" xmlns:p="http://schemas.openxmlformats.org/presentationml/2006/main" xmlns:r="http://schemas.openxmlformats.org/officeDocument/2006/relationships" xmlns:p14="http://schemas.microsoft.com/office/powerpoint/2010/main" xmlns:p15="http://schemas.microsoft.com/office/powerpoint/2012/main" xmlns:mc="http://schemas.openxmlformats.org/markup-compatibility/2006">
+  <p:cSld>
+    <p:spTree>
+      <p:nvGrpSpPr>
+        <p:cNvPr id="1" name=""/>
+        <p:cNvGrpSpPr/>
+        <p:nvPr/>
+      </p:nvGrpSpPr>
+      <p:grpSpPr>
+        <a:xfrm>
+          <a:off x="0" y="0"/>
+          <a:ext cx="0" cy="0"/>
+          <a:chOff x="0" y="0"/>
+          <a:chExt cx="0" cy="0"/>
+        </a:xfrm>
+      </p:grpSpPr>
+      <p:sp>
+        <p:nvSpPr>
+          <p:cNvPr id="118" name="PlaceHolder 1"/>
+          <p:cNvSpPr>
+            <a:spLocks noGrp="1"/>
+          </p:cNvSpPr>
+          <p:nvPr>
+            <p:ph type="body"/>
+          </p:nvPr>
+        </p:nvSpPr>
+        <p:spPr>
+          <a:xfrm>
+            <a:off x="7236000" y="204480"/>
+            <a:ext cx="6047640" cy="7933320"/>
+          </a:xfrm>
+          <a:prstGeom prst="rect">
+            <a:avLst/>
+          </a:prstGeom>
+        </p:spPr>
+        <p:txBody>
+          <a:bodyPr lIns="0" rIns="0" tIns="0" bIns="0"/>
+          <a:p>
+            <a:r>
+              <a:rPr b="1" lang="en-US" sz="2000" spc="-1" strike="noStrike">
+                <a:solidFill>
+                  <a:srgbClr val="000000"/>
+                </a:solidFill>
+                <a:uFill>
+                  <a:solidFill>
+                    <a:srgbClr val="ffffff"/>
+                  </a:solidFill>
+                </a:uFill>
+                <a:latin typeface="Arial"/>
+              </a:rPr>
+              <a:t>Size: </a:t>
+            </a:r>
+            <a:r>
+              <a:rPr b="0" lang="en-US" sz="2000" spc="-1" strike="noStrike">
+                <a:solidFill>
+                  <a:srgbClr val="000000"/>
+                </a:solidFill>
+                <a:uFill>
+                  <a:solidFill>
+                    <a:srgbClr val="ffffff"/>
+                  </a:solidFill>
+                </a:uFill>
+                <a:latin typeface="Arial"/>
+              </a:rPr>
+              <a:t>Size of the hidden state. Tensorflow’s num_units is the size of the LSTM’s hidden state (which is also the size of the output if no projection is used). To make the name num_units more intuitive, you can think of it as the number of hidden units in the LSTM cell, or the number of memory units in the cell.</a:t>
+            </a:r>
+            <a:endParaRPr b="0" lang="en-US" sz="2000" spc="-1" strike="noStrike">
+              <a:solidFill>
+                <a:srgbClr val="000000"/>
+              </a:solidFill>
+              <a:uFill>
+                <a:solidFill>
+                  <a:srgbClr val="ffffff"/>
+                </a:solidFill>
+              </a:uFill>
+              <a:latin typeface="Arial"/>
+            </a:endParaRPr>
+          </a:p>
+          <a:p>
+            <a:endParaRPr b="0" lang="en-US" sz="2000" spc="-1" strike="noStrike">
+              <a:solidFill>
+                <a:srgbClr val="000000"/>
+              </a:solidFill>
+              <a:uFill>
+                <a:solidFill>
+                  <a:srgbClr val="ffffff"/>
+                </a:solidFill>
+              </a:uFill>
+              <a:latin typeface="Arial"/>
+            </a:endParaRPr>
+          </a:p>
+          <a:p>
+            <a:r>
+              <a:rPr b="1" lang="en-US" sz="2000" spc="-1" strike="noStrike">
+                <a:solidFill>
+                  <a:srgbClr val="000000"/>
+                </a:solidFill>
+                <a:uFill>
+                  <a:solidFill>
+                    <a:srgbClr val="ffffff"/>
+                  </a:solidFill>
+                </a:uFill>
+                <a:latin typeface="Arial"/>
+              </a:rPr>
+              <a:t>Time steps: </a:t>
+            </a:r>
+            <a:r>
+              <a:rPr b="0" lang="en-US" sz="2000" spc="-1" strike="noStrike">
+                <a:solidFill>
+                  <a:srgbClr val="000000"/>
+                </a:solidFill>
+                <a:uFill>
+                  <a:solidFill>
+                    <a:srgbClr val="ffffff"/>
+                  </a:solidFill>
+                </a:uFill>
+                <a:latin typeface="Arial"/>
+              </a:rPr>
+              <a:t>number of steps through which network is unrolled i.e. each element of this list corresponds to the input at respective time step of our unrolled network. This denotes how many continuous time steps are considered for a single optimization step.</a:t>
+            </a:r>
+            <a:endParaRPr b="0" lang="en-US" sz="2000" spc="-1" strike="noStrike">
+              <a:solidFill>
+                <a:srgbClr val="000000"/>
+              </a:solidFill>
+              <a:uFill>
+                <a:solidFill>
+                  <a:srgbClr val="ffffff"/>
+                </a:solidFill>
+              </a:uFill>
+              <a:latin typeface="Arial"/>
+            </a:endParaRPr>
+          </a:p>
+          <a:p>
+            <a:endParaRPr b="0" lang="en-US" sz="2000" spc="-1" strike="noStrike">
+              <a:solidFill>
+                <a:srgbClr val="000000"/>
+              </a:solidFill>
+              <a:uFill>
+                <a:solidFill>
+                  <a:srgbClr val="ffffff"/>
+                </a:solidFill>
+              </a:uFill>
+              <a:latin typeface="Arial"/>
+            </a:endParaRPr>
+          </a:p>
+          <a:p>
+            <a:r>
+              <a:rPr b="1" lang="en-US" sz="2000" spc="-1" strike="noStrike">
+                <a:solidFill>
+                  <a:srgbClr val="000000"/>
+                </a:solidFill>
+                <a:uFill>
+                  <a:solidFill>
+                    <a:srgbClr val="ffffff"/>
+                  </a:solidFill>
+                </a:uFill>
+                <a:latin typeface="Arial"/>
+              </a:rPr>
+              <a:t>Linear Regression Layer: </a:t>
+            </a:r>
+            <a:r>
+              <a:rPr b="0" lang="en-US" sz="2000" spc="-1" strike="noStrike">
+                <a:solidFill>
+                  <a:srgbClr val="000000"/>
+                </a:solidFill>
+                <a:uFill>
+                  <a:solidFill>
+                    <a:srgbClr val="ffffff"/>
+                  </a:solidFill>
+                </a:uFill>
+                <a:latin typeface="Arial"/>
+              </a:rPr>
+              <a:t>The output of the LSTM Network is passed through to a linear regression layer to generate the sales prediction value.</a:t>
+            </a:r>
+            <a:endParaRPr b="0" lang="en-US" sz="2000" spc="-1" strike="noStrike">
+              <a:solidFill>
+                <a:srgbClr val="000000"/>
+              </a:solidFill>
+              <a:uFill>
+                <a:solidFill>
+                  <a:srgbClr val="ffffff"/>
+                </a:solidFill>
+              </a:uFill>
+              <a:latin typeface="Arial"/>
+            </a:endParaRPr>
+          </a:p>
+          <a:p>
+            <a:endParaRPr b="0" lang="en-US" sz="2000" spc="-1" strike="noStrike">
+              <a:solidFill>
+                <a:srgbClr val="000000"/>
+              </a:solidFill>
+              <a:uFill>
+                <a:solidFill>
+                  <a:srgbClr val="ffffff"/>
+                </a:solidFill>
+              </a:uFill>
+              <a:latin typeface="Arial"/>
+            </a:endParaRPr>
+          </a:p>
+          <a:p>
+            <a:r>
+              <a:rPr b="1" lang="en-US" sz="2000" spc="-1" strike="noStrike">
+                <a:solidFill>
+                  <a:srgbClr val="000000"/>
+                </a:solidFill>
+                <a:uFill>
+                  <a:solidFill>
+                    <a:srgbClr val="ffffff"/>
+                  </a:solidFill>
+                </a:uFill>
+                <a:latin typeface="Arial"/>
+              </a:rPr>
+              <a:t>Mean Squared Error: </a:t>
+            </a:r>
+            <a:r>
+              <a:rPr b="0" lang="en-US" sz="2000" spc="-1" strike="noStrike">
+                <a:solidFill>
+                  <a:srgbClr val="000000"/>
+                </a:solidFill>
+                <a:uFill>
+                  <a:solidFill>
+                    <a:srgbClr val="ffffff"/>
+                  </a:solidFill>
+                </a:uFill>
+                <a:latin typeface="Arial"/>
+              </a:rPr>
+              <a:t>The mean squared error function takes in the predictions and the real sales to calculate the loss to be optimized. </a:t>
+            </a:r>
+            <a:endParaRPr b="0" lang="en-US" sz="2000" spc="-1" strike="noStrike">
+              <a:solidFill>
+                <a:srgbClr val="000000"/>
+              </a:solidFill>
+              <a:uFill>
+                <a:solidFill>
+                  <a:srgbClr val="ffffff"/>
+                </a:solidFill>
+              </a:uFill>
+              <a:latin typeface="Arial"/>
+            </a:endParaRPr>
+          </a:p>
+          <a:p>
+            <a:endParaRPr b="0" lang="en-US" sz="2000" spc="-1" strike="noStrike">
+              <a:solidFill>
+                <a:srgbClr val="000000"/>
+              </a:solidFill>
+              <a:uFill>
+                <a:solidFill>
+                  <a:srgbClr val="ffffff"/>
+                </a:solidFill>
+              </a:uFill>
+              <a:latin typeface="Arial"/>
+            </a:endParaRPr>
+          </a:p>
+          <a:p>
+            <a:r>
+              <a:rPr b="0" lang="en-US" sz="2000" spc="-1" strike="noStrike">
+                <a:solidFill>
+                  <a:srgbClr val="000000"/>
+                </a:solidFill>
+                <a:uFill>
+                  <a:solidFill>
+                    <a:srgbClr val="ffffff"/>
+                  </a:solidFill>
+                </a:uFill>
+                <a:latin typeface="Arial"/>
+              </a:rPr>
+              <a:t>The optimizer being used is the </a:t>
+            </a:r>
+            <a:r>
+              <a:rPr b="1" lang="en-US" sz="2000" spc="-1" strike="noStrike">
+                <a:solidFill>
+                  <a:srgbClr val="000000"/>
+                </a:solidFill>
+                <a:uFill>
+                  <a:solidFill>
+                    <a:srgbClr val="ffffff"/>
+                  </a:solidFill>
+                </a:uFill>
+                <a:latin typeface="Arial"/>
+              </a:rPr>
+              <a:t>Adagrad Optimizer</a:t>
+            </a:r>
+            <a:r>
+              <a:rPr b="0" lang="en-US" sz="2000" spc="-1" strike="noStrike">
+                <a:solidFill>
+                  <a:srgbClr val="000000"/>
+                </a:solidFill>
+                <a:uFill>
+                  <a:solidFill>
+                    <a:srgbClr val="ffffff"/>
+                  </a:solidFill>
+                </a:uFill>
+                <a:latin typeface="Arial"/>
+              </a:rPr>
+              <a:t>, the gradients are clipped to avoid the gradient explosion problem.  </a:t>
+            </a:r>
+            <a:endParaRPr b="0" lang="en-US" sz="2000" spc="-1" strike="noStrike">
+              <a:solidFill>
+                <a:srgbClr val="000000"/>
+              </a:solidFill>
+              <a:uFill>
+                <a:solidFill>
+                  <a:srgbClr val="ffffff"/>
+                </a:solidFill>
+              </a:uFill>
+              <a:latin typeface="Arial"/>
+            </a:endParaRPr>
+          </a:p>
+          <a:p>
+            <a:endParaRPr b="0" lang="en-US" sz="2000" spc="-1" strike="noStrike">
+              <a:solidFill>
+                <a:srgbClr val="000000"/>
+              </a:solidFill>
+              <a:uFill>
+                <a:solidFill>
+                  <a:srgbClr val="ffffff"/>
+                </a:solidFill>
+              </a:uFill>
+              <a:latin typeface="Arial"/>
+            </a:endParaRPr>
+          </a:p>
+          <a:p>
+            <a:r>
+              <a:rPr b="1" lang="en-US" sz="2000" spc="-1" strike="noStrike">
+                <a:solidFill>
+                  <a:srgbClr val="000000"/>
+                </a:solidFill>
+                <a:uFill>
+                  <a:solidFill>
+                    <a:srgbClr val="ffffff"/>
+                  </a:solidFill>
+                </a:uFill>
+                <a:latin typeface="Arial"/>
+              </a:rPr>
+              <a:t>End: </a:t>
+            </a:r>
+            <a:r>
+              <a:rPr b="0" lang="en-US" sz="2000" spc="-1" strike="noStrike">
+                <a:solidFill>
+                  <a:srgbClr val="000000"/>
+                </a:solidFill>
+                <a:uFill>
+                  <a:solidFill>
+                    <a:srgbClr val="ffffff"/>
+                  </a:solidFill>
+                </a:uFill>
+                <a:latin typeface="Arial"/>
+              </a:rPr>
+              <a:t>Now lets talk about the practical considerations regarding the training of the model.</a:t>
+            </a:r>
+            <a:endParaRPr b="0" lang="en-US" sz="2000" spc="-1" strike="noStrike">
+              <a:solidFill>
+                <a:srgbClr val="000000"/>
+              </a:solidFill>
+              <a:uFill>
+                <a:solidFill>
+                  <a:srgbClr val="ffffff"/>
+                </a:solidFill>
+              </a:uFill>
+              <a:latin typeface="Arial"/>
+            </a:endParaRPr>
+          </a:p>
+        </p:txBody>
+      </p:sp>
+    </p:spTree>
+  </p:cSld>
+</p:notes>
+</file>
+
+<file path=ppt/notesSlides/notesSlide16.xml><?xml version="1.0" encoding="utf-8"?>
+<p:notes xmlns:a="http://schemas.openxmlformats.org/drawingml/2006/main" xmlns:p="http://schemas.openxmlformats.org/presentationml/2006/main" xmlns:r="http://schemas.openxmlformats.org/officeDocument/2006/relationships" xmlns:p14="http://schemas.microsoft.com/office/powerpoint/2010/main" xmlns:p15="http://schemas.microsoft.com/office/powerpoint/2012/main" xmlns:mc="http://schemas.openxmlformats.org/markup-compatibility/2006">
+  <p:cSld>
+    <p:spTree>
+      <p:nvGrpSpPr>
+        <p:cNvPr id="1" name=""/>
+        <p:cNvGrpSpPr/>
+        <p:nvPr/>
+      </p:nvGrpSpPr>
+      <p:grpSpPr>
+        <a:xfrm>
+          <a:off x="0" y="0"/>
+          <a:ext cx="0" cy="0"/>
+          <a:chOff x="0" y="0"/>
+          <a:chExt cx="0" cy="0"/>
+        </a:xfrm>
+      </p:grpSpPr>
+      <p:sp>
+        <p:nvSpPr>
+          <p:cNvPr id="119" name="PlaceHolder 1"/>
+          <p:cNvSpPr>
+            <a:spLocks noGrp="1"/>
+          </p:cNvSpPr>
+          <p:nvPr>
+            <p:ph type="body"/>
+          </p:nvPr>
+        </p:nvSpPr>
+        <p:spPr>
+          <a:xfrm>
+            <a:off x="756000" y="5078520"/>
+            <a:ext cx="6047640" cy="4811040"/>
+          </a:xfrm>
+          <a:prstGeom prst="rect">
+            <a:avLst/>
+          </a:prstGeom>
+        </p:spPr>
+        <p:txBody>
+          <a:bodyPr lIns="0" rIns="0" tIns="0" bIns="0"/>
+          <a:p>
+            <a:r>
+              <a:rPr b="0" lang="en-US" sz="2000" spc="-1" strike="noStrike">
+                <a:solidFill>
+                  <a:srgbClr val="000000"/>
+                </a:solidFill>
+                <a:uFill>
+                  <a:solidFill>
+                    <a:srgbClr val="ffffff"/>
+                  </a:solidFill>
+                </a:uFill>
+                <a:latin typeface="Arial"/>
+              </a:rPr>
+              <a:t>Has the added advantage that it’s how the model would be used in practice, as new observations come in the model is retrained to make future predictions</a:t>
+            </a:r>
+            <a:endParaRPr b="0" lang="en-US" sz="2000" spc="-1" strike="noStrike">
+              <a:solidFill>
+                <a:srgbClr val="000000"/>
+              </a:solidFill>
+              <a:uFill>
+                <a:solidFill>
+                  <a:srgbClr val="ffffff"/>
+                </a:solidFill>
+              </a:uFill>
+              <a:latin typeface="Arial"/>
+            </a:endParaRPr>
+          </a:p>
+        </p:txBody>
+      </p:sp>
+    </p:spTree>
+  </p:cSld>
+</p:notes>
 </file>
 
 <file path=ppt/slideLayouts/slideLayout1.xml><?xml version="1.0" encoding="utf-8"?>
@@ -3690,7 +5326,7 @@
       </p:grpSpPr>
       <p:sp>
         <p:nvSpPr>
-          <p:cNvPr id="72" name="CustomShape 1"/>
+          <p:cNvPr id="77" name="CustomShape 1"/>
           <p:cNvSpPr/>
           <p:nvPr/>
         </p:nvSpPr>
@@ -3869,33 +5505,6 @@
       </p:sp>
     </p:spTree>
   </p:cSld>
-  <p:timing>
-    <p:tnLst>
-      <p:par>
-        <p:cTn id="1" dur="indefinite" restart="never" nodeType="tmRoot">
-          <p:childTnLst>
-            <p:seq>
-              <p:cTn id="2" nodeType="mainSeq"/>
-              <p:prevCondLst>
-                <p:cond delay="0" evt="onPrev">
-                  <p:tgtEl>
-                    <p:sldTgt/>
-                  </p:tgtEl>
-                </p:cond>
-              </p:prevCondLst>
-              <p:nextCondLst>
-                <p:cond delay="0" evt="onNext">
-                  <p:tgtEl>
-                    <p:sldTgt/>
-                  </p:tgtEl>
-                </p:cond>
-              </p:nextCondLst>
-            </p:seq>
-          </p:childTnLst>
-        </p:cTn>
-      </p:par>
-    </p:tnLst>
-  </p:timing>
 </p:sld>
 </file>
 
@@ -3918,7 +5527,7 @@
       </p:grpSpPr>
       <p:sp>
         <p:nvSpPr>
-          <p:cNvPr id="89" name="CustomShape 1"/>
+          <p:cNvPr id="94" name="CustomShape 1"/>
           <p:cNvSpPr/>
           <p:nvPr/>
         </p:nvSpPr>
@@ -3962,7 +5571,7 @@
                 <a:latin typeface="Arial"/>
                 <a:ea typeface="Noto Sans CJK SC Regular"/>
               </a:rPr>
-              <a:t>Input Preprocessing (Reader)</a:t>
+              <a:t>Solution Architecture</a:t>
             </a:r>
             <a:endParaRPr b="0" lang="en-US" sz="1800" spc="-1" strike="noStrike">
               <a:solidFill>
@@ -3978,343 +5587,31 @@
           </a:p>
         </p:txBody>
       </p:sp>
-      <p:sp>
-        <p:nvSpPr>
-          <p:cNvPr id="90" name="CustomShape 2"/>
-          <p:cNvSpPr/>
+      <p:pic>
+        <p:nvPicPr>
+          <p:cNvPr id="95" name="" descr=""/>
+          <p:cNvPicPr/>
           <p:nvPr/>
-        </p:nvSpPr>
+        </p:nvPicPr>
+        <p:blipFill>
+          <a:blip r:embed="rId1"/>
+          <a:stretch/>
+        </p:blipFill>
         <p:spPr>
           <a:xfrm>
-            <a:off x="504000" y="1769040"/>
-            <a:ext cx="9071280" cy="5924880"/>
+            <a:off x="260280" y="1372320"/>
+            <a:ext cx="9560160" cy="5992920"/>
           </a:xfrm>
           <a:prstGeom prst="rect">
             <a:avLst/>
           </a:prstGeom>
-          <a:noFill/>
           <a:ln>
             <a:noFill/>
           </a:ln>
         </p:spPr>
-        <p:style>
-          <a:lnRef idx="0"/>
-          <a:fillRef idx="0"/>
-          <a:effectRef idx="0"/>
-          <a:fontRef idx="minor"/>
-        </p:style>
-        <p:txBody>
-          <a:bodyPr lIns="0" rIns="0" tIns="0" bIns="0"/>
-          <a:p>
-            <a:pPr marL="216000" indent="-215640">
-              <a:lnSpc>
-                <a:spcPct val="100000"/>
-              </a:lnSpc>
-              <a:buClr>
-                <a:srgbClr val="000000"/>
-              </a:buClr>
-              <a:buSzPct val="45000"/>
-              <a:buFont typeface="Wingdings" charset="2"/>
-              <a:buChar char=""/>
-            </a:pPr>
-            <a:r>
-              <a:rPr b="1" lang="en-US" sz="3200" spc="-1" strike="noStrike">
-                <a:solidFill>
-                  <a:srgbClr val="000000"/>
-                </a:solidFill>
-                <a:uFill>
-                  <a:solidFill>
-                    <a:srgbClr val="ffffff"/>
-                  </a:solidFill>
-                </a:uFill>
-                <a:latin typeface="Arial"/>
-                <a:ea typeface="Noto Sans CJK SC Regular"/>
-              </a:rPr>
-              <a:t>Month: </a:t>
-            </a:r>
-            <a:r>
-              <a:rPr b="0" lang="en-US" sz="3200" spc="-1" strike="noStrike">
-                <a:solidFill>
-                  <a:srgbClr val="000000"/>
-                </a:solidFill>
-                <a:uFill>
-                  <a:solidFill>
-                    <a:srgbClr val="ffffff"/>
-                  </a:solidFill>
-                </a:uFill>
-                <a:latin typeface="Arial"/>
-                <a:ea typeface="Noto Sans CJK SC Regular"/>
-              </a:rPr>
-              <a:t>Sine and cosine functions are applied to the month(1-12), in order to express its cyclical nature.</a:t>
-            </a:r>
-            <a:endParaRPr b="0" lang="en-US" sz="1800" spc="-1" strike="noStrike">
-              <a:solidFill>
-                <a:srgbClr val="000000"/>
-              </a:solidFill>
-              <a:uFill>
-                <a:solidFill>
-                  <a:srgbClr val="ffffff"/>
-                </a:solidFill>
-              </a:uFill>
-              <a:latin typeface="Arial"/>
-            </a:endParaRPr>
-          </a:p>
-          <a:p>
-            <a:pPr marL="216000" indent="-215640">
-              <a:lnSpc>
-                <a:spcPct val="100000"/>
-              </a:lnSpc>
-              <a:buClr>
-                <a:srgbClr val="000000"/>
-              </a:buClr>
-              <a:buSzPct val="45000"/>
-              <a:buFont typeface="Wingdings" charset="2"/>
-              <a:buChar char=""/>
-            </a:pPr>
-            <a:r>
-              <a:rPr b="0" lang="en-US" sz="3200" spc="-1" strike="noStrike">
-                <a:solidFill>
-                  <a:srgbClr val="000000"/>
-                </a:solidFill>
-                <a:uFill>
-                  <a:solidFill>
-                    <a:srgbClr val="ffffff"/>
-                  </a:solidFill>
-                </a:uFill>
-                <a:latin typeface="Arial"/>
-                <a:ea typeface="Noto Sans CJK SC Regular"/>
-              </a:rPr>
-              <a:t> </a:t>
-            </a:r>
-            <a:endParaRPr b="0" lang="en-US" sz="1800" spc="-1" strike="noStrike">
-              <a:solidFill>
-                <a:srgbClr val="000000"/>
-              </a:solidFill>
-              <a:uFill>
-                <a:solidFill>
-                  <a:srgbClr val="ffffff"/>
-                </a:solidFill>
-              </a:uFill>
-              <a:latin typeface="Arial"/>
-            </a:endParaRPr>
-          </a:p>
-          <a:p>
-            <a:pPr marL="216000" indent="-215640">
-              <a:lnSpc>
-                <a:spcPct val="100000"/>
-              </a:lnSpc>
-              <a:buClr>
-                <a:srgbClr val="000000"/>
-              </a:buClr>
-              <a:buSzPct val="45000"/>
-              <a:buFont typeface="Wingdings" charset="2"/>
-              <a:buChar char=""/>
-            </a:pPr>
-            <a:r>
-              <a:rPr b="1" lang="en-US" sz="3200" spc="-1" strike="noStrike">
-                <a:solidFill>
-                  <a:srgbClr val="000000"/>
-                </a:solidFill>
-                <a:uFill>
-                  <a:solidFill>
-                    <a:srgbClr val="ffffff"/>
-                  </a:solidFill>
-                </a:uFill>
-                <a:latin typeface="Arial"/>
-                <a:ea typeface="Noto Sans CJK SC Regular"/>
-              </a:rPr>
-              <a:t>Energy price index and Consumer confidence index: </a:t>
-            </a:r>
-            <a:r>
-              <a:rPr b="0" lang="en-US" sz="3200" spc="-1" strike="noStrike">
-                <a:solidFill>
-                  <a:srgbClr val="000000"/>
-                </a:solidFill>
-                <a:uFill>
-                  <a:solidFill>
-                    <a:srgbClr val="ffffff"/>
-                  </a:solidFill>
-                </a:uFill>
-                <a:latin typeface="Arial"/>
-                <a:ea typeface="Noto Sans CJK SC Regular"/>
-              </a:rPr>
-              <a:t>Rate of change vs previous month and start of year. Interested in steepness of increase, decrease more than absolute value.</a:t>
-            </a:r>
-            <a:endParaRPr b="0" lang="en-US" sz="1800" spc="-1" strike="noStrike">
-              <a:solidFill>
-                <a:srgbClr val="000000"/>
-              </a:solidFill>
-              <a:uFill>
-                <a:solidFill>
-                  <a:srgbClr val="ffffff"/>
-                </a:solidFill>
-              </a:uFill>
-              <a:latin typeface="Arial"/>
-            </a:endParaRPr>
-          </a:p>
-          <a:p>
-            <a:pPr marL="216000" indent="-215640">
-              <a:lnSpc>
-                <a:spcPct val="100000"/>
-              </a:lnSpc>
-              <a:buClr>
-                <a:srgbClr val="000000"/>
-              </a:buClr>
-              <a:buSzPct val="45000"/>
-              <a:buFont typeface="Wingdings" charset="2"/>
-              <a:buChar char=""/>
-            </a:pPr>
-            <a:r>
-              <a:rPr b="1" lang="en-US" sz="3200" spc="-1" strike="noStrike">
-                <a:solidFill>
-                  <a:srgbClr val="000000"/>
-                </a:solidFill>
-                <a:uFill>
-                  <a:solidFill>
-                    <a:srgbClr val="ffffff"/>
-                  </a:solidFill>
-                </a:uFill>
-                <a:latin typeface="Arial"/>
-                <a:ea typeface="Noto Sans CJK SC Regular"/>
-              </a:rPr>
-              <a:t> </a:t>
-            </a:r>
-            <a:endParaRPr b="0" lang="en-US" sz="1800" spc="-1" strike="noStrike">
-              <a:solidFill>
-                <a:srgbClr val="000000"/>
-              </a:solidFill>
-              <a:uFill>
-                <a:solidFill>
-                  <a:srgbClr val="ffffff"/>
-                </a:solidFill>
-              </a:uFill>
-              <a:latin typeface="Arial"/>
-            </a:endParaRPr>
-          </a:p>
-          <a:p>
-            <a:pPr marL="216000" indent="-215640">
-              <a:lnSpc>
-                <a:spcPct val="100000"/>
-              </a:lnSpc>
-              <a:buClr>
-                <a:srgbClr val="000000"/>
-              </a:buClr>
-              <a:buSzPct val="45000"/>
-              <a:buFont typeface="Wingdings" charset="2"/>
-              <a:buChar char=""/>
-            </a:pPr>
-            <a:r>
-              <a:rPr b="1" lang="en-US" sz="3200" spc="-1" strike="noStrike">
-                <a:solidFill>
-                  <a:srgbClr val="000000"/>
-                </a:solidFill>
-                <a:uFill>
-                  <a:solidFill>
-                    <a:srgbClr val="ffffff"/>
-                  </a:solidFill>
-                </a:uFill>
-                <a:latin typeface="Arial"/>
-                <a:ea typeface="Noto Sans CJK SC Regular"/>
-              </a:rPr>
-              <a:t>Rest of the features: </a:t>
-            </a:r>
-            <a:r>
-              <a:rPr b="0" lang="en-US" sz="3200" spc="-1" strike="noStrike">
-                <a:solidFill>
-                  <a:srgbClr val="000000"/>
-                </a:solidFill>
-                <a:uFill>
-                  <a:solidFill>
-                    <a:srgbClr val="ffffff"/>
-                  </a:solidFill>
-                </a:uFill>
-                <a:latin typeface="Arial"/>
-                <a:ea typeface="Noto Sans CJK SC Regular"/>
-              </a:rPr>
-              <a:t>Scaled between [-1, 1], so that all the features values are within the same range.</a:t>
-            </a:r>
-            <a:endParaRPr b="0" lang="en-US" sz="1800" spc="-1" strike="noStrike">
-              <a:solidFill>
-                <a:srgbClr val="000000"/>
-              </a:solidFill>
-              <a:uFill>
-                <a:solidFill>
-                  <a:srgbClr val="ffffff"/>
-                </a:solidFill>
-              </a:uFill>
-              <a:latin typeface="Arial"/>
-            </a:endParaRPr>
-          </a:p>
-          <a:p>
-            <a:pPr marL="448200" indent="-215640">
-              <a:lnSpc>
-                <a:spcPct val="100000"/>
-              </a:lnSpc>
-              <a:buClr>
-                <a:srgbClr val="000000"/>
-              </a:buClr>
-              <a:buSzPct val="45000"/>
-              <a:buFont typeface="Wingdings" charset="2"/>
-              <a:buChar char=""/>
-            </a:pPr>
-            <a:r>
-              <a:rPr b="0" lang="en-US" sz="3200" spc="-1" strike="noStrike">
-                <a:solidFill>
-                  <a:srgbClr val="000000"/>
-                </a:solidFill>
-                <a:uFill>
-                  <a:solidFill>
-                    <a:srgbClr val="ffffff"/>
-                  </a:solidFill>
-                </a:uFill>
-                <a:latin typeface="Arial"/>
-                <a:ea typeface="Noto Sans CJK SC Regular"/>
-              </a:rPr>
-              <a:t> </a:t>
-            </a:r>
-            <a:endParaRPr b="0" lang="en-US" sz="1800" spc="-1" strike="noStrike">
-              <a:solidFill>
-                <a:srgbClr val="000000"/>
-              </a:solidFill>
-              <a:uFill>
-                <a:solidFill>
-                  <a:srgbClr val="ffffff"/>
-                </a:solidFill>
-              </a:uFill>
-              <a:latin typeface="Arial"/>
-            </a:endParaRPr>
-          </a:p>
-        </p:txBody>
-      </p:sp>
+      </p:pic>
     </p:spTree>
   </p:cSld>
-  <p:timing>
-    <p:tnLst>
-      <p:par>
-        <p:cTn id="19" dur="indefinite" restart="never" nodeType="tmRoot">
-          <p:childTnLst>
-            <p:seq>
-              <p:cTn id="20" nodeType="mainSeq"/>
-              <p:prevCondLst>
-                <p:cond delay="0" evt="onPrev">
-                  <p:tgtEl>
-                    <p:sldTgt/>
-                  </p:tgtEl>
-                </p:cond>
-              </p:prevCondLst>
-              <p:nextCondLst>
-                <p:cond delay="0" evt="onNext">
-                  <p:tgtEl>
-                    <p:sldTgt/>
-                  </p:tgtEl>
-                </p:cond>
-              </p:nextCondLst>
-            </p:seq>
-          </p:childTnLst>
-        </p:cTn>
-      </p:par>
-    </p:tnLst>
-  </p:timing>
 </p:sld>
 </file>
 
@@ -4337,7 +5634,7 @@
       </p:grpSpPr>
       <p:sp>
         <p:nvSpPr>
-          <p:cNvPr id="91" name="CustomShape 1"/>
+          <p:cNvPr id="96" name="CustomShape 1"/>
           <p:cNvSpPr/>
           <p:nvPr/>
         </p:nvSpPr>
@@ -4381,7 +5678,7 @@
                 <a:latin typeface="Arial"/>
                 <a:ea typeface="Noto Sans CJK SC Regular"/>
               </a:rPr>
-              <a:t>Input Feature Selection (InputFeatureSelector)</a:t>
+              <a:t>Model</a:t>
             </a:r>
             <a:endParaRPr b="0" lang="en-US" sz="1800" spc="-1" strike="noStrike">
               <a:solidFill>
@@ -4397,298 +5694,31 @@
           </a:p>
         </p:txBody>
       </p:sp>
-      <p:sp>
-        <p:nvSpPr>
-          <p:cNvPr id="92" name="CustomShape 2"/>
-          <p:cNvSpPr/>
+      <p:pic>
+        <p:nvPicPr>
+          <p:cNvPr id="97" name="" descr=""/>
+          <p:cNvPicPr/>
           <p:nvPr/>
-        </p:nvSpPr>
+        </p:nvPicPr>
+        <p:blipFill>
+          <a:blip r:embed="rId1"/>
+          <a:stretch/>
+        </p:blipFill>
         <p:spPr>
           <a:xfrm>
-            <a:off x="504000" y="1769040"/>
-            <a:ext cx="9071280" cy="5469120"/>
+            <a:off x="929520" y="2205720"/>
+            <a:ext cx="8342280" cy="3209040"/>
           </a:xfrm>
           <a:prstGeom prst="rect">
             <a:avLst/>
           </a:prstGeom>
-          <a:noFill/>
           <a:ln>
             <a:noFill/>
           </a:ln>
         </p:spPr>
-        <p:style>
-          <a:lnRef idx="0"/>
-          <a:fillRef idx="0"/>
-          <a:effectRef idx="0"/>
-          <a:fontRef idx="minor"/>
-        </p:style>
-        <p:txBody>
-          <a:bodyPr lIns="0" rIns="0" tIns="0" bIns="0"/>
-          <a:p>
-            <a:pPr marL="216000" indent="-215640">
-              <a:lnSpc>
-                <a:spcPct val="100000"/>
-              </a:lnSpc>
-              <a:buClr>
-                <a:srgbClr val="000000"/>
-              </a:buClr>
-              <a:buSzPct val="45000"/>
-              <a:buFont typeface="Wingdings" charset="2"/>
-              <a:buChar char=""/>
-            </a:pPr>
-            <a:r>
-              <a:rPr b="0" lang="en-US" sz="3200" spc="-1" strike="noStrike">
-                <a:solidFill>
-                  <a:srgbClr val="000000"/>
-                </a:solidFill>
-                <a:uFill>
-                  <a:solidFill>
-                    <a:srgbClr val="ffffff"/>
-                  </a:solidFill>
-                </a:uFill>
-                <a:latin typeface="Arial"/>
-                <a:ea typeface="Noto Sans CJK SC Regular"/>
-              </a:rPr>
-              <a:t>The algorithm used to select the input features was “Forward Selection Algorithm”:</a:t>
-            </a:r>
-            <a:endParaRPr b="0" lang="en-US" sz="1800" spc="-1" strike="noStrike">
-              <a:solidFill>
-                <a:srgbClr val="000000"/>
-              </a:solidFill>
-              <a:uFill>
-                <a:solidFill>
-                  <a:srgbClr val="ffffff"/>
-                </a:solidFill>
-              </a:uFill>
-              <a:latin typeface="Arial"/>
-            </a:endParaRPr>
-          </a:p>
-          <a:p>
-            <a:pPr marL="448200" indent="-215640">
-              <a:lnSpc>
-                <a:spcPct val="100000"/>
-              </a:lnSpc>
-              <a:buClr>
-                <a:srgbClr val="000000"/>
-              </a:buClr>
-              <a:buSzPct val="45000"/>
-              <a:buFont typeface="Wingdings" charset="2"/>
-              <a:buChar char=""/>
-            </a:pPr>
-            <a:r>
-              <a:rPr b="0" lang="en-US" sz="3200" spc="-1" strike="noStrike">
-                <a:solidFill>
-                  <a:srgbClr val="000000"/>
-                </a:solidFill>
-                <a:uFill>
-                  <a:solidFill>
-                    <a:srgbClr val="ffffff"/>
-                  </a:solidFill>
-                </a:uFill>
-                <a:latin typeface="Arial"/>
-                <a:ea typeface="Noto Sans CJK SC Regular"/>
-              </a:rPr>
-              <a:t>First evaluate all features subsets that consist of one input feature, to find the best individual feature.</a:t>
-            </a:r>
-            <a:endParaRPr b="0" lang="en-US" sz="1800" spc="-1" strike="noStrike">
-              <a:solidFill>
-                <a:srgbClr val="000000"/>
-              </a:solidFill>
-              <a:uFill>
-                <a:solidFill>
-                  <a:srgbClr val="ffffff"/>
-                </a:solidFill>
-              </a:uFill>
-              <a:latin typeface="Arial"/>
-            </a:endParaRPr>
-          </a:p>
-          <a:p>
-            <a:pPr marL="448200" indent="-215640">
-              <a:lnSpc>
-                <a:spcPct val="100000"/>
-              </a:lnSpc>
-              <a:buClr>
-                <a:srgbClr val="000000"/>
-              </a:buClr>
-              <a:buSzPct val="45000"/>
-              <a:buFont typeface="Wingdings" charset="2"/>
-              <a:buChar char=""/>
-            </a:pPr>
-            <a:r>
-              <a:rPr b="0" lang="en-US" sz="3200" spc="-1" strike="noStrike">
-                <a:solidFill>
-                  <a:srgbClr val="000000"/>
-                </a:solidFill>
-                <a:uFill>
-                  <a:solidFill>
-                    <a:srgbClr val="ffffff"/>
-                  </a:solidFill>
-                </a:uFill>
-                <a:latin typeface="Arial"/>
-                <a:ea typeface="Noto Sans CJK SC Regular"/>
-              </a:rPr>
-              <a:t> </a:t>
-            </a:r>
-            <a:endParaRPr b="0" lang="en-US" sz="1800" spc="-1" strike="noStrike">
-              <a:solidFill>
-                <a:srgbClr val="000000"/>
-              </a:solidFill>
-              <a:uFill>
-                <a:solidFill>
-                  <a:srgbClr val="ffffff"/>
-                </a:solidFill>
-              </a:uFill>
-              <a:latin typeface="Arial"/>
-            </a:endParaRPr>
-          </a:p>
-          <a:p>
-            <a:pPr marL="448200" indent="-215640">
-              <a:lnSpc>
-                <a:spcPct val="100000"/>
-              </a:lnSpc>
-              <a:buClr>
-                <a:srgbClr val="000000"/>
-              </a:buClr>
-              <a:buSzPct val="45000"/>
-              <a:buFont typeface="Wingdings" charset="2"/>
-              <a:buChar char=""/>
-            </a:pPr>
-            <a:r>
-              <a:rPr b="0" lang="en-US" sz="3200" spc="-1" strike="noStrike">
-                <a:solidFill>
-                  <a:srgbClr val="000000"/>
-                </a:solidFill>
-                <a:uFill>
-                  <a:solidFill>
-                    <a:srgbClr val="ffffff"/>
-                  </a:solidFill>
-                </a:uFill>
-                <a:latin typeface="Arial"/>
-                <a:ea typeface="Noto Sans CJK SC Regular"/>
-              </a:rPr>
-              <a:t>Next find the best subset of two components, using the one chosen on the first step and one of the remaining features.</a:t>
-            </a:r>
-            <a:endParaRPr b="0" lang="en-US" sz="1800" spc="-1" strike="noStrike">
-              <a:solidFill>
-                <a:srgbClr val="000000"/>
-              </a:solidFill>
-              <a:uFill>
-                <a:solidFill>
-                  <a:srgbClr val="ffffff"/>
-                </a:solidFill>
-              </a:uFill>
-              <a:latin typeface="Arial"/>
-            </a:endParaRPr>
-          </a:p>
-          <a:p>
-            <a:pPr marL="448200" indent="-215640">
-              <a:lnSpc>
-                <a:spcPct val="100000"/>
-              </a:lnSpc>
-              <a:buClr>
-                <a:srgbClr val="000000"/>
-              </a:buClr>
-              <a:buSzPct val="45000"/>
-              <a:buFont typeface="Wingdings" charset="2"/>
-              <a:buChar char=""/>
-            </a:pPr>
-            <a:r>
-              <a:rPr b="0" lang="en-US" sz="3200" spc="-1" strike="noStrike">
-                <a:solidFill>
-                  <a:srgbClr val="000000"/>
-                </a:solidFill>
-                <a:uFill>
-                  <a:solidFill>
-                    <a:srgbClr val="ffffff"/>
-                  </a:solidFill>
-                </a:uFill>
-                <a:latin typeface="Arial"/>
-                <a:ea typeface="Noto Sans CJK SC Regular"/>
-              </a:rPr>
-              <a:t> </a:t>
-            </a:r>
-            <a:endParaRPr b="0" lang="en-US" sz="1800" spc="-1" strike="noStrike">
-              <a:solidFill>
-                <a:srgbClr val="000000"/>
-              </a:solidFill>
-              <a:uFill>
-                <a:solidFill>
-                  <a:srgbClr val="ffffff"/>
-                </a:solidFill>
-              </a:uFill>
-              <a:latin typeface="Arial"/>
-            </a:endParaRPr>
-          </a:p>
-          <a:p>
-            <a:pPr marL="448200" indent="-215640">
-              <a:lnSpc>
-                <a:spcPct val="100000"/>
-              </a:lnSpc>
-              <a:buClr>
-                <a:srgbClr val="000000"/>
-              </a:buClr>
-              <a:buSzPct val="45000"/>
-              <a:buFont typeface="Wingdings" charset="2"/>
-              <a:buChar char=""/>
-            </a:pPr>
-            <a:r>
-              <a:rPr b="0" lang="en-US" sz="3200" spc="-1" strike="noStrike">
-                <a:solidFill>
-                  <a:srgbClr val="000000"/>
-                </a:solidFill>
-                <a:uFill>
-                  <a:solidFill>
-                    <a:srgbClr val="ffffff"/>
-                  </a:solidFill>
-                </a:uFill>
-                <a:latin typeface="Arial"/>
-                <a:ea typeface="Noto Sans CJK SC Regular"/>
-              </a:rPr>
-              <a:t>Continue this procedure adding one feature at time.</a:t>
-            </a:r>
-            <a:endParaRPr b="0" lang="en-US" sz="1800" spc="-1" strike="noStrike">
-              <a:solidFill>
-                <a:srgbClr val="000000"/>
-              </a:solidFill>
-              <a:uFill>
-                <a:solidFill>
-                  <a:srgbClr val="ffffff"/>
-                </a:solidFill>
-              </a:uFill>
-              <a:latin typeface="Arial"/>
-            </a:endParaRPr>
-          </a:p>
-        </p:txBody>
-      </p:sp>
+      </p:pic>
     </p:spTree>
   </p:cSld>
-  <p:timing>
-    <p:tnLst>
-      <p:par>
-        <p:cTn id="21" dur="indefinite" restart="never" nodeType="tmRoot">
-          <p:childTnLst>
-            <p:seq>
-              <p:cTn id="22" nodeType="mainSeq"/>
-              <p:prevCondLst>
-                <p:cond delay="0" evt="onPrev">
-                  <p:tgtEl>
-                    <p:sldTgt/>
-                  </p:tgtEl>
-                </p:cond>
-              </p:prevCondLst>
-              <p:nextCondLst>
-                <p:cond delay="0" evt="onNext">
-                  <p:tgtEl>
-                    <p:sldTgt/>
-                  </p:tgtEl>
-                </p:cond>
-              </p:nextCondLst>
-            </p:seq>
-          </p:childTnLst>
-        </p:cTn>
-      </p:par>
-    </p:tnLst>
-  </p:timing>
 </p:sld>
 </file>
 
@@ -4711,7 +5741,7 @@
       </p:grpSpPr>
       <p:sp>
         <p:nvSpPr>
-          <p:cNvPr id="93" name="CustomShape 1"/>
+          <p:cNvPr id="98" name="CustomShape 1"/>
           <p:cNvSpPr/>
           <p:nvPr/>
         </p:nvSpPr>
@@ -4755,7 +5785,114 @@
                 <a:latin typeface="Arial"/>
                 <a:ea typeface="Noto Sans CJK SC Regular"/>
               </a:rPr>
-              <a:t>Input Feature Selection Results</a:t>
+              <a:t>Model</a:t>
+            </a:r>
+            <a:endParaRPr b="0" lang="en-US" sz="1800" spc="-1" strike="noStrike">
+              <a:solidFill>
+                <a:srgbClr val="000000"/>
+              </a:solidFill>
+              <a:uFill>
+                <a:solidFill>
+                  <a:srgbClr val="ffffff"/>
+                </a:solidFill>
+              </a:uFill>
+              <a:latin typeface="Arial"/>
+            </a:endParaRPr>
+          </a:p>
+        </p:txBody>
+      </p:sp>
+      <p:pic>
+        <p:nvPicPr>
+          <p:cNvPr id="99" name="" descr=""/>
+          <p:cNvPicPr/>
+          <p:nvPr/>
+        </p:nvPicPr>
+        <p:blipFill>
+          <a:blip r:embed="rId1"/>
+          <a:stretch/>
+        </p:blipFill>
+        <p:spPr>
+          <a:xfrm>
+            <a:off x="929520" y="2205720"/>
+            <a:ext cx="8342280" cy="3209040"/>
+          </a:xfrm>
+          <a:prstGeom prst="rect">
+            <a:avLst/>
+          </a:prstGeom>
+          <a:ln>
+            <a:noFill/>
+          </a:ln>
+        </p:spPr>
+      </p:pic>
+    </p:spTree>
+  </p:cSld>
+</p:sld>
+</file>
+
+<file path=ppt/slides/slide13.xml><?xml version="1.0" encoding="utf-8"?>
+<p:sld xmlns:a="http://schemas.openxmlformats.org/drawingml/2006/main" xmlns:p="http://schemas.openxmlformats.org/presentationml/2006/main" xmlns:r="http://schemas.openxmlformats.org/officeDocument/2006/relationships" xmlns:p14="http://schemas.microsoft.com/office/powerpoint/2010/main" xmlns:p15="http://schemas.microsoft.com/office/powerpoint/2012/main" xmlns:mc="http://schemas.openxmlformats.org/markup-compatibility/2006">
+  <p:cSld>
+    <p:spTree>
+      <p:nvGrpSpPr>
+        <p:cNvPr id="1" name=""/>
+        <p:cNvGrpSpPr/>
+        <p:nvPr/>
+      </p:nvGrpSpPr>
+      <p:grpSpPr>
+        <a:xfrm>
+          <a:off x="0" y="0"/>
+          <a:ext cx="0" cy="0"/>
+          <a:chOff x="0" y="0"/>
+          <a:chExt cx="0" cy="0"/>
+        </a:xfrm>
+      </p:grpSpPr>
+      <p:sp>
+        <p:nvSpPr>
+          <p:cNvPr id="100" name="CustomShape 1"/>
+          <p:cNvSpPr/>
+          <p:nvPr/>
+        </p:nvSpPr>
+        <p:spPr>
+          <a:xfrm>
+            <a:off x="504000" y="301320"/>
+            <a:ext cx="9071280" cy="1261800"/>
+          </a:xfrm>
+          <a:prstGeom prst="rect">
+            <a:avLst/>
+          </a:prstGeom>
+          <a:noFill/>
+          <a:ln>
+            <a:noFill/>
+          </a:ln>
+        </p:spPr>
+        <p:style>
+          <a:lnRef idx="0"/>
+          <a:fillRef idx="0"/>
+          <a:effectRef idx="0"/>
+          <a:fontRef idx="minor"/>
+        </p:style>
+        <p:txBody>
+          <a:bodyPr lIns="0" rIns="0" tIns="0" bIns="0" anchor="ctr"/>
+          <a:p>
+            <a:pPr algn="ctr">
+              <a:lnSpc>
+                <a:spcPct val="100000"/>
+              </a:lnSpc>
+            </a:pPr>
+            <a:r>
+              <a:rPr b="0" lang="en-US" sz="3200" spc="-1" strike="noStrike">
+                <a:solidFill>
+                  <a:srgbClr val="000000"/>
+                </a:solidFill>
+                <a:uFill>
+                  <a:solidFill>
+                    <a:srgbClr val="ffffff"/>
+                  </a:solidFill>
+                </a:uFill>
+                <a:latin typeface="Arial"/>
+                <a:ea typeface="Noto Sans CJK SC Regular"/>
+              </a:rPr>
+              <a:t>Input Preprocessing (Reader)</a:t>
             </a:r>
             <a:endParaRPr b="0" lang="en-US" sz="1800" spc="-1" strike="noStrike">
               <a:solidFill>
@@ -4773,7 +5910,830 @@
       </p:sp>
       <p:sp>
         <p:nvSpPr>
-          <p:cNvPr id="94" name="CustomShape 2"/>
+          <p:cNvPr id="101" name="CustomShape 2"/>
+          <p:cNvSpPr/>
+          <p:nvPr/>
+        </p:nvSpPr>
+        <p:spPr>
+          <a:xfrm>
+            <a:off x="504000" y="1517040"/>
+            <a:ext cx="9071280" cy="5924880"/>
+          </a:xfrm>
+          <a:prstGeom prst="rect">
+            <a:avLst/>
+          </a:prstGeom>
+          <a:noFill/>
+          <a:ln>
+            <a:noFill/>
+          </a:ln>
+        </p:spPr>
+        <p:style>
+          <a:lnRef idx="0"/>
+          <a:fillRef idx="0"/>
+          <a:effectRef idx="0"/>
+          <a:fontRef idx="minor"/>
+        </p:style>
+        <p:txBody>
+          <a:bodyPr lIns="0" rIns="0" tIns="0" bIns="0"/>
+          <a:p>
+            <a:pPr marL="216000" indent="-215640">
+              <a:lnSpc>
+                <a:spcPct val="100000"/>
+              </a:lnSpc>
+              <a:buClr>
+                <a:srgbClr val="000000"/>
+              </a:buClr>
+              <a:buSzPct val="45000"/>
+              <a:buFont typeface="Wingdings" charset="2"/>
+              <a:buChar char=""/>
+            </a:pPr>
+            <a:r>
+              <a:rPr b="1" lang="en-US" sz="2800" spc="-1" strike="noStrike">
+                <a:solidFill>
+                  <a:srgbClr val="000000"/>
+                </a:solidFill>
+                <a:uFill>
+                  <a:solidFill>
+                    <a:srgbClr val="ffffff"/>
+                  </a:solidFill>
+                </a:uFill>
+                <a:latin typeface="Arial"/>
+                <a:ea typeface="Noto Sans CJK SC Regular"/>
+              </a:rPr>
+              <a:t> </a:t>
+            </a:r>
+            <a:endParaRPr b="0" lang="en-US" sz="1800" spc="-1" strike="noStrike">
+              <a:solidFill>
+                <a:srgbClr val="000000"/>
+              </a:solidFill>
+              <a:uFill>
+                <a:solidFill>
+                  <a:srgbClr val="ffffff"/>
+                </a:solidFill>
+              </a:uFill>
+              <a:latin typeface="Arial"/>
+            </a:endParaRPr>
+          </a:p>
+          <a:p>
+            <a:pPr marL="216000" indent="-215640">
+              <a:lnSpc>
+                <a:spcPct val="100000"/>
+              </a:lnSpc>
+              <a:buClr>
+                <a:srgbClr val="000000"/>
+              </a:buClr>
+              <a:buSzPct val="45000"/>
+              <a:buFont typeface="Wingdings" charset="2"/>
+              <a:buChar char=""/>
+            </a:pPr>
+            <a:r>
+              <a:rPr b="1" lang="en-US" sz="2800" spc="-1" strike="noStrike">
+                <a:solidFill>
+                  <a:srgbClr val="000000"/>
+                </a:solidFill>
+                <a:uFill>
+                  <a:solidFill>
+                    <a:srgbClr val="ffffff"/>
+                  </a:solidFill>
+                </a:uFill>
+                <a:latin typeface="Arial"/>
+                <a:ea typeface="Noto Sans CJK SC Regular"/>
+              </a:rPr>
+              <a:t>Month: </a:t>
+            </a:r>
+            <a:r>
+              <a:rPr b="0" lang="en-US" sz="2800" spc="-1" strike="noStrike">
+                <a:solidFill>
+                  <a:srgbClr val="000000"/>
+                </a:solidFill>
+                <a:uFill>
+                  <a:solidFill>
+                    <a:srgbClr val="ffffff"/>
+                  </a:solidFill>
+                </a:uFill>
+                <a:latin typeface="Arial"/>
+                <a:ea typeface="Noto Sans CJK SC Regular"/>
+              </a:rPr>
+              <a:t>Sine and cosine functions are applied to the month(1-12), in order to express its cyclical nature.</a:t>
+            </a:r>
+            <a:endParaRPr b="0" lang="en-US" sz="1800" spc="-1" strike="noStrike">
+              <a:solidFill>
+                <a:srgbClr val="000000"/>
+              </a:solidFill>
+              <a:uFill>
+                <a:solidFill>
+                  <a:srgbClr val="ffffff"/>
+                </a:solidFill>
+              </a:uFill>
+              <a:latin typeface="Arial"/>
+            </a:endParaRPr>
+          </a:p>
+          <a:p>
+            <a:pPr marL="216000" indent="-215640">
+              <a:lnSpc>
+                <a:spcPct val="100000"/>
+              </a:lnSpc>
+              <a:buClr>
+                <a:srgbClr val="000000"/>
+              </a:buClr>
+              <a:buSzPct val="45000"/>
+              <a:buFont typeface="Wingdings" charset="2"/>
+              <a:buChar char=""/>
+            </a:pPr>
+            <a:r>
+              <a:rPr b="0" lang="en-US" sz="3200" spc="-1" strike="noStrike">
+                <a:solidFill>
+                  <a:srgbClr val="000000"/>
+                </a:solidFill>
+                <a:uFill>
+                  <a:solidFill>
+                    <a:srgbClr val="ffffff"/>
+                  </a:solidFill>
+                </a:uFill>
+                <a:latin typeface="Arial"/>
+                <a:ea typeface="Noto Sans CJK SC Regular"/>
+              </a:rPr>
+              <a:t> </a:t>
+            </a:r>
+            <a:endParaRPr b="0" lang="en-US" sz="1800" spc="-1" strike="noStrike">
+              <a:solidFill>
+                <a:srgbClr val="000000"/>
+              </a:solidFill>
+              <a:uFill>
+                <a:solidFill>
+                  <a:srgbClr val="ffffff"/>
+                </a:solidFill>
+              </a:uFill>
+              <a:latin typeface="Arial"/>
+            </a:endParaRPr>
+          </a:p>
+          <a:p>
+            <a:pPr marL="216000" indent="-215640">
+              <a:lnSpc>
+                <a:spcPct val="100000"/>
+              </a:lnSpc>
+              <a:buClr>
+                <a:srgbClr val="000000"/>
+              </a:buClr>
+              <a:buSzPct val="45000"/>
+              <a:buFont typeface="Wingdings" charset="2"/>
+              <a:buChar char=""/>
+            </a:pPr>
+            <a:r>
+              <a:rPr b="1" lang="en-US" sz="2800" spc="-1" strike="noStrike">
+                <a:solidFill>
+                  <a:srgbClr val="000000"/>
+                </a:solidFill>
+                <a:uFill>
+                  <a:solidFill>
+                    <a:srgbClr val="ffffff"/>
+                  </a:solidFill>
+                </a:uFill>
+                <a:latin typeface="Arial"/>
+                <a:ea typeface="Noto Sans CJK SC Regular"/>
+              </a:rPr>
+              <a:t>Energy price index and Consumer confidence index: </a:t>
+            </a:r>
+            <a:r>
+              <a:rPr b="0" lang="en-US" sz="2800" spc="-1" strike="noStrike">
+                <a:solidFill>
+                  <a:srgbClr val="000000"/>
+                </a:solidFill>
+                <a:uFill>
+                  <a:solidFill>
+                    <a:srgbClr val="ffffff"/>
+                  </a:solidFill>
+                </a:uFill>
+                <a:latin typeface="Arial"/>
+                <a:ea typeface="Noto Sans CJK SC Regular"/>
+              </a:rPr>
+              <a:t>Rate of change vs previous month and start of year. Interested in steepness of increase, decrease more than absolute value.</a:t>
+            </a:r>
+            <a:endParaRPr b="0" lang="en-US" sz="1800" spc="-1" strike="noStrike">
+              <a:solidFill>
+                <a:srgbClr val="000000"/>
+              </a:solidFill>
+              <a:uFill>
+                <a:solidFill>
+                  <a:srgbClr val="ffffff"/>
+                </a:solidFill>
+              </a:uFill>
+              <a:latin typeface="Arial"/>
+            </a:endParaRPr>
+          </a:p>
+          <a:p>
+            <a:pPr marL="216000" indent="-215640">
+              <a:lnSpc>
+                <a:spcPct val="100000"/>
+              </a:lnSpc>
+              <a:buClr>
+                <a:srgbClr val="000000"/>
+              </a:buClr>
+              <a:buSzPct val="45000"/>
+              <a:buFont typeface="Wingdings" charset="2"/>
+              <a:buChar char=""/>
+            </a:pPr>
+            <a:r>
+              <a:rPr b="1" lang="en-US" sz="2800" spc="-1" strike="noStrike">
+                <a:solidFill>
+                  <a:srgbClr val="000000"/>
+                </a:solidFill>
+                <a:uFill>
+                  <a:solidFill>
+                    <a:srgbClr val="ffffff"/>
+                  </a:solidFill>
+                </a:uFill>
+                <a:latin typeface="Arial"/>
+                <a:ea typeface="Noto Sans CJK SC Regular"/>
+              </a:rPr>
+              <a:t> </a:t>
+            </a:r>
+            <a:endParaRPr b="0" lang="en-US" sz="1800" spc="-1" strike="noStrike">
+              <a:solidFill>
+                <a:srgbClr val="000000"/>
+              </a:solidFill>
+              <a:uFill>
+                <a:solidFill>
+                  <a:srgbClr val="ffffff"/>
+                </a:solidFill>
+              </a:uFill>
+              <a:latin typeface="Arial"/>
+            </a:endParaRPr>
+          </a:p>
+          <a:p>
+            <a:pPr marL="216000" indent="-215640">
+              <a:lnSpc>
+                <a:spcPct val="100000"/>
+              </a:lnSpc>
+              <a:buClr>
+                <a:srgbClr val="000000"/>
+              </a:buClr>
+              <a:buSzPct val="45000"/>
+              <a:buFont typeface="Wingdings" charset="2"/>
+              <a:buChar char=""/>
+            </a:pPr>
+            <a:r>
+              <a:rPr b="1" lang="en-US" sz="2800" spc="-1" strike="noStrike">
+                <a:solidFill>
+                  <a:srgbClr val="000000"/>
+                </a:solidFill>
+                <a:uFill>
+                  <a:solidFill>
+                    <a:srgbClr val="ffffff"/>
+                  </a:solidFill>
+                </a:uFill>
+                <a:latin typeface="Arial"/>
+                <a:ea typeface="Noto Sans CJK SC Regular"/>
+              </a:rPr>
+              <a:t>Rest of the features: </a:t>
+            </a:r>
+            <a:r>
+              <a:rPr b="0" lang="en-US" sz="2800" spc="-1" strike="noStrike">
+                <a:solidFill>
+                  <a:srgbClr val="000000"/>
+                </a:solidFill>
+                <a:uFill>
+                  <a:solidFill>
+                    <a:srgbClr val="ffffff"/>
+                  </a:solidFill>
+                </a:uFill>
+                <a:latin typeface="Arial"/>
+                <a:ea typeface="Noto Sans CJK SC Regular"/>
+              </a:rPr>
+              <a:t>Scaled between [-1, 1], so that all the features values are within the same range.</a:t>
+            </a:r>
+            <a:endParaRPr b="0" lang="en-US" sz="1800" spc="-1" strike="noStrike">
+              <a:solidFill>
+                <a:srgbClr val="000000"/>
+              </a:solidFill>
+              <a:uFill>
+                <a:solidFill>
+                  <a:srgbClr val="ffffff"/>
+                </a:solidFill>
+              </a:uFill>
+              <a:latin typeface="Arial"/>
+            </a:endParaRPr>
+          </a:p>
+          <a:p>
+            <a:pPr marL="448200" indent="-215640">
+              <a:lnSpc>
+                <a:spcPct val="100000"/>
+              </a:lnSpc>
+              <a:buClr>
+                <a:srgbClr val="000000"/>
+              </a:buClr>
+              <a:buSzPct val="45000"/>
+              <a:buFont typeface="Wingdings" charset="2"/>
+              <a:buChar char=""/>
+            </a:pPr>
+            <a:r>
+              <a:rPr b="0" lang="en-US" sz="2800" spc="-1" strike="noStrike">
+                <a:solidFill>
+                  <a:srgbClr val="000000"/>
+                </a:solidFill>
+                <a:uFill>
+                  <a:solidFill>
+                    <a:srgbClr val="ffffff"/>
+                  </a:solidFill>
+                </a:uFill>
+                <a:latin typeface="Arial"/>
+                <a:ea typeface="Noto Sans CJK SC Regular"/>
+              </a:rPr>
+              <a:t> </a:t>
+            </a:r>
+            <a:endParaRPr b="0" lang="en-US" sz="1800" spc="-1" strike="noStrike">
+              <a:solidFill>
+                <a:srgbClr val="000000"/>
+              </a:solidFill>
+              <a:uFill>
+                <a:solidFill>
+                  <a:srgbClr val="ffffff"/>
+                </a:solidFill>
+              </a:uFill>
+              <a:latin typeface="Arial"/>
+            </a:endParaRPr>
+          </a:p>
+        </p:txBody>
+      </p:sp>
+    </p:spTree>
+  </p:cSld>
+</p:sld>
+</file>
+
+<file path=ppt/slides/slide14.xml><?xml version="1.0" encoding="utf-8"?>
+<p:sld xmlns:a="http://schemas.openxmlformats.org/drawingml/2006/main" xmlns:p="http://schemas.openxmlformats.org/presentationml/2006/main" xmlns:r="http://schemas.openxmlformats.org/officeDocument/2006/relationships" xmlns:p14="http://schemas.microsoft.com/office/powerpoint/2010/main" xmlns:p15="http://schemas.microsoft.com/office/powerpoint/2012/main" xmlns:mc="http://schemas.openxmlformats.org/markup-compatibility/2006">
+  <p:cSld>
+    <p:spTree>
+      <p:nvGrpSpPr>
+        <p:cNvPr id="1" name=""/>
+        <p:cNvGrpSpPr/>
+        <p:nvPr/>
+      </p:nvGrpSpPr>
+      <p:grpSpPr>
+        <a:xfrm>
+          <a:off x="0" y="0"/>
+          <a:ext cx="0" cy="0"/>
+          <a:chOff x="0" y="0"/>
+          <a:chExt cx="0" cy="0"/>
+        </a:xfrm>
+      </p:grpSpPr>
+      <p:sp>
+        <p:nvSpPr>
+          <p:cNvPr id="102" name="CustomShape 1"/>
+          <p:cNvSpPr/>
+          <p:nvPr/>
+        </p:nvSpPr>
+        <p:spPr>
+          <a:xfrm>
+            <a:off x="504000" y="301320"/>
+            <a:ext cx="9071280" cy="1261800"/>
+          </a:xfrm>
+          <a:prstGeom prst="rect">
+            <a:avLst/>
+          </a:prstGeom>
+          <a:noFill/>
+          <a:ln>
+            <a:noFill/>
+          </a:ln>
+        </p:spPr>
+        <p:style>
+          <a:lnRef idx="0"/>
+          <a:fillRef idx="0"/>
+          <a:effectRef idx="0"/>
+          <a:fontRef idx="minor"/>
+        </p:style>
+        <p:txBody>
+          <a:bodyPr lIns="0" rIns="0" tIns="0" bIns="0" anchor="ctr"/>
+          <a:p>
+            <a:pPr algn="ctr">
+              <a:lnSpc>
+                <a:spcPct val="100000"/>
+              </a:lnSpc>
+            </a:pPr>
+            <a:r>
+              <a:rPr b="0" lang="en-US" sz="3200" spc="-1" strike="noStrike">
+                <a:solidFill>
+                  <a:srgbClr val="000000"/>
+                </a:solidFill>
+                <a:uFill>
+                  <a:solidFill>
+                    <a:srgbClr val="ffffff"/>
+                  </a:solidFill>
+                </a:uFill>
+                <a:latin typeface="Arial"/>
+                <a:ea typeface="Noto Sans CJK SC Regular"/>
+              </a:rPr>
+              <a:t>Input Feature Selection (InputFeatureSelector)</a:t>
+            </a:r>
+            <a:endParaRPr b="0" lang="en-US" sz="1800" spc="-1" strike="noStrike">
+              <a:solidFill>
+                <a:srgbClr val="000000"/>
+              </a:solidFill>
+              <a:uFill>
+                <a:solidFill>
+                  <a:srgbClr val="ffffff"/>
+                </a:solidFill>
+              </a:uFill>
+              <a:latin typeface="Arial"/>
+            </a:endParaRPr>
+          </a:p>
+        </p:txBody>
+      </p:sp>
+      <p:sp>
+        <p:nvSpPr>
+          <p:cNvPr id="103" name="CustomShape 2"/>
+          <p:cNvSpPr/>
+          <p:nvPr/>
+        </p:nvSpPr>
+        <p:spPr>
+          <a:xfrm>
+            <a:off x="504000" y="1805040"/>
+            <a:ext cx="9071280" cy="5469120"/>
+          </a:xfrm>
+          <a:prstGeom prst="rect">
+            <a:avLst/>
+          </a:prstGeom>
+          <a:noFill/>
+          <a:ln>
+            <a:noFill/>
+          </a:ln>
+        </p:spPr>
+        <p:style>
+          <a:lnRef idx="0"/>
+          <a:fillRef idx="0"/>
+          <a:effectRef idx="0"/>
+          <a:fontRef idx="minor"/>
+        </p:style>
+        <p:txBody>
+          <a:bodyPr lIns="0" rIns="0" tIns="0" bIns="0"/>
+          <a:p>
+            <a:pPr marL="216000" indent="-215640">
+              <a:lnSpc>
+                <a:spcPct val="100000"/>
+              </a:lnSpc>
+              <a:buClr>
+                <a:srgbClr val="000000"/>
+              </a:buClr>
+              <a:buSzPct val="45000"/>
+              <a:buFont typeface="Wingdings" charset="2"/>
+              <a:buChar char=""/>
+            </a:pPr>
+            <a:r>
+              <a:rPr b="0" lang="en-US" sz="2800" spc="-1" strike="noStrike">
+                <a:solidFill>
+                  <a:srgbClr val="000000"/>
+                </a:solidFill>
+                <a:uFill>
+                  <a:solidFill>
+                    <a:srgbClr val="ffffff"/>
+                  </a:solidFill>
+                </a:uFill>
+                <a:latin typeface="Arial"/>
+                <a:ea typeface="Noto Sans CJK SC Regular"/>
+              </a:rPr>
+              <a:t> </a:t>
+            </a:r>
+            <a:endParaRPr b="0" lang="en-US" sz="1800" spc="-1" strike="noStrike">
+              <a:solidFill>
+                <a:srgbClr val="000000"/>
+              </a:solidFill>
+              <a:uFill>
+                <a:solidFill>
+                  <a:srgbClr val="ffffff"/>
+                </a:solidFill>
+              </a:uFill>
+              <a:latin typeface="Arial"/>
+            </a:endParaRPr>
+          </a:p>
+          <a:p>
+            <a:pPr marL="216000" indent="-215640">
+              <a:lnSpc>
+                <a:spcPct val="100000"/>
+              </a:lnSpc>
+              <a:buClr>
+                <a:srgbClr val="000000"/>
+              </a:buClr>
+              <a:buSzPct val="45000"/>
+              <a:buFont typeface="Wingdings" charset="2"/>
+              <a:buChar char=""/>
+            </a:pPr>
+            <a:r>
+              <a:rPr b="0" lang="en-US" sz="2800" spc="-1" strike="noStrike">
+                <a:solidFill>
+                  <a:srgbClr val="000000"/>
+                </a:solidFill>
+                <a:uFill>
+                  <a:solidFill>
+                    <a:srgbClr val="ffffff"/>
+                  </a:solidFill>
+                </a:uFill>
+                <a:latin typeface="Arial"/>
+                <a:ea typeface="Noto Sans CJK SC Regular"/>
+              </a:rPr>
+              <a:t>The algorithm used to select the input features was </a:t>
+            </a:r>
+            <a:r>
+              <a:rPr b="1" lang="en-US" sz="2800" spc="-1" strike="noStrike">
+                <a:solidFill>
+                  <a:srgbClr val="000000"/>
+                </a:solidFill>
+                <a:uFill>
+                  <a:solidFill>
+                    <a:srgbClr val="ffffff"/>
+                  </a:solidFill>
+                </a:uFill>
+                <a:latin typeface="Arial"/>
+                <a:ea typeface="Noto Sans CJK SC Regular"/>
+              </a:rPr>
+              <a:t>Forward Selection</a:t>
+            </a:r>
+            <a:r>
+              <a:rPr b="0" lang="en-US" sz="2800" spc="-1" strike="noStrike">
+                <a:solidFill>
+                  <a:srgbClr val="000000"/>
+                </a:solidFill>
+                <a:uFill>
+                  <a:solidFill>
+                    <a:srgbClr val="ffffff"/>
+                  </a:solidFill>
+                </a:uFill>
+                <a:latin typeface="Arial"/>
+                <a:ea typeface="Noto Sans CJK SC Regular"/>
+              </a:rPr>
+              <a:t>:</a:t>
+            </a:r>
+            <a:endParaRPr b="0" lang="en-US" sz="1800" spc="-1" strike="noStrike">
+              <a:solidFill>
+                <a:srgbClr val="000000"/>
+              </a:solidFill>
+              <a:uFill>
+                <a:solidFill>
+                  <a:srgbClr val="ffffff"/>
+                </a:solidFill>
+              </a:uFill>
+              <a:latin typeface="Arial"/>
+            </a:endParaRPr>
+          </a:p>
+          <a:p>
+            <a:pPr marL="216000" indent="-215640">
+              <a:lnSpc>
+                <a:spcPct val="100000"/>
+              </a:lnSpc>
+              <a:buClr>
+                <a:srgbClr val="000000"/>
+              </a:buClr>
+              <a:buSzPct val="45000"/>
+              <a:buFont typeface="Wingdings" charset="2"/>
+              <a:buChar char=""/>
+            </a:pPr>
+            <a:r>
+              <a:rPr b="0" lang="en-US" sz="3200" spc="-1" strike="noStrike">
+                <a:solidFill>
+                  <a:srgbClr val="000000"/>
+                </a:solidFill>
+                <a:uFill>
+                  <a:solidFill>
+                    <a:srgbClr val="ffffff"/>
+                  </a:solidFill>
+                </a:uFill>
+                <a:latin typeface="Arial"/>
+                <a:ea typeface="Noto Sans CJK SC Regular"/>
+              </a:rPr>
+              <a:t> </a:t>
+            </a:r>
+            <a:endParaRPr b="0" lang="en-US" sz="1800" spc="-1" strike="noStrike">
+              <a:solidFill>
+                <a:srgbClr val="000000"/>
+              </a:solidFill>
+              <a:uFill>
+                <a:solidFill>
+                  <a:srgbClr val="ffffff"/>
+                </a:solidFill>
+              </a:uFill>
+              <a:latin typeface="Arial"/>
+            </a:endParaRPr>
+          </a:p>
+          <a:p>
+            <a:pPr marL="448200" indent="-215640">
+              <a:lnSpc>
+                <a:spcPct val="100000"/>
+              </a:lnSpc>
+              <a:buClr>
+                <a:srgbClr val="000000"/>
+              </a:buClr>
+              <a:buSzPct val="45000"/>
+              <a:buFont typeface="Wingdings" charset="2"/>
+              <a:buChar char=""/>
+            </a:pPr>
+            <a:r>
+              <a:rPr b="0" lang="en-US" sz="2800" spc="-1" strike="noStrike">
+                <a:solidFill>
+                  <a:srgbClr val="000000"/>
+                </a:solidFill>
+                <a:uFill>
+                  <a:solidFill>
+                    <a:srgbClr val="ffffff"/>
+                  </a:solidFill>
+                </a:uFill>
+                <a:latin typeface="Arial"/>
+                <a:ea typeface="Noto Sans CJK SC Regular"/>
+              </a:rPr>
+              <a:t>First evaluate all features subsets that consist of one input feature, to find the best individual feature.</a:t>
+            </a:r>
+            <a:endParaRPr b="0" lang="en-US" sz="1800" spc="-1" strike="noStrike">
+              <a:solidFill>
+                <a:srgbClr val="000000"/>
+              </a:solidFill>
+              <a:uFill>
+                <a:solidFill>
+                  <a:srgbClr val="ffffff"/>
+                </a:solidFill>
+              </a:uFill>
+              <a:latin typeface="Arial"/>
+            </a:endParaRPr>
+          </a:p>
+          <a:p>
+            <a:pPr marL="448200" indent="-215640">
+              <a:lnSpc>
+                <a:spcPct val="100000"/>
+              </a:lnSpc>
+              <a:buClr>
+                <a:srgbClr val="000000"/>
+              </a:buClr>
+              <a:buSzPct val="45000"/>
+              <a:buFont typeface="Wingdings" charset="2"/>
+              <a:buChar char=""/>
+            </a:pPr>
+            <a:r>
+              <a:rPr b="0" lang="en-US" sz="2800" spc="-1" strike="noStrike">
+                <a:solidFill>
+                  <a:srgbClr val="000000"/>
+                </a:solidFill>
+                <a:uFill>
+                  <a:solidFill>
+                    <a:srgbClr val="ffffff"/>
+                  </a:solidFill>
+                </a:uFill>
+                <a:latin typeface="Arial"/>
+                <a:ea typeface="Noto Sans CJK SC Regular"/>
+              </a:rPr>
+              <a:t>Next find the best subset of two components, using the one chosen on the first step and one of the remaining features.</a:t>
+            </a:r>
+            <a:endParaRPr b="0" lang="en-US" sz="1800" spc="-1" strike="noStrike">
+              <a:solidFill>
+                <a:srgbClr val="000000"/>
+              </a:solidFill>
+              <a:uFill>
+                <a:solidFill>
+                  <a:srgbClr val="ffffff"/>
+                </a:solidFill>
+              </a:uFill>
+              <a:latin typeface="Arial"/>
+            </a:endParaRPr>
+          </a:p>
+          <a:p>
+            <a:pPr marL="448200" indent="-215640">
+              <a:lnSpc>
+                <a:spcPct val="100000"/>
+              </a:lnSpc>
+              <a:buClr>
+                <a:srgbClr val="000000"/>
+              </a:buClr>
+              <a:buSzPct val="45000"/>
+              <a:buFont typeface="Wingdings" charset="2"/>
+              <a:buChar char=""/>
+            </a:pPr>
+            <a:r>
+              <a:rPr b="0" lang="en-US" sz="2800" spc="-1" strike="noStrike">
+                <a:solidFill>
+                  <a:srgbClr val="000000"/>
+                </a:solidFill>
+                <a:uFill>
+                  <a:solidFill>
+                    <a:srgbClr val="ffffff"/>
+                  </a:solidFill>
+                </a:uFill>
+                <a:latin typeface="Arial"/>
+                <a:ea typeface="Noto Sans CJK SC Regular"/>
+              </a:rPr>
+              <a:t>Continue this procedure adding one feature at </a:t>
+            </a:r>
+            <a:r>
+              <a:rPr b="0" lang="en-US" sz="3200" spc="-1" strike="noStrike">
+                <a:solidFill>
+                  <a:srgbClr val="000000"/>
+                </a:solidFill>
+                <a:uFill>
+                  <a:solidFill>
+                    <a:srgbClr val="ffffff"/>
+                  </a:solidFill>
+                </a:uFill>
+                <a:latin typeface="Arial"/>
+                <a:ea typeface="Noto Sans CJK SC Regular"/>
+              </a:rPr>
+              <a:t>time.</a:t>
+            </a:r>
+            <a:endParaRPr b="0" lang="en-US" sz="1800" spc="-1" strike="noStrike">
+              <a:solidFill>
+                <a:srgbClr val="000000"/>
+              </a:solidFill>
+              <a:uFill>
+                <a:solidFill>
+                  <a:srgbClr val="ffffff"/>
+                </a:solidFill>
+              </a:uFill>
+              <a:latin typeface="Arial"/>
+            </a:endParaRPr>
+          </a:p>
+        </p:txBody>
+      </p:sp>
+    </p:spTree>
+  </p:cSld>
+</p:sld>
+</file>
+
+<file path=ppt/slides/slide15.xml><?xml version="1.0" encoding="utf-8"?>
+<p:sld xmlns:a="http://schemas.openxmlformats.org/drawingml/2006/main" xmlns:p="http://schemas.openxmlformats.org/presentationml/2006/main" xmlns:r="http://schemas.openxmlformats.org/officeDocument/2006/relationships" xmlns:p14="http://schemas.microsoft.com/office/powerpoint/2010/main" xmlns:p15="http://schemas.microsoft.com/office/powerpoint/2012/main" xmlns:mc="http://schemas.openxmlformats.org/markup-compatibility/2006">
+  <p:cSld>
+    <p:spTree>
+      <p:nvGrpSpPr>
+        <p:cNvPr id="1" name=""/>
+        <p:cNvGrpSpPr/>
+        <p:nvPr/>
+      </p:nvGrpSpPr>
+      <p:grpSpPr>
+        <a:xfrm>
+          <a:off x="0" y="0"/>
+          <a:ext cx="0" cy="0"/>
+          <a:chOff x="0" y="0"/>
+          <a:chExt cx="0" cy="0"/>
+        </a:xfrm>
+      </p:grpSpPr>
+      <p:sp>
+        <p:nvSpPr>
+          <p:cNvPr id="104" name="CustomShape 1"/>
+          <p:cNvSpPr/>
+          <p:nvPr/>
+        </p:nvSpPr>
+        <p:spPr>
+          <a:xfrm>
+            <a:off x="504000" y="301320"/>
+            <a:ext cx="9071280" cy="1261800"/>
+          </a:xfrm>
+          <a:prstGeom prst="rect">
+            <a:avLst/>
+          </a:prstGeom>
+          <a:noFill/>
+          <a:ln>
+            <a:noFill/>
+          </a:ln>
+        </p:spPr>
+        <p:style>
+          <a:lnRef idx="0"/>
+          <a:fillRef idx="0"/>
+          <a:effectRef idx="0"/>
+          <a:fontRef idx="minor"/>
+        </p:style>
+        <p:txBody>
+          <a:bodyPr lIns="0" rIns="0" tIns="0" bIns="0" anchor="ctr"/>
+          <a:p>
+            <a:pPr algn="ctr">
+              <a:lnSpc>
+                <a:spcPct val="100000"/>
+              </a:lnSpc>
+            </a:pPr>
+            <a:r>
+              <a:rPr b="0" lang="en-US" sz="3200" spc="-1" strike="noStrike">
+                <a:solidFill>
+                  <a:srgbClr val="000000"/>
+                </a:solidFill>
+                <a:uFill>
+                  <a:solidFill>
+                    <a:srgbClr val="ffffff"/>
+                  </a:solidFill>
+                </a:uFill>
+                <a:latin typeface="Arial"/>
+                <a:ea typeface="Noto Sans CJK SC Regular"/>
+              </a:rPr>
+              <a:t>Input Feature Selection Results</a:t>
+            </a:r>
+            <a:endParaRPr b="0" lang="en-US" sz="1800" spc="-1" strike="noStrike">
+              <a:solidFill>
+                <a:srgbClr val="000000"/>
+              </a:solidFill>
+              <a:uFill>
+                <a:solidFill>
+                  <a:srgbClr val="ffffff"/>
+                </a:solidFill>
+              </a:uFill>
+              <a:latin typeface="Arial"/>
+            </a:endParaRPr>
+          </a:p>
+        </p:txBody>
+      </p:sp>
+      <p:sp>
+        <p:nvSpPr>
+          <p:cNvPr id="105" name="CustomShape 2"/>
           <p:cNvSpPr/>
           <p:nvPr/>
         </p:nvSpPr>
@@ -4811,19 +6771,19 @@
               <a:buChar char=""/>
             </a:pPr>
             <a:r>
-              <a:rPr b="0" lang="en-US" sz="3200" spc="-1" strike="noStrike">
-                <a:solidFill>
-                  <a:srgbClr val="000000"/>
-                </a:solidFill>
-                <a:uFill>
-                  <a:solidFill>
-                    <a:srgbClr val="ffffff"/>
-                  </a:solidFill>
-                </a:uFill>
-                <a:latin typeface="Arial"/>
-                <a:ea typeface="Noto Sans CJK SC Regular"/>
-              </a:rPr>
-              <a:t>The metric used to evaluate the different models was the sales absolute mean error, after evaluating all the test windows.</a:t>
+              <a:rPr b="0" lang="en-US" sz="2800" spc="-1" strike="noStrike">
+                <a:solidFill>
+                  <a:srgbClr val="000000"/>
+                </a:solidFill>
+                <a:uFill>
+                  <a:solidFill>
+                    <a:srgbClr val="ffffff"/>
+                  </a:solidFill>
+                </a:uFill>
+                <a:latin typeface="Arial"/>
+                <a:ea typeface="Noto Sans CJK SC Regular"/>
+              </a:rPr>
+              <a:t>The metric used to evaluate the different models was the sales absolute mean error overall the test windows.</a:t>
             </a:r>
             <a:endParaRPr b="0" lang="en-US" sz="1800" spc="-1" strike="noStrike">
               <a:solidFill>
@@ -4889,7 +6849,7 @@
               <a:buChar char=""/>
             </a:pPr>
             <a:r>
-              <a:rPr b="0" lang="en-US" sz="3200" spc="-1" strike="noStrike">
+              <a:rPr b="0" lang="en-US" sz="2800" spc="-1" strike="noStrike">
                 <a:solidFill>
                   <a:srgbClr val="000000"/>
                 </a:solidFill>
@@ -4919,37 +6879,10 @@
       </p:sp>
     </p:spTree>
   </p:cSld>
-  <p:timing>
-    <p:tnLst>
-      <p:par>
-        <p:cTn id="23" dur="indefinite" restart="never" nodeType="tmRoot">
-          <p:childTnLst>
-            <p:seq>
-              <p:cTn id="24" nodeType="mainSeq"/>
-              <p:prevCondLst>
-                <p:cond delay="0" evt="onPrev">
-                  <p:tgtEl>
-                    <p:sldTgt/>
-                  </p:tgtEl>
-                </p:cond>
-              </p:prevCondLst>
-              <p:nextCondLst>
-                <p:cond delay="0" evt="onNext">
-                  <p:tgtEl>
-                    <p:sldTgt/>
-                  </p:tgtEl>
-                </p:cond>
-              </p:nextCondLst>
-            </p:seq>
-          </p:childTnLst>
-        </p:cTn>
-      </p:par>
-    </p:tnLst>
-  </p:timing>
 </p:sld>
 </file>
 
-<file path=ppt/slides/slide13.xml><?xml version="1.0" encoding="utf-8"?>
+<file path=ppt/slides/slide16.xml><?xml version="1.0" encoding="utf-8"?>
 <p:sld xmlns:a="http://schemas.openxmlformats.org/drawingml/2006/main" xmlns:p="http://schemas.openxmlformats.org/presentationml/2006/main" xmlns:r="http://schemas.openxmlformats.org/officeDocument/2006/relationships" xmlns:p14="http://schemas.microsoft.com/office/powerpoint/2010/main" xmlns:p15="http://schemas.microsoft.com/office/powerpoint/2012/main" xmlns:mc="http://schemas.openxmlformats.org/markup-compatibility/2006">
   <p:cSld>
     <p:spTree>
@@ -4968,7 +6901,7 @@
       </p:grpSpPr>
       <p:sp>
         <p:nvSpPr>
-          <p:cNvPr id="95" name="CustomShape 1"/>
+          <p:cNvPr id="106" name="CustomShape 1"/>
           <p:cNvSpPr/>
           <p:nvPr/>
         </p:nvSpPr>
@@ -5012,7 +6945,7 @@
                 <a:latin typeface="Arial"/>
                 <a:ea typeface="Noto Sans CJK SC Regular"/>
               </a:rPr>
-              <a:t>Overfitting Prevention Techniques</a:t>
+              <a:t>Model Evaluation (Reader, ModelTrainer)</a:t>
             </a:r>
             <a:endParaRPr b="0" lang="en-US" sz="1800" spc="-1" strike="noStrike">
               <a:solidFill>
@@ -5030,7 +6963,384 @@
       </p:sp>
       <p:sp>
         <p:nvSpPr>
-          <p:cNvPr id="96" name="CustomShape 2"/>
+          <p:cNvPr id="107" name="CustomShape 2"/>
+          <p:cNvSpPr/>
+          <p:nvPr/>
+        </p:nvSpPr>
+        <p:spPr>
+          <a:xfrm>
+            <a:off x="504000" y="1517040"/>
+            <a:ext cx="9071280" cy="5924880"/>
+          </a:xfrm>
+          <a:prstGeom prst="rect">
+            <a:avLst/>
+          </a:prstGeom>
+          <a:noFill/>
+          <a:ln>
+            <a:noFill/>
+          </a:ln>
+        </p:spPr>
+        <p:style>
+          <a:lnRef idx="0"/>
+          <a:fillRef idx="0"/>
+          <a:effectRef idx="0"/>
+          <a:fontRef idx="minor"/>
+        </p:style>
+        <p:txBody>
+          <a:bodyPr lIns="0" rIns="0" tIns="0" bIns="0"/>
+          <a:p>
+            <a:pPr marL="216000" indent="-215640">
+              <a:lnSpc>
+                <a:spcPct val="100000"/>
+              </a:lnSpc>
+              <a:buClr>
+                <a:srgbClr val="000000"/>
+              </a:buClr>
+              <a:buSzPct val="45000"/>
+              <a:buFont typeface="Wingdings" charset="2"/>
+              <a:buChar char=""/>
+            </a:pPr>
+            <a:r>
+              <a:rPr b="0" lang="en-US" sz="2800" spc="-1" strike="noStrike">
+                <a:solidFill>
+                  <a:srgbClr val="000000"/>
+                </a:solidFill>
+                <a:uFill>
+                  <a:solidFill>
+                    <a:srgbClr val="ffffff"/>
+                  </a:solidFill>
+                </a:uFill>
+                <a:latin typeface="Arial"/>
+                <a:ea typeface="Noto Sans CJK SC Regular"/>
+              </a:rPr>
+              <a:t>Due to the limited amount of data and its temporal nature the method used to evaluate the model was </a:t>
+            </a:r>
+            <a:r>
+              <a:rPr b="1" lang="en-US" sz="2800" spc="-1" strike="noStrike">
+                <a:solidFill>
+                  <a:srgbClr val="000000"/>
+                </a:solidFill>
+                <a:uFill>
+                  <a:solidFill>
+                    <a:srgbClr val="ffffff"/>
+                  </a:solidFill>
+                </a:uFill>
+                <a:latin typeface="Arial"/>
+                <a:ea typeface="Noto Sans CJK SC Regular"/>
+              </a:rPr>
+              <a:t>Rolling Window Analysis</a:t>
+            </a:r>
+            <a:r>
+              <a:rPr b="0" lang="en-US" sz="2800" spc="-1" strike="noStrike">
+                <a:solidFill>
+                  <a:srgbClr val="000000"/>
+                </a:solidFill>
+                <a:uFill>
+                  <a:solidFill>
+                    <a:srgbClr val="ffffff"/>
+                  </a:solidFill>
+                </a:uFill>
+                <a:latin typeface="Arial"/>
+                <a:ea typeface="Noto Sans CJK SC Regular"/>
+              </a:rPr>
+              <a:t>:</a:t>
+            </a:r>
+            <a:endParaRPr b="0" lang="en-US" sz="1800" spc="-1" strike="noStrike">
+              <a:solidFill>
+                <a:srgbClr val="000000"/>
+              </a:solidFill>
+              <a:uFill>
+                <a:solidFill>
+                  <a:srgbClr val="ffffff"/>
+                </a:solidFill>
+              </a:uFill>
+              <a:latin typeface="Arial"/>
+            </a:endParaRPr>
+          </a:p>
+          <a:p>
+            <a:pPr marL="216000" indent="-215640">
+              <a:lnSpc>
+                <a:spcPct val="100000"/>
+              </a:lnSpc>
+              <a:buClr>
+                <a:srgbClr val="000000"/>
+              </a:buClr>
+              <a:buSzPct val="45000"/>
+              <a:buFont typeface="Wingdings" charset="2"/>
+              <a:buChar char=""/>
+            </a:pPr>
+            <a:r>
+              <a:rPr b="0" lang="en-US" sz="2800" spc="-1" strike="noStrike">
+                <a:solidFill>
+                  <a:srgbClr val="000000"/>
+                </a:solidFill>
+                <a:uFill>
+                  <a:solidFill>
+                    <a:srgbClr val="ffffff"/>
+                  </a:solidFill>
+                </a:uFill>
+                <a:latin typeface="Arial"/>
+                <a:ea typeface="Noto Sans CJK SC Regular"/>
+              </a:rPr>
+              <a:t> </a:t>
+            </a:r>
+            <a:endParaRPr b="0" lang="en-US" sz="1800" spc="-1" strike="noStrike">
+              <a:solidFill>
+                <a:srgbClr val="000000"/>
+              </a:solidFill>
+              <a:uFill>
+                <a:solidFill>
+                  <a:srgbClr val="ffffff"/>
+                </a:solidFill>
+              </a:uFill>
+              <a:latin typeface="Arial"/>
+            </a:endParaRPr>
+          </a:p>
+          <a:p>
+            <a:pPr marL="448200">
+              <a:lnSpc>
+                <a:spcPct val="100000"/>
+              </a:lnSpc>
+              <a:buClr>
+                <a:srgbClr val="000000"/>
+              </a:buClr>
+              <a:buSzPct val="45000"/>
+              <a:buFont typeface="Wingdings" charset="2"/>
+              <a:buChar char=""/>
+            </a:pPr>
+            <a:r>
+              <a:rPr b="0" lang="en-US" sz="2800" spc="-1" strike="noStrike">
+                <a:solidFill>
+                  <a:srgbClr val="000000"/>
+                </a:solidFill>
+                <a:uFill>
+                  <a:solidFill>
+                    <a:srgbClr val="ffffff"/>
+                  </a:solidFill>
+                </a:uFill>
+                <a:latin typeface="Arial"/>
+                <a:ea typeface="Noto Sans CJK SC Regular"/>
+              </a:rPr>
+              <a:t>A window size is chosen based on the minimum amount of observations required to train the model(36).</a:t>
+            </a:r>
+            <a:endParaRPr b="0" lang="en-US" sz="1800" spc="-1" strike="noStrike">
+              <a:solidFill>
+                <a:srgbClr val="000000"/>
+              </a:solidFill>
+              <a:uFill>
+                <a:solidFill>
+                  <a:srgbClr val="ffffff"/>
+                </a:solidFill>
+              </a:uFill>
+              <a:latin typeface="Arial"/>
+            </a:endParaRPr>
+          </a:p>
+          <a:p>
+            <a:pPr marL="448200">
+              <a:lnSpc>
+                <a:spcPct val="100000"/>
+              </a:lnSpc>
+              <a:buClr>
+                <a:srgbClr val="000000"/>
+              </a:buClr>
+              <a:buSzPct val="45000"/>
+              <a:buFont typeface="Wingdings" charset="2"/>
+              <a:buChar char=""/>
+            </a:pPr>
+            <a:r>
+              <a:rPr b="0" lang="en-US" sz="2800" spc="-1" strike="noStrike">
+                <a:solidFill>
+                  <a:srgbClr val="000000"/>
+                </a:solidFill>
+                <a:uFill>
+                  <a:solidFill>
+                    <a:srgbClr val="ffffff"/>
+                  </a:solidFill>
+                </a:uFill>
+                <a:latin typeface="Arial"/>
+                <a:ea typeface="Noto Sans CJK SC Regular"/>
+              </a:rPr>
+              <a:t>Starting at the beginning of the time series, a window size of periods is used to train the model, then a prediction for the next time step is made, and used to evaluate the model.</a:t>
+            </a:r>
+            <a:endParaRPr b="0" lang="en-US" sz="1800" spc="-1" strike="noStrike">
+              <a:solidFill>
+                <a:srgbClr val="000000"/>
+              </a:solidFill>
+              <a:uFill>
+                <a:solidFill>
+                  <a:srgbClr val="ffffff"/>
+                </a:solidFill>
+              </a:uFill>
+              <a:latin typeface="Arial"/>
+            </a:endParaRPr>
+          </a:p>
+          <a:p>
+            <a:pPr marL="448200">
+              <a:lnSpc>
+                <a:spcPct val="100000"/>
+              </a:lnSpc>
+              <a:buClr>
+                <a:srgbClr val="000000"/>
+              </a:buClr>
+              <a:buSzPct val="45000"/>
+              <a:buFont typeface="Wingdings" charset="2"/>
+              <a:buChar char=""/>
+            </a:pPr>
+            <a:r>
+              <a:rPr b="0" lang="en-US" sz="2800" spc="-1" strike="noStrike">
+                <a:solidFill>
+                  <a:srgbClr val="000000"/>
+                </a:solidFill>
+                <a:uFill>
+                  <a:solidFill>
+                    <a:srgbClr val="ffffff"/>
+                  </a:solidFill>
+                </a:uFill>
+                <a:latin typeface="Arial"/>
+                <a:ea typeface="Noto Sans CJK SC Regular"/>
+              </a:rPr>
+              <a:t>The window is shifted one period and the process is repeated. </a:t>
+            </a:r>
+            <a:endParaRPr b="0" lang="en-US" sz="1800" spc="-1" strike="noStrike">
+              <a:solidFill>
+                <a:srgbClr val="000000"/>
+              </a:solidFill>
+              <a:uFill>
+                <a:solidFill>
+                  <a:srgbClr val="ffffff"/>
+                </a:solidFill>
+              </a:uFill>
+              <a:latin typeface="Arial"/>
+            </a:endParaRPr>
+          </a:p>
+          <a:p>
+            <a:pPr marL="448200" indent="-215640">
+              <a:lnSpc>
+                <a:spcPct val="100000"/>
+              </a:lnSpc>
+              <a:buClr>
+                <a:srgbClr val="000000"/>
+              </a:buClr>
+              <a:buSzPct val="45000"/>
+              <a:buFont typeface="Wingdings" charset="2"/>
+              <a:buChar char=""/>
+            </a:pPr>
+            <a:r>
+              <a:rPr b="0" lang="en-US" sz="2800" spc="-1" strike="noStrike">
+                <a:solidFill>
+                  <a:srgbClr val="000000"/>
+                </a:solidFill>
+                <a:uFill>
+                  <a:solidFill>
+                    <a:srgbClr val="ffffff"/>
+                  </a:solidFill>
+                </a:uFill>
+                <a:latin typeface="Arial"/>
+                <a:ea typeface="Noto Sans CJK SC Regular"/>
+              </a:rPr>
+              <a:t> </a:t>
+            </a:r>
+            <a:endParaRPr b="0" lang="en-US" sz="1800" spc="-1" strike="noStrike">
+              <a:solidFill>
+                <a:srgbClr val="000000"/>
+              </a:solidFill>
+              <a:uFill>
+                <a:solidFill>
+                  <a:srgbClr val="ffffff"/>
+                </a:solidFill>
+              </a:uFill>
+              <a:latin typeface="Arial"/>
+            </a:endParaRPr>
+          </a:p>
+        </p:txBody>
+      </p:sp>
+    </p:spTree>
+  </p:cSld>
+</p:sld>
+</file>
+
+<file path=ppt/slides/slide17.xml><?xml version="1.0" encoding="utf-8"?>
+<p:sld xmlns:a="http://schemas.openxmlformats.org/drawingml/2006/main" xmlns:p="http://schemas.openxmlformats.org/presentationml/2006/main" xmlns:r="http://schemas.openxmlformats.org/officeDocument/2006/relationships" xmlns:p14="http://schemas.microsoft.com/office/powerpoint/2010/main" xmlns:p15="http://schemas.microsoft.com/office/powerpoint/2012/main" xmlns:mc="http://schemas.openxmlformats.org/markup-compatibility/2006">
+  <p:cSld>
+    <p:spTree>
+      <p:nvGrpSpPr>
+        <p:cNvPr id="1" name=""/>
+        <p:cNvGrpSpPr/>
+        <p:nvPr/>
+      </p:nvGrpSpPr>
+      <p:grpSpPr>
+        <a:xfrm>
+          <a:off x="0" y="0"/>
+          <a:ext cx="0" cy="0"/>
+          <a:chOff x="0" y="0"/>
+          <a:chExt cx="0" cy="0"/>
+        </a:xfrm>
+      </p:grpSpPr>
+      <p:sp>
+        <p:nvSpPr>
+          <p:cNvPr id="108" name="CustomShape 1"/>
+          <p:cNvSpPr/>
+          <p:nvPr/>
+        </p:nvSpPr>
+        <p:spPr>
+          <a:xfrm>
+            <a:off x="504000" y="301320"/>
+            <a:ext cx="9071280" cy="1261800"/>
+          </a:xfrm>
+          <a:prstGeom prst="rect">
+            <a:avLst/>
+          </a:prstGeom>
+          <a:noFill/>
+          <a:ln>
+            <a:noFill/>
+          </a:ln>
+        </p:spPr>
+        <p:style>
+          <a:lnRef idx="0"/>
+          <a:fillRef idx="0"/>
+          <a:effectRef idx="0"/>
+          <a:fontRef idx="minor"/>
+        </p:style>
+        <p:txBody>
+          <a:bodyPr lIns="0" rIns="0" tIns="0" bIns="0" anchor="ctr"/>
+          <a:p>
+            <a:pPr algn="ctr">
+              <a:lnSpc>
+                <a:spcPct val="100000"/>
+              </a:lnSpc>
+            </a:pPr>
+            <a:r>
+              <a:rPr b="0" lang="en-US" sz="3200" spc="-1" strike="noStrike">
+                <a:solidFill>
+                  <a:srgbClr val="000000"/>
+                </a:solidFill>
+                <a:uFill>
+                  <a:solidFill>
+                    <a:srgbClr val="ffffff"/>
+                  </a:solidFill>
+                </a:uFill>
+                <a:latin typeface="Arial"/>
+                <a:ea typeface="Noto Sans CJK SC Regular"/>
+              </a:rPr>
+              <a:t>Learning rate decay(ModelTrainer)</a:t>
+            </a:r>
+            <a:endParaRPr b="0" lang="en-US" sz="1800" spc="-1" strike="noStrike">
+              <a:solidFill>
+                <a:srgbClr val="000000"/>
+              </a:solidFill>
+              <a:uFill>
+                <a:solidFill>
+                  <a:srgbClr val="ffffff"/>
+                </a:solidFill>
+              </a:uFill>
+              <a:latin typeface="Arial"/>
+            </a:endParaRPr>
+          </a:p>
+        </p:txBody>
+      </p:sp>
+      <p:sp>
+        <p:nvSpPr>
+          <p:cNvPr id="109" name="CustomShape 2"/>
           <p:cNvSpPr/>
           <p:nvPr/>
         </p:nvSpPr>
@@ -5068,19 +7378,19 @@
               <a:buChar char=""/>
             </a:pPr>
             <a:r>
-              <a:rPr b="0" lang="en-US" sz="3200" spc="-1" strike="noStrike">
-                <a:solidFill>
-                  <a:srgbClr val="000000"/>
-                </a:solidFill>
-                <a:uFill>
-                  <a:solidFill>
-                    <a:srgbClr val="ffffff"/>
-                  </a:solidFill>
-                </a:uFill>
-                <a:latin typeface="Arial"/>
-                <a:ea typeface="Noto Sans CJK SC Regular"/>
-              </a:rPr>
-              <a:t>The metric used to evaluate the different models was the sales absolute mean error, after evaluating all the test windows.</a:t>
+              <a:rPr b="0" lang="en-US" sz="2800" spc="-1" strike="noStrike">
+                <a:solidFill>
+                  <a:srgbClr val="000000"/>
+                </a:solidFill>
+                <a:uFill>
+                  <a:solidFill>
+                    <a:srgbClr val="ffffff"/>
+                  </a:solidFill>
+                </a:uFill>
+                <a:latin typeface="Arial"/>
+                <a:ea typeface="Noto Sans CJK SC Regular"/>
+              </a:rPr>
+              <a:t> </a:t>
             </a:r>
             <a:endParaRPr b="0" lang="en-US" sz="1800" spc="-1" strike="noStrike">
               <a:solidFill>
@@ -5107,19 +7417,19 @@
               <a:buChar char=""/>
             </a:pPr>
             <a:r>
-              <a:rPr b="0" lang="en-US" sz="3200" spc="-1" strike="noStrike">
-                <a:solidFill>
-                  <a:srgbClr val="000000"/>
-                </a:solidFill>
-                <a:uFill>
-                  <a:solidFill>
-                    <a:srgbClr val="ffffff"/>
-                  </a:solidFill>
-                </a:uFill>
-                <a:latin typeface="Arial"/>
-                <a:ea typeface="Noto Sans CJK SC Regular"/>
-              </a:rPr>
-              <a:t> </a:t>
+              <a:rPr b="0" lang="en-US" sz="2800" spc="-1" strike="noStrike">
+                <a:solidFill>
+                  <a:srgbClr val="000000"/>
+                </a:solidFill>
+                <a:uFill>
+                  <a:solidFill>
+                    <a:srgbClr val="ffffff"/>
+                  </a:solidFill>
+                </a:uFill>
+                <a:latin typeface="Arial"/>
+                <a:ea typeface="Noto Sans CJK SC Regular"/>
+              </a:rPr>
+              <a:t>The technique used to dynamically adapt the learning rate is as follows:</a:t>
             </a:r>
             <a:endParaRPr b="0" lang="en-US" sz="1800" spc="-1" strike="noStrike">
               <a:solidFill>
@@ -5158,7 +7468,121 @@
                 <a:latin typeface="Arial"/>
                 <a:ea typeface="Noto Sans CJK SC Regular"/>
               </a:rPr>
-              <a:t>The selection process determined that the best subset of input features are: </a:t>
+              <a:t> </a:t>
+            </a:r>
+            <a:endParaRPr b="0" lang="en-US" sz="1800" spc="-1" strike="noStrike">
+              <a:solidFill>
+                <a:srgbClr val="000000"/>
+              </a:solidFill>
+              <a:uFill>
+                <a:solidFill>
+                  <a:srgbClr val="ffffff"/>
+                </a:solidFill>
+              </a:uFill>
+              <a:latin typeface="Arial"/>
+            </a:endParaRPr>
+          </a:p>
+          <a:p>
+            <a:pPr marL="448200">
+              <a:lnSpc>
+                <a:spcPct val="100000"/>
+              </a:lnSpc>
+              <a:buClr>
+                <a:srgbClr val="000000"/>
+              </a:buClr>
+              <a:buFont typeface="StarSymbol"/>
+              <a:buAutoNum type="arabicParenR"/>
+            </a:pPr>
+            <a:r>
+              <a:rPr b="0" lang="en-US" sz="2800" spc="-1" strike="noStrike">
+                <a:solidFill>
+                  <a:srgbClr val="000000"/>
+                </a:solidFill>
+                <a:uFill>
+                  <a:solidFill>
+                    <a:srgbClr val="ffffff"/>
+                  </a:solidFill>
+                </a:uFill>
+                <a:latin typeface="Arial"/>
+                <a:ea typeface="Noto Sans CJK SC Regular"/>
+              </a:rPr>
+              <a:t>The model is evaluated after each epoch of training. </a:t>
+            </a:r>
+            <a:endParaRPr b="0" lang="en-US" sz="1800" spc="-1" strike="noStrike">
+              <a:solidFill>
+                <a:srgbClr val="000000"/>
+              </a:solidFill>
+              <a:uFill>
+                <a:solidFill>
+                  <a:srgbClr val="ffffff"/>
+                </a:solidFill>
+              </a:uFill>
+              <a:latin typeface="Arial"/>
+            </a:endParaRPr>
+          </a:p>
+          <a:p>
+            <a:pPr marL="448200">
+              <a:lnSpc>
+                <a:spcPct val="100000"/>
+              </a:lnSpc>
+              <a:buClr>
+                <a:srgbClr val="000000"/>
+              </a:buClr>
+              <a:buFont typeface="StarSymbol"/>
+              <a:buAutoNum type="arabicParenR"/>
+            </a:pPr>
+            <a:r>
+              <a:rPr b="0" lang="en-US" sz="2800" spc="-1" strike="noStrike">
+                <a:solidFill>
+                  <a:srgbClr val="000000"/>
+                </a:solidFill>
+                <a:uFill>
+                  <a:solidFill>
+                    <a:srgbClr val="ffffff"/>
+                  </a:solidFill>
+                </a:uFill>
+                <a:latin typeface="Arial"/>
+                <a:ea typeface="Noto Sans CJK SC Regular"/>
+              </a:rPr>
+              <a:t>If the error didn’t improve then a counter is   increased, if it did improve the counter is reset to zero.</a:t>
+            </a:r>
+            <a:endParaRPr b="0" lang="en-US" sz="1800" spc="-1" strike="noStrike">
+              <a:solidFill>
+                <a:srgbClr val="000000"/>
+              </a:solidFill>
+              <a:uFill>
+                <a:solidFill>
+                  <a:srgbClr val="ffffff"/>
+                </a:solidFill>
+              </a:uFill>
+              <a:latin typeface="Arial"/>
+            </a:endParaRPr>
+          </a:p>
+          <a:p>
+            <a:pPr marL="448200">
+              <a:lnSpc>
+                <a:spcPct val="100000"/>
+              </a:lnSpc>
+              <a:buClr>
+                <a:srgbClr val="000000"/>
+              </a:buClr>
+              <a:buFont typeface="StarSymbol"/>
+              <a:buAutoNum type="arabicParenR"/>
+            </a:pPr>
+            <a:r>
+              <a:rPr b="0" lang="en-US" sz="2800" spc="-1" strike="noStrike">
+                <a:solidFill>
+                  <a:srgbClr val="000000"/>
+                </a:solidFill>
+                <a:uFill>
+                  <a:solidFill>
+                    <a:srgbClr val="ffffff"/>
+                  </a:solidFill>
+                </a:uFill>
+                <a:latin typeface="Arial"/>
+                <a:ea typeface="Noto Sans CJK SC Regular"/>
+              </a:rPr>
+              <a:t>If the counter surpasses a certain threshold(3), then the learning rate is decreased by a configurable amount.</a:t>
             </a:r>
             <a:endParaRPr b="0" lang="en-US" sz="1800" spc="-1" strike="noStrike">
               <a:solidFill>
@@ -5176,33 +7600,598 @@
       </p:sp>
     </p:spTree>
   </p:cSld>
-  <p:timing>
-    <p:tnLst>
-      <p:par>
-        <p:cTn id="25" dur="indefinite" restart="never" nodeType="tmRoot">
-          <p:childTnLst>
-            <p:seq>
-              <p:cTn id="26" nodeType="mainSeq"/>
-              <p:prevCondLst>
-                <p:cond delay="0" evt="onPrev">
-                  <p:tgtEl>
-                    <p:sldTgt/>
-                  </p:tgtEl>
-                </p:cond>
-              </p:prevCondLst>
-              <p:nextCondLst>
-                <p:cond delay="0" evt="onNext">
-                  <p:tgtEl>
-                    <p:sldTgt/>
-                  </p:tgtEl>
-                </p:cond>
-              </p:nextCondLst>
-            </p:seq>
-          </p:childTnLst>
-        </p:cTn>
-      </p:par>
-    </p:tnLst>
-  </p:timing>
+</p:sld>
+</file>
+
+<file path=ppt/slides/slide18.xml><?xml version="1.0" encoding="utf-8"?>
+<p:sld xmlns:a="http://schemas.openxmlformats.org/drawingml/2006/main" xmlns:p="http://schemas.openxmlformats.org/presentationml/2006/main" xmlns:r="http://schemas.openxmlformats.org/officeDocument/2006/relationships" xmlns:p14="http://schemas.microsoft.com/office/powerpoint/2010/main" xmlns:p15="http://schemas.microsoft.com/office/powerpoint/2012/main" xmlns:mc="http://schemas.openxmlformats.org/markup-compatibility/2006">
+  <p:cSld>
+    <p:spTree>
+      <p:nvGrpSpPr>
+        <p:cNvPr id="1" name=""/>
+        <p:cNvGrpSpPr/>
+        <p:nvPr/>
+      </p:nvGrpSpPr>
+      <p:grpSpPr>
+        <a:xfrm>
+          <a:off x="0" y="0"/>
+          <a:ext cx="0" cy="0"/>
+          <a:chOff x="0" y="0"/>
+          <a:chExt cx="0" cy="0"/>
+        </a:xfrm>
+      </p:grpSpPr>
+      <p:sp>
+        <p:nvSpPr>
+          <p:cNvPr id="110" name="CustomShape 1"/>
+          <p:cNvSpPr/>
+          <p:nvPr/>
+        </p:nvSpPr>
+        <p:spPr>
+          <a:xfrm>
+            <a:off x="504000" y="301320"/>
+            <a:ext cx="9071280" cy="1261800"/>
+          </a:xfrm>
+          <a:prstGeom prst="rect">
+            <a:avLst/>
+          </a:prstGeom>
+          <a:noFill/>
+          <a:ln>
+            <a:noFill/>
+          </a:ln>
+        </p:spPr>
+        <p:style>
+          <a:lnRef idx="0"/>
+          <a:fillRef idx="0"/>
+          <a:effectRef idx="0"/>
+          <a:fontRef idx="minor"/>
+        </p:style>
+        <p:txBody>
+          <a:bodyPr lIns="0" rIns="0" tIns="0" bIns="0" anchor="ctr"/>
+          <a:p>
+            <a:pPr algn="ctr">
+              <a:lnSpc>
+                <a:spcPct val="100000"/>
+              </a:lnSpc>
+            </a:pPr>
+            <a:r>
+              <a:rPr b="0" lang="en-US" sz="3200" spc="-1" strike="noStrike">
+                <a:solidFill>
+                  <a:srgbClr val="000000"/>
+                </a:solidFill>
+                <a:uFill>
+                  <a:solidFill>
+                    <a:srgbClr val="ffffff"/>
+                  </a:solidFill>
+                </a:uFill>
+                <a:latin typeface="Arial"/>
+                <a:ea typeface="Noto Sans CJK SC Regular"/>
+              </a:rPr>
+              <a:t>Hyperparameter Optimization(ExperimentRunner)</a:t>
+            </a:r>
+            <a:endParaRPr b="0" lang="en-US" sz="1800" spc="-1" strike="noStrike">
+              <a:solidFill>
+                <a:srgbClr val="000000"/>
+              </a:solidFill>
+              <a:uFill>
+                <a:solidFill>
+                  <a:srgbClr val="ffffff"/>
+                </a:solidFill>
+              </a:uFill>
+              <a:latin typeface="Arial"/>
+            </a:endParaRPr>
+          </a:p>
+        </p:txBody>
+      </p:sp>
+      <p:sp>
+        <p:nvSpPr>
+          <p:cNvPr id="111" name="CustomShape 2"/>
+          <p:cNvSpPr/>
+          <p:nvPr/>
+        </p:nvSpPr>
+        <p:spPr>
+          <a:xfrm>
+            <a:off x="504000" y="1769040"/>
+            <a:ext cx="9071280" cy="4384080"/>
+          </a:xfrm>
+          <a:prstGeom prst="rect">
+            <a:avLst/>
+          </a:prstGeom>
+          <a:noFill/>
+          <a:ln>
+            <a:noFill/>
+          </a:ln>
+        </p:spPr>
+        <p:style>
+          <a:lnRef idx="0"/>
+          <a:fillRef idx="0"/>
+          <a:effectRef idx="0"/>
+          <a:fontRef idx="minor"/>
+        </p:style>
+        <p:txBody>
+          <a:bodyPr lIns="0" rIns="0" tIns="0" bIns="0"/>
+          <a:p>
+            <a:pPr marL="216000" indent="-215640">
+              <a:lnSpc>
+                <a:spcPct val="100000"/>
+              </a:lnSpc>
+              <a:buClr>
+                <a:srgbClr val="000000"/>
+              </a:buClr>
+              <a:buSzPct val="45000"/>
+              <a:buFont typeface="Wingdings" charset="2"/>
+              <a:buChar char=""/>
+            </a:pPr>
+            <a:r>
+              <a:rPr b="0" lang="en-US" sz="2800" spc="-1" strike="noStrike">
+                <a:solidFill>
+                  <a:srgbClr val="000000"/>
+                </a:solidFill>
+                <a:uFill>
+                  <a:solidFill>
+                    <a:srgbClr val="ffffff"/>
+                  </a:solidFill>
+                </a:uFill>
+                <a:latin typeface="Arial"/>
+                <a:ea typeface="Noto Sans CJK SC Regular"/>
+              </a:rPr>
+              <a:t>Ray Tune Framework makes it easy to configure and run train experiments on the model, providing flexible trial generation(grid search, random search, conditional parameter distributions)</a:t>
+            </a:r>
+            <a:endParaRPr b="0" lang="en-US" sz="1800" spc="-1" strike="noStrike">
+              <a:solidFill>
+                <a:srgbClr val="000000"/>
+              </a:solidFill>
+              <a:uFill>
+                <a:solidFill>
+                  <a:srgbClr val="ffffff"/>
+                </a:solidFill>
+              </a:uFill>
+              <a:latin typeface="Arial"/>
+            </a:endParaRPr>
+          </a:p>
+          <a:p>
+            <a:pPr marL="216000" indent="-215640">
+              <a:lnSpc>
+                <a:spcPct val="100000"/>
+              </a:lnSpc>
+              <a:buClr>
+                <a:srgbClr val="000000"/>
+              </a:buClr>
+              <a:buSzPct val="45000"/>
+              <a:buFont typeface="Wingdings" charset="2"/>
+              <a:buChar char=""/>
+            </a:pPr>
+            <a:r>
+              <a:rPr b="0" lang="en-US" sz="2800" spc="-1" strike="noStrike">
+                <a:solidFill>
+                  <a:srgbClr val="000000"/>
+                </a:solidFill>
+                <a:uFill>
+                  <a:solidFill>
+                    <a:srgbClr val="ffffff"/>
+                  </a:solidFill>
+                </a:uFill>
+                <a:latin typeface="Arial"/>
+                <a:ea typeface="Noto Sans CJK SC Regular"/>
+              </a:rPr>
+              <a:t> </a:t>
+            </a:r>
+            <a:endParaRPr b="0" lang="en-US" sz="1800" spc="-1" strike="noStrike">
+              <a:solidFill>
+                <a:srgbClr val="000000"/>
+              </a:solidFill>
+              <a:uFill>
+                <a:solidFill>
+                  <a:srgbClr val="ffffff"/>
+                </a:solidFill>
+              </a:uFill>
+              <a:latin typeface="Arial"/>
+            </a:endParaRPr>
+          </a:p>
+          <a:p>
+            <a:pPr marL="216000" indent="-215640">
+              <a:lnSpc>
+                <a:spcPct val="100000"/>
+              </a:lnSpc>
+              <a:buClr>
+                <a:srgbClr val="000000"/>
+              </a:buClr>
+              <a:buSzPct val="45000"/>
+              <a:buFont typeface="Wingdings" charset="2"/>
+              <a:buChar char=""/>
+            </a:pPr>
+            <a:r>
+              <a:rPr b="0" lang="en-US" sz="2800" spc="-1" strike="noStrike">
+                <a:solidFill>
+                  <a:srgbClr val="000000"/>
+                </a:solidFill>
+                <a:uFill>
+                  <a:solidFill>
+                    <a:srgbClr val="ffffff"/>
+                  </a:solidFill>
+                </a:uFill>
+                <a:latin typeface="Arial"/>
+                <a:ea typeface="Noto Sans CJK SC Regular"/>
+              </a:rPr>
+              <a:t>Coarse to fine search approach</a:t>
+            </a:r>
+            <a:endParaRPr b="0" lang="en-US" sz="1800" spc="-1" strike="noStrike">
+              <a:solidFill>
+                <a:srgbClr val="000000"/>
+              </a:solidFill>
+              <a:uFill>
+                <a:solidFill>
+                  <a:srgbClr val="ffffff"/>
+                </a:solidFill>
+              </a:uFill>
+              <a:latin typeface="Arial"/>
+            </a:endParaRPr>
+          </a:p>
+          <a:p>
+            <a:pPr marL="216000" indent="-215640">
+              <a:lnSpc>
+                <a:spcPct val="100000"/>
+              </a:lnSpc>
+              <a:buClr>
+                <a:srgbClr val="000000"/>
+              </a:buClr>
+              <a:buSzPct val="45000"/>
+              <a:buFont typeface="Wingdings" charset="2"/>
+              <a:buChar char=""/>
+            </a:pPr>
+            <a:r>
+              <a:rPr b="0" lang="en-US" sz="2800" spc="-1" strike="noStrike">
+                <a:solidFill>
+                  <a:srgbClr val="000000"/>
+                </a:solidFill>
+                <a:uFill>
+                  <a:solidFill>
+                    <a:srgbClr val="ffffff"/>
+                  </a:solidFill>
+                </a:uFill>
+                <a:latin typeface="Arial"/>
+                <a:ea typeface="Noto Sans CJK SC Regular"/>
+              </a:rPr>
+              <a:t> </a:t>
+            </a:r>
+            <a:endParaRPr b="0" lang="en-US" sz="1800" spc="-1" strike="noStrike">
+              <a:solidFill>
+                <a:srgbClr val="000000"/>
+              </a:solidFill>
+              <a:uFill>
+                <a:solidFill>
+                  <a:srgbClr val="ffffff"/>
+                </a:solidFill>
+              </a:uFill>
+              <a:latin typeface="Arial"/>
+            </a:endParaRPr>
+          </a:p>
+          <a:p>
+            <a:pPr marL="216000" indent="-215640">
+              <a:lnSpc>
+                <a:spcPct val="100000"/>
+              </a:lnSpc>
+              <a:buClr>
+                <a:srgbClr val="000000"/>
+              </a:buClr>
+              <a:buSzPct val="45000"/>
+              <a:buFont typeface="Wingdings" charset="2"/>
+              <a:buChar char=""/>
+            </a:pPr>
+            <a:r>
+              <a:rPr b="0" lang="en-US" sz="2800" spc="-1" strike="noStrike">
+                <a:solidFill>
+                  <a:srgbClr val="000000"/>
+                </a:solidFill>
+                <a:uFill>
+                  <a:solidFill>
+                    <a:srgbClr val="ffffff"/>
+                  </a:solidFill>
+                </a:uFill>
+                <a:latin typeface="Arial"/>
+                <a:ea typeface="Noto Sans CJK SC Regular"/>
+              </a:rPr>
+              <a:t>Optimized parameters:</a:t>
+            </a:r>
+            <a:endParaRPr b="0" lang="en-US" sz="1800" spc="-1" strike="noStrike">
+              <a:solidFill>
+                <a:srgbClr val="000000"/>
+              </a:solidFill>
+              <a:uFill>
+                <a:solidFill>
+                  <a:srgbClr val="ffffff"/>
+                </a:solidFill>
+              </a:uFill>
+              <a:latin typeface="Arial"/>
+            </a:endParaRPr>
+          </a:p>
+          <a:p>
+            <a:pPr marL="448200">
+              <a:lnSpc>
+                <a:spcPct val="100000"/>
+              </a:lnSpc>
+              <a:buClr>
+                <a:srgbClr val="000000"/>
+              </a:buClr>
+              <a:buSzPct val="45000"/>
+              <a:buFont typeface="Wingdings" charset="2"/>
+              <a:buChar char=""/>
+            </a:pPr>
+            <a:r>
+              <a:rPr b="0" lang="en-US" sz="2800" spc="-1" strike="noStrike">
+                <a:solidFill>
+                  <a:srgbClr val="000000"/>
+                </a:solidFill>
+                <a:uFill>
+                  <a:solidFill>
+                    <a:srgbClr val="ffffff"/>
+                  </a:solidFill>
+                </a:uFill>
+                <a:latin typeface="Arial"/>
+                <a:ea typeface="Noto Sans CJK SC Regular"/>
+              </a:rPr>
+              <a:t>Dropout Keep Probability</a:t>
+            </a:r>
+            <a:endParaRPr b="0" lang="en-US" sz="1800" spc="-1" strike="noStrike">
+              <a:solidFill>
+                <a:srgbClr val="000000"/>
+              </a:solidFill>
+              <a:uFill>
+                <a:solidFill>
+                  <a:srgbClr val="ffffff"/>
+                </a:solidFill>
+              </a:uFill>
+              <a:latin typeface="Arial"/>
+            </a:endParaRPr>
+          </a:p>
+          <a:p>
+            <a:pPr marL="448200">
+              <a:lnSpc>
+                <a:spcPct val="100000"/>
+              </a:lnSpc>
+              <a:buClr>
+                <a:srgbClr val="000000"/>
+              </a:buClr>
+              <a:buSzPct val="45000"/>
+              <a:buFont typeface="Wingdings" charset="2"/>
+              <a:buChar char=""/>
+            </a:pPr>
+            <a:r>
+              <a:rPr b="0" lang="en-US" sz="2800" spc="-1" strike="noStrike">
+                <a:solidFill>
+                  <a:srgbClr val="000000"/>
+                </a:solidFill>
+                <a:uFill>
+                  <a:solidFill>
+                    <a:srgbClr val="ffffff"/>
+                  </a:solidFill>
+                </a:uFill>
+                <a:latin typeface="Arial"/>
+                <a:ea typeface="Noto Sans CJK SC Regular"/>
+              </a:rPr>
+              <a:t>Number of Layers</a:t>
+            </a:r>
+            <a:endParaRPr b="0" lang="en-US" sz="1800" spc="-1" strike="noStrike">
+              <a:solidFill>
+                <a:srgbClr val="000000"/>
+              </a:solidFill>
+              <a:uFill>
+                <a:solidFill>
+                  <a:srgbClr val="ffffff"/>
+                </a:solidFill>
+              </a:uFill>
+              <a:latin typeface="Arial"/>
+            </a:endParaRPr>
+          </a:p>
+          <a:p>
+            <a:pPr marL="448200">
+              <a:lnSpc>
+                <a:spcPct val="100000"/>
+              </a:lnSpc>
+              <a:buClr>
+                <a:srgbClr val="000000"/>
+              </a:buClr>
+              <a:buSzPct val="45000"/>
+              <a:buFont typeface="Wingdings" charset="2"/>
+              <a:buChar char=""/>
+            </a:pPr>
+            <a:r>
+              <a:rPr b="0" lang="en-US" sz="2800" spc="-1" strike="noStrike">
+                <a:solidFill>
+                  <a:srgbClr val="000000"/>
+                </a:solidFill>
+                <a:uFill>
+                  <a:solidFill>
+                    <a:srgbClr val="ffffff"/>
+                  </a:solidFill>
+                </a:uFill>
+                <a:latin typeface="Arial"/>
+                <a:ea typeface="Noto Sans CJK SC Regular"/>
+              </a:rPr>
+              <a:t>Size of layers</a:t>
+            </a:r>
+            <a:endParaRPr b="0" lang="en-US" sz="1800" spc="-1" strike="noStrike">
+              <a:solidFill>
+                <a:srgbClr val="000000"/>
+              </a:solidFill>
+              <a:uFill>
+                <a:solidFill>
+                  <a:srgbClr val="ffffff"/>
+                </a:solidFill>
+              </a:uFill>
+              <a:latin typeface="Arial"/>
+            </a:endParaRPr>
+          </a:p>
+        </p:txBody>
+      </p:sp>
+    </p:spTree>
+  </p:cSld>
+</p:sld>
+</file>
+
+<file path=ppt/slides/slide19.xml><?xml version="1.0" encoding="utf-8"?>
+<p:sld xmlns:a="http://schemas.openxmlformats.org/drawingml/2006/main" xmlns:p="http://schemas.openxmlformats.org/presentationml/2006/main" xmlns:r="http://schemas.openxmlformats.org/officeDocument/2006/relationships" xmlns:p14="http://schemas.microsoft.com/office/powerpoint/2010/main" xmlns:p15="http://schemas.microsoft.com/office/powerpoint/2012/main" xmlns:mc="http://schemas.openxmlformats.org/markup-compatibility/2006">
+  <p:cSld>
+    <p:spTree>
+      <p:nvGrpSpPr>
+        <p:cNvPr id="1" name=""/>
+        <p:cNvGrpSpPr/>
+        <p:nvPr/>
+      </p:nvGrpSpPr>
+      <p:grpSpPr>
+        <a:xfrm>
+          <a:off x="0" y="0"/>
+          <a:ext cx="0" cy="0"/>
+          <a:chOff x="0" y="0"/>
+          <a:chExt cx="0" cy="0"/>
+        </a:xfrm>
+      </p:grpSpPr>
+      <p:sp>
+        <p:nvSpPr>
+          <p:cNvPr id="112" name="CustomShape 1"/>
+          <p:cNvSpPr/>
+          <p:nvPr/>
+        </p:nvSpPr>
+        <p:spPr>
+          <a:xfrm>
+            <a:off x="504000" y="301320"/>
+            <a:ext cx="9071280" cy="1261800"/>
+          </a:xfrm>
+          <a:prstGeom prst="rect">
+            <a:avLst/>
+          </a:prstGeom>
+          <a:noFill/>
+          <a:ln>
+            <a:noFill/>
+          </a:ln>
+        </p:spPr>
+        <p:style>
+          <a:lnRef idx="0"/>
+          <a:fillRef idx="0"/>
+          <a:effectRef idx="0"/>
+          <a:fontRef idx="minor"/>
+        </p:style>
+        <p:txBody>
+          <a:bodyPr lIns="0" rIns="0" tIns="0" bIns="0" anchor="ctr"/>
+          <a:p>
+            <a:pPr algn="ctr">
+              <a:lnSpc>
+                <a:spcPct val="100000"/>
+              </a:lnSpc>
+            </a:pPr>
+            <a:r>
+              <a:rPr b="0" lang="en-US" sz="3200" spc="-1" strike="noStrike">
+                <a:solidFill>
+                  <a:srgbClr val="000000"/>
+                </a:solidFill>
+                <a:uFill>
+                  <a:solidFill>
+                    <a:srgbClr val="ffffff"/>
+                  </a:solidFill>
+                </a:uFill>
+                <a:latin typeface="Arial"/>
+                <a:ea typeface="Noto Sans CJK SC Regular"/>
+              </a:rPr>
+              <a:t>Hyperparameter Optimization Results</a:t>
+            </a:r>
+            <a:endParaRPr b="0" lang="en-US" sz="1800" spc="-1" strike="noStrike">
+              <a:solidFill>
+                <a:srgbClr val="000000"/>
+              </a:solidFill>
+              <a:uFill>
+                <a:solidFill>
+                  <a:srgbClr val="ffffff"/>
+                </a:solidFill>
+              </a:uFill>
+              <a:latin typeface="Arial"/>
+            </a:endParaRPr>
+          </a:p>
+        </p:txBody>
+      </p:sp>
+      <p:sp>
+        <p:nvSpPr>
+          <p:cNvPr id="113" name="CustomShape 2"/>
+          <p:cNvSpPr/>
+          <p:nvPr/>
+        </p:nvSpPr>
+        <p:spPr>
+          <a:xfrm>
+            <a:off x="504000" y="1769040"/>
+            <a:ext cx="9071280" cy="4384080"/>
+          </a:xfrm>
+          <a:prstGeom prst="rect">
+            <a:avLst/>
+          </a:prstGeom>
+          <a:noFill/>
+          <a:ln>
+            <a:noFill/>
+          </a:ln>
+        </p:spPr>
+        <p:style>
+          <a:lnRef idx="0"/>
+          <a:fillRef idx="0"/>
+          <a:effectRef idx="0"/>
+          <a:fontRef idx="minor"/>
+        </p:style>
+        <p:txBody>
+          <a:bodyPr lIns="0" rIns="0" tIns="0" bIns="0"/>
+          <a:p>
+            <a:pPr marL="216000" indent="-215640">
+              <a:lnSpc>
+                <a:spcPct val="100000"/>
+              </a:lnSpc>
+              <a:buClr>
+                <a:srgbClr val="000000"/>
+              </a:buClr>
+              <a:buSzPct val="45000"/>
+              <a:buFont typeface="Wingdings" charset="2"/>
+              <a:buChar char=""/>
+            </a:pPr>
+            <a:r>
+              <a:rPr b="0" lang="en-US" sz="2800" spc="-1" strike="noStrike">
+                <a:solidFill>
+                  <a:srgbClr val="000000"/>
+                </a:solidFill>
+                <a:uFill>
+                  <a:solidFill>
+                    <a:srgbClr val="ffffff"/>
+                  </a:solidFill>
+                </a:uFill>
+                <a:latin typeface="Arial"/>
+                <a:ea typeface="Noto Sans CJK SC Regular"/>
+              </a:rPr>
+              <a:t> </a:t>
+            </a:r>
+            <a:r>
+              <a:rPr b="0" lang="en-US" sz="2800" spc="-1" strike="noStrike">
+                <a:solidFill>
+                  <a:srgbClr val="000000"/>
+                </a:solidFill>
+                <a:uFill>
+                  <a:solidFill>
+                    <a:srgbClr val="ffffff"/>
+                  </a:solidFill>
+                </a:uFill>
+                <a:latin typeface="Arial"/>
+                <a:ea typeface="Noto Sans CJK SC Regular"/>
+              </a:rPr>
+              <a:t>The optimization process yielded the following results:</a:t>
+            </a:r>
+            <a:endParaRPr b="0" lang="en-US" sz="1800" spc="-1" strike="noStrike">
+              <a:solidFill>
+                <a:srgbClr val="000000"/>
+              </a:solidFill>
+              <a:uFill>
+                <a:solidFill>
+                  <a:srgbClr val="ffffff"/>
+                </a:solidFill>
+              </a:uFill>
+              <a:latin typeface="Arial"/>
+            </a:endParaRPr>
+          </a:p>
+        </p:txBody>
+      </p:sp>
+    </p:spTree>
+  </p:cSld>
 </p:sld>
 </file>
 
@@ -5225,7 +8214,7 @@
       </p:grpSpPr>
       <p:sp>
         <p:nvSpPr>
-          <p:cNvPr id="73" name="CustomShape 1"/>
+          <p:cNvPr id="78" name="CustomShape 1"/>
           <p:cNvSpPr/>
           <p:nvPr/>
         </p:nvSpPr>
@@ -5251,16 +8240,10 @@
         <p:txBody>
           <a:bodyPr lIns="0" rIns="0" tIns="0" bIns="0" anchor="ctr"/>
           <a:p>
-            <a:pPr marL="216000" indent="-215640" algn="ctr">
+            <a:pPr algn="ctr">
               <a:lnSpc>
                 <a:spcPct val="100000"/>
               </a:lnSpc>
-              <a:buClr>
-                <a:srgbClr val="000000"/>
-              </a:buClr>
-              <a:buSzPct val="45000"/>
-              <a:buFont typeface="Wingdings" charset="2"/>
-              <a:buChar char=""/>
             </a:pPr>
             <a:r>
               <a:rPr b="0" lang="en-US" sz="3200" spc="-1" strike="noStrike">
@@ -5293,7 +8276,7 @@
       </p:sp>
       <p:sp>
         <p:nvSpPr>
-          <p:cNvPr id="74" name="CustomShape 2"/>
+          <p:cNvPr id="79" name="CustomShape 2"/>
           <p:cNvSpPr/>
           <p:nvPr/>
         </p:nvSpPr>
@@ -5331,34 +8314,19 @@
               <a:buChar char=""/>
             </a:pPr>
             <a:r>
-              <a:rPr b="1" lang="en-US" sz="3200" spc="-1" strike="noStrike">
-                <a:solidFill>
-                  <a:srgbClr val="000000"/>
-                </a:solidFill>
-                <a:uFill>
-                  <a:solidFill>
-                    <a:srgbClr val="ffffff"/>
-                  </a:solidFill>
-                </a:uFill>
-                <a:latin typeface="Arial"/>
-                <a:ea typeface="Noto Sans CJK SC Regular"/>
-              </a:rPr>
-              <a:t>Car Dealership:</a:t>
-            </a:r>
-            <a:r>
-              <a:rPr b="0" lang="en-US" sz="3200" spc="-1" strike="noStrike">
-                <a:solidFill>
-                  <a:srgbClr val="000000"/>
-                </a:solidFill>
-                <a:uFill>
-                  <a:solidFill>
-                    <a:srgbClr val="ffffff"/>
-                  </a:solidFill>
-                </a:uFill>
-                <a:latin typeface="Arial"/>
-                <a:ea typeface="Noto Sans CJK SC Regular"/>
-              </a:rPr>
-              <a:t> Entity that sells cars at the retail level.</a:t>
+              <a:rPr b="1" lang="en-US" sz="2800" spc="-1" strike="noStrike">
+                <a:solidFill>
+                  <a:srgbClr val="000000"/>
+                </a:solidFill>
+                <a:uFill>
+                  <a:solidFill>
+                    <a:srgbClr val="ffffff"/>
+                  </a:solidFill>
+                </a:uFill>
+                <a:latin typeface="Arial"/>
+                <a:ea typeface="Noto Sans CJK SC Regular"/>
+              </a:rPr>
+              <a:t> </a:t>
             </a:r>
             <a:endParaRPr b="0" lang="en-US" sz="1800" spc="-1" strike="noStrike">
               <a:solidFill>
@@ -5385,19 +8353,34 @@
               <a:buChar char=""/>
             </a:pPr>
             <a:r>
-              <a:rPr b="0" lang="en-US" sz="3200" spc="-1" strike="noStrike">
-                <a:solidFill>
-                  <a:srgbClr val="000000"/>
-                </a:solidFill>
-                <a:uFill>
-                  <a:solidFill>
-                    <a:srgbClr val="ffffff"/>
-                  </a:solidFill>
-                </a:uFill>
-                <a:latin typeface="Arial"/>
-                <a:ea typeface="Noto Sans CJK SC Regular"/>
-              </a:rPr>
-              <a:t> </a:t>
+              <a:rPr b="1" lang="en-US" sz="2800" spc="-1" strike="noStrike">
+                <a:solidFill>
+                  <a:srgbClr val="000000"/>
+                </a:solidFill>
+                <a:uFill>
+                  <a:solidFill>
+                    <a:srgbClr val="ffffff"/>
+                  </a:solidFill>
+                </a:uFill>
+                <a:latin typeface="Arial"/>
+                <a:ea typeface="Noto Sans CJK SC Regular"/>
+              </a:rPr>
+              <a:t>Car Dealership:</a:t>
+            </a:r>
+            <a:r>
+              <a:rPr b="0" lang="en-US" sz="2800" spc="-1" strike="noStrike">
+                <a:solidFill>
+                  <a:srgbClr val="000000"/>
+                </a:solidFill>
+                <a:uFill>
+                  <a:solidFill>
+                    <a:srgbClr val="ffffff"/>
+                  </a:solidFill>
+                </a:uFill>
+                <a:latin typeface="Arial"/>
+                <a:ea typeface="Noto Sans CJK SC Regular"/>
+              </a:rPr>
+              <a:t> Entity that sells cars at the retail level.</a:t>
             </a:r>
             <a:endParaRPr b="0" lang="en-US" sz="1800" spc="-1" strike="noStrike">
               <a:solidFill>
@@ -5424,21 +8407,6 @@
               <a:buChar char=""/>
             </a:pPr>
             <a:r>
-              <a:rPr b="1" lang="en-US" sz="3200" spc="-1" strike="noStrike">
-                <a:solidFill>
-                  <a:srgbClr val="000000"/>
-                </a:solidFill>
-                <a:uFill>
-                  <a:solidFill>
-                    <a:srgbClr val="ffffff"/>
-                  </a:solidFill>
-                </a:uFill>
-                <a:latin typeface="Arial"/>
-                <a:ea typeface="Noto Sans CJK SC Regular"/>
-              </a:rPr>
-              <a:t>Car Manufacturer: </a:t>
-            </a:r>
-            <a:r>
               <a:rPr b="0" lang="en-US" sz="3200" spc="-1" strike="noStrike">
                 <a:solidFill>
                   <a:srgbClr val="000000"/>
@@ -5451,7 +8419,7 @@
                 <a:latin typeface="Arial"/>
                 <a:ea typeface="Noto Sans CJK SC Regular"/>
               </a:rPr>
-              <a:t>Entity that manufactures cars, and sells them to dealerships.</a:t>
+              <a:t> </a:t>
             </a:r>
             <a:endParaRPr b="0" lang="en-US" sz="1800" spc="-1" strike="noStrike">
               <a:solidFill>
@@ -5478,19 +8446,34 @@
               <a:buChar char=""/>
             </a:pPr>
             <a:r>
-              <a:rPr b="1" lang="en-US" sz="3200" spc="-1" strike="noStrike">
-                <a:solidFill>
-                  <a:srgbClr val="000000"/>
-                </a:solidFill>
-                <a:uFill>
-                  <a:solidFill>
-                    <a:srgbClr val="ffffff"/>
-                  </a:solidFill>
-                </a:uFill>
-                <a:latin typeface="Arial"/>
-                <a:ea typeface="Noto Sans CJK SC Regular"/>
-              </a:rPr>
-              <a:t> </a:t>
+              <a:rPr b="1" lang="en-US" sz="2800" spc="-1" strike="noStrike">
+                <a:solidFill>
+                  <a:srgbClr val="000000"/>
+                </a:solidFill>
+                <a:uFill>
+                  <a:solidFill>
+                    <a:srgbClr val="ffffff"/>
+                  </a:solidFill>
+                </a:uFill>
+                <a:latin typeface="Arial"/>
+                <a:ea typeface="Noto Sans CJK SC Regular"/>
+              </a:rPr>
+              <a:t>Car Manufacturer: </a:t>
+            </a:r>
+            <a:r>
+              <a:rPr b="0" lang="en-US" sz="2800" spc="-1" strike="noStrike">
+                <a:solidFill>
+                  <a:srgbClr val="000000"/>
+                </a:solidFill>
+                <a:uFill>
+                  <a:solidFill>
+                    <a:srgbClr val="ffffff"/>
+                  </a:solidFill>
+                </a:uFill>
+                <a:latin typeface="Arial"/>
+                <a:ea typeface="Noto Sans CJK SC Regular"/>
+              </a:rPr>
+              <a:t>Entity that manufactures cars, and sells them to dealerships.</a:t>
             </a:r>
             <a:endParaRPr b="0" lang="en-US" sz="1800" spc="-1" strike="noStrike">
               <a:solidFill>
@@ -5517,7 +8500,46 @@
               <a:buChar char=""/>
             </a:pPr>
             <a:r>
-              <a:rPr b="1" lang="en-US" sz="3200" spc="-1" strike="noStrike">
+              <a:rPr b="1" lang="en-US" sz="2800" spc="-1" strike="noStrike">
+                <a:solidFill>
+                  <a:srgbClr val="000000"/>
+                </a:solidFill>
+                <a:uFill>
+                  <a:solidFill>
+                    <a:srgbClr val="ffffff"/>
+                  </a:solidFill>
+                </a:uFill>
+                <a:latin typeface="Arial"/>
+                <a:ea typeface="Noto Sans CJK SC Regular"/>
+              </a:rPr>
+              <a:t> </a:t>
+            </a:r>
+            <a:endParaRPr b="0" lang="en-US" sz="1800" spc="-1" strike="noStrike">
+              <a:solidFill>
+                <a:srgbClr val="000000"/>
+              </a:solidFill>
+              <a:uFill>
+                <a:solidFill>
+                  <a:srgbClr val="ffffff"/>
+                </a:solidFill>
+              </a:uFill>
+              <a:latin typeface="Arial"/>
+            </a:endParaRPr>
+          </a:p>
+          <a:p>
+            <a:pPr marL="448200" indent="-216000">
+              <a:lnSpc>
+                <a:spcPct val="100000"/>
+              </a:lnSpc>
+              <a:buClr>
+                <a:srgbClr val="000000"/>
+              </a:buClr>
+              <a:buSzPct val="45000"/>
+              <a:buFont typeface="Wingdings" charset="2"/>
+              <a:buChar char=""/>
+            </a:pPr>
+            <a:r>
+              <a:rPr b="1" lang="en-US" sz="2800" spc="-1" strike="noStrike">
                 <a:solidFill>
                   <a:srgbClr val="000000"/>
                 </a:solidFill>
@@ -5532,7 +8554,7 @@
               <a:t>Badly Balanced Inventory: </a:t>
             </a:r>
             <a:r>
-              <a:rPr b="0" lang="en-US" sz="3200" spc="-1" strike="noStrike">
+              <a:rPr b="0" lang="en-US" sz="2800" spc="-1" strike="noStrike">
                 <a:solidFill>
                   <a:srgbClr val="000000"/>
                 </a:solidFill>
@@ -5562,33 +8584,476 @@
       </p:sp>
     </p:spTree>
   </p:cSld>
-  <p:timing>
-    <p:tnLst>
-      <p:par>
-        <p:cTn id="3" dur="indefinite" restart="never" nodeType="tmRoot">
-          <p:childTnLst>
-            <p:seq>
-              <p:cTn id="4" nodeType="mainSeq"/>
-              <p:prevCondLst>
-                <p:cond delay="0" evt="onPrev">
-                  <p:tgtEl>
-                    <p:sldTgt/>
-                  </p:tgtEl>
-                </p:cond>
-              </p:prevCondLst>
-              <p:nextCondLst>
-                <p:cond delay="0" evt="onNext">
-                  <p:tgtEl>
-                    <p:sldTgt/>
-                  </p:tgtEl>
-                </p:cond>
-              </p:nextCondLst>
-            </p:seq>
-          </p:childTnLst>
-        </p:cTn>
-      </p:par>
-    </p:tnLst>
-  </p:timing>
+</p:sld>
+</file>
+
+<file path=ppt/slides/slide20.xml><?xml version="1.0" encoding="utf-8"?>
+<p:sld xmlns:a="http://schemas.openxmlformats.org/drawingml/2006/main" xmlns:p="http://schemas.openxmlformats.org/presentationml/2006/main" xmlns:r="http://schemas.openxmlformats.org/officeDocument/2006/relationships" xmlns:p14="http://schemas.microsoft.com/office/powerpoint/2010/main" xmlns:p15="http://schemas.microsoft.com/office/powerpoint/2012/main" xmlns:mc="http://schemas.openxmlformats.org/markup-compatibility/2006">
+  <p:cSld>
+    <p:spTree>
+      <p:nvGrpSpPr>
+        <p:cNvPr id="1" name=""/>
+        <p:cNvGrpSpPr/>
+        <p:nvPr/>
+      </p:nvGrpSpPr>
+      <p:grpSpPr>
+        <a:xfrm>
+          <a:off x="0" y="0"/>
+          <a:ext cx="0" cy="0"/>
+          <a:chOff x="0" y="0"/>
+          <a:chExt cx="0" cy="0"/>
+        </a:xfrm>
+      </p:grpSpPr>
+      <p:sp>
+        <p:nvSpPr>
+          <p:cNvPr id="114" name="CustomShape 1"/>
+          <p:cNvSpPr/>
+          <p:nvPr/>
+        </p:nvSpPr>
+        <p:spPr>
+          <a:xfrm>
+            <a:off x="504000" y="301320"/>
+            <a:ext cx="9071280" cy="1261800"/>
+          </a:xfrm>
+          <a:prstGeom prst="rect">
+            <a:avLst/>
+          </a:prstGeom>
+          <a:noFill/>
+          <a:ln>
+            <a:noFill/>
+          </a:ln>
+        </p:spPr>
+        <p:style>
+          <a:lnRef idx="0"/>
+          <a:fillRef idx="0"/>
+          <a:effectRef idx="0"/>
+          <a:fontRef idx="minor"/>
+        </p:style>
+        <p:txBody>
+          <a:bodyPr lIns="0" rIns="0" tIns="0" bIns="0" anchor="ctr"/>
+          <a:p>
+            <a:pPr algn="ctr">
+              <a:lnSpc>
+                <a:spcPct val="100000"/>
+              </a:lnSpc>
+            </a:pPr>
+            <a:r>
+              <a:rPr b="0" lang="en-US" sz="3200" spc="-1" strike="noStrike">
+                <a:solidFill>
+                  <a:srgbClr val="000000"/>
+                </a:solidFill>
+                <a:uFill>
+                  <a:solidFill>
+                    <a:srgbClr val="ffffff"/>
+                  </a:solidFill>
+                </a:uFill>
+                <a:latin typeface="Arial"/>
+                <a:ea typeface="Noto Sans CJK SC Regular"/>
+              </a:rPr>
+              <a:t>Overfitting Reduction Techniques(Model, ModelTrainer)</a:t>
+            </a:r>
+            <a:endParaRPr b="0" lang="en-US" sz="1800" spc="-1" strike="noStrike">
+              <a:solidFill>
+                <a:srgbClr val="000000"/>
+              </a:solidFill>
+              <a:uFill>
+                <a:solidFill>
+                  <a:srgbClr val="ffffff"/>
+                </a:solidFill>
+              </a:uFill>
+              <a:latin typeface="Arial"/>
+            </a:endParaRPr>
+          </a:p>
+        </p:txBody>
+      </p:sp>
+      <p:sp>
+        <p:nvSpPr>
+          <p:cNvPr id="115" name="CustomShape 2"/>
+          <p:cNvSpPr/>
+          <p:nvPr/>
+        </p:nvSpPr>
+        <p:spPr>
+          <a:xfrm>
+            <a:off x="504000" y="1769040"/>
+            <a:ext cx="9071280" cy="4384080"/>
+          </a:xfrm>
+          <a:prstGeom prst="rect">
+            <a:avLst/>
+          </a:prstGeom>
+          <a:noFill/>
+          <a:ln>
+            <a:noFill/>
+          </a:ln>
+        </p:spPr>
+        <p:style>
+          <a:lnRef idx="0"/>
+          <a:fillRef idx="0"/>
+          <a:effectRef idx="0"/>
+          <a:fontRef idx="minor"/>
+        </p:style>
+        <p:txBody>
+          <a:bodyPr lIns="0" rIns="0" tIns="0" bIns="0"/>
+          <a:p>
+            <a:pPr marL="216000" indent="-215640">
+              <a:lnSpc>
+                <a:spcPct val="100000"/>
+              </a:lnSpc>
+              <a:buClr>
+                <a:srgbClr val="000000"/>
+              </a:buClr>
+              <a:buSzPct val="45000"/>
+              <a:buFont typeface="Wingdings" charset="2"/>
+              <a:buChar char=""/>
+            </a:pPr>
+            <a:r>
+              <a:rPr b="1" lang="en-US" sz="2800" spc="-1" strike="noStrike">
+                <a:solidFill>
+                  <a:srgbClr val="000000"/>
+                </a:solidFill>
+                <a:uFill>
+                  <a:solidFill>
+                    <a:srgbClr val="ffffff"/>
+                  </a:solidFill>
+                </a:uFill>
+                <a:latin typeface="Arial"/>
+                <a:ea typeface="Noto Sans CJK SC Regular"/>
+              </a:rPr>
+              <a:t> </a:t>
+            </a:r>
+            <a:endParaRPr b="0" lang="en-US" sz="1800" spc="-1" strike="noStrike">
+              <a:solidFill>
+                <a:srgbClr val="000000"/>
+              </a:solidFill>
+              <a:uFill>
+                <a:solidFill>
+                  <a:srgbClr val="ffffff"/>
+                </a:solidFill>
+              </a:uFill>
+              <a:latin typeface="Arial"/>
+            </a:endParaRPr>
+          </a:p>
+          <a:p>
+            <a:pPr marL="216000" indent="-215640">
+              <a:lnSpc>
+                <a:spcPct val="100000"/>
+              </a:lnSpc>
+              <a:buClr>
+                <a:srgbClr val="000000"/>
+              </a:buClr>
+              <a:buSzPct val="45000"/>
+              <a:buFont typeface="Wingdings" charset="2"/>
+              <a:buChar char=""/>
+            </a:pPr>
+            <a:r>
+              <a:rPr b="1" lang="en-US" sz="2800" spc="-1" strike="noStrike">
+                <a:solidFill>
+                  <a:srgbClr val="000000"/>
+                </a:solidFill>
+                <a:uFill>
+                  <a:solidFill>
+                    <a:srgbClr val="ffffff"/>
+                  </a:solidFill>
+                </a:uFill>
+                <a:latin typeface="Arial"/>
+                <a:ea typeface="Noto Sans CJK SC Regular"/>
+              </a:rPr>
+              <a:t> </a:t>
+            </a:r>
+            <a:endParaRPr b="0" lang="en-US" sz="1800" spc="-1" strike="noStrike">
+              <a:solidFill>
+                <a:srgbClr val="000000"/>
+              </a:solidFill>
+              <a:uFill>
+                <a:solidFill>
+                  <a:srgbClr val="ffffff"/>
+                </a:solidFill>
+              </a:uFill>
+              <a:latin typeface="Arial"/>
+            </a:endParaRPr>
+          </a:p>
+          <a:p>
+            <a:pPr marL="216000" indent="-215640">
+              <a:lnSpc>
+                <a:spcPct val="100000"/>
+              </a:lnSpc>
+              <a:buClr>
+                <a:srgbClr val="000000"/>
+              </a:buClr>
+              <a:buSzPct val="45000"/>
+              <a:buFont typeface="Wingdings" charset="2"/>
+              <a:buChar char=""/>
+            </a:pPr>
+            <a:r>
+              <a:rPr b="1" lang="en-US" sz="2800" spc="-1" strike="noStrike">
+                <a:solidFill>
+                  <a:srgbClr val="000000"/>
+                </a:solidFill>
+                <a:uFill>
+                  <a:solidFill>
+                    <a:srgbClr val="ffffff"/>
+                  </a:solidFill>
+                </a:uFill>
+                <a:latin typeface="Arial"/>
+                <a:ea typeface="Noto Sans CJK SC Regular"/>
+              </a:rPr>
+              <a:t>Dropout: </a:t>
+            </a:r>
+            <a:r>
+              <a:rPr b="0" lang="en-US" sz="2800" spc="-1" strike="noStrike">
+                <a:solidFill>
+                  <a:srgbClr val="000000"/>
+                </a:solidFill>
+                <a:uFill>
+                  <a:solidFill>
+                    <a:srgbClr val="ffffff"/>
+                  </a:solidFill>
+                </a:uFill>
+                <a:latin typeface="Arial"/>
+                <a:ea typeface="Noto Sans CJK SC Regular"/>
+              </a:rPr>
+              <a:t>During each training phase a randomly selected number of neurons are ignored.</a:t>
+            </a:r>
+            <a:endParaRPr b="0" lang="en-US" sz="1800" spc="-1" strike="noStrike">
+              <a:solidFill>
+                <a:srgbClr val="000000"/>
+              </a:solidFill>
+              <a:uFill>
+                <a:solidFill>
+                  <a:srgbClr val="ffffff"/>
+                </a:solidFill>
+              </a:uFill>
+              <a:latin typeface="Arial"/>
+            </a:endParaRPr>
+          </a:p>
+          <a:p>
+            <a:pPr marL="448200">
+              <a:lnSpc>
+                <a:spcPct val="100000"/>
+              </a:lnSpc>
+              <a:buClr>
+                <a:srgbClr val="000000"/>
+              </a:buClr>
+              <a:buSzPct val="45000"/>
+              <a:buFont typeface="Wingdings" charset="2"/>
+              <a:buChar char=""/>
+            </a:pPr>
+            <a:r>
+              <a:rPr b="0" lang="en-US" sz="2800" spc="-1" strike="noStrike">
+                <a:solidFill>
+                  <a:srgbClr val="000000"/>
+                </a:solidFill>
+                <a:uFill>
+                  <a:solidFill>
+                    <a:srgbClr val="ffffff"/>
+                  </a:solidFill>
+                </a:uFill>
+                <a:latin typeface="Arial"/>
+                <a:ea typeface="Noto Sans CJK SC Regular"/>
+              </a:rPr>
+              <a:t>Prevents strong co-dependencies between neurons</a:t>
+            </a:r>
+            <a:endParaRPr b="0" lang="en-US" sz="1800" spc="-1" strike="noStrike">
+              <a:solidFill>
+                <a:srgbClr val="000000"/>
+              </a:solidFill>
+              <a:uFill>
+                <a:solidFill>
+                  <a:srgbClr val="ffffff"/>
+                </a:solidFill>
+              </a:uFill>
+              <a:latin typeface="Arial"/>
+            </a:endParaRPr>
+          </a:p>
+          <a:p>
+            <a:pPr marL="448200">
+              <a:lnSpc>
+                <a:spcPct val="100000"/>
+              </a:lnSpc>
+              <a:buClr>
+                <a:srgbClr val="000000"/>
+              </a:buClr>
+              <a:buSzPct val="45000"/>
+              <a:buFont typeface="Wingdings" charset="2"/>
+              <a:buChar char=""/>
+            </a:pPr>
+            <a:r>
+              <a:rPr b="0" lang="en-US" sz="2800" spc="-1" strike="noStrike">
+                <a:solidFill>
+                  <a:srgbClr val="000000"/>
+                </a:solidFill>
+                <a:uFill>
+                  <a:solidFill>
+                    <a:srgbClr val="ffffff"/>
+                  </a:solidFill>
+                </a:uFill>
+                <a:latin typeface="Arial"/>
+                <a:ea typeface="Noto Sans CJK SC Regular"/>
+              </a:rPr>
+              <a:t>Model averaging approximation</a:t>
+            </a:r>
+            <a:endParaRPr b="0" lang="en-US" sz="1800" spc="-1" strike="noStrike">
+              <a:solidFill>
+                <a:srgbClr val="000000"/>
+              </a:solidFill>
+              <a:uFill>
+                <a:solidFill>
+                  <a:srgbClr val="ffffff"/>
+                </a:solidFill>
+              </a:uFill>
+              <a:latin typeface="Arial"/>
+            </a:endParaRPr>
+          </a:p>
+          <a:p>
+            <a:pPr marL="216000" indent="-215640">
+              <a:lnSpc>
+                <a:spcPct val="100000"/>
+              </a:lnSpc>
+              <a:buClr>
+                <a:srgbClr val="000000"/>
+              </a:buClr>
+              <a:buSzPct val="45000"/>
+              <a:buFont typeface="Wingdings" charset="2"/>
+              <a:buChar char=""/>
+            </a:pPr>
+            <a:r>
+              <a:rPr b="0" lang="en-US" sz="3200" spc="-1" strike="noStrike">
+                <a:solidFill>
+                  <a:srgbClr val="000000"/>
+                </a:solidFill>
+                <a:uFill>
+                  <a:solidFill>
+                    <a:srgbClr val="ffffff"/>
+                  </a:solidFill>
+                </a:uFill>
+                <a:latin typeface="Arial"/>
+                <a:ea typeface="Noto Sans CJK SC Regular"/>
+              </a:rPr>
+              <a:t> </a:t>
+            </a:r>
+            <a:endParaRPr b="0" lang="en-US" sz="1800" spc="-1" strike="noStrike">
+              <a:solidFill>
+                <a:srgbClr val="000000"/>
+              </a:solidFill>
+              <a:uFill>
+                <a:solidFill>
+                  <a:srgbClr val="ffffff"/>
+                </a:solidFill>
+              </a:uFill>
+              <a:latin typeface="Arial"/>
+            </a:endParaRPr>
+          </a:p>
+          <a:p>
+            <a:pPr marL="216000" indent="-215640">
+              <a:lnSpc>
+                <a:spcPct val="100000"/>
+              </a:lnSpc>
+              <a:buClr>
+                <a:srgbClr val="000000"/>
+              </a:buClr>
+              <a:buSzPct val="45000"/>
+              <a:buFont typeface="Wingdings" charset="2"/>
+              <a:buChar char=""/>
+            </a:pPr>
+            <a:r>
+              <a:rPr b="1" lang="en-US" sz="2800" spc="-1" strike="noStrike">
+                <a:solidFill>
+                  <a:srgbClr val="000000"/>
+                </a:solidFill>
+                <a:uFill>
+                  <a:solidFill>
+                    <a:srgbClr val="ffffff"/>
+                  </a:solidFill>
+                </a:uFill>
+                <a:latin typeface="Arial"/>
+                <a:ea typeface="Noto Sans CJK SC Regular"/>
+              </a:rPr>
+              <a:t>“</a:t>
+            </a:r>
+            <a:r>
+              <a:rPr b="1" lang="en-US" sz="2800" spc="-1" strike="noStrike">
+                <a:solidFill>
+                  <a:srgbClr val="000000"/>
+                </a:solidFill>
+                <a:uFill>
+                  <a:solidFill>
+                    <a:srgbClr val="ffffff"/>
+                  </a:solidFill>
+                </a:uFill>
+                <a:latin typeface="Arial"/>
+                <a:ea typeface="Noto Sans CJK SC Regular"/>
+              </a:rPr>
+              <a:t>Early stopping”: </a:t>
+            </a:r>
+            <a:r>
+              <a:rPr b="0" lang="en-US" sz="2800" spc="-1" strike="noStrike">
+                <a:solidFill>
+                  <a:srgbClr val="000000"/>
+                </a:solidFill>
+                <a:uFill>
+                  <a:solidFill>
+                    <a:srgbClr val="ffffff"/>
+                  </a:solidFill>
+                </a:uFill>
+                <a:latin typeface="Arial"/>
+                <a:ea typeface="Noto Sans CJK SC Regular"/>
+              </a:rPr>
+              <a:t>The model is periodically evaluated during training, the best one so far is preserved.</a:t>
+            </a:r>
+            <a:endParaRPr b="0" lang="en-US" sz="1800" spc="-1" strike="noStrike">
+              <a:solidFill>
+                <a:srgbClr val="000000"/>
+              </a:solidFill>
+              <a:uFill>
+                <a:solidFill>
+                  <a:srgbClr val="ffffff"/>
+                </a:solidFill>
+              </a:uFill>
+              <a:latin typeface="Arial"/>
+            </a:endParaRPr>
+          </a:p>
+          <a:p>
+            <a:pPr marL="448200">
+              <a:lnSpc>
+                <a:spcPct val="100000"/>
+              </a:lnSpc>
+              <a:buClr>
+                <a:srgbClr val="000000"/>
+              </a:buClr>
+              <a:buSzPct val="45000"/>
+              <a:buFont typeface="Wingdings" charset="2"/>
+              <a:buChar char=""/>
+            </a:pPr>
+            <a:r>
+              <a:rPr b="0" lang="en-US" sz="2800" spc="-1" strike="noStrike">
+                <a:solidFill>
+                  <a:srgbClr val="000000"/>
+                </a:solidFill>
+                <a:uFill>
+                  <a:solidFill>
+                    <a:srgbClr val="ffffff"/>
+                  </a:solidFill>
+                </a:uFill>
+                <a:latin typeface="Arial"/>
+                <a:ea typeface="Noto Sans CJK SC Regular"/>
+              </a:rPr>
+              <a:t>Able to retrieve model before overfitting began</a:t>
+            </a:r>
+            <a:endParaRPr b="0" lang="en-US" sz="1800" spc="-1" strike="noStrike">
+              <a:solidFill>
+                <a:srgbClr val="000000"/>
+              </a:solidFill>
+              <a:uFill>
+                <a:solidFill>
+                  <a:srgbClr val="ffffff"/>
+                </a:solidFill>
+              </a:uFill>
+              <a:latin typeface="Arial"/>
+            </a:endParaRPr>
+          </a:p>
+        </p:txBody>
+      </p:sp>
+    </p:spTree>
+  </p:cSld>
 </p:sld>
 </file>
 
@@ -5611,7 +9076,7 @@
       </p:grpSpPr>
       <p:sp>
         <p:nvSpPr>
-          <p:cNvPr id="75" name="CustomShape 1"/>
+          <p:cNvPr id="80" name="CustomShape 1"/>
           <p:cNvSpPr/>
           <p:nvPr/>
         </p:nvSpPr>
@@ -5679,7 +9144,7 @@
       </p:sp>
       <p:sp>
         <p:nvSpPr>
-          <p:cNvPr id="76" name="CustomShape 2"/>
+          <p:cNvPr id="81" name="CustomShape 2"/>
           <p:cNvSpPr/>
           <p:nvPr/>
         </p:nvSpPr>
@@ -5717,19 +9182,19 @@
               <a:buChar char=""/>
             </a:pPr>
             <a:r>
-              <a:rPr b="0" lang="en-US" sz="3200" spc="-1" strike="noStrike">
-                <a:solidFill>
-                  <a:srgbClr val="000000"/>
-                </a:solidFill>
-                <a:uFill>
-                  <a:solidFill>
-                    <a:srgbClr val="ffffff"/>
-                  </a:solidFill>
-                </a:uFill>
-                <a:latin typeface="Arial"/>
-                <a:ea typeface="Noto Sans CJK SC Regular"/>
-              </a:rPr>
-              <a:t>The car dealership buys cars from the car manufacturer to build their inventory.</a:t>
+              <a:rPr b="0" lang="en-US" sz="2800" spc="-1" strike="noStrike">
+                <a:solidFill>
+                  <a:srgbClr val="000000"/>
+                </a:solidFill>
+                <a:uFill>
+                  <a:solidFill>
+                    <a:srgbClr val="ffffff"/>
+                  </a:solidFill>
+                </a:uFill>
+                <a:latin typeface="Arial"/>
+                <a:ea typeface="Noto Sans CJK SC Regular"/>
+              </a:rPr>
+              <a:t> </a:t>
             </a:r>
             <a:endParaRPr b="0" lang="en-US" sz="1800" spc="-1" strike="noStrike">
               <a:solidFill>
@@ -5756,19 +9221,19 @@
               <a:buChar char=""/>
             </a:pPr>
             <a:r>
-              <a:rPr b="0" lang="en-US" sz="3200" spc="-1" strike="noStrike">
-                <a:solidFill>
-                  <a:srgbClr val="000000"/>
-                </a:solidFill>
-                <a:uFill>
-                  <a:solidFill>
-                    <a:srgbClr val="ffffff"/>
-                  </a:solidFill>
-                </a:uFill>
-                <a:latin typeface="Arial"/>
-                <a:ea typeface="Noto Sans CJK SC Regular"/>
-              </a:rPr>
-              <a:t> </a:t>
+              <a:rPr b="0" lang="en-US" sz="2800" spc="-1" strike="noStrike">
+                <a:solidFill>
+                  <a:srgbClr val="000000"/>
+                </a:solidFill>
+                <a:uFill>
+                  <a:solidFill>
+                    <a:srgbClr val="ffffff"/>
+                  </a:solidFill>
+                </a:uFill>
+                <a:latin typeface="Arial"/>
+                <a:ea typeface="Noto Sans CJK SC Regular"/>
+              </a:rPr>
+              <a:t>The car dealership buys cars from the car manufacturer to build their inventory.</a:t>
             </a:r>
             <a:endParaRPr b="0" lang="en-US" sz="1800" spc="-1" strike="noStrike">
               <a:solidFill>
@@ -5807,7 +9272,7 @@
                 <a:latin typeface="Arial"/>
                 <a:ea typeface="Noto Sans CJK SC Regular"/>
               </a:rPr>
-              <a:t>Financing is required to support this operation, obtained from a bank or the car manufacturer.</a:t>
+              <a:t> </a:t>
             </a:r>
             <a:endParaRPr b="0" lang="en-US" sz="1800" spc="-1" strike="noStrike">
               <a:solidFill>
@@ -5834,19 +9299,19 @@
               <a:buChar char=""/>
             </a:pPr>
             <a:r>
-              <a:rPr b="0" lang="en-US" sz="3200" spc="-1" strike="noStrike">
-                <a:solidFill>
-                  <a:srgbClr val="000000"/>
-                </a:solidFill>
-                <a:uFill>
-                  <a:solidFill>
-                    <a:srgbClr val="ffffff"/>
-                  </a:solidFill>
-                </a:uFill>
-                <a:latin typeface="Arial"/>
-                <a:ea typeface="Noto Sans CJK SC Regular"/>
-              </a:rPr>
-              <a:t> </a:t>
+              <a:rPr b="0" lang="en-US" sz="2800" spc="-1" strike="noStrike">
+                <a:solidFill>
+                  <a:srgbClr val="000000"/>
+                </a:solidFill>
+                <a:uFill>
+                  <a:solidFill>
+                    <a:srgbClr val="ffffff"/>
+                  </a:solidFill>
+                </a:uFill>
+                <a:latin typeface="Arial"/>
+                <a:ea typeface="Noto Sans CJK SC Regular"/>
+              </a:rPr>
+              <a:t>Financing is required to support this operation, obtained from a bank or the car manufacturer.</a:t>
             </a:r>
             <a:endParaRPr b="0" lang="en-US" sz="1800" spc="-1" strike="noStrike">
               <a:solidFill>
@@ -5873,7 +9338,46 @@
               <a:buChar char=""/>
             </a:pPr>
             <a:r>
-              <a:rPr b="0" lang="en-US" sz="3200" spc="-1" strike="noStrike">
+              <a:rPr b="0" lang="en-US" sz="2800" spc="-1" strike="noStrike">
+                <a:solidFill>
+                  <a:srgbClr val="000000"/>
+                </a:solidFill>
+                <a:uFill>
+                  <a:solidFill>
+                    <a:srgbClr val="ffffff"/>
+                  </a:solidFill>
+                </a:uFill>
+                <a:latin typeface="Arial"/>
+                <a:ea typeface="Noto Sans CJK SC Regular"/>
+              </a:rPr>
+              <a:t> </a:t>
+            </a:r>
+            <a:endParaRPr b="0" lang="en-US" sz="1800" spc="-1" strike="noStrike">
+              <a:solidFill>
+                <a:srgbClr val="000000"/>
+              </a:solidFill>
+              <a:uFill>
+                <a:solidFill>
+                  <a:srgbClr val="ffffff"/>
+                </a:solidFill>
+              </a:uFill>
+              <a:latin typeface="Arial"/>
+            </a:endParaRPr>
+          </a:p>
+          <a:p>
+            <a:pPr marL="216000" indent="-215640">
+              <a:lnSpc>
+                <a:spcPct val="100000"/>
+              </a:lnSpc>
+              <a:buClr>
+                <a:srgbClr val="000000"/>
+              </a:buClr>
+              <a:buSzPct val="45000"/>
+              <a:buFont typeface="Wingdings" charset="2"/>
+              <a:buChar char=""/>
+            </a:pPr>
+            <a:r>
+              <a:rPr b="0" lang="en-US" sz="2800" spc="-1" strike="noStrike">
                 <a:solidFill>
                   <a:srgbClr val="000000"/>
                 </a:solidFill>
@@ -5903,33 +9407,6 @@
       </p:sp>
     </p:spTree>
   </p:cSld>
-  <p:timing>
-    <p:tnLst>
-      <p:par>
-        <p:cTn id="5" dur="indefinite" restart="never" nodeType="tmRoot">
-          <p:childTnLst>
-            <p:seq>
-              <p:cTn id="6" nodeType="mainSeq"/>
-              <p:prevCondLst>
-                <p:cond delay="0" evt="onPrev">
-                  <p:tgtEl>
-                    <p:sldTgt/>
-                  </p:tgtEl>
-                </p:cond>
-              </p:prevCondLst>
-              <p:nextCondLst>
-                <p:cond delay="0" evt="onNext">
-                  <p:tgtEl>
-                    <p:sldTgt/>
-                  </p:tgtEl>
-                </p:cond>
-              </p:nextCondLst>
-            </p:seq>
-          </p:childTnLst>
-        </p:cTn>
-      </p:par>
-    </p:tnLst>
-  </p:timing>
 </p:sld>
 </file>
 
@@ -5952,7 +9429,7 @@
       </p:grpSpPr>
       <p:sp>
         <p:nvSpPr>
-          <p:cNvPr id="77" name="CustomShape 1"/>
+          <p:cNvPr id="82" name="CustomShape 1"/>
           <p:cNvSpPr/>
           <p:nvPr/>
         </p:nvSpPr>
@@ -6020,7 +9497,7 @@
       </p:sp>
       <p:sp>
         <p:nvSpPr>
-          <p:cNvPr id="78" name="CustomShape 2"/>
+          <p:cNvPr id="83" name="CustomShape 2"/>
           <p:cNvSpPr/>
           <p:nvPr/>
         </p:nvSpPr>
@@ -6058,7 +9535,7 @@
               <a:buChar char=""/>
             </a:pPr>
             <a:r>
-              <a:rPr b="0" lang="en-US" sz="3200" spc="-1" strike="noStrike">
+              <a:rPr b="0" lang="en-US" sz="2800" spc="-1" strike="noStrike">
                 <a:solidFill>
                   <a:srgbClr val="000000"/>
                 </a:solidFill>
@@ -6071,21 +9548,6 @@
                 <a:ea typeface="Noto Sans CJK SC Regular"/>
               </a:rPr>
               <a:t> </a:t>
-            </a:r>
-            <a:r>
-              <a:rPr b="0" lang="en-US" sz="3200" spc="-1" strike="noStrike">
-                <a:solidFill>
-                  <a:srgbClr val="000000"/>
-                </a:solidFill>
-                <a:uFill>
-                  <a:solidFill>
-                    <a:srgbClr val="ffffff"/>
-                  </a:solidFill>
-                </a:uFill>
-                <a:latin typeface="Arial"/>
-                <a:ea typeface="Noto Sans CJK SC Regular"/>
-              </a:rPr>
-              <a:t>A badly balanced inventory or an excess in inventory represents a big hit to the car dealership earnings and liquidity.</a:t>
             </a:r>
             <a:endParaRPr b="0" lang="en-US" sz="1800" spc="-1" strike="noStrike">
               <a:solidFill>
@@ -6112,19 +9574,19 @@
               <a:buChar char=""/>
             </a:pPr>
             <a:r>
-              <a:rPr b="0" lang="en-US" sz="3200" spc="-1" strike="noStrike">
-                <a:solidFill>
-                  <a:srgbClr val="000000"/>
-                </a:solidFill>
-                <a:uFill>
-                  <a:solidFill>
-                    <a:srgbClr val="ffffff"/>
-                  </a:solidFill>
-                </a:uFill>
-                <a:latin typeface="Arial"/>
-                <a:ea typeface="Noto Sans CJK SC Regular"/>
-              </a:rPr>
-              <a:t> </a:t>
+              <a:rPr b="0" lang="en-US" sz="2800" spc="-1" strike="noStrike">
+                <a:solidFill>
+                  <a:srgbClr val="000000"/>
+                </a:solidFill>
+                <a:uFill>
+                  <a:solidFill>
+                    <a:srgbClr val="ffffff"/>
+                  </a:solidFill>
+                </a:uFill>
+                <a:latin typeface="Arial"/>
+                <a:ea typeface="Noto Sans CJK SC Regular"/>
+              </a:rPr>
+              <a:t>A badly balanced inventory or an excess in inventory represents a big hit to the car dealership earnings and liquidity.</a:t>
             </a:r>
             <a:endParaRPr b="0" lang="en-US" sz="1800" spc="-1" strike="noStrike">
               <a:solidFill>
@@ -6163,7 +9625,7 @@
                 <a:latin typeface="Arial"/>
                 <a:ea typeface="Noto Sans CJK SC Regular"/>
               </a:rPr>
-              <a:t>Not having enough inventory is also a problem in the form of lost sales and low costumer satisfaction.</a:t>
+              <a:t> </a:t>
             </a:r>
             <a:endParaRPr b="0" lang="en-US" sz="1800" spc="-1" strike="noStrike">
               <a:solidFill>
@@ -6190,19 +9652,19 @@
               <a:buChar char=""/>
             </a:pPr>
             <a:r>
-              <a:rPr b="0" lang="en-US" sz="3200" spc="-1" strike="noStrike">
-                <a:solidFill>
-                  <a:srgbClr val="000000"/>
-                </a:solidFill>
-                <a:uFill>
-                  <a:solidFill>
-                    <a:srgbClr val="ffffff"/>
-                  </a:solidFill>
-                </a:uFill>
-                <a:latin typeface="Arial"/>
-                <a:ea typeface="Noto Sans CJK SC Regular"/>
-              </a:rPr>
-              <a:t> </a:t>
+              <a:rPr b="0" lang="en-US" sz="2800" spc="-1" strike="noStrike">
+                <a:solidFill>
+                  <a:srgbClr val="000000"/>
+                </a:solidFill>
+                <a:uFill>
+                  <a:solidFill>
+                    <a:srgbClr val="ffffff"/>
+                  </a:solidFill>
+                </a:uFill>
+                <a:latin typeface="Arial"/>
+                <a:ea typeface="Noto Sans CJK SC Regular"/>
+              </a:rPr>
+              <a:t>Not having enough inventory is also a problem in the form of lost sales and low costumer satisfaction.</a:t>
             </a:r>
             <a:endParaRPr b="0" lang="en-US" sz="1800" spc="-1" strike="noStrike">
               <a:solidFill>
@@ -6229,7 +9691,46 @@
               <a:buChar char=""/>
             </a:pPr>
             <a:r>
-              <a:rPr b="0" lang="en-US" sz="3200" spc="-1" strike="noStrike">
+              <a:rPr b="0" lang="en-US" sz="2800" spc="-1" strike="noStrike">
+                <a:solidFill>
+                  <a:srgbClr val="000000"/>
+                </a:solidFill>
+                <a:uFill>
+                  <a:solidFill>
+                    <a:srgbClr val="ffffff"/>
+                  </a:solidFill>
+                </a:uFill>
+                <a:latin typeface="Arial"/>
+                <a:ea typeface="Noto Sans CJK SC Regular"/>
+              </a:rPr>
+              <a:t> </a:t>
+            </a:r>
+            <a:endParaRPr b="0" lang="en-US" sz="1800" spc="-1" strike="noStrike">
+              <a:solidFill>
+                <a:srgbClr val="000000"/>
+              </a:solidFill>
+              <a:uFill>
+                <a:solidFill>
+                  <a:srgbClr val="ffffff"/>
+                </a:solidFill>
+              </a:uFill>
+              <a:latin typeface="Arial"/>
+            </a:endParaRPr>
+          </a:p>
+          <a:p>
+            <a:pPr marL="216000" indent="-215640">
+              <a:lnSpc>
+                <a:spcPct val="100000"/>
+              </a:lnSpc>
+              <a:buClr>
+                <a:srgbClr val="000000"/>
+              </a:buClr>
+              <a:buSzPct val="45000"/>
+              <a:buFont typeface="Wingdings" charset="2"/>
+              <a:buChar char=""/>
+            </a:pPr>
+            <a:r>
+              <a:rPr b="0" lang="en-US" sz="2800" spc="-1" strike="noStrike">
                 <a:solidFill>
                   <a:srgbClr val="000000"/>
                 </a:solidFill>
@@ -6262,10 +9763,10 @@
   <p:timing>
     <p:tnLst>
       <p:par>
-        <p:cTn id="7" dur="indefinite" restart="never" nodeType="tmRoot">
+        <p:cTn id="1" dur="indefinite" restart="never" nodeType="tmRoot">
           <p:childTnLst>
             <p:seq>
-              <p:cTn id="8" nodeType="mainSeq"/>
+              <p:cTn id="2" nodeType="mainSeq"/>
               <p:prevCondLst>
                 <p:cond delay="0" evt="onPrev">
                   <p:tgtEl>
@@ -6308,7 +9809,7 @@
       </p:grpSpPr>
       <p:sp>
         <p:nvSpPr>
-          <p:cNvPr id="79" name="CustomShape 1"/>
+          <p:cNvPr id="84" name="CustomShape 1"/>
           <p:cNvSpPr/>
           <p:nvPr/>
         </p:nvSpPr>
@@ -6376,7 +9877,7 @@
       </p:sp>
       <p:sp>
         <p:nvSpPr>
-          <p:cNvPr id="80" name="CustomShape 2"/>
+          <p:cNvPr id="85" name="CustomShape 2"/>
           <p:cNvSpPr/>
           <p:nvPr/>
         </p:nvSpPr>
@@ -6414,7 +9915,7 @@
               <a:buChar char=""/>
             </a:pPr>
             <a:r>
-              <a:rPr b="0" lang="en-US" sz="3200" spc="-1" strike="noStrike">
+              <a:rPr b="0" lang="en-US" sz="2800" spc="-1" strike="noStrike">
                 <a:solidFill>
                   <a:srgbClr val="000000"/>
                 </a:solidFill>
@@ -6427,6 +9928,45 @@
                 <a:ea typeface="Noto Sans CJK SC Regular"/>
               </a:rPr>
               <a:t>Develop and train a Long Short Term Memory (LSTM) Neural Network to predict car sales demand. </a:t>
+            </a:r>
+            <a:endParaRPr b="0" lang="en-US" sz="1800" spc="-1" strike="noStrike">
+              <a:solidFill>
+                <a:srgbClr val="000000"/>
+              </a:solidFill>
+              <a:uFill>
+                <a:solidFill>
+                  <a:srgbClr val="ffffff"/>
+                </a:solidFill>
+              </a:uFill>
+              <a:latin typeface="Arial"/>
+            </a:endParaRPr>
+          </a:p>
+          <a:p>
+            <a:pPr marL="216000" indent="-215640">
+              <a:lnSpc>
+                <a:spcPct val="100000"/>
+              </a:lnSpc>
+              <a:buClr>
+                <a:srgbClr val="000000"/>
+              </a:buClr>
+              <a:buSzPct val="45000"/>
+              <a:buFont typeface="Wingdings" charset="2"/>
+              <a:buChar char=""/>
+            </a:pPr>
+            <a:r>
+              <a:rPr b="0" lang="en-US" sz="2800" spc="-1" strike="noStrike">
+                <a:solidFill>
+                  <a:srgbClr val="000000"/>
+                </a:solidFill>
+                <a:uFill>
+                  <a:solidFill>
+                    <a:srgbClr val="ffffff"/>
+                  </a:solidFill>
+                </a:uFill>
+                <a:latin typeface="Arial"/>
+                <a:ea typeface="Noto Sans CJK SC Regular"/>
+              </a:rPr>
+              <a:t> </a:t>
             </a:r>
             <a:endParaRPr b="0" lang="en-US" sz="1800" spc="-1" strike="noStrike">
               <a:solidFill>
@@ -6453,19 +9993,34 @@
               <a:buChar char=""/>
             </a:pPr>
             <a:r>
-              <a:rPr b="0" lang="en-US" sz="3200" spc="-1" strike="noStrike">
-                <a:solidFill>
-                  <a:srgbClr val="000000"/>
-                </a:solidFill>
-                <a:uFill>
-                  <a:solidFill>
-                    <a:srgbClr val="ffffff"/>
-                  </a:solidFill>
-                </a:uFill>
-                <a:latin typeface="Arial"/>
-                <a:ea typeface="Noto Sans CJK SC Regular"/>
-              </a:rPr>
-              <a:t>Neural Network: Model non linear relationships between inputs and outputs.</a:t>
+              <a:rPr b="1" lang="en-US" sz="2800" spc="-1" strike="noStrike">
+                <a:solidFill>
+                  <a:srgbClr val="000000"/>
+                </a:solidFill>
+                <a:uFill>
+                  <a:solidFill>
+                    <a:srgbClr val="ffffff"/>
+                  </a:solidFill>
+                </a:uFill>
+                <a:latin typeface="Arial"/>
+                <a:ea typeface="Noto Sans CJK SC Regular"/>
+              </a:rPr>
+              <a:t>Neural Network:</a:t>
+            </a:r>
+            <a:r>
+              <a:rPr b="0" lang="en-US" sz="2800" spc="-1" strike="noStrike">
+                <a:solidFill>
+                  <a:srgbClr val="000000"/>
+                </a:solidFill>
+                <a:uFill>
+                  <a:solidFill>
+                    <a:srgbClr val="ffffff"/>
+                  </a:solidFill>
+                </a:uFill>
+                <a:latin typeface="Arial"/>
+                <a:ea typeface="Noto Sans CJK SC Regular"/>
+              </a:rPr>
+              <a:t> Model non linear relationships between inputs and outputs.</a:t>
             </a:r>
             <a:endParaRPr b="0" lang="en-US" sz="1800" spc="-1" strike="noStrike">
               <a:solidFill>
@@ -6531,19 +10086,34 @@
               <a:buChar char=""/>
             </a:pPr>
             <a:r>
-              <a:rPr b="0" lang="en-US" sz="3200" spc="-1" strike="noStrike">
-                <a:solidFill>
-                  <a:srgbClr val="000000"/>
-                </a:solidFill>
-                <a:uFill>
-                  <a:solidFill>
-                    <a:srgbClr val="ffffff"/>
-                  </a:solidFill>
-                </a:uFill>
-                <a:latin typeface="Arial"/>
-                <a:ea typeface="Noto Sans CJK SC Regular"/>
-              </a:rPr>
-              <a:t>Recurrent NN: Able to use previous information to the present task.</a:t>
+              <a:rPr b="1" lang="en-US" sz="2800" spc="-1" strike="noStrike">
+                <a:solidFill>
+                  <a:srgbClr val="000000"/>
+                </a:solidFill>
+                <a:uFill>
+                  <a:solidFill>
+                    <a:srgbClr val="ffffff"/>
+                  </a:solidFill>
+                </a:uFill>
+                <a:latin typeface="Arial"/>
+                <a:ea typeface="Noto Sans CJK SC Regular"/>
+              </a:rPr>
+              <a:t>Recurrent:</a:t>
+            </a:r>
+            <a:r>
+              <a:rPr b="0" lang="en-US" sz="2800" spc="-1" strike="noStrike">
+                <a:solidFill>
+                  <a:srgbClr val="000000"/>
+                </a:solidFill>
+                <a:uFill>
+                  <a:solidFill>
+                    <a:srgbClr val="ffffff"/>
+                  </a:solidFill>
+                </a:uFill>
+                <a:latin typeface="Arial"/>
+                <a:ea typeface="Noto Sans CJK SC Regular"/>
+              </a:rPr>
+              <a:t> Able to use previous information to the present task.</a:t>
             </a:r>
             <a:endParaRPr b="0" lang="en-US" sz="1800" spc="-1" strike="noStrike">
               <a:solidFill>
@@ -6570,7 +10140,7 @@
               <a:buChar char=""/>
             </a:pPr>
             <a:r>
-              <a:rPr b="0" lang="en-US" sz="3200" spc="-1" strike="noStrike">
+              <a:rPr b="0" lang="en-US" sz="2800" spc="-1" strike="noStrike">
                 <a:solidFill>
                   <a:srgbClr val="000000"/>
                 </a:solidFill>
@@ -6609,19 +10179,34 @@
               <a:buChar char=""/>
             </a:pPr>
             <a:r>
-              <a:rPr b="0" lang="en-US" sz="3200" spc="-1" strike="noStrike">
-                <a:solidFill>
-                  <a:srgbClr val="000000"/>
-                </a:solidFill>
-                <a:uFill>
-                  <a:solidFill>
-                    <a:srgbClr val="ffffff"/>
-                  </a:solidFill>
-                </a:uFill>
-                <a:latin typeface="Arial"/>
-                <a:ea typeface="Noto Sans CJK SC Regular"/>
-              </a:rPr>
-              <a:t>LSTM NN: Capable of handling long term dependencies.</a:t>
+              <a:rPr b="1" lang="en-US" sz="2800" spc="-1" strike="noStrike">
+                <a:solidFill>
+                  <a:srgbClr val="000000"/>
+                </a:solidFill>
+                <a:uFill>
+                  <a:solidFill>
+                    <a:srgbClr val="ffffff"/>
+                  </a:solidFill>
+                </a:uFill>
+                <a:latin typeface="Arial"/>
+                <a:ea typeface="Noto Sans CJK SC Regular"/>
+              </a:rPr>
+              <a:t>LSTM:</a:t>
+            </a:r>
+            <a:r>
+              <a:rPr b="0" lang="en-US" sz="2800" spc="-1" strike="noStrike">
+                <a:solidFill>
+                  <a:srgbClr val="000000"/>
+                </a:solidFill>
+                <a:uFill>
+                  <a:solidFill>
+                    <a:srgbClr val="ffffff"/>
+                  </a:solidFill>
+                </a:uFill>
+                <a:latin typeface="Arial"/>
+                <a:ea typeface="Noto Sans CJK SC Regular"/>
+              </a:rPr>
+              <a:t> Capable of handling long term dependencies.</a:t>
             </a:r>
             <a:endParaRPr b="0" lang="en-US" sz="1800" spc="-1" strike="noStrike">
               <a:solidFill>
@@ -6642,10 +10227,10 @@
   <p:timing>
     <p:tnLst>
       <p:par>
-        <p:cTn id="9" dur="indefinite" restart="never" nodeType="tmRoot">
+        <p:cTn id="3" dur="indefinite" restart="never" nodeType="tmRoot">
           <p:childTnLst>
             <p:seq>
-              <p:cTn id="10" nodeType="mainSeq"/>
+              <p:cTn id="4" nodeType="mainSeq"/>
               <p:prevCondLst>
                 <p:cond delay="0" evt="onPrev">
                   <p:tgtEl>
@@ -6688,7 +10273,7 @@
       </p:grpSpPr>
       <p:sp>
         <p:nvSpPr>
-          <p:cNvPr id="81" name="CustomShape 1"/>
+          <p:cNvPr id="86" name="CustomShape 1"/>
           <p:cNvSpPr/>
           <p:nvPr/>
         </p:nvSpPr>
@@ -6750,7 +10335,7 @@
       </p:sp>
       <p:sp>
         <p:nvSpPr>
-          <p:cNvPr id="82" name="CustomShape 2"/>
+          <p:cNvPr id="87" name="CustomShape 2"/>
           <p:cNvSpPr/>
           <p:nvPr/>
         </p:nvSpPr>
@@ -6827,7 +10412,7 @@
               <a:buChar char=""/>
             </a:pPr>
             <a:r>
-              <a:rPr b="1" lang="en-US" sz="3200" spc="-1" strike="noStrike">
+              <a:rPr b="1" lang="en-US" sz="2800" spc="-1" strike="noStrike">
                 <a:solidFill>
                   <a:srgbClr val="000000"/>
                 </a:solidFill>
@@ -6842,7 +10427,7 @@
               <a:t>Configurable: </a:t>
             </a:r>
             <a:r>
-              <a:rPr b="0" lang="en-US" sz="3200" spc="-1" strike="noStrike">
+              <a:rPr b="0" lang="en-US" sz="2800" spc="-1" strike="noStrike">
                 <a:solidFill>
                   <a:srgbClr val="000000"/>
                 </a:solidFill>
@@ -6881,7 +10466,7 @@
               <a:buChar char=""/>
             </a:pPr>
             <a:r>
-              <a:rPr b="0" lang="en-US" sz="3200" spc="-1" strike="noStrike">
+              <a:rPr b="0" lang="en-US" sz="2800" spc="-1" strike="noStrike">
                 <a:solidFill>
                   <a:srgbClr val="000000"/>
                 </a:solidFill>
@@ -6920,7 +10505,7 @@
               <a:buChar char=""/>
             </a:pPr>
             <a:r>
-              <a:rPr b="1" lang="en-US" sz="3200" spc="-1" strike="noStrike">
+              <a:rPr b="1" lang="en-US" sz="2800" spc="-1" strike="noStrike">
                 <a:solidFill>
                   <a:srgbClr val="000000"/>
                 </a:solidFill>
@@ -6935,7 +10520,7 @@
               <a:t>Easy to evaluate: </a:t>
             </a:r>
             <a:r>
-              <a:rPr b="0" lang="en-US" sz="3200" spc="-1" strike="noStrike">
+              <a:rPr b="0" lang="en-US" sz="2800" spc="-1" strike="noStrike">
                 <a:solidFill>
                   <a:srgbClr val="000000"/>
                 </a:solidFill>
@@ -6950,7 +10535,7 @@
               <a:t>Provide the tools to analyze the results of each tested model and determine the best one.</a:t>
             </a:r>
             <a:r>
-              <a:rPr b="1" lang="en-US" sz="3200" spc="-1" strike="noStrike">
+              <a:rPr b="1" lang="en-US" sz="2800" spc="-1" strike="noStrike">
                 <a:solidFill>
                   <a:srgbClr val="000000"/>
                 </a:solidFill>
@@ -6983,10 +10568,10 @@
   <p:timing>
     <p:tnLst>
       <p:par>
-        <p:cTn id="11" dur="indefinite" restart="never" nodeType="tmRoot">
+        <p:cTn id="5" dur="indefinite" restart="never" nodeType="tmRoot">
           <p:childTnLst>
             <p:seq>
-              <p:cTn id="12" nodeType="mainSeq"/>
+              <p:cTn id="6" nodeType="mainSeq"/>
               <p:prevCondLst>
                 <p:cond delay="0" evt="onPrev">
                   <p:tgtEl>
@@ -7029,7 +10614,7 @@
       </p:grpSpPr>
       <p:sp>
         <p:nvSpPr>
-          <p:cNvPr id="83" name="CustomShape 1"/>
+          <p:cNvPr id="88" name="CustomShape 1"/>
           <p:cNvSpPr/>
           <p:nvPr/>
         </p:nvSpPr>
@@ -7091,13 +10676,13 @@
       </p:sp>
       <p:sp>
         <p:nvSpPr>
-          <p:cNvPr id="84" name="CustomShape 2"/>
+          <p:cNvPr id="89" name="CustomShape 2"/>
           <p:cNvSpPr/>
           <p:nvPr/>
         </p:nvSpPr>
         <p:spPr>
           <a:xfrm>
-            <a:off x="504000" y="1769040"/>
+            <a:off x="504000" y="1481040"/>
             <a:ext cx="9071280" cy="5924880"/>
           </a:xfrm>
           <a:prstGeom prst="rect">
@@ -7129,7 +10714,7 @@
               <a:buChar char=""/>
             </a:pPr>
             <a:r>
-              <a:rPr b="1" lang="en-US" sz="3200" spc="-1" strike="noStrike">
+              <a:rPr b="1" lang="en-US" sz="2800" spc="-1" strike="noStrike">
                 <a:solidFill>
                   <a:srgbClr val="000000"/>
                 </a:solidFill>
@@ -7168,7 +10753,7 @@
               <a:buChar char=""/>
             </a:pPr>
             <a:r>
-              <a:rPr b="0" lang="en-US" sz="3200" spc="-1" strike="noStrike">
+              <a:rPr b="0" lang="en-US" sz="2800" spc="-1" strike="noStrike">
                 <a:solidFill>
                   <a:srgbClr val="000000"/>
                 </a:solidFill>
@@ -7207,7 +10792,7 @@
               <a:buChar char=""/>
             </a:pPr>
             <a:r>
-              <a:rPr b="0" lang="en-US" sz="3200" spc="-1" strike="noStrike">
+              <a:rPr b="0" lang="en-US" sz="2800" spc="-1" strike="noStrike">
                 <a:solidFill>
                   <a:srgbClr val="000000"/>
                 </a:solidFill>
@@ -7285,19 +10870,19 @@
               <a:buChar char=""/>
             </a:pPr>
             <a:r>
-              <a:rPr b="1" lang="en-US" sz="3200" spc="-1" strike="noStrike">
-                <a:solidFill>
-                  <a:srgbClr val="000000"/>
-                </a:solidFill>
-                <a:uFill>
-                  <a:solidFill>
-                    <a:srgbClr val="ffffff"/>
-                  </a:solidFill>
-                </a:uFill>
-                <a:latin typeface="Arial"/>
-                <a:ea typeface="Noto Sans CJK SC Regular"/>
-              </a:rPr>
-              <a:t>Additional features in consideration:</a:t>
+              <a:rPr b="1" lang="en-US" sz="2800" spc="-1" strike="noStrike">
+                <a:solidFill>
+                  <a:srgbClr val="000000"/>
+                </a:solidFill>
+                <a:uFill>
+                  <a:solidFill>
+                    <a:srgbClr val="ffffff"/>
+                  </a:solidFill>
+                </a:uFill>
+                <a:latin typeface="Arial"/>
+                <a:ea typeface="Noto Sans CJK SC Regular"/>
+              </a:rPr>
+              <a:t>Additional features considered:</a:t>
             </a:r>
             <a:endParaRPr b="0" lang="en-US" sz="1800" spc="-1" strike="noStrike">
               <a:solidFill>
@@ -7324,7 +10909,7 @@
               <a:buChar char=""/>
             </a:pPr>
             <a:r>
-              <a:rPr b="0" lang="en-US" sz="3200" spc="-1" strike="noStrike">
+              <a:rPr b="0" lang="en-US" sz="2800" spc="-1" strike="noStrike">
                 <a:solidFill>
                   <a:srgbClr val="000000"/>
                 </a:solidFill>
@@ -7363,7 +10948,7 @@
               <a:buChar char=""/>
             </a:pPr>
             <a:r>
-              <a:rPr b="0" lang="en-US" sz="3200" spc="-1" strike="noStrike">
+              <a:rPr b="0" lang="en-US" sz="2800" spc="-1" strike="noStrike">
                 <a:solidFill>
                   <a:srgbClr val="000000"/>
                 </a:solidFill>
@@ -7402,7 +10987,7 @@
               <a:buChar char=""/>
             </a:pPr>
             <a:r>
-              <a:rPr b="0" lang="en-US" sz="3200" spc="-1" strike="noStrike">
+              <a:rPr b="0" lang="en-US" sz="2800" spc="-1" strike="noStrike">
                 <a:solidFill>
                   <a:srgbClr val="000000"/>
                 </a:solidFill>
@@ -7441,7 +11026,7 @@
               <a:buChar char=""/>
             </a:pPr>
             <a:r>
-              <a:rPr b="0" lang="en-US" sz="3200" spc="-1" strike="noStrike">
+              <a:rPr b="0" lang="en-US" sz="2800" spc="-1" strike="noStrike">
                 <a:solidFill>
                   <a:srgbClr val="000000"/>
                 </a:solidFill>
@@ -7480,7 +11065,7 @@
               <a:buChar char=""/>
             </a:pPr>
             <a:r>
-              <a:rPr b="0" lang="en-US" sz="3200" spc="-1" strike="noStrike">
+              <a:rPr b="0" lang="en-US" sz="2800" spc="-1" strike="noStrike">
                 <a:solidFill>
                   <a:srgbClr val="000000"/>
                 </a:solidFill>
@@ -7519,7 +11104,7 @@
               <a:buChar char=""/>
             </a:pPr>
             <a:r>
-              <a:rPr b="0" lang="en-US" sz="3200" spc="-1" strike="noStrike">
+              <a:rPr b="0" lang="en-US" sz="2800" spc="-1" strike="noStrike">
                 <a:solidFill>
                   <a:srgbClr val="000000"/>
                 </a:solidFill>
@@ -7558,7 +11143,7 @@
               <a:buChar char=""/>
             </a:pPr>
             <a:r>
-              <a:rPr b="0" lang="en-US" sz="3200" spc="-1" strike="noStrike">
+              <a:rPr b="0" lang="en-US" sz="2800" spc="-1" strike="noStrike">
                 <a:solidFill>
                   <a:srgbClr val="000000"/>
                 </a:solidFill>
@@ -7597,7 +11182,7 @@
               <a:buChar char=""/>
             </a:pPr>
             <a:r>
-              <a:rPr b="0" lang="en-US" sz="3200" spc="-1" strike="noStrike">
+              <a:rPr b="0" lang="en-US" sz="2800" spc="-1" strike="noStrike">
                 <a:solidFill>
                   <a:srgbClr val="000000"/>
                 </a:solidFill>
@@ -7630,10 +11215,10 @@
   <p:timing>
     <p:tnLst>
       <p:par>
-        <p:cTn id="13" dur="indefinite" restart="never" nodeType="tmRoot">
+        <p:cTn id="7" dur="indefinite" restart="never" nodeType="tmRoot">
           <p:childTnLst>
             <p:seq>
-              <p:cTn id="14" nodeType="mainSeq"/>
+              <p:cTn id="8" nodeType="mainSeq"/>
               <p:prevCondLst>
                 <p:cond delay="0" evt="onPrev">
                   <p:tgtEl>
@@ -7676,7 +11261,7 @@
       </p:grpSpPr>
       <p:sp>
         <p:nvSpPr>
-          <p:cNvPr id="85" name="CustomShape 1"/>
+          <p:cNvPr id="90" name="CustomShape 1"/>
           <p:cNvSpPr/>
           <p:nvPr/>
         </p:nvSpPr>
@@ -7738,7 +11323,7 @@
       </p:sp>
       <p:sp>
         <p:nvSpPr>
-          <p:cNvPr id="86" name="CustomShape 2"/>
+          <p:cNvPr id="91" name="CustomShape 2"/>
           <p:cNvSpPr/>
           <p:nvPr/>
         </p:nvSpPr>
@@ -7815,7 +11400,7 @@
               <a:buChar char=""/>
             </a:pPr>
             <a:r>
-              <a:rPr b="0" lang="en-US" sz="3200" spc="-1" strike="noStrike">
+              <a:rPr b="0" lang="en-US" sz="2800" spc="-1" strike="noStrike">
                 <a:solidFill>
                   <a:srgbClr val="000000"/>
                 </a:solidFill>
@@ -7854,7 +11439,7 @@
               <a:buChar char=""/>
             </a:pPr>
             <a:r>
-              <a:rPr b="0" lang="en-US" sz="3200" spc="-1" strike="noStrike">
+              <a:rPr b="0" lang="en-US" sz="2800" spc="-1" strike="noStrike">
                 <a:solidFill>
                   <a:srgbClr val="000000"/>
                 </a:solidFill>
@@ -7893,7 +11478,7 @@
               <a:buChar char=""/>
             </a:pPr>
             <a:r>
-              <a:rPr b="0" lang="en-US" sz="3200" spc="-1" strike="noStrike">
+              <a:rPr b="0" lang="en-US" sz="2800" spc="-1" strike="noStrike">
                 <a:solidFill>
                   <a:srgbClr val="000000"/>
                 </a:solidFill>
@@ -7932,7 +11517,7 @@
               <a:buChar char=""/>
             </a:pPr>
             <a:r>
-              <a:rPr b="0" lang="en-US" sz="3200" spc="-1" strike="noStrike">
+              <a:rPr b="0" lang="en-US" sz="2800" spc="-1" strike="noStrike">
                 <a:solidFill>
                   <a:srgbClr val="000000"/>
                 </a:solidFill>
@@ -7971,7 +11556,7 @@
               <a:buChar char=""/>
             </a:pPr>
             <a:r>
-              <a:rPr b="0" lang="en-US" sz="3200" spc="-1" strike="noStrike">
+              <a:rPr b="0" lang="en-US" sz="2800" spc="-1" strike="noStrike">
                 <a:solidFill>
                   <a:srgbClr val="000000"/>
                 </a:solidFill>
@@ -8010,7 +11595,7 @@
               <a:buChar char=""/>
             </a:pPr>
             <a:r>
-              <a:rPr b="0" lang="en-US" sz="3200" spc="-1" strike="noStrike">
+              <a:rPr b="0" lang="en-US" sz="2800" spc="-1" strike="noStrike">
                 <a:solidFill>
                   <a:srgbClr val="000000"/>
                 </a:solidFill>
@@ -8049,7 +11634,7 @@
               <a:buChar char=""/>
             </a:pPr>
             <a:r>
-              <a:rPr b="0" lang="en-US" sz="3200" spc="-1" strike="noStrike">
+              <a:rPr b="0" lang="en-US" sz="2800" spc="-1" strike="noStrike">
                 <a:solidFill>
                   <a:srgbClr val="000000"/>
                 </a:solidFill>
@@ -8088,7 +11673,7 @@
               <a:buChar char=""/>
             </a:pPr>
             <a:r>
-              <a:rPr b="0" lang="en-US" sz="3200" spc="-1" strike="noStrike">
+              <a:rPr b="0" lang="en-US" sz="2800" spc="-1" strike="noStrike">
                 <a:solidFill>
                   <a:srgbClr val="000000"/>
                 </a:solidFill>
@@ -8160,10 +11745,10 @@
   <p:timing>
     <p:tnLst>
       <p:par>
-        <p:cTn id="15" dur="indefinite" restart="never" nodeType="tmRoot">
+        <p:cTn id="9" dur="indefinite" restart="never" nodeType="tmRoot">
           <p:childTnLst>
             <p:seq>
-              <p:cTn id="16" nodeType="mainSeq"/>
+              <p:cTn id="10" nodeType="mainSeq"/>
               <p:prevCondLst>
                 <p:cond delay="0" evt="onPrev">
                   <p:tgtEl>
@@ -8206,7 +11791,7 @@
       </p:grpSpPr>
       <p:sp>
         <p:nvSpPr>
-          <p:cNvPr id="87" name="CustomShape 1"/>
+          <p:cNvPr id="92" name="CustomShape 1"/>
           <p:cNvSpPr/>
           <p:nvPr/>
         </p:nvSpPr>
@@ -8250,7 +11835,7 @@
                 <a:latin typeface="Arial"/>
                 <a:ea typeface="Noto Sans CJK SC Regular"/>
               </a:rPr>
-              <a:t>Solution Architecture</a:t>
+              <a:t>Technologies Used to Develop Solution</a:t>
             </a:r>
             <a:endParaRPr b="0" lang="en-US" sz="1800" spc="-1" strike="noStrike">
               <a:solidFill>
@@ -8268,14 +11853,14 @@
       </p:sp>
       <p:sp>
         <p:nvSpPr>
-          <p:cNvPr id="88" name="CustomShape 2"/>
+          <p:cNvPr id="93" name="CustomShape 2"/>
           <p:cNvSpPr/>
           <p:nvPr/>
         </p:nvSpPr>
         <p:spPr>
           <a:xfrm>
             <a:off x="504000" y="1769040"/>
-            <a:ext cx="9071280" cy="5013360"/>
+            <a:ext cx="9071280" cy="5924880"/>
           </a:xfrm>
           <a:prstGeom prst="rect">
             <a:avLst/>
@@ -8306,19 +11891,19 @@
               <a:buChar char=""/>
             </a:pPr>
             <a:r>
-              <a:rPr b="1" lang="en-US" sz="3200" spc="-1" strike="noStrike">
-                <a:solidFill>
-                  <a:srgbClr val="000000"/>
-                </a:solidFill>
-                <a:uFill>
-                  <a:solidFill>
-                    <a:srgbClr val="ffffff"/>
-                  </a:solidFill>
-                </a:uFill>
-                <a:latin typeface="Arial"/>
-                <a:ea typeface="Noto Sans CJK SC Regular"/>
-              </a:rPr>
-              <a:t> </a:t>
+              <a:rPr b="0" lang="en-US" sz="2800" spc="-1" strike="noStrike">
+                <a:solidFill>
+                  <a:srgbClr val="000000"/>
+                </a:solidFill>
+                <a:uFill>
+                  <a:solidFill>
+                    <a:srgbClr val="ffffff"/>
+                  </a:solidFill>
+                </a:uFill>
+                <a:latin typeface="Arial"/>
+                <a:ea typeface="Noto Sans CJK SC Regular"/>
+              </a:rPr>
+              <a:t>MySQL DBMS</a:t>
             </a:r>
             <a:endParaRPr b="0" lang="en-US" sz="1800" spc="-1" strike="noStrike">
               <a:solidFill>
@@ -8357,7 +11942,7 @@
                 <a:latin typeface="Arial"/>
                 <a:ea typeface="Noto Sans CJK SC Regular"/>
               </a:rPr>
-              <a:t>Monthly sales predictions N (1,2 or 3) months ahead</a:t>
+              <a:t> </a:t>
             </a:r>
             <a:endParaRPr b="0" lang="en-US" sz="1800" spc="-1" strike="noStrike">
               <a:solidFill>
@@ -8384,6 +11969,45 @@
               <a:buChar char=""/>
             </a:pPr>
             <a:r>
+              <a:rPr b="0" lang="en-US" sz="2800" spc="-1" strike="noStrike">
+                <a:solidFill>
+                  <a:srgbClr val="000000"/>
+                </a:solidFill>
+                <a:uFill>
+                  <a:solidFill>
+                    <a:srgbClr val="ffffff"/>
+                  </a:solidFill>
+                </a:uFill>
+                <a:latin typeface="Arial"/>
+                <a:ea typeface="Noto Sans CJK SC Regular"/>
+              </a:rPr>
+              <a:t>Python programming language</a:t>
+            </a:r>
+            <a:endParaRPr b="0" lang="en-US" sz="1800" spc="-1" strike="noStrike">
+              <a:solidFill>
+                <a:srgbClr val="000000"/>
+              </a:solidFill>
+              <a:uFill>
+                <a:solidFill>
+                  <a:srgbClr val="ffffff"/>
+                </a:solidFill>
+              </a:uFill>
+              <a:latin typeface="Arial"/>
+            </a:endParaRPr>
+          </a:p>
+          <a:p>
+            <a:pPr marL="216000" indent="-215640">
+              <a:lnSpc>
+                <a:spcPct val="100000"/>
+              </a:lnSpc>
+              <a:buClr>
+                <a:srgbClr val="000000"/>
+              </a:buClr>
+              <a:buSzPct val="45000"/>
+              <a:buFont typeface="Wingdings" charset="2"/>
+              <a:buChar char=""/>
+            </a:pPr>
+            <a:r>
               <a:rPr b="0" lang="en-US" sz="3200" spc="-1" strike="noStrike">
                 <a:solidFill>
                   <a:srgbClr val="000000"/>
@@ -8397,6 +12021,201 @@
                 <a:ea typeface="Noto Sans CJK SC Regular"/>
               </a:rPr>
               <a:t> </a:t>
+            </a:r>
+            <a:endParaRPr b="0" lang="en-US" sz="1800" spc="-1" strike="noStrike">
+              <a:solidFill>
+                <a:srgbClr val="000000"/>
+              </a:solidFill>
+              <a:uFill>
+                <a:solidFill>
+                  <a:srgbClr val="ffffff"/>
+                </a:solidFill>
+              </a:uFill>
+              <a:latin typeface="Arial"/>
+            </a:endParaRPr>
+          </a:p>
+          <a:p>
+            <a:pPr marL="216000" indent="-215640">
+              <a:lnSpc>
+                <a:spcPct val="100000"/>
+              </a:lnSpc>
+              <a:buClr>
+                <a:srgbClr val="000000"/>
+              </a:buClr>
+              <a:buSzPct val="45000"/>
+              <a:buFont typeface="Wingdings" charset="2"/>
+              <a:buChar char=""/>
+            </a:pPr>
+            <a:r>
+              <a:rPr b="0" lang="en-US" sz="2800" spc="-1" strike="noStrike">
+                <a:solidFill>
+                  <a:srgbClr val="000000"/>
+                </a:solidFill>
+                <a:uFill>
+                  <a:solidFill>
+                    <a:srgbClr val="ffffff"/>
+                  </a:solidFill>
+                </a:uFill>
+                <a:latin typeface="Arial"/>
+                <a:ea typeface="Noto Sans CJK SC Regular"/>
+              </a:rPr>
+              <a:t>Tensorflow machine learning framework</a:t>
+            </a:r>
+            <a:endParaRPr b="0" lang="en-US" sz="1800" spc="-1" strike="noStrike">
+              <a:solidFill>
+                <a:srgbClr val="000000"/>
+              </a:solidFill>
+              <a:uFill>
+                <a:solidFill>
+                  <a:srgbClr val="ffffff"/>
+                </a:solidFill>
+              </a:uFill>
+              <a:latin typeface="Arial"/>
+            </a:endParaRPr>
+          </a:p>
+          <a:p>
+            <a:pPr marL="216000" indent="-215640">
+              <a:lnSpc>
+                <a:spcPct val="100000"/>
+              </a:lnSpc>
+              <a:buClr>
+                <a:srgbClr val="000000"/>
+              </a:buClr>
+              <a:buSzPct val="45000"/>
+              <a:buFont typeface="Wingdings" charset="2"/>
+              <a:buChar char=""/>
+            </a:pPr>
+            <a:r>
+              <a:rPr b="0" lang="en-US" sz="3200" spc="-1" strike="noStrike">
+                <a:solidFill>
+                  <a:srgbClr val="000000"/>
+                </a:solidFill>
+                <a:uFill>
+                  <a:solidFill>
+                    <a:srgbClr val="ffffff"/>
+                  </a:solidFill>
+                </a:uFill>
+                <a:latin typeface="Arial"/>
+                <a:ea typeface="Noto Sans CJK SC Regular"/>
+              </a:rPr>
+              <a:t> </a:t>
+            </a:r>
+            <a:endParaRPr b="0" lang="en-US" sz="1800" spc="-1" strike="noStrike">
+              <a:solidFill>
+                <a:srgbClr val="000000"/>
+              </a:solidFill>
+              <a:uFill>
+                <a:solidFill>
+                  <a:srgbClr val="ffffff"/>
+                </a:solidFill>
+              </a:uFill>
+              <a:latin typeface="Arial"/>
+            </a:endParaRPr>
+          </a:p>
+          <a:p>
+            <a:pPr marL="216000" indent="-215640">
+              <a:lnSpc>
+                <a:spcPct val="100000"/>
+              </a:lnSpc>
+              <a:buClr>
+                <a:srgbClr val="000000"/>
+              </a:buClr>
+              <a:buSzPct val="45000"/>
+              <a:buFont typeface="Wingdings" charset="2"/>
+              <a:buChar char=""/>
+            </a:pPr>
+            <a:r>
+              <a:rPr b="0" lang="en-US" sz="2800" spc="-1" strike="noStrike">
+                <a:solidFill>
+                  <a:srgbClr val="000000"/>
+                </a:solidFill>
+                <a:uFill>
+                  <a:solidFill>
+                    <a:srgbClr val="ffffff"/>
+                  </a:solidFill>
+                </a:uFill>
+                <a:latin typeface="Arial"/>
+                <a:ea typeface="Noto Sans CJK SC Regular"/>
+              </a:rPr>
+              <a:t>Tensorboard visualization framework</a:t>
+            </a:r>
+            <a:endParaRPr b="0" lang="en-US" sz="1800" spc="-1" strike="noStrike">
+              <a:solidFill>
+                <a:srgbClr val="000000"/>
+              </a:solidFill>
+              <a:uFill>
+                <a:solidFill>
+                  <a:srgbClr val="ffffff"/>
+                </a:solidFill>
+              </a:uFill>
+              <a:latin typeface="Arial"/>
+            </a:endParaRPr>
+          </a:p>
+          <a:p>
+            <a:pPr marL="216000" indent="-215640">
+              <a:lnSpc>
+                <a:spcPct val="100000"/>
+              </a:lnSpc>
+              <a:buClr>
+                <a:srgbClr val="000000"/>
+              </a:buClr>
+              <a:buSzPct val="45000"/>
+              <a:buFont typeface="Wingdings" charset="2"/>
+              <a:buChar char=""/>
+            </a:pPr>
+            <a:r>
+              <a:rPr b="0" lang="en-US" sz="3200" spc="-1" strike="noStrike">
+                <a:solidFill>
+                  <a:srgbClr val="000000"/>
+                </a:solidFill>
+                <a:uFill>
+                  <a:solidFill>
+                    <a:srgbClr val="ffffff"/>
+                  </a:solidFill>
+                </a:uFill>
+                <a:latin typeface="Arial"/>
+                <a:ea typeface="Noto Sans CJK SC Regular"/>
+              </a:rPr>
+              <a:t> </a:t>
+            </a:r>
+            <a:endParaRPr b="0" lang="en-US" sz="1800" spc="-1" strike="noStrike">
+              <a:solidFill>
+                <a:srgbClr val="000000"/>
+              </a:solidFill>
+              <a:uFill>
+                <a:solidFill>
+                  <a:srgbClr val="ffffff"/>
+                </a:solidFill>
+              </a:uFill>
+              <a:latin typeface="Arial"/>
+            </a:endParaRPr>
+          </a:p>
+          <a:p>
+            <a:pPr marL="216000" indent="-215640">
+              <a:lnSpc>
+                <a:spcPct val="100000"/>
+              </a:lnSpc>
+              <a:buClr>
+                <a:srgbClr val="000000"/>
+              </a:buClr>
+              <a:buSzPct val="45000"/>
+              <a:buFont typeface="Wingdings" charset="2"/>
+              <a:buChar char=""/>
+            </a:pPr>
+            <a:r>
+              <a:rPr b="0" lang="en-US" sz="2800" spc="-1" strike="noStrike">
+                <a:solidFill>
+                  <a:srgbClr val="000000"/>
+                </a:solidFill>
+                <a:uFill>
+                  <a:solidFill>
+                    <a:srgbClr val="ffffff"/>
+                  </a:solidFill>
+                </a:uFill>
+                <a:latin typeface="Arial"/>
+                <a:ea typeface="Noto Sans CJK SC Regular"/>
+              </a:rPr>
+              <a:t>Ray Tune hyperparameter optimization framework</a:t>
             </a:r>
             <a:endParaRPr b="0" lang="en-US" sz="1800" spc="-1" strike="noStrike">
               <a:solidFill>
@@ -8423,241 +12242,7 @@
               <a:buChar char=""/>
             </a:pPr>
             <a:r>
-              <a:rPr b="0" lang="en-US" sz="3200" spc="-1" strike="noStrike">
-                <a:solidFill>
-                  <a:srgbClr val="000000"/>
-                </a:solidFill>
-                <a:uFill>
-                  <a:solidFill>
-                    <a:srgbClr val="ffffff"/>
-                  </a:solidFill>
-                </a:uFill>
-                <a:latin typeface="Arial"/>
-                <a:ea typeface="Noto Sans CJK SC Regular"/>
-              </a:rPr>
-              <a:t>Level of prediction:</a:t>
-            </a:r>
-            <a:endParaRPr b="0" lang="en-US" sz="1800" spc="-1" strike="noStrike">
-              <a:solidFill>
-                <a:srgbClr val="000000"/>
-              </a:solidFill>
-              <a:uFill>
-                <a:solidFill>
-                  <a:srgbClr val="ffffff"/>
-                </a:solidFill>
-              </a:uFill>
-              <a:latin typeface="Arial"/>
-            </a:endParaRPr>
-          </a:p>
-          <a:p>
-            <a:pPr marL="896760" indent="-215640">
-              <a:lnSpc>
-                <a:spcPct val="100000"/>
-              </a:lnSpc>
-              <a:buClr>
-                <a:srgbClr val="000000"/>
-              </a:buClr>
-              <a:buSzPct val="45000"/>
-              <a:buFont typeface="Wingdings" charset="2"/>
-              <a:buChar char=""/>
-            </a:pPr>
-            <a:r>
-              <a:rPr b="0" lang="en-US" sz="3200" spc="-1" strike="noStrike">
-                <a:solidFill>
-                  <a:srgbClr val="000000"/>
-                </a:solidFill>
-                <a:uFill>
-                  <a:solidFill>
-                    <a:srgbClr val="ffffff"/>
-                  </a:solidFill>
-                </a:uFill>
-                <a:latin typeface="Arial"/>
-                <a:ea typeface="Noto Sans CJK SC Regular"/>
-              </a:rPr>
-              <a:t>Car model level</a:t>
-            </a:r>
-            <a:endParaRPr b="0" lang="en-US" sz="1800" spc="-1" strike="noStrike">
-              <a:solidFill>
-                <a:srgbClr val="000000"/>
-              </a:solidFill>
-              <a:uFill>
-                <a:solidFill>
-                  <a:srgbClr val="ffffff"/>
-                </a:solidFill>
-              </a:uFill>
-              <a:latin typeface="Arial"/>
-            </a:endParaRPr>
-          </a:p>
-          <a:p>
-            <a:pPr marL="896760" indent="-215640">
-              <a:lnSpc>
-                <a:spcPct val="100000"/>
-              </a:lnSpc>
-              <a:buClr>
-                <a:srgbClr val="000000"/>
-              </a:buClr>
-              <a:buSzPct val="45000"/>
-              <a:buFont typeface="Wingdings" charset="2"/>
-              <a:buChar char=""/>
-            </a:pPr>
-            <a:r>
-              <a:rPr b="0" lang="en-US" sz="3200" spc="-1" strike="noStrike">
-                <a:solidFill>
-                  <a:srgbClr val="000000"/>
-                </a:solidFill>
-                <a:uFill>
-                  <a:solidFill>
-                    <a:srgbClr val="ffffff"/>
-                  </a:solidFill>
-                </a:uFill>
-                <a:latin typeface="Arial"/>
-                <a:ea typeface="Noto Sans CJK SC Regular"/>
-              </a:rPr>
-              <a:t> </a:t>
-            </a:r>
-            <a:endParaRPr b="0" lang="en-US" sz="1800" spc="-1" strike="noStrike">
-              <a:solidFill>
-                <a:srgbClr val="000000"/>
-              </a:solidFill>
-              <a:uFill>
-                <a:solidFill>
-                  <a:srgbClr val="ffffff"/>
-                </a:solidFill>
-              </a:uFill>
-              <a:latin typeface="Arial"/>
-            </a:endParaRPr>
-          </a:p>
-          <a:p>
-            <a:pPr marL="896760" indent="-215640">
-              <a:lnSpc>
-                <a:spcPct val="100000"/>
-              </a:lnSpc>
-              <a:buClr>
-                <a:srgbClr val="000000"/>
-              </a:buClr>
-              <a:buSzPct val="45000"/>
-              <a:buFont typeface="Wingdings" charset="2"/>
-              <a:buChar char=""/>
-            </a:pPr>
-            <a:r>
-              <a:rPr b="0" lang="en-US" sz="3200" spc="-1" strike="noStrike">
-                <a:solidFill>
-                  <a:srgbClr val="000000"/>
-                </a:solidFill>
-                <a:uFill>
-                  <a:solidFill>
-                    <a:srgbClr val="ffffff"/>
-                  </a:solidFill>
-                </a:uFill>
-                <a:latin typeface="Arial"/>
-                <a:ea typeface="Noto Sans CJK SC Regular"/>
-              </a:rPr>
-              <a:t>Compared against:</a:t>
-            </a:r>
-            <a:endParaRPr b="0" lang="en-US" sz="1800" spc="-1" strike="noStrike">
-              <a:solidFill>
-                <a:srgbClr val="000000"/>
-              </a:solidFill>
-              <a:uFill>
-                <a:solidFill>
-                  <a:srgbClr val="ffffff"/>
-                </a:solidFill>
-              </a:uFill>
-              <a:latin typeface="Arial"/>
-            </a:endParaRPr>
-          </a:p>
-          <a:p>
-            <a:pPr marL="1344960" indent="-215640">
-              <a:lnSpc>
-                <a:spcPct val="100000"/>
-              </a:lnSpc>
-              <a:buClr>
-                <a:srgbClr val="000000"/>
-              </a:buClr>
-              <a:buSzPct val="45000"/>
-              <a:buFont typeface="Wingdings" charset="2"/>
-              <a:buChar char=""/>
-            </a:pPr>
-            <a:r>
-              <a:rPr b="0" lang="en-US" sz="3200" spc="-1" strike="noStrike">
-                <a:solidFill>
-                  <a:srgbClr val="000000"/>
-                </a:solidFill>
-                <a:uFill>
-                  <a:solidFill>
-                    <a:srgbClr val="ffffff"/>
-                  </a:solidFill>
-                </a:uFill>
-                <a:latin typeface="Arial"/>
-                <a:ea typeface="Noto Sans CJK SC Regular"/>
-              </a:rPr>
-              <a:t>Platform level</a:t>
-            </a:r>
-            <a:endParaRPr b="0" lang="en-US" sz="1800" spc="-1" strike="noStrike">
-              <a:solidFill>
-                <a:srgbClr val="000000"/>
-              </a:solidFill>
-              <a:uFill>
-                <a:solidFill>
-                  <a:srgbClr val="ffffff"/>
-                </a:solidFill>
-              </a:uFill>
-              <a:latin typeface="Arial"/>
-            </a:endParaRPr>
-          </a:p>
-          <a:p>
-            <a:pPr marL="1344960" indent="-215640">
-              <a:lnSpc>
-                <a:spcPct val="100000"/>
-              </a:lnSpc>
-              <a:buClr>
-                <a:srgbClr val="000000"/>
-              </a:buClr>
-              <a:buSzPct val="45000"/>
-              <a:buFont typeface="Wingdings" charset="2"/>
-              <a:buChar char=""/>
-            </a:pPr>
-            <a:r>
-              <a:rPr b="0" lang="en-US" sz="3200" spc="-1" strike="noStrike">
-                <a:solidFill>
-                  <a:srgbClr val="000000"/>
-                </a:solidFill>
-                <a:uFill>
-                  <a:solidFill>
-                    <a:srgbClr val="ffffff"/>
-                  </a:solidFill>
-                </a:uFill>
-                <a:latin typeface="Arial"/>
-                <a:ea typeface="Noto Sans CJK SC Regular"/>
-              </a:rPr>
-              <a:t>Nationwide level</a:t>
-            </a:r>
-            <a:endParaRPr b="0" lang="en-US" sz="1800" spc="-1" strike="noStrike">
-              <a:solidFill>
-                <a:srgbClr val="000000"/>
-              </a:solidFill>
-              <a:uFill>
-                <a:solidFill>
-                  <a:srgbClr val="ffffff"/>
-                </a:solidFill>
-              </a:uFill>
-              <a:latin typeface="Arial"/>
-            </a:endParaRPr>
-          </a:p>
-          <a:p>
-            <a:pPr marL="448200" indent="-215640">
-              <a:lnSpc>
-                <a:spcPct val="100000"/>
-              </a:lnSpc>
-              <a:buClr>
-                <a:srgbClr val="000000"/>
-              </a:buClr>
-              <a:buSzPct val="45000"/>
-              <a:buFont typeface="Wingdings" charset="2"/>
-              <a:buChar char=""/>
-            </a:pPr>
-            <a:r>
-              <a:rPr b="0" lang="en-US" sz="3200" spc="-1" strike="noStrike">
+              <a:rPr b="0" lang="en-US" sz="2800" spc="-1" strike="noStrike">
                 <a:solidFill>
                   <a:srgbClr val="000000"/>
                 </a:solidFill>
@@ -8687,33 +12272,6 @@
       </p:sp>
     </p:spTree>
   </p:cSld>
-  <p:timing>
-    <p:tnLst>
-      <p:par>
-        <p:cTn id="17" dur="indefinite" restart="never" nodeType="tmRoot">
-          <p:childTnLst>
-            <p:seq>
-              <p:cTn id="18" nodeType="mainSeq"/>
-              <p:prevCondLst>
-                <p:cond delay="0" evt="onPrev">
-                  <p:tgtEl>
-                    <p:sldTgt/>
-                  </p:tgtEl>
-                </p:cond>
-              </p:prevCondLst>
-              <p:nextCondLst>
-                <p:cond delay="0" evt="onNext">
-                  <p:tgtEl>
-                    <p:sldTgt/>
-                  </p:tgtEl>
-                </p:cond>
-              </p:nextCondLst>
-            </p:seq>
-          </p:childTnLst>
-        </p:cTn>
-      </p:par>
-    </p:tnLst>
-  </p:timing>
 </p:sld>
 </file>
 
@@ -9161,4 +12719,227 @@
     </a:fmtScheme>
   </a:themeElements>
 </a:theme>
+</file>
+
+<file path=ppt/theme/theme3.xml><?xml version="1.0" encoding="utf-8"?>
+<a:theme xmlns:a="http://schemas.openxmlformats.org/drawingml/2006/main" name="Office Theme">
+  <a:themeElements>
+    <a:clrScheme name="Office">
+      <a:dk1>
+        <a:sysClr val="windowText" lastClr="000000"/>
+      </a:dk1>
+      <a:lt1>
+        <a:sysClr val="window" lastClr="FFFFFF"/>
+      </a:lt1>
+      <a:dk2>
+        <a:srgbClr val="1F497D"/>
+      </a:dk2>
+      <a:lt2>
+        <a:srgbClr val="EEECE1"/>
+      </a:lt2>
+      <a:accent1>
+        <a:srgbClr val="4F81BD"/>
+      </a:accent1>
+      <a:accent2>
+        <a:srgbClr val="C0504D"/>
+      </a:accent2>
+      <a:accent3>
+        <a:srgbClr val="9BBB59"/>
+      </a:accent3>
+      <a:accent4>
+        <a:srgbClr val="8064A2"/>
+      </a:accent4>
+      <a:accent5>
+        <a:srgbClr val="4BACC6"/>
+      </a:accent5>
+      <a:accent6>
+        <a:srgbClr val="F79646"/>
+      </a:accent6>
+      <a:hlink>
+        <a:srgbClr val="0000FF"/>
+      </a:hlink>
+      <a:folHlink>
+        <a:srgbClr val="800080"/>
+      </a:folHlink>
+    </a:clrScheme>
+    <a:fontScheme name="Office">
+      <a:majorFont>
+        <a:latin typeface="Arial"/>
+        <a:ea typeface="DejaVu Sans"/>
+        <a:cs typeface="DejaVu Sans"/>
+      </a:majorFont>
+      <a:minorFont>
+        <a:latin typeface="Arial"/>
+        <a:ea typeface="DejaVu Sans"/>
+        <a:cs typeface="DejaVu Sans"/>
+      </a:minorFont>
+    </a:fontScheme>
+    <a:fmtScheme name="Office">
+      <a:fillStyleLst>
+        <a:solidFill>
+          <a:schemeClr val="phClr"/>
+        </a:solidFill>
+        <a:gradFill rotWithShape="1">
+          <a:gsLst>
+            <a:gs pos="0">
+              <a:schemeClr val="phClr">
+                <a:tint val="50000"/>
+                <a:satMod val="300000"/>
+              </a:schemeClr>
+            </a:gs>
+            <a:gs pos="35000">
+              <a:schemeClr val="phClr">
+                <a:tint val="37000"/>
+                <a:satMod val="300000"/>
+              </a:schemeClr>
+            </a:gs>
+            <a:gs pos="100000">
+              <a:schemeClr val="phClr">
+                <a:tint val="15000"/>
+                <a:satMod val="350000"/>
+              </a:schemeClr>
+            </a:gs>
+          </a:gsLst>
+          <a:lin ang="16200000" scaled="1"/>
+        </a:gradFill>
+        <a:gradFill rotWithShape="1">
+          <a:gsLst>
+            <a:gs pos="0">
+              <a:schemeClr val="phClr">
+                <a:shade val="51000"/>
+                <a:satMod val="130000"/>
+              </a:schemeClr>
+            </a:gs>
+            <a:gs pos="80000">
+              <a:schemeClr val="phClr">
+                <a:shade val="93000"/>
+                <a:satMod val="130000"/>
+              </a:schemeClr>
+            </a:gs>
+            <a:gs pos="100000">
+              <a:schemeClr val="phClr">
+                <a:shade val="94000"/>
+                <a:satMod val="135000"/>
+              </a:schemeClr>
+            </a:gs>
+          </a:gsLst>
+          <a:lin ang="16200000" scaled="0"/>
+        </a:gradFill>
+      </a:fillStyleLst>
+      <a:lnStyleLst>
+        <a:ln w="9525" cap="flat" cmpd="sng" algn="ctr">
+          <a:solidFill>
+            <a:schemeClr val="phClr">
+              <a:shade val="95000"/>
+              <a:satMod val="105000"/>
+            </a:schemeClr>
+          </a:solidFill>
+          <a:prstDash val="solid"/>
+        </a:ln>
+        <a:ln w="25400" cap="flat" cmpd="sng" algn="ctr">
+          <a:solidFill>
+            <a:schemeClr val="phClr"/>
+          </a:solidFill>
+          <a:prstDash val="solid"/>
+        </a:ln>
+        <a:ln w="38100" cap="flat" cmpd="sng" algn="ctr">
+          <a:solidFill>
+            <a:schemeClr val="phClr"/>
+          </a:solidFill>
+          <a:prstDash val="solid"/>
+        </a:ln>
+      </a:lnStyleLst>
+      <a:effectStyleLst>
+        <a:effectStyle>
+          <a:effectLst>
+            <a:outerShdw blurRad="40000" dist="20000" dir="5400000" rotWithShape="0">
+              <a:srgbClr val="000000">
+                <a:alpha val="38000"/>
+              </a:srgbClr>
+            </a:outerShdw>
+          </a:effectLst>
+        </a:effectStyle>
+        <a:effectStyle>
+          <a:effectLst>
+            <a:outerShdw blurRad="40000" dist="23000" dir="5400000" rotWithShape="0">
+              <a:srgbClr val="000000">
+                <a:alpha val="35000"/>
+              </a:srgbClr>
+            </a:outerShdw>
+          </a:effectLst>
+        </a:effectStyle>
+        <a:effectStyle>
+          <a:effectLst>
+            <a:outerShdw blurRad="40000" dist="23000" dir="5400000" rotWithShape="0">
+              <a:srgbClr val="000000">
+                <a:alpha val="35000"/>
+              </a:srgbClr>
+            </a:outerShdw>
+          </a:effectLst>
+          <a:scene3d>
+            <a:camera prst="orthographicFront">
+              <a:rot lat="0" lon="0" rev="0"/>
+            </a:camera>
+            <a:lightRig rig="threePt" dir="t">
+              <a:rot lat="0" lon="0" rev="1200000"/>
+            </a:lightRig>
+          </a:scene3d>
+          <a:sp3d>
+            <a:bevelT w="63500" h="25400"/>
+          </a:sp3d>
+        </a:effectStyle>
+      </a:effectStyleLst>
+      <a:bgFillStyleLst>
+        <a:solidFill>
+          <a:schemeClr val="phClr"/>
+        </a:solidFill>
+        <a:gradFill rotWithShape="1">
+          <a:gsLst>
+            <a:gs pos="0">
+              <a:schemeClr val="phClr">
+                <a:tint val="40000"/>
+                <a:satMod val="350000"/>
+              </a:schemeClr>
+            </a:gs>
+            <a:gs pos="40000">
+              <a:schemeClr val="phClr">
+                <a:tint val="45000"/>
+                <a:shade val="99000"/>
+                <a:satMod val="350000"/>
+              </a:schemeClr>
+            </a:gs>
+            <a:gs pos="100000">
+              <a:schemeClr val="phClr">
+                <a:shade val="20000"/>
+                <a:satMod val="255000"/>
+              </a:schemeClr>
+            </a:gs>
+          </a:gsLst>
+          <a:path path="circle">
+            <a:fillToRect l="50000" t="-80000" r="50000" b="180000"/>
+          </a:path>
+        </a:gradFill>
+        <a:gradFill rotWithShape="1">
+          <a:gsLst>
+            <a:gs pos="0">
+              <a:schemeClr val="phClr">
+                <a:tint val="80000"/>
+                <a:satMod val="300000"/>
+              </a:schemeClr>
+            </a:gs>
+            <a:gs pos="100000">
+              <a:schemeClr val="phClr">
+                <a:shade val="30000"/>
+                <a:satMod val="200000"/>
+              </a:schemeClr>
+            </a:gs>
+          </a:gsLst>
+          <a:path path="circle">
+            <a:fillToRect l="50000" t="50000" r="50000" b="50000"/>
+          </a:path>
+        </a:gradFill>
+      </a:bgFillStyleLst>
+    </a:fmtScheme>
+  </a:themeElements>
+</a:theme>
 </file>